--- a/E-R.pptx
+++ b/E-R.pptx
@@ -6139,7 +6139,7 @@
         </p:nvSpPr>
         <p:spPr>
           <a:xfrm>
-            <a:off x="842717" y="4385793"/>
+            <a:off x="842717" y="4403959"/>
             <a:ext cx="142455" cy="125409"/>
           </a:xfrm>
           <a:prstGeom prst="ellipse">
@@ -6246,9 +6246,9 @@
           <p:nvPr/>
         </p:nvCxnSpPr>
         <p:spPr>
-          <a:xfrm flipV="1">
-            <a:off x="985172" y="4443433"/>
-            <a:ext cx="252308" cy="5065"/>
+          <a:xfrm>
+            <a:off x="985172" y="4466664"/>
+            <a:ext cx="281785" cy="0"/>
           </a:xfrm>
           <a:prstGeom prst="line">
             <a:avLst/>
@@ -6565,16 +6565,101 @@
       </p:cxnSp>
       <p:sp>
         <p:nvSpPr>
-          <p:cNvPr id="155" name="Rettangolo 154"/>
+          <p:cNvPr id="156" name="Ovale 155"/>
           <p:cNvSpPr/>
           <p:nvPr/>
         </p:nvSpPr>
         <p:spPr>
           <a:xfrm>
-            <a:off x="1237480" y="4385793"/>
-            <a:ext cx="844814" cy="385713"/>
-          </a:xfrm>
-          <a:prstGeom prst="rect">
+            <a:off x="6250106" y="4038914"/>
+            <a:ext cx="142455" cy="125409"/>
+          </a:xfrm>
+          <a:prstGeom prst="ellipse">
+            <a:avLst/>
+          </a:prstGeom>
+          <a:solidFill>
+            <a:schemeClr val="accent1">
+              <a:lumMod val="75000"/>
+            </a:schemeClr>
+          </a:solidFill>
+          <a:ln>
+            <a:solidFill>
+              <a:schemeClr val="tx1"/>
+            </a:solidFill>
+          </a:ln>
+        </p:spPr>
+        <p:style>
+          <a:lnRef idx="1">
+            <a:schemeClr val="accent1"/>
+          </a:lnRef>
+          <a:fillRef idx="3">
+            <a:schemeClr val="accent1"/>
+          </a:fillRef>
+          <a:effectRef idx="2">
+            <a:schemeClr val="accent1"/>
+          </a:effectRef>
+          <a:fontRef idx="minor">
+            <a:schemeClr val="lt1"/>
+          </a:fontRef>
+        </p:style>
+        <p:txBody>
+          <a:bodyPr rtlCol="0" anchor="ctr"/>
+          <a:lstStyle/>
+          <a:p>
+            <a:pPr algn="ctr"/>
+            <a:endParaRPr lang="it-IT" sz="800"/>
+          </a:p>
+        </p:txBody>
+      </p:sp>
+      <p:cxnSp>
+        <p:nvCxnSpPr>
+          <p:cNvPr id="157" name="Connettore 1 156"/>
+          <p:cNvCxnSpPr>
+            <a:stCxn id="156" idx="4"/>
+          </p:cNvCxnSpPr>
+          <p:nvPr/>
+        </p:nvCxnSpPr>
+        <p:spPr>
+          <a:xfrm>
+            <a:off x="6321334" y="4164323"/>
+            <a:ext cx="0" cy="306101"/>
+          </a:xfrm>
+          <a:prstGeom prst="line">
+            <a:avLst/>
+          </a:prstGeom>
+          <a:ln w="12700">
+            <a:solidFill>
+              <a:schemeClr val="tx1"/>
+            </a:solidFill>
+          </a:ln>
+        </p:spPr>
+        <p:style>
+          <a:lnRef idx="2">
+            <a:schemeClr val="accent1"/>
+          </a:lnRef>
+          <a:fillRef idx="0">
+            <a:schemeClr val="accent1"/>
+          </a:fillRef>
+          <a:effectRef idx="1">
+            <a:schemeClr val="accent1"/>
+          </a:effectRef>
+          <a:fontRef idx="minor">
+            <a:schemeClr val="tx1"/>
+          </a:fontRef>
+        </p:style>
+      </p:cxnSp>
+      <p:sp>
+        <p:nvSpPr>
+          <p:cNvPr id="160" name="Ovale 159"/>
+          <p:cNvSpPr/>
+          <p:nvPr/>
+        </p:nvSpPr>
+        <p:spPr>
+          <a:xfrm>
+            <a:off x="6754312" y="4137332"/>
+            <a:ext cx="142455" cy="125409"/>
+          </a:xfrm>
+          <a:prstGeom prst="ellipse">
             <a:avLst/>
           </a:prstGeom>
           <a:gradFill flip="none" rotWithShape="1">
@@ -6617,81 +6702,21 @@
           <a:lstStyle/>
           <a:p>
             <a:pPr algn="ctr"/>
-            <a:r>
-              <a:rPr lang="it-IT" sz="800" dirty="0" smtClean="0">
-                <a:solidFill>
-                  <a:srgbClr val="000000"/>
-                </a:solidFill>
-              </a:rPr>
-              <a:t>Sensore</a:t>
-            </a:r>
-            <a:endParaRPr lang="it-IT" sz="800" dirty="0">
-              <a:solidFill>
-                <a:srgbClr val="000000"/>
-              </a:solidFill>
-            </a:endParaRPr>
-          </a:p>
-        </p:txBody>
-      </p:sp>
-      <p:sp>
-        <p:nvSpPr>
-          <p:cNvPr id="156" name="Ovale 155"/>
-          <p:cNvSpPr/>
-          <p:nvPr/>
-        </p:nvSpPr>
-        <p:spPr>
-          <a:xfrm>
-            <a:off x="6250106" y="4038914"/>
-            <a:ext cx="142455" cy="125409"/>
-          </a:xfrm>
-          <a:prstGeom prst="ellipse">
-            <a:avLst/>
-          </a:prstGeom>
-          <a:solidFill>
-            <a:schemeClr val="accent1">
-              <a:lumMod val="75000"/>
-            </a:schemeClr>
-          </a:solidFill>
-          <a:ln>
-            <a:solidFill>
-              <a:schemeClr val="tx1"/>
-            </a:solidFill>
-          </a:ln>
-        </p:spPr>
-        <p:style>
-          <a:lnRef idx="1">
-            <a:schemeClr val="accent1"/>
-          </a:lnRef>
-          <a:fillRef idx="3">
-            <a:schemeClr val="accent1"/>
-          </a:fillRef>
-          <a:effectRef idx="2">
-            <a:schemeClr val="accent1"/>
-          </a:effectRef>
-          <a:fontRef idx="minor">
-            <a:schemeClr val="lt1"/>
-          </a:fontRef>
-        </p:style>
-        <p:txBody>
-          <a:bodyPr rtlCol="0" anchor="ctr"/>
-          <a:lstStyle/>
-          <a:p>
-            <a:pPr algn="ctr"/>
             <a:endParaRPr lang="it-IT" sz="800"/>
           </a:p>
         </p:txBody>
       </p:sp>
       <p:cxnSp>
         <p:nvCxnSpPr>
-          <p:cNvPr id="157" name="Connettore 1 156"/>
+          <p:cNvPr id="161" name="Connettore 1 160"/>
           <p:cNvCxnSpPr>
-            <a:stCxn id="156" idx="4"/>
+            <a:stCxn id="160" idx="4"/>
           </p:cNvCxnSpPr>
           <p:nvPr/>
         </p:nvCxnSpPr>
         <p:spPr>
           <a:xfrm>
-            <a:off x="6321334" y="4164323"/>
+            <a:off x="6825540" y="4262741"/>
             <a:ext cx="0" cy="306101"/>
           </a:xfrm>
           <a:prstGeom prst="line">
@@ -6720,16 +6745,16 @@
       </p:cxnSp>
       <p:sp>
         <p:nvSpPr>
-          <p:cNvPr id="160" name="Ovale 159"/>
+          <p:cNvPr id="162" name="Rettangolo 161"/>
           <p:cNvSpPr/>
           <p:nvPr/>
         </p:nvSpPr>
         <p:spPr>
           <a:xfrm>
-            <a:off x="6754312" y="4137332"/>
-            <a:ext cx="142455" cy="125409"/>
-          </a:xfrm>
-          <a:prstGeom prst="ellipse">
+            <a:off x="6170249" y="4374527"/>
+            <a:ext cx="844814" cy="385713"/>
+          </a:xfrm>
+          <a:prstGeom prst="rect">
             <a:avLst/>
           </a:prstGeom>
           <a:gradFill flip="none" rotWithShape="1">
@@ -6772,56 +6797,213 @@
           <a:lstStyle/>
           <a:p>
             <a:pPr algn="ctr"/>
+            <a:r>
+              <a:rPr lang="it-IT" sz="800" dirty="0" smtClean="0">
+                <a:solidFill>
+                  <a:srgbClr val="000000"/>
+                </a:solidFill>
+              </a:rPr>
+              <a:t>Rilevazione Sensore</a:t>
+            </a:r>
+            <a:endParaRPr lang="it-IT" sz="800" dirty="0">
+              <a:solidFill>
+                <a:srgbClr val="000000"/>
+              </a:solidFill>
+            </a:endParaRPr>
+          </a:p>
+        </p:txBody>
+      </p:sp>
+      <p:sp>
+        <p:nvSpPr>
+          <p:cNvPr id="163" name="CasellaDiTesto 162"/>
+          <p:cNvSpPr txBox="1"/>
+          <p:nvPr/>
+        </p:nvSpPr>
+        <p:spPr>
+          <a:xfrm>
+            <a:off x="6132821" y="3836668"/>
+            <a:ext cx="377026" cy="215444"/>
+          </a:xfrm>
+          <a:prstGeom prst="rect">
+            <a:avLst/>
+          </a:prstGeom>
+          <a:noFill/>
+        </p:spPr>
+        <p:txBody>
+          <a:bodyPr wrap="none" rtlCol="0">
+            <a:spAutoFit/>
+          </a:bodyPr>
+          <a:lstStyle/>
+          <a:p>
+            <a:r>
+              <a:rPr lang="it-IT" sz="800" dirty="0" smtClean="0"/>
+              <a:t>data</a:t>
+            </a:r>
+          </a:p>
+        </p:txBody>
+      </p:sp>
+      <p:sp>
+        <p:nvSpPr>
+          <p:cNvPr id="179" name="CasellaDiTesto 178"/>
+          <p:cNvSpPr txBox="1"/>
+          <p:nvPr/>
+        </p:nvSpPr>
+        <p:spPr>
+          <a:xfrm>
+            <a:off x="6599149" y="3960648"/>
+            <a:ext cx="430326" cy="215444"/>
+          </a:xfrm>
+          <a:prstGeom prst="rect">
+            <a:avLst/>
+          </a:prstGeom>
+          <a:noFill/>
+        </p:spPr>
+        <p:txBody>
+          <a:bodyPr wrap="none" rtlCol="0">
+            <a:spAutoFit/>
+          </a:bodyPr>
+          <a:lstStyle/>
+          <a:p>
+            <a:r>
+              <a:rPr lang="it-IT" sz="800" dirty="0" smtClean="0"/>
+              <a:t>livello</a:t>
+            </a:r>
+          </a:p>
+        </p:txBody>
+      </p:sp>
+      <p:sp>
+        <p:nvSpPr>
+          <p:cNvPr id="184" name="Arco 183"/>
+          <p:cNvSpPr/>
+          <p:nvPr/>
+        </p:nvSpPr>
+        <p:spPr>
+          <a:xfrm rot="16200000">
+            <a:off x="6009003" y="4069249"/>
+            <a:ext cx="834736" cy="1206207"/>
+          </a:xfrm>
+          <a:prstGeom prst="arc">
+            <a:avLst>
+              <a:gd name="adj1" fmla="val 16054277"/>
+              <a:gd name="adj2" fmla="val 4"/>
+            </a:avLst>
+          </a:prstGeom>
+          <a:ln w="12700">
+            <a:solidFill>
+              <a:schemeClr val="tx1"/>
+            </a:solidFill>
+          </a:ln>
+        </p:spPr>
+        <p:style>
+          <a:lnRef idx="2">
+            <a:schemeClr val="accent1"/>
+          </a:lnRef>
+          <a:fillRef idx="0">
+            <a:schemeClr val="accent1"/>
+          </a:fillRef>
+          <a:effectRef idx="1">
+            <a:schemeClr val="accent1"/>
+          </a:effectRef>
+          <a:fontRef idx="minor">
+            <a:schemeClr val="tx1"/>
+          </a:fontRef>
+        </p:style>
+        <p:txBody>
+          <a:bodyPr rtlCol="0" anchor="ctr"/>
+          <a:lstStyle/>
+          <a:p>
+            <a:pPr algn="ctr"/>
+            <a:endParaRPr lang="it-IT"/>
+          </a:p>
+        </p:txBody>
+      </p:sp>
+      <p:sp>
+        <p:nvSpPr>
+          <p:cNvPr id="185" name="Ovale 184"/>
+          <p:cNvSpPr/>
+          <p:nvPr/>
+        </p:nvSpPr>
+        <p:spPr>
+          <a:xfrm>
+            <a:off x="5752039" y="4679571"/>
+            <a:ext cx="142455" cy="125409"/>
+          </a:xfrm>
+          <a:prstGeom prst="ellipse">
+            <a:avLst/>
+          </a:prstGeom>
+          <a:solidFill>
+            <a:schemeClr val="accent1">
+              <a:lumMod val="75000"/>
+            </a:schemeClr>
+          </a:solidFill>
+          <a:ln>
+            <a:solidFill>
+              <a:schemeClr val="tx1"/>
+            </a:solidFill>
+          </a:ln>
+        </p:spPr>
+        <p:style>
+          <a:lnRef idx="1">
+            <a:schemeClr val="accent1"/>
+          </a:lnRef>
+          <a:fillRef idx="3">
+            <a:schemeClr val="accent1"/>
+          </a:fillRef>
+          <a:effectRef idx="2">
+            <a:schemeClr val="accent1"/>
+          </a:effectRef>
+          <a:fontRef idx="minor">
+            <a:schemeClr val="lt1"/>
+          </a:fontRef>
+        </p:style>
+        <p:txBody>
+          <a:bodyPr rtlCol="0" anchor="ctr"/>
+          <a:lstStyle/>
+          <a:p>
+            <a:pPr algn="ctr"/>
             <a:endParaRPr lang="it-IT" sz="800"/>
           </a:p>
         </p:txBody>
       </p:sp>
-      <p:cxnSp>
-        <p:nvCxnSpPr>
-          <p:cNvPr id="161" name="Connettore 1 160"/>
-          <p:cNvCxnSpPr>
-            <a:stCxn id="160" idx="4"/>
-          </p:cNvCxnSpPr>
-          <p:nvPr/>
-        </p:nvCxnSpPr>
-        <p:spPr>
-          <a:xfrm>
-            <a:off x="6825540" y="4262741"/>
-            <a:ext cx="0" cy="306101"/>
-          </a:xfrm>
-          <a:prstGeom prst="line">
-            <a:avLst/>
-          </a:prstGeom>
-          <a:ln w="12700">
-            <a:solidFill>
-              <a:schemeClr val="tx1"/>
-            </a:solidFill>
-          </a:ln>
-        </p:spPr>
-        <p:style>
-          <a:lnRef idx="2">
-            <a:schemeClr val="accent1"/>
-          </a:lnRef>
-          <a:fillRef idx="0">
-            <a:schemeClr val="accent1"/>
-          </a:fillRef>
-          <a:effectRef idx="1">
-            <a:schemeClr val="accent1"/>
-          </a:effectRef>
-          <a:fontRef idx="minor">
-            <a:schemeClr val="tx1"/>
-          </a:fontRef>
-        </p:style>
-      </p:cxnSp>
-      <p:sp>
-        <p:nvSpPr>
-          <p:cNvPr id="162" name="Rettangolo 161"/>
+      <p:sp>
+        <p:nvSpPr>
+          <p:cNvPr id="187" name="CasellaDiTesto 186"/>
+          <p:cNvSpPr txBox="1"/>
+          <p:nvPr/>
+        </p:nvSpPr>
+        <p:spPr>
+          <a:xfrm>
+            <a:off x="3825207" y="4448498"/>
+            <a:ext cx="643487" cy="215444"/>
+          </a:xfrm>
+          <a:prstGeom prst="rect">
+            <a:avLst/>
+          </a:prstGeom>
+          <a:noFill/>
+        </p:spPr>
+        <p:txBody>
+          <a:bodyPr wrap="square" rtlCol="0">
+            <a:spAutoFit/>
+          </a:bodyPr>
+          <a:lstStyle/>
+          <a:p>
+            <a:r>
+              <a:rPr lang="it-IT" sz="800" dirty="0" smtClean="0"/>
+              <a:t>rilevazione</a:t>
+            </a:r>
+            <a:endParaRPr lang="it-IT" sz="800" dirty="0"/>
+          </a:p>
+        </p:txBody>
+      </p:sp>
+      <p:sp>
+        <p:nvSpPr>
+          <p:cNvPr id="188" name="Rettangolo 187"/>
           <p:cNvSpPr/>
           <p:nvPr/>
         </p:nvSpPr>
         <p:spPr>
           <a:xfrm>
-            <a:off x="6170249" y="4374527"/>
+            <a:off x="1033485" y="582100"/>
             <a:ext cx="844814" cy="385713"/>
           </a:xfrm>
           <a:prstGeom prst="rect">
@@ -6873,7 +7055,7 @@
                   <a:srgbClr val="000000"/>
                 </a:solidFill>
               </a:rPr>
-              <a:t>Rilevazione Sensore</a:t>
+              <a:t>Fiume</a:t>
             </a:r>
             <a:endParaRPr lang="it-IT" sz="800" dirty="0">
               <a:solidFill>
@@ -6885,117 +7067,13 @@
       </p:sp>
       <p:sp>
         <p:nvSpPr>
-          <p:cNvPr id="163" name="CasellaDiTesto 162"/>
-          <p:cNvSpPr txBox="1"/>
-          <p:nvPr/>
-        </p:nvSpPr>
-        <p:spPr>
-          <a:xfrm>
-            <a:off x="6132821" y="3836668"/>
-            <a:ext cx="377026" cy="215444"/>
-          </a:xfrm>
-          <a:prstGeom prst="rect">
-            <a:avLst/>
-          </a:prstGeom>
-          <a:noFill/>
-        </p:spPr>
-        <p:txBody>
-          <a:bodyPr wrap="none" rtlCol="0">
-            <a:spAutoFit/>
-          </a:bodyPr>
-          <a:lstStyle/>
-          <a:p>
-            <a:r>
-              <a:rPr lang="it-IT" sz="800" dirty="0" smtClean="0"/>
-              <a:t>data</a:t>
-            </a:r>
-          </a:p>
-        </p:txBody>
-      </p:sp>
-      <p:sp>
-        <p:nvSpPr>
-          <p:cNvPr id="179" name="CasellaDiTesto 178"/>
-          <p:cNvSpPr txBox="1"/>
-          <p:nvPr/>
-        </p:nvSpPr>
-        <p:spPr>
-          <a:xfrm>
-            <a:off x="6599149" y="3960648"/>
-            <a:ext cx="430326" cy="215444"/>
-          </a:xfrm>
-          <a:prstGeom prst="rect">
-            <a:avLst/>
-          </a:prstGeom>
-          <a:noFill/>
-        </p:spPr>
-        <p:txBody>
-          <a:bodyPr wrap="none" rtlCol="0">
-            <a:spAutoFit/>
-          </a:bodyPr>
-          <a:lstStyle/>
-          <a:p>
-            <a:r>
-              <a:rPr lang="it-IT" sz="800" dirty="0" smtClean="0"/>
-              <a:t>livello</a:t>
-            </a:r>
-          </a:p>
-        </p:txBody>
-      </p:sp>
-      <p:sp>
-        <p:nvSpPr>
-          <p:cNvPr id="184" name="Arco 183"/>
+          <p:cNvPr id="189" name="Ovale 188"/>
           <p:cNvSpPr/>
           <p:nvPr/>
         </p:nvSpPr>
         <p:spPr>
-          <a:xfrm rot="16200000">
-            <a:off x="6009003" y="4069249"/>
-            <a:ext cx="834736" cy="1206207"/>
-          </a:xfrm>
-          <a:prstGeom prst="arc">
-            <a:avLst>
-              <a:gd name="adj1" fmla="val 16054277"/>
-              <a:gd name="adj2" fmla="val 4"/>
-            </a:avLst>
-          </a:prstGeom>
-          <a:ln w="12700">
-            <a:solidFill>
-              <a:schemeClr val="tx1"/>
-            </a:solidFill>
-          </a:ln>
-        </p:spPr>
-        <p:style>
-          <a:lnRef idx="2">
-            <a:schemeClr val="accent1"/>
-          </a:lnRef>
-          <a:fillRef idx="0">
-            <a:schemeClr val="accent1"/>
-          </a:fillRef>
-          <a:effectRef idx="1">
-            <a:schemeClr val="accent1"/>
-          </a:effectRef>
-          <a:fontRef idx="minor">
-            <a:schemeClr val="tx1"/>
-          </a:fontRef>
-        </p:style>
-        <p:txBody>
-          <a:bodyPr rtlCol="0" anchor="ctr"/>
-          <a:lstStyle/>
-          <a:p>
-            <a:pPr algn="ctr"/>
-            <a:endParaRPr lang="it-IT"/>
-          </a:p>
-        </p:txBody>
-      </p:sp>
-      <p:sp>
-        <p:nvSpPr>
-          <p:cNvPr id="185" name="Ovale 184"/>
-          <p:cNvSpPr/>
-          <p:nvPr/>
-        </p:nvSpPr>
-        <p:spPr>
-          <a:xfrm>
-            <a:off x="5752039" y="4679571"/>
+          <a:xfrm>
+            <a:off x="638722" y="751833"/>
             <a:ext cx="142455" cy="125409"/>
           </a:xfrm>
           <a:prstGeom prst="ellipse">
@@ -7035,16 +7113,53 @@
           </a:p>
         </p:txBody>
       </p:sp>
-      <p:sp>
-        <p:nvSpPr>
-          <p:cNvPr id="187" name="CasellaDiTesto 186"/>
+      <p:cxnSp>
+        <p:nvCxnSpPr>
+          <p:cNvPr id="190" name="Connettore 1 189"/>
+          <p:cNvCxnSpPr>
+            <a:stCxn id="189" idx="6"/>
+          </p:cNvCxnSpPr>
+          <p:nvPr/>
+        </p:nvCxnSpPr>
+        <p:spPr>
+          <a:xfrm>
+            <a:off x="781177" y="814538"/>
+            <a:ext cx="252308" cy="0"/>
+          </a:xfrm>
+          <a:prstGeom prst="line">
+            <a:avLst/>
+          </a:prstGeom>
+          <a:ln w="12700">
+            <a:solidFill>
+              <a:schemeClr val="tx1"/>
+            </a:solidFill>
+          </a:ln>
+        </p:spPr>
+        <p:style>
+          <a:lnRef idx="2">
+            <a:schemeClr val="accent1"/>
+          </a:lnRef>
+          <a:fillRef idx="0">
+            <a:schemeClr val="accent1"/>
+          </a:fillRef>
+          <a:effectRef idx="1">
+            <a:schemeClr val="accent1"/>
+          </a:effectRef>
+          <a:fontRef idx="minor">
+            <a:schemeClr val="tx1"/>
+          </a:fontRef>
+        </p:style>
+      </p:cxnSp>
+      <p:sp>
+        <p:nvSpPr>
+          <p:cNvPr id="191" name="CasellaDiTesto 190"/>
           <p:cNvSpPr txBox="1"/>
           <p:nvPr/>
         </p:nvSpPr>
         <p:spPr>
           <a:xfrm>
-            <a:off x="3825207" y="4448498"/>
-            <a:ext cx="643487" cy="215444"/>
+            <a:off x="423049" y="536389"/>
+            <a:ext cx="519694" cy="215444"/>
           </a:xfrm>
           <a:prstGeom prst="rect">
             <a:avLst/>
@@ -7052,31 +7167,106 @@
           <a:noFill/>
         </p:spPr>
         <p:txBody>
-          <a:bodyPr wrap="square" rtlCol="0">
+          <a:bodyPr wrap="none" rtlCol="0">
             <a:spAutoFit/>
           </a:bodyPr>
           <a:lstStyle/>
           <a:p>
             <a:r>
-              <a:rPr lang="it-IT" sz="800" dirty="0" smtClean="0"/>
-              <a:t>rilevazione</a:t>
-            </a:r>
-            <a:endParaRPr lang="it-IT" sz="800" dirty="0"/>
-          </a:p>
-        </p:txBody>
-      </p:sp>
-      <p:sp>
-        <p:nvSpPr>
-          <p:cNvPr id="188" name="Rettangolo 187"/>
+              <a:rPr lang="it-IT" sz="800" dirty="0" err="1" smtClean="0"/>
+              <a:t>idFiume</a:t>
+            </a:r>
+            <a:endParaRPr lang="it-IT" sz="800" dirty="0" smtClean="0"/>
+          </a:p>
+        </p:txBody>
+      </p:sp>
+      <p:cxnSp>
+        <p:nvCxnSpPr>
+          <p:cNvPr id="16" name="Connettore 1 15"/>
+          <p:cNvCxnSpPr>
+            <a:stCxn id="14" idx="1"/>
+            <a:endCxn id="188" idx="3"/>
+          </p:cNvCxnSpPr>
+          <p:nvPr/>
+        </p:nvCxnSpPr>
+        <p:spPr>
+          <a:xfrm flipH="1">
+            <a:off x="1878299" y="774957"/>
+            <a:ext cx="551624" cy="0"/>
+          </a:xfrm>
+          <a:prstGeom prst="line">
+            <a:avLst/>
+          </a:prstGeom>
+          <a:ln w="12700">
+            <a:solidFill>
+              <a:schemeClr val="tx1"/>
+            </a:solidFill>
+          </a:ln>
+        </p:spPr>
+        <p:style>
+          <a:lnRef idx="2">
+            <a:schemeClr val="accent1"/>
+          </a:lnRef>
+          <a:fillRef idx="0">
+            <a:schemeClr val="accent1"/>
+          </a:fillRef>
+          <a:effectRef idx="1">
+            <a:schemeClr val="accent1"/>
+          </a:effectRef>
+          <a:fontRef idx="minor">
+            <a:schemeClr val="tx1"/>
+          </a:fontRef>
+        </p:style>
+      </p:cxnSp>
+      <p:cxnSp>
+        <p:nvCxnSpPr>
+          <p:cNvPr id="192" name="Connettore 1 191"/>
+          <p:cNvCxnSpPr>
+            <a:stCxn id="193" idx="0"/>
+          </p:cNvCxnSpPr>
+          <p:nvPr/>
+        </p:nvCxnSpPr>
+        <p:spPr>
+          <a:xfrm flipV="1">
+            <a:off x="1436489" y="4618618"/>
+            <a:ext cx="0" cy="341137"/>
+          </a:xfrm>
+          <a:prstGeom prst="line">
+            <a:avLst/>
+          </a:prstGeom>
+          <a:ln w="12700">
+            <a:solidFill>
+              <a:schemeClr val="tx1"/>
+            </a:solidFill>
+          </a:ln>
+        </p:spPr>
+        <p:style>
+          <a:lnRef idx="2">
+            <a:schemeClr val="accent1"/>
+          </a:lnRef>
+          <a:fillRef idx="0">
+            <a:schemeClr val="accent1"/>
+          </a:fillRef>
+          <a:effectRef idx="1">
+            <a:schemeClr val="accent1"/>
+          </a:effectRef>
+          <a:fontRef idx="minor">
+            <a:schemeClr val="tx1"/>
+          </a:fontRef>
+        </p:style>
+      </p:cxnSp>
+      <p:sp>
+        <p:nvSpPr>
+          <p:cNvPr id="193" name="Ovale 192"/>
           <p:cNvSpPr/>
           <p:nvPr/>
         </p:nvSpPr>
         <p:spPr>
           <a:xfrm>
-            <a:off x="1033485" y="582100"/>
-            <a:ext cx="844814" cy="385713"/>
-          </a:xfrm>
-          <a:prstGeom prst="rect">
+            <a:off x="1365261" y="4959755"/>
+            <a:ext cx="142455" cy="125409"/>
+          </a:xfrm>
+          <a:prstGeom prst="ellipse">
             <a:avLst/>
           </a:prstGeom>
           <a:gradFill flip="none" rotWithShape="1">
@@ -7119,13 +7309,226 @@
           <a:lstStyle/>
           <a:p>
             <a:pPr algn="ctr"/>
+            <a:endParaRPr lang="it-IT" sz="800"/>
+          </a:p>
+        </p:txBody>
+      </p:sp>
+      <p:cxnSp>
+        <p:nvCxnSpPr>
+          <p:cNvPr id="194" name="Connettore 1 193"/>
+          <p:cNvCxnSpPr>
+            <a:stCxn id="195" idx="0"/>
+          </p:cNvCxnSpPr>
+          <p:nvPr/>
+        </p:nvCxnSpPr>
+        <p:spPr>
+          <a:xfrm flipV="1">
+            <a:off x="1839719" y="4618618"/>
+            <a:ext cx="0" cy="341137"/>
+          </a:xfrm>
+          <a:prstGeom prst="line">
+            <a:avLst/>
+          </a:prstGeom>
+          <a:ln w="12700">
+            <a:solidFill>
+              <a:schemeClr val="tx1"/>
+            </a:solidFill>
+          </a:ln>
+        </p:spPr>
+        <p:style>
+          <a:lnRef idx="2">
+            <a:schemeClr val="accent1"/>
+          </a:lnRef>
+          <a:fillRef idx="0">
+            <a:schemeClr val="accent1"/>
+          </a:fillRef>
+          <a:effectRef idx="1">
+            <a:schemeClr val="accent1"/>
+          </a:effectRef>
+          <a:fontRef idx="minor">
+            <a:schemeClr val="tx1"/>
+          </a:fontRef>
+        </p:style>
+      </p:cxnSp>
+      <p:sp>
+        <p:nvSpPr>
+          <p:cNvPr id="195" name="Ovale 194"/>
+          <p:cNvSpPr/>
+          <p:nvPr/>
+        </p:nvSpPr>
+        <p:spPr>
+          <a:xfrm>
+            <a:off x="1768491" y="4959755"/>
+            <a:ext cx="142455" cy="125409"/>
+          </a:xfrm>
+          <a:prstGeom prst="ellipse">
+            <a:avLst/>
+          </a:prstGeom>
+          <a:gradFill flip="none" rotWithShape="1">
+            <a:gsLst>
+              <a:gs pos="0">
+                <a:schemeClr val="tx2">
+                  <a:lumMod val="40000"/>
+                  <a:lumOff val="60000"/>
+                </a:schemeClr>
+              </a:gs>
+              <a:gs pos="100000">
+                <a:schemeClr val="bg1"/>
+              </a:gs>
+            </a:gsLst>
+            <a:lin ang="16200000" scaled="0"/>
+            <a:tileRect/>
+          </a:gradFill>
+          <a:ln>
+            <a:solidFill>
+              <a:schemeClr val="tx1"/>
+            </a:solidFill>
+          </a:ln>
+        </p:spPr>
+        <p:style>
+          <a:lnRef idx="1">
+            <a:schemeClr val="accent1"/>
+          </a:lnRef>
+          <a:fillRef idx="3">
+            <a:schemeClr val="accent1"/>
+          </a:fillRef>
+          <a:effectRef idx="2">
+            <a:schemeClr val="accent1"/>
+          </a:effectRef>
+          <a:fontRef idx="minor">
+            <a:schemeClr val="lt1"/>
+          </a:fontRef>
+        </p:style>
+        <p:txBody>
+          <a:bodyPr rtlCol="0" anchor="ctr"/>
+          <a:lstStyle/>
+          <a:p>
+            <a:pPr algn="ctr"/>
+            <a:endParaRPr lang="it-IT" sz="800"/>
+          </a:p>
+        </p:txBody>
+      </p:sp>
+      <p:sp>
+        <p:nvSpPr>
+          <p:cNvPr id="196" name="CasellaDiTesto 195"/>
+          <p:cNvSpPr txBox="1"/>
+          <p:nvPr/>
+        </p:nvSpPr>
+        <p:spPr>
+          <a:xfrm>
+            <a:off x="1069148" y="5085164"/>
+            <a:ext cx="652292" cy="215444"/>
+          </a:xfrm>
+          <a:prstGeom prst="rect">
+            <a:avLst/>
+          </a:prstGeom>
+          <a:noFill/>
+        </p:spPr>
+        <p:txBody>
+          <a:bodyPr wrap="none" rtlCol="0">
+            <a:spAutoFit/>
+          </a:bodyPr>
+          <a:lstStyle/>
+          <a:p>
+            <a:r>
+              <a:rPr lang="it-IT" sz="800" dirty="0" smtClean="0"/>
+              <a:t>costruttore</a:t>
+            </a:r>
+            <a:endParaRPr lang="it-IT" sz="800" dirty="0"/>
+          </a:p>
+        </p:txBody>
+      </p:sp>
+      <p:sp>
+        <p:nvSpPr>
+          <p:cNvPr id="197" name="CasellaDiTesto 196"/>
+          <p:cNvSpPr txBox="1"/>
+          <p:nvPr/>
+        </p:nvSpPr>
+        <p:spPr>
+          <a:xfrm>
+            <a:off x="1624069" y="5085164"/>
+            <a:ext cx="526857" cy="215444"/>
+          </a:xfrm>
+          <a:prstGeom prst="rect">
+            <a:avLst/>
+          </a:prstGeom>
+          <a:noFill/>
+        </p:spPr>
+        <p:txBody>
+          <a:bodyPr wrap="none" rtlCol="0">
+            <a:spAutoFit/>
+          </a:bodyPr>
+          <a:lstStyle/>
+          <a:p>
+            <a:r>
+              <a:rPr lang="it-IT" sz="800" dirty="0" smtClean="0"/>
+              <a:t>modello</a:t>
+            </a:r>
+            <a:endParaRPr lang="it-IT" sz="800" dirty="0"/>
+          </a:p>
+        </p:txBody>
+      </p:sp>
+      <p:sp>
+        <p:nvSpPr>
+          <p:cNvPr id="155" name="Rettangolo 154"/>
+          <p:cNvSpPr/>
+          <p:nvPr/>
+        </p:nvSpPr>
+        <p:spPr>
+          <a:xfrm>
+            <a:off x="1237480" y="4385793"/>
+            <a:ext cx="844814" cy="385713"/>
+          </a:xfrm>
+          <a:prstGeom prst="rect">
+            <a:avLst/>
+          </a:prstGeom>
+          <a:gradFill flip="none" rotWithShape="1">
+            <a:gsLst>
+              <a:gs pos="0">
+                <a:schemeClr val="tx2">
+                  <a:lumMod val="40000"/>
+                  <a:lumOff val="60000"/>
+                </a:schemeClr>
+              </a:gs>
+              <a:gs pos="100000">
+                <a:schemeClr val="bg1"/>
+              </a:gs>
+            </a:gsLst>
+            <a:lin ang="16200000" scaled="0"/>
+            <a:tileRect/>
+          </a:gradFill>
+          <a:ln>
+            <a:solidFill>
+              <a:schemeClr val="tx1"/>
+            </a:solidFill>
+          </a:ln>
+        </p:spPr>
+        <p:style>
+          <a:lnRef idx="1">
+            <a:schemeClr val="accent1"/>
+          </a:lnRef>
+          <a:fillRef idx="3">
+            <a:schemeClr val="accent1"/>
+          </a:fillRef>
+          <a:effectRef idx="2">
+            <a:schemeClr val="accent1"/>
+          </a:effectRef>
+          <a:fontRef idx="minor">
+            <a:schemeClr val="lt1"/>
+          </a:fontRef>
+        </p:style>
+        <p:txBody>
+          <a:bodyPr rtlCol="0" anchor="ctr"/>
+          <a:lstStyle/>
+          <a:p>
+            <a:pPr algn="ctr"/>
             <a:r>
               <a:rPr lang="it-IT" sz="800" dirty="0" smtClean="0">
                 <a:solidFill>
                   <a:srgbClr val="000000"/>
                 </a:solidFill>
               </a:rPr>
-              <a:t>Fiume</a:t>
+              <a:t>Sensore</a:t>
             </a:r>
             <a:endParaRPr lang="it-IT" sz="800" dirty="0">
               <a:solidFill>
@@ -7135,159 +7538,6 @@
           </a:p>
         </p:txBody>
       </p:sp>
-      <p:sp>
-        <p:nvSpPr>
-          <p:cNvPr id="189" name="Ovale 188"/>
-          <p:cNvSpPr/>
-          <p:nvPr/>
-        </p:nvSpPr>
-        <p:spPr>
-          <a:xfrm>
-            <a:off x="638722" y="751833"/>
-            <a:ext cx="142455" cy="125409"/>
-          </a:xfrm>
-          <a:prstGeom prst="ellipse">
-            <a:avLst/>
-          </a:prstGeom>
-          <a:solidFill>
-            <a:schemeClr val="accent1">
-              <a:lumMod val="75000"/>
-            </a:schemeClr>
-          </a:solidFill>
-          <a:ln>
-            <a:solidFill>
-              <a:schemeClr val="tx1"/>
-            </a:solidFill>
-          </a:ln>
-        </p:spPr>
-        <p:style>
-          <a:lnRef idx="1">
-            <a:schemeClr val="accent1"/>
-          </a:lnRef>
-          <a:fillRef idx="3">
-            <a:schemeClr val="accent1"/>
-          </a:fillRef>
-          <a:effectRef idx="2">
-            <a:schemeClr val="accent1"/>
-          </a:effectRef>
-          <a:fontRef idx="minor">
-            <a:schemeClr val="lt1"/>
-          </a:fontRef>
-        </p:style>
-        <p:txBody>
-          <a:bodyPr rtlCol="0" anchor="ctr"/>
-          <a:lstStyle/>
-          <a:p>
-            <a:pPr algn="ctr"/>
-            <a:endParaRPr lang="it-IT" sz="800"/>
-          </a:p>
-        </p:txBody>
-      </p:sp>
-      <p:cxnSp>
-        <p:nvCxnSpPr>
-          <p:cNvPr id="190" name="Connettore 1 189"/>
-          <p:cNvCxnSpPr>
-            <a:stCxn id="189" idx="6"/>
-          </p:cNvCxnSpPr>
-          <p:nvPr/>
-        </p:nvCxnSpPr>
-        <p:spPr>
-          <a:xfrm>
-            <a:off x="781177" y="814538"/>
-            <a:ext cx="252308" cy="0"/>
-          </a:xfrm>
-          <a:prstGeom prst="line">
-            <a:avLst/>
-          </a:prstGeom>
-          <a:ln w="12700">
-            <a:solidFill>
-              <a:schemeClr val="tx1"/>
-            </a:solidFill>
-          </a:ln>
-        </p:spPr>
-        <p:style>
-          <a:lnRef idx="2">
-            <a:schemeClr val="accent1"/>
-          </a:lnRef>
-          <a:fillRef idx="0">
-            <a:schemeClr val="accent1"/>
-          </a:fillRef>
-          <a:effectRef idx="1">
-            <a:schemeClr val="accent1"/>
-          </a:effectRef>
-          <a:fontRef idx="minor">
-            <a:schemeClr val="tx1"/>
-          </a:fontRef>
-        </p:style>
-      </p:cxnSp>
-      <p:sp>
-        <p:nvSpPr>
-          <p:cNvPr id="191" name="CasellaDiTesto 190"/>
-          <p:cNvSpPr txBox="1"/>
-          <p:nvPr/>
-        </p:nvSpPr>
-        <p:spPr>
-          <a:xfrm>
-            <a:off x="423049" y="536389"/>
-            <a:ext cx="519694" cy="215444"/>
-          </a:xfrm>
-          <a:prstGeom prst="rect">
-            <a:avLst/>
-          </a:prstGeom>
-          <a:noFill/>
-        </p:spPr>
-        <p:txBody>
-          <a:bodyPr wrap="none" rtlCol="0">
-            <a:spAutoFit/>
-          </a:bodyPr>
-          <a:lstStyle/>
-          <a:p>
-            <a:r>
-              <a:rPr lang="it-IT" sz="800" dirty="0" err="1" smtClean="0"/>
-              <a:t>idFiume</a:t>
-            </a:r>
-            <a:endParaRPr lang="it-IT" sz="800" dirty="0" smtClean="0"/>
-          </a:p>
-        </p:txBody>
-      </p:sp>
-      <p:cxnSp>
-        <p:nvCxnSpPr>
-          <p:cNvPr id="16" name="Connettore 1 15"/>
-          <p:cNvCxnSpPr>
-            <a:stCxn id="14" idx="1"/>
-            <a:endCxn id="188" idx="3"/>
-          </p:cNvCxnSpPr>
-          <p:nvPr/>
-        </p:nvCxnSpPr>
-        <p:spPr>
-          <a:xfrm flipH="1">
-            <a:off x="1878299" y="774957"/>
-            <a:ext cx="551624" cy="0"/>
-          </a:xfrm>
-          <a:prstGeom prst="line">
-            <a:avLst/>
-          </a:prstGeom>
-          <a:ln w="12700">
-            <a:solidFill>
-              <a:schemeClr val="tx1"/>
-            </a:solidFill>
-          </a:ln>
-        </p:spPr>
-        <p:style>
-          <a:lnRef idx="2">
-            <a:schemeClr val="accent1"/>
-          </a:lnRef>
-          <a:fillRef idx="0">
-            <a:schemeClr val="accent1"/>
-          </a:fillRef>
-          <a:effectRef idx="1">
-            <a:schemeClr val="accent1"/>
-          </a:effectRef>
-          <a:fontRef idx="minor">
-            <a:schemeClr val="tx1"/>
-          </a:fontRef>
-        </p:style>
-      </p:cxnSp>
     </p:spTree>
     <p:extLst>
       <p:ext uri="{BB962C8B-B14F-4D97-AF65-F5344CB8AC3E}">
@@ -7326,7 +7576,7 @@
         </p:nvSpPr>
         <p:spPr>
           <a:xfrm>
-            <a:off x="3512047" y="695726"/>
+            <a:off x="3248572" y="780435"/>
             <a:ext cx="142455" cy="125409"/>
           </a:xfrm>
           <a:prstGeom prst="ellipse">
@@ -7376,7 +7626,7 @@
         </p:nvCxnSpPr>
         <p:spPr>
           <a:xfrm>
-            <a:off x="3583275" y="821135"/>
+            <a:off x="3319800" y="905844"/>
             <a:ext cx="0" cy="306101"/>
           </a:xfrm>
           <a:prstGeom prst="line">
@@ -7441,8 +7691,8 @@
         </p:nvSpPr>
         <p:spPr>
           <a:xfrm>
-            <a:off x="3334168" y="480282"/>
-            <a:ext cx="595235" cy="215444"/>
+            <a:off x="2943063" y="564991"/>
+            <a:ext cx="787395" cy="215444"/>
           </a:xfrm>
           <a:prstGeom prst="rect">
             <a:avLst/>
@@ -7457,79 +7707,9 @@
           <a:p>
             <a:r>
               <a:rPr lang="it-IT" sz="800" dirty="0" err="1" smtClean="0"/>
-              <a:t>idSensore</a:t>
+              <a:t>codiceSensore</a:t>
             </a:r>
             <a:endParaRPr lang="it-IT" sz="800" dirty="0" smtClean="0"/>
-          </a:p>
-        </p:txBody>
-      </p:sp>
-      <p:sp>
-        <p:nvSpPr>
-          <p:cNvPr id="16" name="Rettangolo 15"/>
-          <p:cNvSpPr/>
-          <p:nvPr/>
-        </p:nvSpPr>
-        <p:spPr>
-          <a:xfrm>
-            <a:off x="3164611" y="1012299"/>
-            <a:ext cx="844814" cy="385713"/>
-          </a:xfrm>
-          <a:prstGeom prst="rect">
-            <a:avLst/>
-          </a:prstGeom>
-          <a:gradFill flip="none" rotWithShape="1">
-            <a:gsLst>
-              <a:gs pos="0">
-                <a:schemeClr val="accent4">
-                  <a:lumMod val="60000"/>
-                  <a:lumOff val="40000"/>
-                </a:schemeClr>
-              </a:gs>
-              <a:gs pos="100000">
-                <a:srgbClr val="FFFFFF"/>
-              </a:gs>
-            </a:gsLst>
-            <a:lin ang="15600000" scaled="0"/>
-            <a:tileRect/>
-          </a:gradFill>
-          <a:ln>
-            <a:solidFill>
-              <a:schemeClr val="tx1"/>
-            </a:solidFill>
-          </a:ln>
-        </p:spPr>
-        <p:style>
-          <a:lnRef idx="1">
-            <a:schemeClr val="accent1"/>
-          </a:lnRef>
-          <a:fillRef idx="3">
-            <a:schemeClr val="accent1"/>
-          </a:fillRef>
-          <a:effectRef idx="2">
-            <a:schemeClr val="accent1"/>
-          </a:effectRef>
-          <a:fontRef idx="minor">
-            <a:schemeClr val="lt1"/>
-          </a:fontRef>
-        </p:style>
-        <p:txBody>
-          <a:bodyPr rtlCol="0" anchor="ctr"/>
-          <a:lstStyle/>
-          <a:p>
-            <a:pPr algn="ctr"/>
-            <a:r>
-              <a:rPr lang="it-IT" sz="800" dirty="0" smtClean="0">
-                <a:solidFill>
-                  <a:srgbClr val="000000"/>
-                </a:solidFill>
-              </a:rPr>
-              <a:t>Sensore</a:t>
-            </a:r>
-            <a:endParaRPr lang="it-IT" sz="800" dirty="0">
-              <a:solidFill>
-                <a:srgbClr val="000000"/>
-              </a:solidFill>
-            </a:endParaRPr>
           </a:p>
         </p:txBody>
       </p:sp>
@@ -11769,6 +11949,356 @@
             <a:r>
               <a:rPr lang="it-IT" sz="800" dirty="0" err="1" smtClean="0"/>
               <a:t>valoreTemperatura</a:t>
+            </a:r>
+            <a:endParaRPr lang="it-IT" sz="800" dirty="0" smtClean="0"/>
+          </a:p>
+        </p:txBody>
+      </p:sp>
+      <p:cxnSp>
+        <p:nvCxnSpPr>
+          <p:cNvPr id="195" name="Connettore 1 194"/>
+          <p:cNvCxnSpPr>
+            <a:stCxn id="196" idx="4"/>
+          </p:cNvCxnSpPr>
+          <p:nvPr/>
+        </p:nvCxnSpPr>
+        <p:spPr>
+          <a:xfrm>
+            <a:off x="3803449" y="640991"/>
+            <a:ext cx="0" cy="471226"/>
+          </a:xfrm>
+          <a:prstGeom prst="line">
+            <a:avLst/>
+          </a:prstGeom>
+          <a:ln w="12700">
+            <a:solidFill>
+              <a:schemeClr val="tx1"/>
+            </a:solidFill>
+          </a:ln>
+        </p:spPr>
+        <p:style>
+          <a:lnRef idx="2">
+            <a:schemeClr val="accent1"/>
+          </a:lnRef>
+          <a:fillRef idx="0">
+            <a:schemeClr val="accent1"/>
+          </a:fillRef>
+          <a:effectRef idx="1">
+            <a:schemeClr val="accent1"/>
+          </a:effectRef>
+          <a:fontRef idx="minor">
+            <a:schemeClr val="tx1"/>
+          </a:fontRef>
+        </p:style>
+      </p:cxnSp>
+      <p:sp>
+        <p:nvSpPr>
+          <p:cNvPr id="196" name="Ovale 195"/>
+          <p:cNvSpPr/>
+          <p:nvPr/>
+        </p:nvSpPr>
+        <p:spPr>
+          <a:xfrm>
+            <a:off x="3732221" y="515582"/>
+            <a:ext cx="142455" cy="125409"/>
+          </a:xfrm>
+          <a:prstGeom prst="ellipse">
+            <a:avLst/>
+          </a:prstGeom>
+          <a:gradFill flip="none" rotWithShape="1">
+            <a:gsLst>
+              <a:gs pos="0">
+                <a:schemeClr val="accent4">
+                  <a:lumMod val="60000"/>
+                  <a:lumOff val="40000"/>
+                </a:schemeClr>
+              </a:gs>
+              <a:gs pos="100000">
+                <a:srgbClr val="FFFFFF"/>
+              </a:gs>
+            </a:gsLst>
+            <a:lin ang="15600000" scaled="0"/>
+            <a:tileRect/>
+          </a:gradFill>
+          <a:ln>
+            <a:solidFill>
+              <a:schemeClr val="tx1"/>
+            </a:solidFill>
+          </a:ln>
+        </p:spPr>
+        <p:style>
+          <a:lnRef idx="1">
+            <a:schemeClr val="accent1"/>
+          </a:lnRef>
+          <a:fillRef idx="3">
+            <a:schemeClr val="accent1"/>
+          </a:fillRef>
+          <a:effectRef idx="2">
+            <a:schemeClr val="accent1"/>
+          </a:effectRef>
+          <a:fontRef idx="minor">
+            <a:schemeClr val="lt1"/>
+          </a:fontRef>
+        </p:style>
+        <p:txBody>
+          <a:bodyPr rtlCol="0" anchor="ctr"/>
+          <a:lstStyle/>
+          <a:p>
+            <a:pPr algn="ctr"/>
+            <a:endParaRPr lang="it-IT" sz="800"/>
+          </a:p>
+        </p:txBody>
+      </p:sp>
+      <p:sp>
+        <p:nvSpPr>
+          <p:cNvPr id="199" name="CasellaDiTesto 198"/>
+          <p:cNvSpPr txBox="1"/>
+          <p:nvPr/>
+        </p:nvSpPr>
+        <p:spPr>
+          <a:xfrm>
+            <a:off x="3587018" y="340485"/>
+            <a:ext cx="444052" cy="215444"/>
+          </a:xfrm>
+          <a:prstGeom prst="rect">
+            <a:avLst/>
+          </a:prstGeom>
+          <a:noFill/>
+        </p:spPr>
+        <p:txBody>
+          <a:bodyPr wrap="none" rtlCol="0">
+            <a:spAutoFit/>
+          </a:bodyPr>
+          <a:lstStyle/>
+          <a:p>
+            <a:r>
+              <a:rPr lang="it-IT" sz="800" dirty="0" smtClean="0"/>
+              <a:t>marca</a:t>
+            </a:r>
+            <a:endParaRPr lang="it-IT" sz="800" dirty="0" smtClean="0"/>
+          </a:p>
+        </p:txBody>
+      </p:sp>
+      <p:sp>
+        <p:nvSpPr>
+          <p:cNvPr id="200" name="CasellaDiTesto 199"/>
+          <p:cNvSpPr txBox="1"/>
+          <p:nvPr/>
+        </p:nvSpPr>
+        <p:spPr>
+          <a:xfrm>
+            <a:off x="3942574" y="1624964"/>
+            <a:ext cx="526857" cy="215444"/>
+          </a:xfrm>
+          <a:prstGeom prst="rect">
+            <a:avLst/>
+          </a:prstGeom>
+          <a:noFill/>
+        </p:spPr>
+        <p:txBody>
+          <a:bodyPr wrap="none" rtlCol="0">
+            <a:spAutoFit/>
+          </a:bodyPr>
+          <a:lstStyle/>
+          <a:p>
+            <a:r>
+              <a:rPr lang="it-IT" sz="800" dirty="0" smtClean="0"/>
+              <a:t>modello</a:t>
+            </a:r>
+            <a:endParaRPr lang="it-IT" sz="800" dirty="0" smtClean="0"/>
+          </a:p>
+        </p:txBody>
+      </p:sp>
+      <p:cxnSp>
+        <p:nvCxnSpPr>
+          <p:cNvPr id="201" name="Connettore 1 200"/>
+          <p:cNvCxnSpPr>
+            <a:stCxn id="202" idx="1"/>
+          </p:cNvCxnSpPr>
+          <p:nvPr/>
+        </p:nvCxnSpPr>
+        <p:spPr>
+          <a:xfrm flipH="1" flipV="1">
+            <a:off x="3816321" y="1235014"/>
+            <a:ext cx="324394" cy="315634"/>
+          </a:xfrm>
+          <a:prstGeom prst="line">
+            <a:avLst/>
+          </a:prstGeom>
+          <a:ln w="12700">
+            <a:solidFill>
+              <a:schemeClr val="tx1"/>
+            </a:solidFill>
+          </a:ln>
+        </p:spPr>
+        <p:style>
+          <a:lnRef idx="2">
+            <a:schemeClr val="accent1"/>
+          </a:lnRef>
+          <a:fillRef idx="0">
+            <a:schemeClr val="accent1"/>
+          </a:fillRef>
+          <a:effectRef idx="1">
+            <a:schemeClr val="accent1"/>
+          </a:effectRef>
+          <a:fontRef idx="minor">
+            <a:schemeClr val="tx1"/>
+          </a:fontRef>
+        </p:style>
+      </p:cxnSp>
+      <p:sp>
+        <p:nvSpPr>
+          <p:cNvPr id="202" name="Ovale 201"/>
+          <p:cNvSpPr/>
+          <p:nvPr/>
+        </p:nvSpPr>
+        <p:spPr>
+          <a:xfrm>
+            <a:off x="4119853" y="1532282"/>
+            <a:ext cx="142455" cy="125409"/>
+          </a:xfrm>
+          <a:prstGeom prst="ellipse">
+            <a:avLst/>
+          </a:prstGeom>
+          <a:gradFill flip="none" rotWithShape="1">
+            <a:gsLst>
+              <a:gs pos="0">
+                <a:schemeClr val="accent4">
+                  <a:lumMod val="60000"/>
+                  <a:lumOff val="40000"/>
+                </a:schemeClr>
+              </a:gs>
+              <a:gs pos="100000">
+                <a:srgbClr val="FFFFFF"/>
+              </a:gs>
+            </a:gsLst>
+            <a:lin ang="15600000" scaled="0"/>
+            <a:tileRect/>
+          </a:gradFill>
+          <a:ln>
+            <a:solidFill>
+              <a:schemeClr val="tx1"/>
+            </a:solidFill>
+          </a:ln>
+        </p:spPr>
+        <p:style>
+          <a:lnRef idx="1">
+            <a:schemeClr val="accent1"/>
+          </a:lnRef>
+          <a:fillRef idx="3">
+            <a:schemeClr val="accent1"/>
+          </a:fillRef>
+          <a:effectRef idx="2">
+            <a:schemeClr val="accent1"/>
+          </a:effectRef>
+          <a:fontRef idx="minor">
+            <a:schemeClr val="lt1"/>
+          </a:fontRef>
+        </p:style>
+        <p:txBody>
+          <a:bodyPr rtlCol="0" anchor="ctr"/>
+          <a:lstStyle/>
+          <a:p>
+            <a:pPr algn="ctr"/>
+            <a:endParaRPr lang="it-IT" sz="800"/>
+          </a:p>
+        </p:txBody>
+      </p:sp>
+      <p:sp>
+        <p:nvSpPr>
+          <p:cNvPr id="16" name="Rettangolo 15"/>
+          <p:cNvSpPr/>
+          <p:nvPr/>
+        </p:nvSpPr>
+        <p:spPr>
+          <a:xfrm>
+            <a:off x="3164611" y="1012299"/>
+            <a:ext cx="844814" cy="385713"/>
+          </a:xfrm>
+          <a:prstGeom prst="rect">
+            <a:avLst/>
+          </a:prstGeom>
+          <a:gradFill flip="none" rotWithShape="1">
+            <a:gsLst>
+              <a:gs pos="0">
+                <a:schemeClr val="accent4">
+                  <a:lumMod val="60000"/>
+                  <a:lumOff val="40000"/>
+                </a:schemeClr>
+              </a:gs>
+              <a:gs pos="100000">
+                <a:srgbClr val="FFFFFF"/>
+              </a:gs>
+            </a:gsLst>
+            <a:lin ang="15600000" scaled="0"/>
+            <a:tileRect/>
+          </a:gradFill>
+          <a:ln>
+            <a:solidFill>
+              <a:schemeClr val="tx1"/>
+            </a:solidFill>
+          </a:ln>
+        </p:spPr>
+        <p:style>
+          <a:lnRef idx="1">
+            <a:schemeClr val="accent1"/>
+          </a:lnRef>
+          <a:fillRef idx="3">
+            <a:schemeClr val="accent1"/>
+          </a:fillRef>
+          <a:effectRef idx="2">
+            <a:schemeClr val="accent1"/>
+          </a:effectRef>
+          <a:fontRef idx="minor">
+            <a:schemeClr val="lt1"/>
+          </a:fontRef>
+        </p:style>
+        <p:txBody>
+          <a:bodyPr rtlCol="0" anchor="ctr"/>
+          <a:lstStyle/>
+          <a:p>
+            <a:pPr algn="ctr"/>
+            <a:r>
+              <a:rPr lang="it-IT" sz="800" dirty="0" smtClean="0">
+                <a:solidFill>
+                  <a:srgbClr val="000000"/>
+                </a:solidFill>
+              </a:rPr>
+              <a:t>Sensore</a:t>
+            </a:r>
+            <a:endParaRPr lang="it-IT" sz="800" dirty="0">
+              <a:solidFill>
+                <a:srgbClr val="000000"/>
+              </a:solidFill>
+            </a:endParaRPr>
+          </a:p>
+        </p:txBody>
+      </p:sp>
+      <p:sp>
+        <p:nvSpPr>
+          <p:cNvPr id="203" name="CasellaDiTesto 202"/>
+          <p:cNvSpPr txBox="1"/>
+          <p:nvPr/>
+        </p:nvSpPr>
+        <p:spPr>
+          <a:xfrm>
+            <a:off x="2356005" y="2942875"/>
+            <a:ext cx="444603" cy="215444"/>
+          </a:xfrm>
+          <a:prstGeom prst="rect">
+            <a:avLst/>
+          </a:prstGeom>
+          <a:noFill/>
+        </p:spPr>
+        <p:txBody>
+          <a:bodyPr wrap="none" rtlCol="0">
+            <a:spAutoFit/>
+          </a:bodyPr>
+          <a:lstStyle/>
+          <a:p>
+            <a:r>
+              <a:rPr lang="it-IT" sz="800" dirty="0" smtClean="0"/>
+              <a:t>valore</a:t>
             </a:r>
             <a:endParaRPr lang="it-IT" sz="800" dirty="0" smtClean="0"/>
           </a:p>
@@ -11821,16 +12351,13 @@
           <a:gradFill flip="none" rotWithShape="1">
             <a:gsLst>
               <a:gs pos="0">
-                <a:schemeClr val="accent4">
-                  <a:lumMod val="60000"/>
-                  <a:lumOff val="40000"/>
-                </a:schemeClr>
+                <a:srgbClr val="CCFFCC"/>
               </a:gs>
               <a:gs pos="100000">
-                <a:srgbClr val="FFFFFF"/>
+                <a:schemeClr val="bg1"/>
               </a:gs>
             </a:gsLst>
-            <a:lin ang="15600000" scaled="0"/>
+            <a:lin ang="16200000" scaled="0"/>
             <a:tileRect/>
           </a:gradFill>
           <a:ln>
@@ -11985,16 +12512,13 @@
           <a:gradFill flip="none" rotWithShape="1">
             <a:gsLst>
               <a:gs pos="0">
-                <a:schemeClr val="accent4">
-                  <a:lumMod val="60000"/>
-                  <a:lumOff val="40000"/>
-                </a:schemeClr>
+                <a:srgbClr val="CCFFCC"/>
               </a:gs>
               <a:gs pos="100000">
-                <a:srgbClr val="FFFFFF"/>
+                <a:schemeClr val="bg1"/>
               </a:gs>
             </a:gsLst>
-            <a:lin ang="15600000" scaled="0"/>
+            <a:lin ang="16200000" scaled="0"/>
             <a:tileRect/>
           </a:gradFill>
           <a:ln>
@@ -12055,16 +12579,13 @@
           <a:gradFill flip="none" rotWithShape="1">
             <a:gsLst>
               <a:gs pos="0">
-                <a:schemeClr val="accent4">
-                  <a:lumMod val="60000"/>
-                  <a:lumOff val="40000"/>
-                </a:schemeClr>
+                <a:srgbClr val="CCFFCC"/>
               </a:gs>
               <a:gs pos="100000">
-                <a:srgbClr val="FFFFFF"/>
+                <a:schemeClr val="bg1"/>
               </a:gs>
             </a:gsLst>
-            <a:lin ang="15600000" scaled="0"/>
+            <a:lin ang="16200000" scaled="0"/>
             <a:tileRect/>
           </a:gradFill>
           <a:ln>
@@ -12219,16 +12740,13 @@
           <a:gradFill flip="none" rotWithShape="1">
             <a:gsLst>
               <a:gs pos="0">
-                <a:schemeClr val="accent4">
-                  <a:lumMod val="60000"/>
-                  <a:lumOff val="40000"/>
-                </a:schemeClr>
+                <a:srgbClr val="CCFFCC"/>
               </a:gs>
               <a:gs pos="100000">
-                <a:srgbClr val="FFFFFF"/>
+                <a:schemeClr val="bg1"/>
               </a:gs>
             </a:gsLst>
-            <a:lin ang="15600000" scaled="0"/>
+            <a:lin ang="16200000" scaled="0"/>
             <a:tileRect/>
           </a:gradFill>
           <a:ln>
@@ -12289,16 +12807,13 @@
           <a:gradFill flip="none" rotWithShape="1">
             <a:gsLst>
               <a:gs pos="0">
-                <a:schemeClr val="accent4">
-                  <a:lumMod val="60000"/>
-                  <a:lumOff val="40000"/>
-                </a:schemeClr>
+                <a:srgbClr val="CCFFCC"/>
               </a:gs>
               <a:gs pos="100000">
-                <a:srgbClr val="FFFFFF"/>
+                <a:schemeClr val="bg1"/>
               </a:gs>
             </a:gsLst>
-            <a:lin ang="15600000" scaled="0"/>
+            <a:lin ang="16200000" scaled="0"/>
             <a:tileRect/>
           </a:gradFill>
           <a:ln>
@@ -12359,16 +12874,13 @@
           <a:gradFill flip="none" rotWithShape="1">
             <a:gsLst>
               <a:gs pos="0">
-                <a:schemeClr val="accent4">
-                  <a:lumMod val="60000"/>
-                  <a:lumOff val="40000"/>
-                </a:schemeClr>
+                <a:srgbClr val="CCFFCC"/>
               </a:gs>
               <a:gs pos="100000">
-                <a:srgbClr val="FFFFFF"/>
+                <a:schemeClr val="bg1"/>
               </a:gs>
             </a:gsLst>
-            <a:lin ang="15600000" scaled="0"/>
+            <a:lin ang="16200000" scaled="0"/>
             <a:tileRect/>
           </a:gradFill>
           <a:ln>
@@ -12613,10 +13125,7 @@
             </a:avLst>
           </a:prstGeom>
           <a:solidFill>
-            <a:schemeClr val="accent4">
-              <a:lumMod val="60000"/>
-              <a:lumOff val="40000"/>
-            </a:schemeClr>
+            <a:schemeClr val="bg1"/>
           </a:solidFill>
           <a:ln>
             <a:solidFill>
@@ -12704,16 +13213,13 @@
           <a:gradFill flip="none" rotWithShape="1">
             <a:gsLst>
               <a:gs pos="0">
-                <a:schemeClr val="accent4">
-                  <a:lumMod val="60000"/>
-                  <a:lumOff val="40000"/>
-                </a:schemeClr>
+                <a:srgbClr val="CCFFCC"/>
               </a:gs>
               <a:gs pos="100000">
-                <a:srgbClr val="FFFFFF"/>
+                <a:schemeClr val="bg1"/>
               </a:gs>
             </a:gsLst>
-            <a:lin ang="15600000" scaled="0"/>
+            <a:lin ang="16200000" scaled="0"/>
             <a:tileRect/>
           </a:gradFill>
           <a:ln>
@@ -12868,16 +13374,13 @@
           <a:gradFill flip="none" rotWithShape="1">
             <a:gsLst>
               <a:gs pos="0">
-                <a:schemeClr val="accent4">
-                  <a:lumMod val="60000"/>
-                  <a:lumOff val="40000"/>
-                </a:schemeClr>
+                <a:srgbClr val="CCFFCC"/>
               </a:gs>
               <a:gs pos="100000">
-                <a:srgbClr val="FFFFFF"/>
+                <a:schemeClr val="bg1"/>
               </a:gs>
             </a:gsLst>
-            <a:lin ang="15600000" scaled="0"/>
+            <a:lin ang="16200000" scaled="0"/>
             <a:tileRect/>
           </a:gradFill>
           <a:ln>
@@ -13070,16 +13573,13 @@
           <a:gradFill flip="none" rotWithShape="1">
             <a:gsLst>
               <a:gs pos="0">
-                <a:schemeClr val="accent4">
-                  <a:lumMod val="60000"/>
-                  <a:lumOff val="40000"/>
-                </a:schemeClr>
+                <a:srgbClr val="CCFFCC"/>
               </a:gs>
               <a:gs pos="100000">
-                <a:srgbClr val="FFFFFF"/>
+                <a:schemeClr val="bg1"/>
               </a:gs>
             </a:gsLst>
-            <a:lin ang="15600000" scaled="0"/>
+            <a:lin ang="16200000" scaled="0"/>
             <a:tileRect/>
           </a:gradFill>
           <a:ln>
@@ -13140,16 +13640,13 @@
           <a:gradFill flip="none" rotWithShape="1">
             <a:gsLst>
               <a:gs pos="0">
-                <a:schemeClr val="accent4">
-                  <a:lumMod val="60000"/>
-                  <a:lumOff val="40000"/>
-                </a:schemeClr>
+                <a:srgbClr val="CCFFCC"/>
               </a:gs>
               <a:gs pos="100000">
-                <a:srgbClr val="FFFFFF"/>
+                <a:schemeClr val="bg1"/>
               </a:gs>
             </a:gsLst>
-            <a:lin ang="15600000" scaled="0"/>
+            <a:lin ang="16200000" scaled="0"/>
             <a:tileRect/>
           </a:gradFill>
           <a:ln>
@@ -13232,16 +13729,13 @@
           <a:gradFill flip="none" rotWithShape="1">
             <a:gsLst>
               <a:gs pos="0">
-                <a:schemeClr val="accent4">
-                  <a:lumMod val="60000"/>
-                  <a:lumOff val="40000"/>
-                </a:schemeClr>
+                <a:srgbClr val="CCFFCC"/>
               </a:gs>
               <a:gs pos="100000">
-                <a:srgbClr val="FFFFFF"/>
+                <a:schemeClr val="bg1"/>
               </a:gs>
             </a:gsLst>
-            <a:lin ang="15600000" scaled="0"/>
+            <a:lin ang="16200000" scaled="0"/>
             <a:tileRect/>
           </a:gradFill>
           <a:ln>
@@ -13473,10 +13967,7 @@
             </a:avLst>
           </a:prstGeom>
           <a:solidFill>
-            <a:schemeClr val="accent4">
-              <a:lumMod val="60000"/>
-              <a:lumOff val="40000"/>
-            </a:schemeClr>
+            <a:schemeClr val="bg1"/>
           </a:solidFill>
           <a:ln>
             <a:solidFill>
@@ -13552,7 +14043,7 @@
         </p:nvSpPr>
         <p:spPr>
           <a:xfrm>
-            <a:off x="6565005" y="2256968"/>
+            <a:off x="6610169" y="2197009"/>
             <a:ext cx="142455" cy="125409"/>
           </a:xfrm>
           <a:prstGeom prst="ellipse">
@@ -13602,7 +14093,7 @@
         </p:nvCxnSpPr>
         <p:spPr>
           <a:xfrm>
-            <a:off x="6636233" y="2382377"/>
+            <a:off x="6681397" y="2322418"/>
             <a:ext cx="0" cy="306101"/>
           </a:xfrm>
           <a:prstGeom prst="line">
@@ -13637,7 +14128,7 @@
         </p:nvSpPr>
         <p:spPr>
           <a:xfrm>
-            <a:off x="6149507" y="2197217"/>
+            <a:off x="6194671" y="2137258"/>
             <a:ext cx="415498" cy="215444"/>
           </a:xfrm>
           <a:prstGeom prst="rect">
@@ -13676,16 +14167,13 @@
           <a:gradFill flip="none" rotWithShape="1">
             <a:gsLst>
               <a:gs pos="0">
-                <a:schemeClr val="accent4">
-                  <a:lumMod val="60000"/>
-                  <a:lumOff val="40000"/>
-                </a:schemeClr>
+                <a:srgbClr val="CCFFCC"/>
               </a:gs>
               <a:gs pos="100000">
-                <a:srgbClr val="FFFFFF"/>
+                <a:schemeClr val="bg1"/>
               </a:gs>
             </a:gsLst>
-            <a:lin ang="15600000" scaled="0"/>
+            <a:lin ang="16200000" scaled="0"/>
             <a:tileRect/>
           </a:gradFill>
           <a:ln>
@@ -13801,16 +14289,13 @@
           <a:gradFill flip="none" rotWithShape="1">
             <a:gsLst>
               <a:gs pos="0">
-                <a:schemeClr val="accent4">
-                  <a:lumMod val="60000"/>
-                  <a:lumOff val="40000"/>
-                </a:schemeClr>
+                <a:srgbClr val="CCFFCC"/>
               </a:gs>
               <a:gs pos="100000">
-                <a:srgbClr val="FFFFFF"/>
+                <a:schemeClr val="bg1"/>
               </a:gs>
             </a:gsLst>
-            <a:lin ang="15600000" scaled="0"/>
+            <a:lin ang="16200000" scaled="0"/>
             <a:tileRect/>
           </a:gradFill>
           <a:ln>
@@ -13926,16 +14411,13 @@
           <a:gradFill flip="none" rotWithShape="1">
             <a:gsLst>
               <a:gs pos="0">
-                <a:schemeClr val="accent4">
-                  <a:lumMod val="60000"/>
-                  <a:lumOff val="40000"/>
-                </a:schemeClr>
+                <a:srgbClr val="CCFFCC"/>
               </a:gs>
               <a:gs pos="100000">
-                <a:srgbClr val="FFFFFF"/>
+                <a:schemeClr val="bg1"/>
               </a:gs>
             </a:gsLst>
-            <a:lin ang="15600000" scaled="0"/>
+            <a:lin ang="16200000" scaled="0"/>
             <a:tileRect/>
           </a:gradFill>
           <a:ln>
@@ -14051,16 +14533,13 @@
           <a:gradFill flip="none" rotWithShape="1">
             <a:gsLst>
               <a:gs pos="0">
-                <a:schemeClr val="accent4">
-                  <a:lumMod val="60000"/>
-                  <a:lumOff val="40000"/>
-                </a:schemeClr>
+                <a:srgbClr val="CCFFCC"/>
               </a:gs>
               <a:gs pos="100000">
-                <a:srgbClr val="FFFFFF"/>
+                <a:schemeClr val="bg1"/>
               </a:gs>
             </a:gsLst>
-            <a:lin ang="15600000" scaled="0"/>
+            <a:lin ang="16200000" scaled="0"/>
             <a:tileRect/>
           </a:gradFill>
           <a:ln>
@@ -14176,16 +14655,13 @@
           <a:gradFill flip="none" rotWithShape="1">
             <a:gsLst>
               <a:gs pos="0">
-                <a:schemeClr val="accent4">
-                  <a:lumMod val="60000"/>
-                  <a:lumOff val="40000"/>
-                </a:schemeClr>
+                <a:srgbClr val="CCFFCC"/>
               </a:gs>
               <a:gs pos="100000">
-                <a:srgbClr val="FFFFFF"/>
+                <a:schemeClr val="bg1"/>
               </a:gs>
             </a:gsLst>
-            <a:lin ang="15600000" scaled="0"/>
+            <a:lin ang="16200000" scaled="0"/>
             <a:tileRect/>
           </a:gradFill>
           <a:ln>
@@ -14246,16 +14722,13 @@
           <a:gradFill flip="none" rotWithShape="1">
             <a:gsLst>
               <a:gs pos="0">
-                <a:schemeClr val="accent4">
-                  <a:lumMod val="60000"/>
-                  <a:lumOff val="40000"/>
-                </a:schemeClr>
+                <a:srgbClr val="CCFFCC"/>
               </a:gs>
               <a:gs pos="100000">
-                <a:srgbClr val="FFFFFF"/>
+                <a:schemeClr val="bg1"/>
               </a:gs>
             </a:gsLst>
-            <a:lin ang="15600000" scaled="0"/>
+            <a:lin ang="16200000" scaled="0"/>
             <a:tileRect/>
           </a:gradFill>
           <a:ln>
@@ -14341,16 +14814,13 @@
           <a:gradFill flip="none" rotWithShape="1">
             <a:gsLst>
               <a:gs pos="0">
-                <a:schemeClr val="accent4">
-                  <a:lumMod val="60000"/>
-                  <a:lumOff val="40000"/>
-                </a:schemeClr>
+                <a:srgbClr val="CCFFCC"/>
               </a:gs>
               <a:gs pos="100000">
-                <a:srgbClr val="FFFFFF"/>
+                <a:schemeClr val="bg1"/>
               </a:gs>
             </a:gsLst>
-            <a:lin ang="15600000" scaled="0"/>
+            <a:lin ang="16200000" scaled="0"/>
             <a:tileRect/>
           </a:gradFill>
           <a:ln>
@@ -14726,16 +15196,13 @@
           <a:gradFill flip="none" rotWithShape="1">
             <a:gsLst>
               <a:gs pos="0">
-                <a:schemeClr val="accent4">
-                  <a:lumMod val="60000"/>
-                  <a:lumOff val="40000"/>
-                </a:schemeClr>
+                <a:srgbClr val="CCFFCC"/>
               </a:gs>
               <a:gs pos="100000">
-                <a:srgbClr val="FFFFFF"/>
+                <a:schemeClr val="bg1"/>
               </a:gs>
             </a:gsLst>
-            <a:lin ang="15600000" scaled="0"/>
+            <a:lin ang="16200000" scaled="0"/>
             <a:tileRect/>
           </a:gradFill>
           <a:ln>
@@ -14851,16 +15318,13 @@
           <a:gradFill flip="none" rotWithShape="1">
             <a:gsLst>
               <a:gs pos="0">
-                <a:schemeClr val="accent4">
-                  <a:lumMod val="60000"/>
-                  <a:lumOff val="40000"/>
-                </a:schemeClr>
+                <a:srgbClr val="CCFFCC"/>
               </a:gs>
               <a:gs pos="100000">
-                <a:srgbClr val="FFFFFF"/>
+                <a:schemeClr val="bg1"/>
               </a:gs>
             </a:gsLst>
-            <a:lin ang="15600000" scaled="0"/>
+            <a:lin ang="16200000" scaled="0"/>
             <a:tileRect/>
           </a:gradFill>
           <a:ln>
@@ -14921,16 +15385,13 @@
           <a:gradFill flip="none" rotWithShape="1">
             <a:gsLst>
               <a:gs pos="0">
-                <a:schemeClr val="accent4">
-                  <a:lumMod val="60000"/>
-                  <a:lumOff val="40000"/>
-                </a:schemeClr>
+                <a:srgbClr val="CCFFCC"/>
               </a:gs>
               <a:gs pos="100000">
-                <a:srgbClr val="FFFFFF"/>
+                <a:schemeClr val="bg1"/>
               </a:gs>
             </a:gsLst>
-            <a:lin ang="15600000" scaled="0"/>
+            <a:lin ang="16200000" scaled="0"/>
             <a:tileRect/>
           </a:gradFill>
           <a:ln>
@@ -15106,16 +15567,13 @@
           <a:gradFill flip="none" rotWithShape="1">
             <a:gsLst>
               <a:gs pos="0">
-                <a:schemeClr val="accent4">
-                  <a:lumMod val="60000"/>
-                  <a:lumOff val="40000"/>
-                </a:schemeClr>
+                <a:srgbClr val="CCFFCC"/>
               </a:gs>
               <a:gs pos="100000">
-                <a:srgbClr val="FFFFFF"/>
+                <a:schemeClr val="bg1"/>
               </a:gs>
             </a:gsLst>
-            <a:lin ang="15600000" scaled="0"/>
+            <a:lin ang="16200000" scaled="0"/>
             <a:tileRect/>
           </a:gradFill>
           <a:ln>
@@ -15231,16 +15689,13 @@
           <a:gradFill flip="none" rotWithShape="1">
             <a:gsLst>
               <a:gs pos="0">
-                <a:schemeClr val="accent4">
-                  <a:lumMod val="60000"/>
-                  <a:lumOff val="40000"/>
-                </a:schemeClr>
+                <a:srgbClr val="CCFFCC"/>
               </a:gs>
               <a:gs pos="100000">
-                <a:srgbClr val="FFFFFF"/>
+                <a:schemeClr val="bg1"/>
               </a:gs>
             </a:gsLst>
-            <a:lin ang="15600000" scaled="0"/>
+            <a:lin ang="16200000" scaled="0"/>
             <a:tileRect/>
           </a:gradFill>
           <a:ln>
@@ -15356,16 +15811,13 @@
           <a:gradFill flip="none" rotWithShape="1">
             <a:gsLst>
               <a:gs pos="0">
-                <a:schemeClr val="accent4">
-                  <a:lumMod val="60000"/>
-                  <a:lumOff val="40000"/>
-                </a:schemeClr>
+                <a:srgbClr val="CCFFCC"/>
               </a:gs>
               <a:gs pos="100000">
-                <a:srgbClr val="FFFFFF"/>
+                <a:schemeClr val="bg1"/>
               </a:gs>
             </a:gsLst>
-            <a:lin ang="15600000" scaled="0"/>
+            <a:lin ang="16200000" scaled="0"/>
             <a:tileRect/>
           </a:gradFill>
           <a:ln>
@@ -15481,16 +15933,13 @@
           <a:gradFill flip="none" rotWithShape="1">
             <a:gsLst>
               <a:gs pos="0">
-                <a:schemeClr val="accent4">
-                  <a:lumMod val="60000"/>
-                  <a:lumOff val="40000"/>
-                </a:schemeClr>
+                <a:srgbClr val="CCFFCC"/>
               </a:gs>
               <a:gs pos="100000">
-                <a:srgbClr val="FFFFFF"/>
+                <a:schemeClr val="bg1"/>
               </a:gs>
             </a:gsLst>
-            <a:lin ang="15600000" scaled="0"/>
+            <a:lin ang="16200000" scaled="0"/>
             <a:tileRect/>
           </a:gradFill>
           <a:ln>
@@ -15606,16 +16055,13 @@
           <a:gradFill flip="none" rotWithShape="1">
             <a:gsLst>
               <a:gs pos="0">
-                <a:schemeClr val="accent4">
-                  <a:lumMod val="60000"/>
-                  <a:lumOff val="40000"/>
-                </a:schemeClr>
+                <a:srgbClr val="CCFFCC"/>
               </a:gs>
               <a:gs pos="100000">
-                <a:srgbClr val="FFFFFF"/>
+                <a:schemeClr val="bg1"/>
               </a:gs>
             </a:gsLst>
-            <a:lin ang="15600000" scaled="0"/>
+            <a:lin ang="16200000" scaled="0"/>
             <a:tileRect/>
           </a:gradFill>
           <a:ln>
@@ -15791,16 +16237,13 @@
           <a:gradFill flip="none" rotWithShape="1">
             <a:gsLst>
               <a:gs pos="0">
-                <a:schemeClr val="accent4">
-                  <a:lumMod val="60000"/>
-                  <a:lumOff val="40000"/>
-                </a:schemeClr>
+                <a:srgbClr val="CCFFCC"/>
               </a:gs>
               <a:gs pos="100000">
-                <a:srgbClr val="FFFFFF"/>
+                <a:schemeClr val="bg1"/>
               </a:gs>
             </a:gsLst>
-            <a:lin ang="15600000" scaled="0"/>
+            <a:lin ang="16200000" scaled="0"/>
             <a:tileRect/>
           </a:gradFill>
           <a:ln>
@@ -15916,16 +16359,13 @@
           <a:gradFill flip="none" rotWithShape="1">
             <a:gsLst>
               <a:gs pos="0">
-                <a:schemeClr val="accent4">
-                  <a:lumMod val="60000"/>
-                  <a:lumOff val="40000"/>
-                </a:schemeClr>
+                <a:srgbClr val="CCFFCC"/>
               </a:gs>
               <a:gs pos="100000">
-                <a:srgbClr val="FFFFFF"/>
+                <a:schemeClr val="bg1"/>
               </a:gs>
             </a:gsLst>
-            <a:lin ang="15600000" scaled="0"/>
+            <a:lin ang="16200000" scaled="0"/>
             <a:tileRect/>
           </a:gradFill>
           <a:ln>
@@ -16041,16 +16481,13 @@
           <a:gradFill flip="none" rotWithShape="1">
             <a:gsLst>
               <a:gs pos="0">
-                <a:schemeClr val="accent4">
-                  <a:lumMod val="60000"/>
-                  <a:lumOff val="40000"/>
-                </a:schemeClr>
+                <a:srgbClr val="CCFFCC"/>
               </a:gs>
               <a:gs pos="100000">
-                <a:srgbClr val="FFFFFF"/>
+                <a:schemeClr val="bg1"/>
               </a:gs>
             </a:gsLst>
-            <a:lin ang="15600000" scaled="0"/>
+            <a:lin ang="16200000" scaled="0"/>
             <a:tileRect/>
           </a:gradFill>
           <a:ln>
@@ -16136,16 +16573,13 @@
           <a:gradFill flip="none" rotWithShape="1">
             <a:gsLst>
               <a:gs pos="0">
-                <a:schemeClr val="accent4">
-                  <a:lumMod val="60000"/>
-                  <a:lumOff val="40000"/>
-                </a:schemeClr>
+                <a:srgbClr val="CCFFCC"/>
               </a:gs>
               <a:gs pos="100000">
-                <a:srgbClr val="FFFFFF"/>
+                <a:schemeClr val="bg1"/>
               </a:gs>
             </a:gsLst>
-            <a:lin ang="15600000" scaled="0"/>
+            <a:lin ang="16200000" scaled="0"/>
             <a:tileRect/>
           </a:gradFill>
           <a:ln>
@@ -16291,16 +16725,13 @@
           <a:gradFill flip="none" rotWithShape="1">
             <a:gsLst>
               <a:gs pos="0">
-                <a:schemeClr val="accent4">
-                  <a:lumMod val="60000"/>
-                  <a:lumOff val="40000"/>
-                </a:schemeClr>
+                <a:srgbClr val="CCFFCC"/>
               </a:gs>
               <a:gs pos="100000">
-                <a:srgbClr val="FFFFFF"/>
+                <a:schemeClr val="bg1"/>
               </a:gs>
             </a:gsLst>
-            <a:lin ang="15600000" scaled="0"/>
+            <a:lin ang="16200000" scaled="0"/>
             <a:tileRect/>
           </a:gradFill>
           <a:ln>
@@ -16416,16 +16847,13 @@
           <a:gradFill flip="none" rotWithShape="1">
             <a:gsLst>
               <a:gs pos="0">
-                <a:schemeClr val="accent4">
-                  <a:lumMod val="60000"/>
-                  <a:lumOff val="40000"/>
-                </a:schemeClr>
+                <a:srgbClr val="CCFFCC"/>
               </a:gs>
               <a:gs pos="100000">
-                <a:srgbClr val="FFFFFF"/>
+                <a:schemeClr val="bg1"/>
               </a:gs>
             </a:gsLst>
-            <a:lin ang="15600000" scaled="0"/>
+            <a:lin ang="16200000" scaled="0"/>
             <a:tileRect/>
           </a:gradFill>
           <a:ln>
@@ -16486,16 +16914,13 @@
           <a:gradFill flip="none" rotWithShape="1">
             <a:gsLst>
               <a:gs pos="0">
-                <a:schemeClr val="accent4">
-                  <a:lumMod val="60000"/>
-                  <a:lumOff val="40000"/>
-                </a:schemeClr>
+                <a:srgbClr val="CCFFCC"/>
               </a:gs>
               <a:gs pos="100000">
-                <a:srgbClr val="FFFFFF"/>
+                <a:schemeClr val="bg1"/>
               </a:gs>
             </a:gsLst>
-            <a:lin ang="15600000" scaled="0"/>
+            <a:lin ang="16200000" scaled="0"/>
             <a:tileRect/>
           </a:gradFill>
           <a:ln>
@@ -16950,6 +17375,121 @@
               <a:t>n)</a:t>
             </a:r>
             <a:endParaRPr lang="it-IT" sz="800" dirty="0"/>
+          </a:p>
+        </p:txBody>
+      </p:sp>
+      <p:sp>
+        <p:nvSpPr>
+          <p:cNvPr id="185" name="Ovale 184"/>
+          <p:cNvSpPr/>
+          <p:nvPr/>
+        </p:nvSpPr>
+        <p:spPr>
+          <a:xfrm>
+            <a:off x="6679019" y="391684"/>
+            <a:ext cx="142455" cy="125409"/>
+          </a:xfrm>
+          <a:prstGeom prst="ellipse">
+            <a:avLst/>
+          </a:prstGeom>
+          <a:solidFill>
+            <a:schemeClr val="accent1">
+              <a:lumMod val="75000"/>
+            </a:schemeClr>
+          </a:solidFill>
+          <a:ln>
+            <a:solidFill>
+              <a:schemeClr val="tx1"/>
+            </a:solidFill>
+          </a:ln>
+        </p:spPr>
+        <p:style>
+          <a:lnRef idx="1">
+            <a:schemeClr val="accent1"/>
+          </a:lnRef>
+          <a:fillRef idx="3">
+            <a:schemeClr val="accent1"/>
+          </a:fillRef>
+          <a:effectRef idx="2">
+            <a:schemeClr val="accent1"/>
+          </a:effectRef>
+          <a:fontRef idx="minor">
+            <a:schemeClr val="lt1"/>
+          </a:fontRef>
+        </p:style>
+        <p:txBody>
+          <a:bodyPr rtlCol="0" anchor="ctr"/>
+          <a:lstStyle/>
+          <a:p>
+            <a:pPr algn="ctr"/>
+            <a:endParaRPr lang="it-IT" sz="800"/>
+          </a:p>
+        </p:txBody>
+      </p:sp>
+      <p:cxnSp>
+        <p:nvCxnSpPr>
+          <p:cNvPr id="186" name="Connettore 1 185"/>
+          <p:cNvCxnSpPr>
+            <a:stCxn id="185" idx="4"/>
+          </p:cNvCxnSpPr>
+          <p:nvPr/>
+        </p:nvCxnSpPr>
+        <p:spPr>
+          <a:xfrm>
+            <a:off x="6750247" y="517093"/>
+            <a:ext cx="0" cy="306101"/>
+          </a:xfrm>
+          <a:prstGeom prst="line">
+            <a:avLst/>
+          </a:prstGeom>
+          <a:ln w="12700">
+            <a:solidFill>
+              <a:schemeClr val="tx1"/>
+            </a:solidFill>
+          </a:ln>
+        </p:spPr>
+        <p:style>
+          <a:lnRef idx="2">
+            <a:schemeClr val="accent1"/>
+          </a:lnRef>
+          <a:fillRef idx="0">
+            <a:schemeClr val="accent1"/>
+          </a:fillRef>
+          <a:effectRef idx="1">
+            <a:schemeClr val="accent1"/>
+          </a:effectRef>
+          <a:fontRef idx="minor">
+            <a:schemeClr val="tx1"/>
+          </a:fontRef>
+        </p:style>
+      </p:cxnSp>
+      <p:sp>
+        <p:nvSpPr>
+          <p:cNvPr id="187" name="CasellaDiTesto 186"/>
+          <p:cNvSpPr txBox="1"/>
+          <p:nvPr/>
+        </p:nvSpPr>
+        <p:spPr>
+          <a:xfrm>
+            <a:off x="5959685" y="359665"/>
+            <a:ext cx="774571" cy="215444"/>
+          </a:xfrm>
+          <a:prstGeom prst="rect">
+            <a:avLst/>
+          </a:prstGeom>
+          <a:noFill/>
+        </p:spPr>
+        <p:txBody>
+          <a:bodyPr wrap="none" rtlCol="0">
+            <a:spAutoFit/>
+          </a:bodyPr>
+          <a:lstStyle/>
+          <a:p>
+            <a:r>
+              <a:rPr lang="it-IT" sz="800" dirty="0" err="1" smtClean="0"/>
+              <a:t>idTrattoFiume</a:t>
+            </a:r>
+            <a:endParaRPr lang="it-IT" sz="800" dirty="0" smtClean="0"/>
           </a:p>
         </p:txBody>
       </p:sp>

--- a/E-R.pptx
+++ b/E-R.pptx
@@ -6997,16 +6997,206 @@
       </p:sp>
       <p:sp>
         <p:nvSpPr>
-          <p:cNvPr id="188" name="Rettangolo 187"/>
+          <p:cNvPr id="189" name="Ovale 188"/>
           <p:cNvSpPr/>
           <p:nvPr/>
         </p:nvSpPr>
         <p:spPr>
           <a:xfrm>
-            <a:off x="1033485" y="582100"/>
-            <a:ext cx="844814" cy="385713"/>
+            <a:off x="638722" y="751833"/>
+            <a:ext cx="142455" cy="125409"/>
+          </a:xfrm>
+          <a:prstGeom prst="ellipse">
+            <a:avLst/>
+          </a:prstGeom>
+          <a:solidFill>
+            <a:schemeClr val="accent1">
+              <a:lumMod val="75000"/>
+            </a:schemeClr>
+          </a:solidFill>
+          <a:ln>
+            <a:solidFill>
+              <a:schemeClr val="tx1"/>
+            </a:solidFill>
+          </a:ln>
+        </p:spPr>
+        <p:style>
+          <a:lnRef idx="1">
+            <a:schemeClr val="accent1"/>
+          </a:lnRef>
+          <a:fillRef idx="3">
+            <a:schemeClr val="accent1"/>
+          </a:fillRef>
+          <a:effectRef idx="2">
+            <a:schemeClr val="accent1"/>
+          </a:effectRef>
+          <a:fontRef idx="minor">
+            <a:schemeClr val="lt1"/>
+          </a:fontRef>
+        </p:style>
+        <p:txBody>
+          <a:bodyPr rtlCol="0" anchor="ctr"/>
+          <a:lstStyle/>
+          <a:p>
+            <a:pPr algn="ctr"/>
+            <a:endParaRPr lang="it-IT" sz="800"/>
+          </a:p>
+        </p:txBody>
+      </p:sp>
+      <p:cxnSp>
+        <p:nvCxnSpPr>
+          <p:cNvPr id="190" name="Connettore 1 189"/>
+          <p:cNvCxnSpPr>
+            <a:stCxn id="189" idx="6"/>
+          </p:cNvCxnSpPr>
+          <p:nvPr/>
+        </p:nvCxnSpPr>
+        <p:spPr>
+          <a:xfrm>
+            <a:off x="781177" y="814538"/>
+            <a:ext cx="252308" cy="0"/>
+          </a:xfrm>
+          <a:prstGeom prst="line">
+            <a:avLst/>
+          </a:prstGeom>
+          <a:ln w="12700">
+            <a:solidFill>
+              <a:schemeClr val="tx1"/>
+            </a:solidFill>
+          </a:ln>
+        </p:spPr>
+        <p:style>
+          <a:lnRef idx="2">
+            <a:schemeClr val="accent1"/>
+          </a:lnRef>
+          <a:fillRef idx="0">
+            <a:schemeClr val="accent1"/>
+          </a:fillRef>
+          <a:effectRef idx="1">
+            <a:schemeClr val="accent1"/>
+          </a:effectRef>
+          <a:fontRef idx="minor">
+            <a:schemeClr val="tx1"/>
+          </a:fontRef>
+        </p:style>
+      </p:cxnSp>
+      <p:sp>
+        <p:nvSpPr>
+          <p:cNvPr id="191" name="CasellaDiTesto 190"/>
+          <p:cNvSpPr txBox="1"/>
+          <p:nvPr/>
+        </p:nvSpPr>
+        <p:spPr>
+          <a:xfrm>
+            <a:off x="423049" y="536389"/>
+            <a:ext cx="519694" cy="215444"/>
           </a:xfrm>
           <a:prstGeom prst="rect">
+            <a:avLst/>
+          </a:prstGeom>
+          <a:noFill/>
+        </p:spPr>
+        <p:txBody>
+          <a:bodyPr wrap="none" rtlCol="0">
+            <a:spAutoFit/>
+          </a:bodyPr>
+          <a:lstStyle/>
+          <a:p>
+            <a:r>
+              <a:rPr lang="it-IT" sz="800" dirty="0" err="1" smtClean="0"/>
+              <a:t>idFiume</a:t>
+            </a:r>
+            <a:endParaRPr lang="it-IT" sz="800" dirty="0" smtClean="0"/>
+          </a:p>
+        </p:txBody>
+      </p:sp>
+      <p:cxnSp>
+        <p:nvCxnSpPr>
+          <p:cNvPr id="16" name="Connettore 1 15"/>
+          <p:cNvCxnSpPr>
+            <a:stCxn id="14" idx="1"/>
+            <a:endCxn id="188" idx="3"/>
+          </p:cNvCxnSpPr>
+          <p:nvPr/>
+        </p:nvCxnSpPr>
+        <p:spPr>
+          <a:xfrm flipH="1">
+            <a:off x="1878299" y="774957"/>
+            <a:ext cx="551624" cy="0"/>
+          </a:xfrm>
+          <a:prstGeom prst="line">
+            <a:avLst/>
+          </a:prstGeom>
+          <a:ln w="12700">
+            <a:solidFill>
+              <a:schemeClr val="tx1"/>
+            </a:solidFill>
+          </a:ln>
+        </p:spPr>
+        <p:style>
+          <a:lnRef idx="2">
+            <a:schemeClr val="accent1"/>
+          </a:lnRef>
+          <a:fillRef idx="0">
+            <a:schemeClr val="accent1"/>
+          </a:fillRef>
+          <a:effectRef idx="1">
+            <a:schemeClr val="accent1"/>
+          </a:effectRef>
+          <a:fontRef idx="minor">
+            <a:schemeClr val="tx1"/>
+          </a:fontRef>
+        </p:style>
+      </p:cxnSp>
+      <p:cxnSp>
+        <p:nvCxnSpPr>
+          <p:cNvPr id="192" name="Connettore 1 191"/>
+          <p:cNvCxnSpPr>
+            <a:stCxn id="193" idx="0"/>
+          </p:cNvCxnSpPr>
+          <p:nvPr/>
+        </p:nvCxnSpPr>
+        <p:spPr>
+          <a:xfrm flipV="1">
+            <a:off x="1436489" y="4618618"/>
+            <a:ext cx="0" cy="341137"/>
+          </a:xfrm>
+          <a:prstGeom prst="line">
+            <a:avLst/>
+          </a:prstGeom>
+          <a:ln w="12700">
+            <a:solidFill>
+              <a:schemeClr val="tx1"/>
+            </a:solidFill>
+          </a:ln>
+        </p:spPr>
+        <p:style>
+          <a:lnRef idx="2">
+            <a:schemeClr val="accent1"/>
+          </a:lnRef>
+          <a:fillRef idx="0">
+            <a:schemeClr val="accent1"/>
+          </a:fillRef>
+          <a:effectRef idx="1">
+            <a:schemeClr val="accent1"/>
+          </a:effectRef>
+          <a:fontRef idx="minor">
+            <a:schemeClr val="tx1"/>
+          </a:fontRef>
+        </p:style>
+      </p:cxnSp>
+      <p:sp>
+        <p:nvSpPr>
+          <p:cNvPr id="193" name="Ovale 192"/>
+          <p:cNvSpPr/>
+          <p:nvPr/>
+        </p:nvSpPr>
+        <p:spPr>
+          <a:xfrm>
+            <a:off x="1365261" y="4959755"/>
+            <a:ext cx="142455" cy="125409"/>
+          </a:xfrm>
+          <a:prstGeom prst="ellipse">
             <a:avLst/>
           </a:prstGeom>
           <a:gradFill flip="none" rotWithShape="1">
@@ -7049,82 +7239,22 @@
           <a:lstStyle/>
           <a:p>
             <a:pPr algn="ctr"/>
-            <a:r>
-              <a:rPr lang="it-IT" sz="800" dirty="0" smtClean="0">
-                <a:solidFill>
-                  <a:srgbClr val="000000"/>
-                </a:solidFill>
-              </a:rPr>
-              <a:t>Fiume</a:t>
-            </a:r>
-            <a:endParaRPr lang="it-IT" sz="800" dirty="0">
-              <a:solidFill>
-                <a:srgbClr val="000000"/>
-              </a:solidFill>
-            </a:endParaRPr>
-          </a:p>
-        </p:txBody>
-      </p:sp>
-      <p:sp>
-        <p:nvSpPr>
-          <p:cNvPr id="189" name="Ovale 188"/>
-          <p:cNvSpPr/>
-          <p:nvPr/>
-        </p:nvSpPr>
-        <p:spPr>
-          <a:xfrm>
-            <a:off x="638722" y="751833"/>
-            <a:ext cx="142455" cy="125409"/>
-          </a:xfrm>
-          <a:prstGeom prst="ellipse">
-            <a:avLst/>
-          </a:prstGeom>
-          <a:solidFill>
-            <a:schemeClr val="accent1">
-              <a:lumMod val="75000"/>
-            </a:schemeClr>
-          </a:solidFill>
-          <a:ln>
-            <a:solidFill>
-              <a:schemeClr val="tx1"/>
-            </a:solidFill>
-          </a:ln>
-        </p:spPr>
-        <p:style>
-          <a:lnRef idx="1">
-            <a:schemeClr val="accent1"/>
-          </a:lnRef>
-          <a:fillRef idx="3">
-            <a:schemeClr val="accent1"/>
-          </a:fillRef>
-          <a:effectRef idx="2">
-            <a:schemeClr val="accent1"/>
-          </a:effectRef>
-          <a:fontRef idx="minor">
-            <a:schemeClr val="lt1"/>
-          </a:fontRef>
-        </p:style>
-        <p:txBody>
-          <a:bodyPr rtlCol="0" anchor="ctr"/>
-          <a:lstStyle/>
-          <a:p>
-            <a:pPr algn="ctr"/>
             <a:endParaRPr lang="it-IT" sz="800"/>
           </a:p>
         </p:txBody>
       </p:sp>
       <p:cxnSp>
         <p:nvCxnSpPr>
-          <p:cNvPr id="190" name="Connettore 1 189"/>
+          <p:cNvPr id="194" name="Connettore 1 193"/>
           <p:cNvCxnSpPr>
-            <a:stCxn id="189" idx="6"/>
+            <a:stCxn id="195" idx="0"/>
           </p:cNvCxnSpPr>
           <p:nvPr/>
         </p:nvCxnSpPr>
         <p:spPr>
-          <a:xfrm>
-            <a:off x="781177" y="814538"/>
-            <a:ext cx="252308" cy="0"/>
+          <a:xfrm flipV="1">
+            <a:off x="1839719" y="4618618"/>
+            <a:ext cx="0" cy="341137"/>
           </a:xfrm>
           <a:prstGeom prst="line">
             <a:avLst/>
@@ -7152,118 +7282,13 @@
       </p:cxnSp>
       <p:sp>
         <p:nvSpPr>
-          <p:cNvPr id="191" name="CasellaDiTesto 190"/>
-          <p:cNvSpPr txBox="1"/>
-          <p:nvPr/>
-        </p:nvSpPr>
-        <p:spPr>
-          <a:xfrm>
-            <a:off x="423049" y="536389"/>
-            <a:ext cx="519694" cy="215444"/>
-          </a:xfrm>
-          <a:prstGeom prst="rect">
-            <a:avLst/>
-          </a:prstGeom>
-          <a:noFill/>
-        </p:spPr>
-        <p:txBody>
-          <a:bodyPr wrap="none" rtlCol="0">
-            <a:spAutoFit/>
-          </a:bodyPr>
-          <a:lstStyle/>
-          <a:p>
-            <a:r>
-              <a:rPr lang="it-IT" sz="800" dirty="0" err="1" smtClean="0"/>
-              <a:t>idFiume</a:t>
-            </a:r>
-            <a:endParaRPr lang="it-IT" sz="800" dirty="0" smtClean="0"/>
-          </a:p>
-        </p:txBody>
-      </p:sp>
-      <p:cxnSp>
-        <p:nvCxnSpPr>
-          <p:cNvPr id="16" name="Connettore 1 15"/>
-          <p:cNvCxnSpPr>
-            <a:stCxn id="14" idx="1"/>
-            <a:endCxn id="188" idx="3"/>
-          </p:cNvCxnSpPr>
-          <p:nvPr/>
-        </p:nvCxnSpPr>
-        <p:spPr>
-          <a:xfrm flipH="1">
-            <a:off x="1878299" y="774957"/>
-            <a:ext cx="551624" cy="0"/>
-          </a:xfrm>
-          <a:prstGeom prst="line">
-            <a:avLst/>
-          </a:prstGeom>
-          <a:ln w="12700">
-            <a:solidFill>
-              <a:schemeClr val="tx1"/>
-            </a:solidFill>
-          </a:ln>
-        </p:spPr>
-        <p:style>
-          <a:lnRef idx="2">
-            <a:schemeClr val="accent1"/>
-          </a:lnRef>
-          <a:fillRef idx="0">
-            <a:schemeClr val="accent1"/>
-          </a:fillRef>
-          <a:effectRef idx="1">
-            <a:schemeClr val="accent1"/>
-          </a:effectRef>
-          <a:fontRef idx="minor">
-            <a:schemeClr val="tx1"/>
-          </a:fontRef>
-        </p:style>
-      </p:cxnSp>
-      <p:cxnSp>
-        <p:nvCxnSpPr>
-          <p:cNvPr id="192" name="Connettore 1 191"/>
-          <p:cNvCxnSpPr>
-            <a:stCxn id="193" idx="0"/>
-          </p:cNvCxnSpPr>
-          <p:nvPr/>
-        </p:nvCxnSpPr>
-        <p:spPr>
-          <a:xfrm flipV="1">
-            <a:off x="1436489" y="4618618"/>
-            <a:ext cx="0" cy="341137"/>
-          </a:xfrm>
-          <a:prstGeom prst="line">
-            <a:avLst/>
-          </a:prstGeom>
-          <a:ln w="12700">
-            <a:solidFill>
-              <a:schemeClr val="tx1"/>
-            </a:solidFill>
-          </a:ln>
-        </p:spPr>
-        <p:style>
-          <a:lnRef idx="2">
-            <a:schemeClr val="accent1"/>
-          </a:lnRef>
-          <a:fillRef idx="0">
-            <a:schemeClr val="accent1"/>
-          </a:fillRef>
-          <a:effectRef idx="1">
-            <a:schemeClr val="accent1"/>
-          </a:effectRef>
-          <a:fontRef idx="minor">
-            <a:schemeClr val="tx1"/>
-          </a:fontRef>
-        </p:style>
-      </p:cxnSp>
-      <p:sp>
-        <p:nvSpPr>
-          <p:cNvPr id="193" name="Ovale 192"/>
+          <p:cNvPr id="195" name="Ovale 194"/>
           <p:cNvSpPr/>
           <p:nvPr/>
         </p:nvSpPr>
         <p:spPr>
           <a:xfrm>
-            <a:off x="1365261" y="4959755"/>
+            <a:off x="1768491" y="4959755"/>
             <a:ext cx="142455" cy="125409"/>
           </a:xfrm>
           <a:prstGeom prst="ellipse">
@@ -7313,55 +7338,78 @@
           </a:p>
         </p:txBody>
       </p:sp>
-      <p:cxnSp>
-        <p:nvCxnSpPr>
-          <p:cNvPr id="194" name="Connettore 1 193"/>
-          <p:cNvCxnSpPr>
-            <a:stCxn id="195" idx="0"/>
-          </p:cNvCxnSpPr>
-          <p:nvPr/>
-        </p:nvCxnSpPr>
-        <p:spPr>
-          <a:xfrm flipV="1">
-            <a:off x="1839719" y="4618618"/>
-            <a:ext cx="0" cy="341137"/>
-          </a:xfrm>
-          <a:prstGeom prst="line">
-            <a:avLst/>
-          </a:prstGeom>
-          <a:ln w="12700">
-            <a:solidFill>
-              <a:schemeClr val="tx1"/>
-            </a:solidFill>
-          </a:ln>
-        </p:spPr>
-        <p:style>
-          <a:lnRef idx="2">
-            <a:schemeClr val="accent1"/>
-          </a:lnRef>
-          <a:fillRef idx="0">
-            <a:schemeClr val="accent1"/>
-          </a:fillRef>
-          <a:effectRef idx="1">
-            <a:schemeClr val="accent1"/>
-          </a:effectRef>
-          <a:fontRef idx="minor">
-            <a:schemeClr val="tx1"/>
-          </a:fontRef>
-        </p:style>
-      </p:cxnSp>
-      <p:sp>
-        <p:nvSpPr>
-          <p:cNvPr id="195" name="Ovale 194"/>
+      <p:sp>
+        <p:nvSpPr>
+          <p:cNvPr id="196" name="CasellaDiTesto 195"/>
+          <p:cNvSpPr txBox="1"/>
+          <p:nvPr/>
+        </p:nvSpPr>
+        <p:spPr>
+          <a:xfrm>
+            <a:off x="1069148" y="5085164"/>
+            <a:ext cx="652292" cy="215444"/>
+          </a:xfrm>
+          <a:prstGeom prst="rect">
+            <a:avLst/>
+          </a:prstGeom>
+          <a:noFill/>
+        </p:spPr>
+        <p:txBody>
+          <a:bodyPr wrap="none" rtlCol="0">
+            <a:spAutoFit/>
+          </a:bodyPr>
+          <a:lstStyle/>
+          <a:p>
+            <a:r>
+              <a:rPr lang="it-IT" sz="800" dirty="0" smtClean="0"/>
+              <a:t>costruttore</a:t>
+            </a:r>
+            <a:endParaRPr lang="it-IT" sz="800" dirty="0"/>
+          </a:p>
+        </p:txBody>
+      </p:sp>
+      <p:sp>
+        <p:nvSpPr>
+          <p:cNvPr id="197" name="CasellaDiTesto 196"/>
+          <p:cNvSpPr txBox="1"/>
+          <p:nvPr/>
+        </p:nvSpPr>
+        <p:spPr>
+          <a:xfrm>
+            <a:off x="1624069" y="5085164"/>
+            <a:ext cx="526857" cy="215444"/>
+          </a:xfrm>
+          <a:prstGeom prst="rect">
+            <a:avLst/>
+          </a:prstGeom>
+          <a:noFill/>
+        </p:spPr>
+        <p:txBody>
+          <a:bodyPr wrap="none" rtlCol="0">
+            <a:spAutoFit/>
+          </a:bodyPr>
+          <a:lstStyle/>
+          <a:p>
+            <a:r>
+              <a:rPr lang="it-IT" sz="800" dirty="0" smtClean="0"/>
+              <a:t>modello</a:t>
+            </a:r>
+            <a:endParaRPr lang="it-IT" sz="800" dirty="0"/>
+          </a:p>
+        </p:txBody>
+      </p:sp>
+      <p:sp>
+        <p:nvSpPr>
+          <p:cNvPr id="155" name="Rettangolo 154"/>
           <p:cNvSpPr/>
           <p:nvPr/>
         </p:nvSpPr>
         <p:spPr>
           <a:xfrm>
-            <a:off x="1768491" y="4959755"/>
-            <a:ext cx="142455" cy="125409"/>
-          </a:xfrm>
-          <a:prstGeom prst="ellipse">
+            <a:off x="1237480" y="4385793"/>
+            <a:ext cx="844814" cy="385713"/>
+          </a:xfrm>
+          <a:prstGeom prst="rect">
             <a:avLst/>
           </a:prstGeom>
           <a:gradFill flip="none" rotWithShape="1">
@@ -7404,82 +7452,71 @@
           <a:lstStyle/>
           <a:p>
             <a:pPr algn="ctr"/>
-            <a:endParaRPr lang="it-IT" sz="800"/>
-          </a:p>
-        </p:txBody>
-      </p:sp>
-      <p:sp>
-        <p:nvSpPr>
-          <p:cNvPr id="196" name="CasellaDiTesto 195"/>
-          <p:cNvSpPr txBox="1"/>
-          <p:nvPr/>
-        </p:nvSpPr>
-        <p:spPr>
-          <a:xfrm>
-            <a:off x="1069148" y="5085164"/>
-            <a:ext cx="652292" cy="215444"/>
-          </a:xfrm>
-          <a:prstGeom prst="rect">
-            <a:avLst/>
-          </a:prstGeom>
-          <a:noFill/>
-        </p:spPr>
-        <p:txBody>
-          <a:bodyPr wrap="none" rtlCol="0">
-            <a:spAutoFit/>
-          </a:bodyPr>
-          <a:lstStyle/>
-          <a:p>
-            <a:r>
-              <a:rPr lang="it-IT" sz="800" dirty="0" smtClean="0"/>
-              <a:t>costruttore</a:t>
-            </a:r>
-            <a:endParaRPr lang="it-IT" sz="800" dirty="0"/>
-          </a:p>
-        </p:txBody>
-      </p:sp>
-      <p:sp>
-        <p:nvSpPr>
-          <p:cNvPr id="197" name="CasellaDiTesto 196"/>
-          <p:cNvSpPr txBox="1"/>
-          <p:nvPr/>
-        </p:nvSpPr>
-        <p:spPr>
-          <a:xfrm>
-            <a:off x="1624069" y="5085164"/>
-            <a:ext cx="526857" cy="215444"/>
-          </a:xfrm>
-          <a:prstGeom prst="rect">
-            <a:avLst/>
-          </a:prstGeom>
-          <a:noFill/>
-        </p:spPr>
-        <p:txBody>
-          <a:bodyPr wrap="none" rtlCol="0">
-            <a:spAutoFit/>
-          </a:bodyPr>
-          <a:lstStyle/>
-          <a:p>
-            <a:r>
-              <a:rPr lang="it-IT" sz="800" dirty="0" smtClean="0"/>
-              <a:t>modello</a:t>
-            </a:r>
-            <a:endParaRPr lang="it-IT" sz="800" dirty="0"/>
-          </a:p>
-        </p:txBody>
-      </p:sp>
-      <p:sp>
-        <p:nvSpPr>
-          <p:cNvPr id="155" name="Rettangolo 154"/>
+            <a:r>
+              <a:rPr lang="it-IT" sz="800" dirty="0" smtClean="0">
+                <a:solidFill>
+                  <a:srgbClr val="000000"/>
+                </a:solidFill>
+              </a:rPr>
+              <a:t>Sensore</a:t>
+            </a:r>
+            <a:endParaRPr lang="it-IT" sz="800" dirty="0">
+              <a:solidFill>
+                <a:srgbClr val="000000"/>
+              </a:solidFill>
+            </a:endParaRPr>
+          </a:p>
+        </p:txBody>
+      </p:sp>
+      <p:cxnSp>
+        <p:nvCxnSpPr>
+          <p:cNvPr id="199" name="Connettore 1 198"/>
+          <p:cNvCxnSpPr>
+            <a:stCxn id="200" idx="0"/>
+          </p:cNvCxnSpPr>
+          <p:nvPr/>
+        </p:nvCxnSpPr>
+        <p:spPr>
+          <a:xfrm flipV="1">
+            <a:off x="1279255" y="767028"/>
+            <a:ext cx="0" cy="341137"/>
+          </a:xfrm>
+          <a:prstGeom prst="line">
+            <a:avLst/>
+          </a:prstGeom>
+          <a:ln w="12700">
+            <a:solidFill>
+              <a:schemeClr val="tx1"/>
+            </a:solidFill>
+          </a:ln>
+        </p:spPr>
+        <p:style>
+          <a:lnRef idx="2">
+            <a:schemeClr val="accent1"/>
+          </a:lnRef>
+          <a:fillRef idx="0">
+            <a:schemeClr val="accent1"/>
+          </a:fillRef>
+          <a:effectRef idx="1">
+            <a:schemeClr val="accent1"/>
+          </a:effectRef>
+          <a:fontRef idx="minor">
+            <a:schemeClr val="tx1"/>
+          </a:fontRef>
+        </p:style>
+      </p:cxnSp>
+      <p:sp>
+        <p:nvSpPr>
+          <p:cNvPr id="200" name="Ovale 199"/>
           <p:cNvSpPr/>
           <p:nvPr/>
         </p:nvSpPr>
         <p:spPr>
           <a:xfrm>
-            <a:off x="1237480" y="4385793"/>
-            <a:ext cx="844814" cy="385713"/>
-          </a:xfrm>
-          <a:prstGeom prst="rect">
+            <a:off x="1208027" y="1108165"/>
+            <a:ext cx="142455" cy="125409"/>
+          </a:xfrm>
+          <a:prstGeom prst="ellipse">
             <a:avLst/>
           </a:prstGeom>
           <a:gradFill flip="none" rotWithShape="1">
@@ -7522,13 +7559,101 @@
           <a:lstStyle/>
           <a:p>
             <a:pPr algn="ctr"/>
+            <a:endParaRPr lang="it-IT" sz="800"/>
+          </a:p>
+        </p:txBody>
+      </p:sp>
+      <p:sp>
+        <p:nvSpPr>
+          <p:cNvPr id="201" name="CasellaDiTesto 200"/>
+          <p:cNvSpPr txBox="1"/>
+          <p:nvPr/>
+        </p:nvSpPr>
+        <p:spPr>
+          <a:xfrm>
+            <a:off x="1052796" y="1197512"/>
+            <a:ext cx="428322" cy="215444"/>
+          </a:xfrm>
+          <a:prstGeom prst="rect">
+            <a:avLst/>
+          </a:prstGeom>
+          <a:noFill/>
+        </p:spPr>
+        <p:txBody>
+          <a:bodyPr wrap="none" rtlCol="0">
+            <a:spAutoFit/>
+          </a:bodyPr>
+          <a:lstStyle/>
+          <a:p>
+            <a:r>
+              <a:rPr lang="it-IT" sz="800" dirty="0" smtClean="0"/>
+              <a:t>nome</a:t>
+            </a:r>
+            <a:endParaRPr lang="it-IT" sz="800" dirty="0" smtClean="0"/>
+          </a:p>
+        </p:txBody>
+      </p:sp>
+      <p:sp>
+        <p:nvSpPr>
+          <p:cNvPr id="188" name="Rettangolo 187"/>
+          <p:cNvSpPr/>
+          <p:nvPr/>
+        </p:nvSpPr>
+        <p:spPr>
+          <a:xfrm>
+            <a:off x="1033485" y="582100"/>
+            <a:ext cx="844814" cy="385713"/>
+          </a:xfrm>
+          <a:prstGeom prst="rect">
+            <a:avLst/>
+          </a:prstGeom>
+          <a:gradFill flip="none" rotWithShape="1">
+            <a:gsLst>
+              <a:gs pos="0">
+                <a:schemeClr val="tx2">
+                  <a:lumMod val="40000"/>
+                  <a:lumOff val="60000"/>
+                </a:schemeClr>
+              </a:gs>
+              <a:gs pos="100000">
+                <a:schemeClr val="bg1"/>
+              </a:gs>
+            </a:gsLst>
+            <a:lin ang="16200000" scaled="0"/>
+            <a:tileRect/>
+          </a:gradFill>
+          <a:ln>
+            <a:solidFill>
+              <a:schemeClr val="tx1"/>
+            </a:solidFill>
+          </a:ln>
+        </p:spPr>
+        <p:style>
+          <a:lnRef idx="1">
+            <a:schemeClr val="accent1"/>
+          </a:lnRef>
+          <a:fillRef idx="3">
+            <a:schemeClr val="accent1"/>
+          </a:fillRef>
+          <a:effectRef idx="2">
+            <a:schemeClr val="accent1"/>
+          </a:effectRef>
+          <a:fontRef idx="minor">
+            <a:schemeClr val="lt1"/>
+          </a:fontRef>
+        </p:style>
+        <p:txBody>
+          <a:bodyPr rtlCol="0" anchor="ctr"/>
+          <a:lstStyle/>
+          <a:p>
+            <a:pPr algn="ctr"/>
             <a:r>
               <a:rPr lang="it-IT" sz="800" dirty="0" smtClean="0">
                 <a:solidFill>
                   <a:srgbClr val="000000"/>
                 </a:solidFill>
               </a:rPr>
-              <a:t>Sensore</a:t>
+              <a:t>Fiume</a:t>
             </a:r>
             <a:endParaRPr lang="it-IT" sz="800" dirty="0">
               <a:solidFill>
@@ -10206,7 +10331,7 @@
         <p:spPr>
           <a:xfrm>
             <a:off x="7891501" y="3943290"/>
-            <a:ext cx="364503" cy="215444"/>
+            <a:ext cx="659155" cy="215444"/>
           </a:xfrm>
           <a:prstGeom prst="rect">
             <a:avLst/>
@@ -10221,7 +10346,7 @@
           <a:p>
             <a:r>
               <a:rPr lang="it-IT" sz="800" dirty="0" smtClean="0"/>
-              <a:t>long</a:t>
+              <a:t>longitudine</a:t>
             </a:r>
             <a:endParaRPr lang="it-IT" sz="800" dirty="0" smtClean="0"/>
           </a:p>
@@ -10417,7 +10542,7 @@
         <p:spPr>
           <a:xfrm>
             <a:off x="7198467" y="4336937"/>
-            <a:ext cx="300082" cy="215444"/>
+            <a:ext cx="585166" cy="215444"/>
           </a:xfrm>
           <a:prstGeom prst="rect">
             <a:avLst/>
@@ -10431,8 +10556,8 @@
           <a:lstStyle/>
           <a:p>
             <a:r>
-              <a:rPr lang="it-IT" sz="800" dirty="0" err="1" smtClean="0"/>
-              <a:t>lat</a:t>
+              <a:rPr lang="it-IT" sz="800" dirty="0" smtClean="0"/>
+              <a:t>latitudine</a:t>
             </a:r>
             <a:endParaRPr lang="it-IT" sz="800" dirty="0" smtClean="0"/>
           </a:p>
@@ -10756,7 +10881,11 @@
           <a:p>
             <a:r>
               <a:rPr lang="it-IT" sz="800" dirty="0" smtClean="0"/>
-              <a:t>(1,n)</a:t>
+              <a:t>(0,</a:t>
+            </a:r>
+            <a:r>
+              <a:rPr lang="it-IT" sz="800" dirty="0" smtClean="0"/>
+              <a:t>n)</a:t>
             </a:r>
             <a:endParaRPr lang="it-IT" sz="800" dirty="0"/>
           </a:p>
@@ -10872,7 +11001,7 @@
         </p:nvSpPr>
         <p:spPr>
           <a:xfrm>
-            <a:off x="3956533" y="980692"/>
+            <a:off x="6280635" y="971673"/>
             <a:ext cx="436541" cy="215444"/>
           </a:xfrm>
           <a:prstGeom prst="rect">
@@ -10906,7 +11035,7 @@
         </p:nvSpPr>
         <p:spPr>
           <a:xfrm>
-            <a:off x="6257359" y="963553"/>
+            <a:off x="4044037" y="963553"/>
             <a:ext cx="436541" cy="215444"/>
           </a:xfrm>
           <a:prstGeom prst="rect">
@@ -12725,140 +12854,6 @@
       </p:cxnSp>
       <p:sp>
         <p:nvSpPr>
-          <p:cNvPr id="24" name="Rettangolo 23"/>
-          <p:cNvSpPr/>
-          <p:nvPr/>
-        </p:nvSpPr>
-        <p:spPr>
-          <a:xfrm>
-            <a:off x="1457827" y="2184252"/>
-            <a:ext cx="844814" cy="385713"/>
-          </a:xfrm>
-          <a:prstGeom prst="rect">
-            <a:avLst/>
-          </a:prstGeom>
-          <a:gradFill flip="none" rotWithShape="1">
-            <a:gsLst>
-              <a:gs pos="0">
-                <a:srgbClr val="CCFFCC"/>
-              </a:gs>
-              <a:gs pos="100000">
-                <a:schemeClr val="bg1"/>
-              </a:gs>
-            </a:gsLst>
-            <a:lin ang="16200000" scaled="0"/>
-            <a:tileRect/>
-          </a:gradFill>
-          <a:ln>
-            <a:solidFill>
-              <a:schemeClr val="tx1"/>
-            </a:solidFill>
-          </a:ln>
-        </p:spPr>
-        <p:style>
-          <a:lnRef idx="1">
-            <a:schemeClr val="accent1"/>
-          </a:lnRef>
-          <a:fillRef idx="3">
-            <a:schemeClr val="accent1"/>
-          </a:fillRef>
-          <a:effectRef idx="2">
-            <a:schemeClr val="accent1"/>
-          </a:effectRef>
-          <a:fontRef idx="minor">
-            <a:schemeClr val="lt1"/>
-          </a:fontRef>
-        </p:style>
-        <p:txBody>
-          <a:bodyPr rtlCol="0" anchor="ctr"/>
-          <a:lstStyle/>
-          <a:p>
-            <a:pPr algn="ctr"/>
-            <a:r>
-              <a:rPr lang="it-IT" sz="800" dirty="0" smtClean="0">
-                <a:solidFill>
-                  <a:srgbClr val="000000"/>
-                </a:solidFill>
-              </a:rPr>
-              <a:t>Responsabile Territoriale</a:t>
-            </a:r>
-            <a:endParaRPr lang="it-IT" sz="800" dirty="0">
-              <a:solidFill>
-                <a:srgbClr val="000000"/>
-              </a:solidFill>
-            </a:endParaRPr>
-          </a:p>
-        </p:txBody>
-      </p:sp>
-      <p:sp>
-        <p:nvSpPr>
-          <p:cNvPr id="25" name="Rettangolo 24"/>
-          <p:cNvSpPr/>
-          <p:nvPr/>
-        </p:nvSpPr>
-        <p:spPr>
-          <a:xfrm>
-            <a:off x="1457827" y="2711547"/>
-            <a:ext cx="844814" cy="385713"/>
-          </a:xfrm>
-          <a:prstGeom prst="rect">
-            <a:avLst/>
-          </a:prstGeom>
-          <a:gradFill flip="none" rotWithShape="1">
-            <a:gsLst>
-              <a:gs pos="0">
-                <a:srgbClr val="CCFFCC"/>
-              </a:gs>
-              <a:gs pos="100000">
-                <a:schemeClr val="bg1"/>
-              </a:gs>
-            </a:gsLst>
-            <a:lin ang="16200000" scaled="0"/>
-            <a:tileRect/>
-          </a:gradFill>
-          <a:ln>
-            <a:solidFill>
-              <a:schemeClr val="tx1"/>
-            </a:solidFill>
-          </a:ln>
-        </p:spPr>
-        <p:style>
-          <a:lnRef idx="1">
-            <a:schemeClr val="accent1"/>
-          </a:lnRef>
-          <a:fillRef idx="3">
-            <a:schemeClr val="accent1"/>
-          </a:fillRef>
-          <a:effectRef idx="2">
-            <a:schemeClr val="accent1"/>
-          </a:effectRef>
-          <a:fontRef idx="minor">
-            <a:schemeClr val="lt1"/>
-          </a:fontRef>
-        </p:style>
-        <p:txBody>
-          <a:bodyPr rtlCol="0" anchor="ctr"/>
-          <a:lstStyle/>
-          <a:p>
-            <a:pPr algn="ctr"/>
-            <a:r>
-              <a:rPr lang="it-IT" sz="800" dirty="0" smtClean="0">
-                <a:solidFill>
-                  <a:srgbClr val="000000"/>
-                </a:solidFill>
-              </a:rPr>
-              <a:t>Operatore Centro Supervisione</a:t>
-            </a:r>
-            <a:endParaRPr lang="it-IT" sz="800" dirty="0">
-              <a:solidFill>
-                <a:srgbClr val="000000"/>
-              </a:solidFill>
-            </a:endParaRPr>
-          </a:p>
-        </p:txBody>
-      </p:sp>
-      <p:sp>
-        <p:nvSpPr>
           <p:cNvPr id="26" name="Rettangolo 25"/>
           <p:cNvSpPr/>
           <p:nvPr/>
@@ -12936,80 +12931,6 @@
           <a:xfrm>
             <a:off x="2302641" y="1880064"/>
             <a:ext cx="459320" cy="0"/>
-          </a:xfrm>
-          <a:prstGeom prst="line">
-            <a:avLst/>
-          </a:prstGeom>
-          <a:ln w="12700">
-            <a:solidFill>
-              <a:schemeClr val="tx1"/>
-            </a:solidFill>
-          </a:ln>
-        </p:spPr>
-        <p:style>
-          <a:lnRef idx="2">
-            <a:schemeClr val="accent1"/>
-          </a:lnRef>
-          <a:fillRef idx="0">
-            <a:schemeClr val="accent1"/>
-          </a:fillRef>
-          <a:effectRef idx="1">
-            <a:schemeClr val="accent1"/>
-          </a:effectRef>
-          <a:fontRef idx="minor">
-            <a:schemeClr val="tx1"/>
-          </a:fontRef>
-        </p:style>
-      </p:cxnSp>
-      <p:cxnSp>
-        <p:nvCxnSpPr>
-          <p:cNvPr id="29" name="Connettore 1 28"/>
-          <p:cNvCxnSpPr>
-            <a:stCxn id="24" idx="3"/>
-          </p:cNvCxnSpPr>
-          <p:nvPr/>
-        </p:nvCxnSpPr>
-        <p:spPr>
-          <a:xfrm>
-            <a:off x="2302641" y="2377109"/>
-            <a:ext cx="469063" cy="0"/>
-          </a:xfrm>
-          <a:prstGeom prst="line">
-            <a:avLst/>
-          </a:prstGeom>
-          <a:ln w="12700">
-            <a:solidFill>
-              <a:schemeClr val="tx1"/>
-            </a:solidFill>
-          </a:ln>
-        </p:spPr>
-        <p:style>
-          <a:lnRef idx="2">
-            <a:schemeClr val="accent1"/>
-          </a:lnRef>
-          <a:fillRef idx="0">
-            <a:schemeClr val="accent1"/>
-          </a:fillRef>
-          <a:effectRef idx="1">
-            <a:schemeClr val="accent1"/>
-          </a:effectRef>
-          <a:fontRef idx="minor">
-            <a:schemeClr val="tx1"/>
-          </a:fontRef>
-        </p:style>
-      </p:cxnSp>
-      <p:cxnSp>
-        <p:nvCxnSpPr>
-          <p:cNvPr id="34" name="Connettore 1 33"/>
-          <p:cNvCxnSpPr>
-            <a:stCxn id="25" idx="3"/>
-          </p:cNvCxnSpPr>
-          <p:nvPr/>
-        </p:nvCxnSpPr>
-        <p:spPr>
-          <a:xfrm>
-            <a:off x="2302641" y="2904404"/>
-            <a:ext cx="469063" cy="6462"/>
           </a:xfrm>
           <a:prstGeom prst="line">
             <a:avLst/>
@@ -14640,6 +14561,2672 @@
       </p:sp>
       <p:sp>
         <p:nvSpPr>
+          <p:cNvPr id="119" name="Ovale 118"/>
+          <p:cNvSpPr/>
+          <p:nvPr/>
+        </p:nvSpPr>
+        <p:spPr>
+          <a:xfrm>
+            <a:off x="7604824" y="2519153"/>
+            <a:ext cx="142455" cy="125409"/>
+          </a:xfrm>
+          <a:prstGeom prst="ellipse">
+            <a:avLst/>
+          </a:prstGeom>
+          <a:gradFill flip="none" rotWithShape="1">
+            <a:gsLst>
+              <a:gs pos="0">
+                <a:srgbClr val="CCFFCC"/>
+              </a:gs>
+              <a:gs pos="100000">
+                <a:schemeClr val="bg1"/>
+              </a:gs>
+            </a:gsLst>
+            <a:lin ang="16200000" scaled="0"/>
+            <a:tileRect/>
+          </a:gradFill>
+          <a:ln>
+            <a:solidFill>
+              <a:schemeClr val="tx1"/>
+            </a:solidFill>
+          </a:ln>
+        </p:spPr>
+        <p:style>
+          <a:lnRef idx="1">
+            <a:schemeClr val="accent1"/>
+          </a:lnRef>
+          <a:fillRef idx="3">
+            <a:schemeClr val="accent1"/>
+          </a:fillRef>
+          <a:effectRef idx="2">
+            <a:schemeClr val="accent1"/>
+          </a:effectRef>
+          <a:fontRef idx="minor">
+            <a:schemeClr val="lt1"/>
+          </a:fontRef>
+        </p:style>
+        <p:txBody>
+          <a:bodyPr rtlCol="0" anchor="ctr"/>
+          <a:lstStyle/>
+          <a:p>
+            <a:pPr algn="ctr"/>
+            <a:endParaRPr lang="it-IT" sz="800"/>
+          </a:p>
+        </p:txBody>
+      </p:sp>
+      <p:cxnSp>
+        <p:nvCxnSpPr>
+          <p:cNvPr id="120" name="Connettore 1 119"/>
+          <p:cNvCxnSpPr>
+            <a:stCxn id="119" idx="2"/>
+          </p:cNvCxnSpPr>
+          <p:nvPr/>
+        </p:nvCxnSpPr>
+        <p:spPr>
+          <a:xfrm flipH="1">
+            <a:off x="7237230" y="2581858"/>
+            <a:ext cx="367594" cy="0"/>
+          </a:xfrm>
+          <a:prstGeom prst="line">
+            <a:avLst/>
+          </a:prstGeom>
+          <a:ln w="12700">
+            <a:solidFill>
+              <a:schemeClr val="tx1"/>
+            </a:solidFill>
+          </a:ln>
+        </p:spPr>
+        <p:style>
+          <a:lnRef idx="2">
+            <a:schemeClr val="accent1"/>
+          </a:lnRef>
+          <a:fillRef idx="0">
+            <a:schemeClr val="accent1"/>
+          </a:fillRef>
+          <a:effectRef idx="1">
+            <a:schemeClr val="accent1"/>
+          </a:effectRef>
+          <a:fontRef idx="minor">
+            <a:schemeClr val="tx1"/>
+          </a:fontRef>
+        </p:style>
+      </p:cxnSp>
+      <p:sp>
+        <p:nvSpPr>
+          <p:cNvPr id="121" name="Ovale 120"/>
+          <p:cNvSpPr/>
+          <p:nvPr/>
+        </p:nvSpPr>
+        <p:spPr>
+          <a:xfrm>
+            <a:off x="7604824" y="2721029"/>
+            <a:ext cx="142455" cy="125409"/>
+          </a:xfrm>
+          <a:prstGeom prst="ellipse">
+            <a:avLst/>
+          </a:prstGeom>
+          <a:gradFill flip="none" rotWithShape="1">
+            <a:gsLst>
+              <a:gs pos="0">
+                <a:srgbClr val="CCFFCC"/>
+              </a:gs>
+              <a:gs pos="100000">
+                <a:schemeClr val="bg1"/>
+              </a:gs>
+            </a:gsLst>
+            <a:lin ang="16200000" scaled="0"/>
+            <a:tileRect/>
+          </a:gradFill>
+          <a:ln>
+            <a:solidFill>
+              <a:schemeClr val="tx1"/>
+            </a:solidFill>
+          </a:ln>
+        </p:spPr>
+        <p:style>
+          <a:lnRef idx="1">
+            <a:schemeClr val="accent1"/>
+          </a:lnRef>
+          <a:fillRef idx="3">
+            <a:schemeClr val="accent1"/>
+          </a:fillRef>
+          <a:effectRef idx="2">
+            <a:schemeClr val="accent1"/>
+          </a:effectRef>
+          <a:fontRef idx="minor">
+            <a:schemeClr val="lt1"/>
+          </a:fontRef>
+        </p:style>
+        <p:txBody>
+          <a:bodyPr rtlCol="0" anchor="ctr"/>
+          <a:lstStyle/>
+          <a:p>
+            <a:pPr algn="ctr"/>
+            <a:endParaRPr lang="it-IT" sz="800"/>
+          </a:p>
+        </p:txBody>
+      </p:sp>
+      <p:cxnSp>
+        <p:nvCxnSpPr>
+          <p:cNvPr id="122" name="Connettore 1 121"/>
+          <p:cNvCxnSpPr>
+            <a:stCxn id="121" idx="2"/>
+          </p:cNvCxnSpPr>
+          <p:nvPr/>
+        </p:nvCxnSpPr>
+        <p:spPr>
+          <a:xfrm flipH="1">
+            <a:off x="7237230" y="2783734"/>
+            <a:ext cx="367594" cy="0"/>
+          </a:xfrm>
+          <a:prstGeom prst="line">
+            <a:avLst/>
+          </a:prstGeom>
+          <a:ln w="12700">
+            <a:solidFill>
+              <a:schemeClr val="tx1"/>
+            </a:solidFill>
+          </a:ln>
+        </p:spPr>
+        <p:style>
+          <a:lnRef idx="2">
+            <a:schemeClr val="accent1"/>
+          </a:lnRef>
+          <a:fillRef idx="0">
+            <a:schemeClr val="accent1"/>
+          </a:fillRef>
+          <a:effectRef idx="1">
+            <a:schemeClr val="accent1"/>
+          </a:effectRef>
+          <a:fontRef idx="minor">
+            <a:schemeClr val="tx1"/>
+          </a:fontRef>
+        </p:style>
+      </p:cxnSp>
+      <p:sp>
+        <p:nvSpPr>
+          <p:cNvPr id="123" name="CasellaDiTesto 122"/>
+          <p:cNvSpPr txBox="1"/>
+          <p:nvPr/>
+        </p:nvSpPr>
+        <p:spPr>
+          <a:xfrm>
+            <a:off x="7715525" y="2462243"/>
+            <a:ext cx="377026" cy="215444"/>
+          </a:xfrm>
+          <a:prstGeom prst="rect">
+            <a:avLst/>
+          </a:prstGeom>
+          <a:noFill/>
+        </p:spPr>
+        <p:txBody>
+          <a:bodyPr wrap="none" rtlCol="0">
+            <a:spAutoFit/>
+          </a:bodyPr>
+          <a:lstStyle/>
+          <a:p>
+            <a:r>
+              <a:rPr lang="it-IT" sz="800" dirty="0" smtClean="0"/>
+              <a:t>data</a:t>
+            </a:r>
+            <a:endParaRPr lang="it-IT" sz="800" dirty="0"/>
+          </a:p>
+        </p:txBody>
+      </p:sp>
+      <p:sp>
+        <p:nvSpPr>
+          <p:cNvPr id="124" name="CasellaDiTesto 123"/>
+          <p:cNvSpPr txBox="1"/>
+          <p:nvPr/>
+        </p:nvSpPr>
+        <p:spPr>
+          <a:xfrm>
+            <a:off x="7708146" y="2674143"/>
+            <a:ext cx="768810" cy="215444"/>
+          </a:xfrm>
+          <a:prstGeom prst="rect">
+            <a:avLst/>
+          </a:prstGeom>
+          <a:noFill/>
+        </p:spPr>
+        <p:txBody>
+          <a:bodyPr wrap="none" rtlCol="0">
+            <a:spAutoFit/>
+          </a:bodyPr>
+          <a:lstStyle/>
+          <a:p>
+            <a:r>
+              <a:rPr lang="it-IT" sz="800" dirty="0" err="1" smtClean="0"/>
+              <a:t>livelloPericolo</a:t>
+            </a:r>
+            <a:endParaRPr lang="it-IT" sz="800" dirty="0"/>
+          </a:p>
+        </p:txBody>
+      </p:sp>
+      <p:sp>
+        <p:nvSpPr>
+          <p:cNvPr id="125" name="Ovale 124"/>
+          <p:cNvSpPr/>
+          <p:nvPr/>
+        </p:nvSpPr>
+        <p:spPr>
+          <a:xfrm>
+            <a:off x="3376258" y="2216026"/>
+            <a:ext cx="142455" cy="125409"/>
+          </a:xfrm>
+          <a:prstGeom prst="ellipse">
+            <a:avLst/>
+          </a:prstGeom>
+          <a:solidFill>
+            <a:schemeClr val="accent1">
+              <a:lumMod val="75000"/>
+            </a:schemeClr>
+          </a:solidFill>
+          <a:ln>
+            <a:solidFill>
+              <a:schemeClr val="tx1"/>
+            </a:solidFill>
+          </a:ln>
+        </p:spPr>
+        <p:style>
+          <a:lnRef idx="1">
+            <a:schemeClr val="accent1"/>
+          </a:lnRef>
+          <a:fillRef idx="3">
+            <a:schemeClr val="accent1"/>
+          </a:fillRef>
+          <a:effectRef idx="2">
+            <a:schemeClr val="accent1"/>
+          </a:effectRef>
+          <a:fontRef idx="minor">
+            <a:schemeClr val="lt1"/>
+          </a:fontRef>
+        </p:style>
+        <p:txBody>
+          <a:bodyPr rtlCol="0" anchor="ctr"/>
+          <a:lstStyle/>
+          <a:p>
+            <a:pPr algn="ctr"/>
+            <a:endParaRPr lang="it-IT" sz="800"/>
+          </a:p>
+        </p:txBody>
+      </p:sp>
+      <p:cxnSp>
+        <p:nvCxnSpPr>
+          <p:cNvPr id="126" name="Connettore 1 125"/>
+          <p:cNvCxnSpPr>
+            <a:stCxn id="125" idx="4"/>
+          </p:cNvCxnSpPr>
+          <p:nvPr/>
+        </p:nvCxnSpPr>
+        <p:spPr>
+          <a:xfrm>
+            <a:off x="3447486" y="2341435"/>
+            <a:ext cx="0" cy="306101"/>
+          </a:xfrm>
+          <a:prstGeom prst="line">
+            <a:avLst/>
+          </a:prstGeom>
+          <a:ln w="12700">
+            <a:solidFill>
+              <a:schemeClr val="tx1"/>
+            </a:solidFill>
+          </a:ln>
+        </p:spPr>
+        <p:style>
+          <a:lnRef idx="2">
+            <a:schemeClr val="accent1"/>
+          </a:lnRef>
+          <a:fillRef idx="0">
+            <a:schemeClr val="accent1"/>
+          </a:fillRef>
+          <a:effectRef idx="1">
+            <a:schemeClr val="accent1"/>
+          </a:effectRef>
+          <a:fontRef idx="minor">
+            <a:schemeClr val="tx1"/>
+          </a:fontRef>
+        </p:style>
+      </p:cxnSp>
+      <p:sp>
+        <p:nvSpPr>
+          <p:cNvPr id="127" name="CasellaDiTesto 126"/>
+          <p:cNvSpPr txBox="1"/>
+          <p:nvPr/>
+        </p:nvSpPr>
+        <p:spPr>
+          <a:xfrm>
+            <a:off x="3128329" y="2154205"/>
+            <a:ext cx="287258" cy="215444"/>
+          </a:xfrm>
+          <a:prstGeom prst="rect">
+            <a:avLst/>
+          </a:prstGeom>
+          <a:noFill/>
+        </p:spPr>
+        <p:txBody>
+          <a:bodyPr wrap="none" rtlCol="0">
+            <a:spAutoFit/>
+          </a:bodyPr>
+          <a:lstStyle/>
+          <a:p>
+            <a:r>
+              <a:rPr lang="it-IT" sz="800" dirty="0" smtClean="0"/>
+              <a:t>CF</a:t>
+            </a:r>
+            <a:endParaRPr lang="it-IT" sz="800" dirty="0" smtClean="0"/>
+          </a:p>
+        </p:txBody>
+      </p:sp>
+      <p:sp>
+        <p:nvSpPr>
+          <p:cNvPr id="128" name="Ovale 127"/>
+          <p:cNvSpPr/>
+          <p:nvPr/>
+        </p:nvSpPr>
+        <p:spPr>
+          <a:xfrm>
+            <a:off x="7166002" y="4256408"/>
+            <a:ext cx="142455" cy="125409"/>
+          </a:xfrm>
+          <a:prstGeom prst="ellipse">
+            <a:avLst/>
+          </a:prstGeom>
+          <a:solidFill>
+            <a:schemeClr val="accent1">
+              <a:lumMod val="75000"/>
+            </a:schemeClr>
+          </a:solidFill>
+          <a:ln>
+            <a:solidFill>
+              <a:schemeClr val="tx1"/>
+            </a:solidFill>
+          </a:ln>
+        </p:spPr>
+        <p:style>
+          <a:lnRef idx="1">
+            <a:schemeClr val="accent1"/>
+          </a:lnRef>
+          <a:fillRef idx="3">
+            <a:schemeClr val="accent1"/>
+          </a:fillRef>
+          <a:effectRef idx="2">
+            <a:schemeClr val="accent1"/>
+          </a:effectRef>
+          <a:fontRef idx="minor">
+            <a:schemeClr val="lt1"/>
+          </a:fontRef>
+        </p:style>
+        <p:txBody>
+          <a:bodyPr rtlCol="0" anchor="ctr"/>
+          <a:lstStyle/>
+          <a:p>
+            <a:pPr algn="ctr"/>
+            <a:endParaRPr lang="it-IT" sz="800"/>
+          </a:p>
+        </p:txBody>
+      </p:sp>
+      <p:cxnSp>
+        <p:nvCxnSpPr>
+          <p:cNvPr id="129" name="Connettore 1 128"/>
+          <p:cNvCxnSpPr>
+            <a:stCxn id="128" idx="4"/>
+          </p:cNvCxnSpPr>
+          <p:nvPr/>
+        </p:nvCxnSpPr>
+        <p:spPr>
+          <a:xfrm>
+            <a:off x="7237230" y="4381817"/>
+            <a:ext cx="0" cy="306101"/>
+          </a:xfrm>
+          <a:prstGeom prst="line">
+            <a:avLst/>
+          </a:prstGeom>
+          <a:ln w="12700">
+            <a:solidFill>
+              <a:schemeClr val="tx1"/>
+            </a:solidFill>
+          </a:ln>
+        </p:spPr>
+        <p:style>
+          <a:lnRef idx="2">
+            <a:schemeClr val="accent1"/>
+          </a:lnRef>
+          <a:fillRef idx="0">
+            <a:schemeClr val="accent1"/>
+          </a:fillRef>
+          <a:effectRef idx="1">
+            <a:schemeClr val="accent1"/>
+          </a:effectRef>
+          <a:fontRef idx="minor">
+            <a:schemeClr val="tx1"/>
+          </a:fontRef>
+        </p:style>
+      </p:cxnSp>
+      <p:sp>
+        <p:nvSpPr>
+          <p:cNvPr id="130" name="CasellaDiTesto 129"/>
+          <p:cNvSpPr txBox="1"/>
+          <p:nvPr/>
+        </p:nvSpPr>
+        <p:spPr>
+          <a:xfrm>
+            <a:off x="7300027" y="4221469"/>
+            <a:ext cx="838691" cy="215444"/>
+          </a:xfrm>
+          <a:prstGeom prst="rect">
+            <a:avLst/>
+          </a:prstGeom>
+          <a:noFill/>
+        </p:spPr>
+        <p:txBody>
+          <a:bodyPr wrap="none" rtlCol="0">
+            <a:spAutoFit/>
+          </a:bodyPr>
+          <a:lstStyle/>
+          <a:p>
+            <a:r>
+              <a:rPr lang="it-IT" sz="800" dirty="0" err="1" smtClean="0"/>
+              <a:t>idPianificazione</a:t>
+            </a:r>
+            <a:endParaRPr lang="it-IT" sz="800" dirty="0" smtClean="0"/>
+          </a:p>
+        </p:txBody>
+      </p:sp>
+      <p:sp>
+        <p:nvSpPr>
+          <p:cNvPr id="131" name="Ovale 130"/>
+          <p:cNvSpPr/>
+          <p:nvPr/>
+        </p:nvSpPr>
+        <p:spPr>
+          <a:xfrm>
+            <a:off x="7568711" y="4729934"/>
+            <a:ext cx="142455" cy="125409"/>
+          </a:xfrm>
+          <a:prstGeom prst="ellipse">
+            <a:avLst/>
+          </a:prstGeom>
+          <a:gradFill flip="none" rotWithShape="1">
+            <a:gsLst>
+              <a:gs pos="0">
+                <a:srgbClr val="CCFFCC"/>
+              </a:gs>
+              <a:gs pos="100000">
+                <a:schemeClr val="bg1"/>
+              </a:gs>
+            </a:gsLst>
+            <a:lin ang="16200000" scaled="0"/>
+            <a:tileRect/>
+          </a:gradFill>
+          <a:ln>
+            <a:solidFill>
+              <a:schemeClr val="tx1"/>
+            </a:solidFill>
+          </a:ln>
+        </p:spPr>
+        <p:style>
+          <a:lnRef idx="1">
+            <a:schemeClr val="accent1"/>
+          </a:lnRef>
+          <a:fillRef idx="3">
+            <a:schemeClr val="accent1"/>
+          </a:fillRef>
+          <a:effectRef idx="2">
+            <a:schemeClr val="accent1"/>
+          </a:effectRef>
+          <a:fontRef idx="minor">
+            <a:schemeClr val="lt1"/>
+          </a:fontRef>
+        </p:style>
+        <p:txBody>
+          <a:bodyPr rtlCol="0" anchor="ctr"/>
+          <a:lstStyle/>
+          <a:p>
+            <a:pPr algn="ctr"/>
+            <a:endParaRPr lang="it-IT" sz="800"/>
+          </a:p>
+        </p:txBody>
+      </p:sp>
+      <p:cxnSp>
+        <p:nvCxnSpPr>
+          <p:cNvPr id="132" name="Connettore 1 131"/>
+          <p:cNvCxnSpPr>
+            <a:stCxn id="131" idx="2"/>
+          </p:cNvCxnSpPr>
+          <p:nvPr/>
+        </p:nvCxnSpPr>
+        <p:spPr>
+          <a:xfrm flipH="1">
+            <a:off x="7201117" y="4792639"/>
+            <a:ext cx="367594" cy="0"/>
+          </a:xfrm>
+          <a:prstGeom prst="line">
+            <a:avLst/>
+          </a:prstGeom>
+          <a:ln w="12700">
+            <a:solidFill>
+              <a:schemeClr val="tx1"/>
+            </a:solidFill>
+          </a:ln>
+        </p:spPr>
+        <p:style>
+          <a:lnRef idx="2">
+            <a:schemeClr val="accent1"/>
+          </a:lnRef>
+          <a:fillRef idx="0">
+            <a:schemeClr val="accent1"/>
+          </a:fillRef>
+          <a:effectRef idx="1">
+            <a:schemeClr val="accent1"/>
+          </a:effectRef>
+          <a:fontRef idx="minor">
+            <a:schemeClr val="tx1"/>
+          </a:fontRef>
+        </p:style>
+      </p:cxnSp>
+      <p:sp>
+        <p:nvSpPr>
+          <p:cNvPr id="133" name="CasellaDiTesto 132"/>
+          <p:cNvSpPr txBox="1"/>
+          <p:nvPr/>
+        </p:nvSpPr>
+        <p:spPr>
+          <a:xfrm>
+            <a:off x="7679412" y="4673024"/>
+            <a:ext cx="377026" cy="215444"/>
+          </a:xfrm>
+          <a:prstGeom prst="rect">
+            <a:avLst/>
+          </a:prstGeom>
+          <a:noFill/>
+        </p:spPr>
+        <p:txBody>
+          <a:bodyPr wrap="none" rtlCol="0">
+            <a:spAutoFit/>
+          </a:bodyPr>
+          <a:lstStyle/>
+          <a:p>
+            <a:r>
+              <a:rPr lang="it-IT" sz="800" dirty="0" smtClean="0"/>
+              <a:t>data</a:t>
+            </a:r>
+            <a:endParaRPr lang="it-IT" sz="800" dirty="0"/>
+          </a:p>
+        </p:txBody>
+      </p:sp>
+      <p:sp>
+        <p:nvSpPr>
+          <p:cNvPr id="63" name="Rettangolo 62"/>
+          <p:cNvSpPr/>
+          <p:nvPr/>
+        </p:nvSpPr>
+        <p:spPr>
+          <a:xfrm>
+            <a:off x="6521519" y="4544561"/>
+            <a:ext cx="844814" cy="385713"/>
+          </a:xfrm>
+          <a:prstGeom prst="rect">
+            <a:avLst/>
+          </a:prstGeom>
+          <a:gradFill flip="none" rotWithShape="1">
+            <a:gsLst>
+              <a:gs pos="0">
+                <a:srgbClr val="CCFFCC"/>
+              </a:gs>
+              <a:gs pos="100000">
+                <a:schemeClr val="bg1"/>
+              </a:gs>
+            </a:gsLst>
+            <a:lin ang="16200000" scaled="0"/>
+            <a:tileRect/>
+          </a:gradFill>
+          <a:ln>
+            <a:solidFill>
+              <a:schemeClr val="tx1"/>
+            </a:solidFill>
+          </a:ln>
+        </p:spPr>
+        <p:style>
+          <a:lnRef idx="1">
+            <a:schemeClr val="accent1"/>
+          </a:lnRef>
+          <a:fillRef idx="3">
+            <a:schemeClr val="accent1"/>
+          </a:fillRef>
+          <a:effectRef idx="2">
+            <a:schemeClr val="accent1"/>
+          </a:effectRef>
+          <a:fontRef idx="minor">
+            <a:schemeClr val="lt1"/>
+          </a:fontRef>
+        </p:style>
+        <p:txBody>
+          <a:bodyPr rtlCol="0" anchor="ctr"/>
+          <a:lstStyle/>
+          <a:p>
+            <a:pPr algn="ctr"/>
+            <a:r>
+              <a:rPr lang="it-IT" sz="800" dirty="0" smtClean="0">
+                <a:solidFill>
+                  <a:srgbClr val="000000"/>
+                </a:solidFill>
+              </a:rPr>
+              <a:t>Pianificazione</a:t>
+            </a:r>
+            <a:endParaRPr lang="it-IT" sz="800" dirty="0">
+              <a:solidFill>
+                <a:srgbClr val="000000"/>
+              </a:solidFill>
+            </a:endParaRPr>
+          </a:p>
+        </p:txBody>
+      </p:sp>
+      <p:sp>
+        <p:nvSpPr>
+          <p:cNvPr id="50" name="Rettangolo 49"/>
+          <p:cNvSpPr/>
+          <p:nvPr/>
+        </p:nvSpPr>
+        <p:spPr>
+          <a:xfrm>
+            <a:off x="6521519" y="2510309"/>
+            <a:ext cx="844814" cy="385713"/>
+          </a:xfrm>
+          <a:prstGeom prst="rect">
+            <a:avLst/>
+          </a:prstGeom>
+          <a:gradFill flip="none" rotWithShape="1">
+            <a:gsLst>
+              <a:gs pos="0">
+                <a:srgbClr val="CCFFCC"/>
+              </a:gs>
+              <a:gs pos="100000">
+                <a:schemeClr val="bg1"/>
+              </a:gs>
+            </a:gsLst>
+            <a:lin ang="16200000" scaled="0"/>
+            <a:tileRect/>
+          </a:gradFill>
+          <a:ln>
+            <a:solidFill>
+              <a:schemeClr val="tx1"/>
+            </a:solidFill>
+          </a:ln>
+        </p:spPr>
+        <p:style>
+          <a:lnRef idx="1">
+            <a:schemeClr val="accent1"/>
+          </a:lnRef>
+          <a:fillRef idx="3">
+            <a:schemeClr val="accent1"/>
+          </a:fillRef>
+          <a:effectRef idx="2">
+            <a:schemeClr val="accent1"/>
+          </a:effectRef>
+          <a:fontRef idx="minor">
+            <a:schemeClr val="lt1"/>
+          </a:fontRef>
+        </p:style>
+        <p:txBody>
+          <a:bodyPr rtlCol="0" anchor="ctr"/>
+          <a:lstStyle/>
+          <a:p>
+            <a:pPr algn="ctr"/>
+            <a:r>
+              <a:rPr lang="it-IT" sz="800" dirty="0" smtClean="0">
+                <a:solidFill>
+                  <a:srgbClr val="000000"/>
+                </a:solidFill>
+              </a:rPr>
+              <a:t>SEP</a:t>
+            </a:r>
+            <a:endParaRPr lang="it-IT" sz="800" dirty="0">
+              <a:solidFill>
+                <a:srgbClr val="000000"/>
+              </a:solidFill>
+            </a:endParaRPr>
+          </a:p>
+        </p:txBody>
+      </p:sp>
+      <p:sp>
+        <p:nvSpPr>
+          <p:cNvPr id="134" name="Ovale 133"/>
+          <p:cNvSpPr/>
+          <p:nvPr/>
+        </p:nvSpPr>
+        <p:spPr>
+          <a:xfrm>
+            <a:off x="5594861" y="3344011"/>
+            <a:ext cx="142455" cy="125409"/>
+          </a:xfrm>
+          <a:prstGeom prst="ellipse">
+            <a:avLst/>
+          </a:prstGeom>
+          <a:solidFill>
+            <a:schemeClr val="accent1">
+              <a:lumMod val="75000"/>
+            </a:schemeClr>
+          </a:solidFill>
+          <a:ln>
+            <a:solidFill>
+              <a:schemeClr val="tx1"/>
+            </a:solidFill>
+          </a:ln>
+        </p:spPr>
+        <p:style>
+          <a:lnRef idx="1">
+            <a:schemeClr val="accent1"/>
+          </a:lnRef>
+          <a:fillRef idx="3">
+            <a:schemeClr val="accent1"/>
+          </a:fillRef>
+          <a:effectRef idx="2">
+            <a:schemeClr val="accent1"/>
+          </a:effectRef>
+          <a:fontRef idx="minor">
+            <a:schemeClr val="lt1"/>
+          </a:fontRef>
+        </p:style>
+        <p:txBody>
+          <a:bodyPr rtlCol="0" anchor="ctr"/>
+          <a:lstStyle/>
+          <a:p>
+            <a:pPr algn="ctr"/>
+            <a:endParaRPr lang="it-IT" sz="800"/>
+          </a:p>
+        </p:txBody>
+      </p:sp>
+      <p:cxnSp>
+        <p:nvCxnSpPr>
+          <p:cNvPr id="135" name="Connettore 1 134"/>
+          <p:cNvCxnSpPr>
+            <a:stCxn id="134" idx="4"/>
+          </p:cNvCxnSpPr>
+          <p:nvPr/>
+        </p:nvCxnSpPr>
+        <p:spPr>
+          <a:xfrm>
+            <a:off x="5666089" y="3469420"/>
+            <a:ext cx="0" cy="306101"/>
+          </a:xfrm>
+          <a:prstGeom prst="line">
+            <a:avLst/>
+          </a:prstGeom>
+          <a:ln w="12700">
+            <a:solidFill>
+              <a:schemeClr val="tx1"/>
+            </a:solidFill>
+          </a:ln>
+        </p:spPr>
+        <p:style>
+          <a:lnRef idx="2">
+            <a:schemeClr val="accent1"/>
+          </a:lnRef>
+          <a:fillRef idx="0">
+            <a:schemeClr val="accent1"/>
+          </a:fillRef>
+          <a:effectRef idx="1">
+            <a:schemeClr val="accent1"/>
+          </a:effectRef>
+          <a:fontRef idx="minor">
+            <a:schemeClr val="tx1"/>
+          </a:fontRef>
+        </p:style>
+      </p:cxnSp>
+      <p:sp>
+        <p:nvSpPr>
+          <p:cNvPr id="136" name="CasellaDiTesto 135"/>
+          <p:cNvSpPr txBox="1"/>
+          <p:nvPr/>
+        </p:nvSpPr>
+        <p:spPr>
+          <a:xfrm>
+            <a:off x="5058230" y="3284260"/>
+            <a:ext cx="607859" cy="215444"/>
+          </a:xfrm>
+          <a:prstGeom prst="rect">
+            <a:avLst/>
+          </a:prstGeom>
+          <a:noFill/>
+        </p:spPr>
+        <p:txBody>
+          <a:bodyPr wrap="none" rtlCol="0">
+            <a:spAutoFit/>
+          </a:bodyPr>
+          <a:lstStyle/>
+          <a:p>
+            <a:r>
+              <a:rPr lang="it-IT" sz="800" dirty="0" err="1" smtClean="0"/>
+              <a:t>idSquadra</a:t>
+            </a:r>
+            <a:endParaRPr lang="it-IT" sz="800" dirty="0" smtClean="0"/>
+          </a:p>
+        </p:txBody>
+      </p:sp>
+      <p:sp>
+        <p:nvSpPr>
+          <p:cNvPr id="137" name="Ovale 136"/>
+          <p:cNvSpPr/>
+          <p:nvPr/>
+        </p:nvSpPr>
+        <p:spPr>
+          <a:xfrm>
+            <a:off x="3597526" y="2065505"/>
+            <a:ext cx="142455" cy="125409"/>
+          </a:xfrm>
+          <a:prstGeom prst="ellipse">
+            <a:avLst/>
+          </a:prstGeom>
+          <a:gradFill flip="none" rotWithShape="1">
+            <a:gsLst>
+              <a:gs pos="0">
+                <a:srgbClr val="CCFFCC"/>
+              </a:gs>
+              <a:gs pos="100000">
+                <a:schemeClr val="bg1"/>
+              </a:gs>
+            </a:gsLst>
+            <a:lin ang="16200000" scaled="0"/>
+            <a:tileRect/>
+          </a:gradFill>
+          <a:ln>
+            <a:solidFill>
+              <a:schemeClr val="tx1"/>
+            </a:solidFill>
+          </a:ln>
+        </p:spPr>
+        <p:style>
+          <a:lnRef idx="1">
+            <a:schemeClr val="accent1"/>
+          </a:lnRef>
+          <a:fillRef idx="3">
+            <a:schemeClr val="accent1"/>
+          </a:fillRef>
+          <a:effectRef idx="2">
+            <a:schemeClr val="accent1"/>
+          </a:effectRef>
+          <a:fontRef idx="minor">
+            <a:schemeClr val="lt1"/>
+          </a:fontRef>
+        </p:style>
+        <p:txBody>
+          <a:bodyPr rtlCol="0" anchor="ctr"/>
+          <a:lstStyle/>
+          <a:p>
+            <a:pPr algn="ctr"/>
+            <a:endParaRPr lang="it-IT" sz="800"/>
+          </a:p>
+        </p:txBody>
+      </p:sp>
+      <p:cxnSp>
+        <p:nvCxnSpPr>
+          <p:cNvPr id="138" name="Connettore 1 137"/>
+          <p:cNvCxnSpPr>
+            <a:stCxn id="137" idx="4"/>
+          </p:cNvCxnSpPr>
+          <p:nvPr/>
+        </p:nvCxnSpPr>
+        <p:spPr>
+          <a:xfrm>
+            <a:off x="3668754" y="2190914"/>
+            <a:ext cx="0" cy="306101"/>
+          </a:xfrm>
+          <a:prstGeom prst="line">
+            <a:avLst/>
+          </a:prstGeom>
+          <a:ln w="12700">
+            <a:solidFill>
+              <a:schemeClr val="tx1"/>
+            </a:solidFill>
+          </a:ln>
+        </p:spPr>
+        <p:style>
+          <a:lnRef idx="2">
+            <a:schemeClr val="accent1"/>
+          </a:lnRef>
+          <a:fillRef idx="0">
+            <a:schemeClr val="accent1"/>
+          </a:fillRef>
+          <a:effectRef idx="1">
+            <a:schemeClr val="accent1"/>
+          </a:effectRef>
+          <a:fontRef idx="minor">
+            <a:schemeClr val="tx1"/>
+          </a:fontRef>
+        </p:style>
+      </p:cxnSp>
+      <p:sp>
+        <p:nvSpPr>
+          <p:cNvPr id="139" name="CasellaDiTesto 138"/>
+          <p:cNvSpPr txBox="1"/>
+          <p:nvPr/>
+        </p:nvSpPr>
+        <p:spPr>
+          <a:xfrm>
+            <a:off x="3447486" y="1864134"/>
+            <a:ext cx="428322" cy="215444"/>
+          </a:xfrm>
+          <a:prstGeom prst="rect">
+            <a:avLst/>
+          </a:prstGeom>
+          <a:noFill/>
+        </p:spPr>
+        <p:txBody>
+          <a:bodyPr wrap="none" rtlCol="0">
+            <a:spAutoFit/>
+          </a:bodyPr>
+          <a:lstStyle/>
+          <a:p>
+            <a:r>
+              <a:rPr lang="it-IT" sz="800" dirty="0" smtClean="0"/>
+              <a:t>nome</a:t>
+            </a:r>
+            <a:endParaRPr lang="it-IT" sz="800" dirty="0"/>
+          </a:p>
+        </p:txBody>
+      </p:sp>
+      <p:sp>
+        <p:nvSpPr>
+          <p:cNvPr id="140" name="Ovale 139"/>
+          <p:cNvSpPr/>
+          <p:nvPr/>
+        </p:nvSpPr>
+        <p:spPr>
+          <a:xfrm>
+            <a:off x="3959642" y="2212919"/>
+            <a:ext cx="142455" cy="125409"/>
+          </a:xfrm>
+          <a:prstGeom prst="ellipse">
+            <a:avLst/>
+          </a:prstGeom>
+          <a:gradFill flip="none" rotWithShape="1">
+            <a:gsLst>
+              <a:gs pos="0">
+                <a:srgbClr val="CCFFCC"/>
+              </a:gs>
+              <a:gs pos="100000">
+                <a:schemeClr val="bg1"/>
+              </a:gs>
+            </a:gsLst>
+            <a:lin ang="16200000" scaled="0"/>
+            <a:tileRect/>
+          </a:gradFill>
+          <a:ln>
+            <a:solidFill>
+              <a:schemeClr val="tx1"/>
+            </a:solidFill>
+          </a:ln>
+        </p:spPr>
+        <p:style>
+          <a:lnRef idx="1">
+            <a:schemeClr val="accent1"/>
+          </a:lnRef>
+          <a:fillRef idx="3">
+            <a:schemeClr val="accent1"/>
+          </a:fillRef>
+          <a:effectRef idx="2">
+            <a:schemeClr val="accent1"/>
+          </a:effectRef>
+          <a:fontRef idx="minor">
+            <a:schemeClr val="lt1"/>
+          </a:fontRef>
+        </p:style>
+        <p:txBody>
+          <a:bodyPr rtlCol="0" anchor="ctr"/>
+          <a:lstStyle/>
+          <a:p>
+            <a:pPr algn="ctr"/>
+            <a:endParaRPr lang="it-IT" sz="800"/>
+          </a:p>
+        </p:txBody>
+      </p:sp>
+      <p:cxnSp>
+        <p:nvCxnSpPr>
+          <p:cNvPr id="141" name="Connettore 1 140"/>
+          <p:cNvCxnSpPr>
+            <a:stCxn id="140" idx="4"/>
+          </p:cNvCxnSpPr>
+          <p:nvPr/>
+        </p:nvCxnSpPr>
+        <p:spPr>
+          <a:xfrm>
+            <a:off x="4030870" y="2338328"/>
+            <a:ext cx="0" cy="306101"/>
+          </a:xfrm>
+          <a:prstGeom prst="line">
+            <a:avLst/>
+          </a:prstGeom>
+          <a:ln w="12700">
+            <a:solidFill>
+              <a:schemeClr val="tx1"/>
+            </a:solidFill>
+          </a:ln>
+        </p:spPr>
+        <p:style>
+          <a:lnRef idx="2">
+            <a:schemeClr val="accent1"/>
+          </a:lnRef>
+          <a:fillRef idx="0">
+            <a:schemeClr val="accent1"/>
+          </a:fillRef>
+          <a:effectRef idx="1">
+            <a:schemeClr val="accent1"/>
+          </a:effectRef>
+          <a:fontRef idx="minor">
+            <a:schemeClr val="tx1"/>
+          </a:fontRef>
+        </p:style>
+      </p:cxnSp>
+      <p:sp>
+        <p:nvSpPr>
+          <p:cNvPr id="142" name="CasellaDiTesto 141"/>
+          <p:cNvSpPr txBox="1"/>
+          <p:nvPr/>
+        </p:nvSpPr>
+        <p:spPr>
+          <a:xfrm>
+            <a:off x="3811800" y="2018391"/>
+            <a:ext cx="571441" cy="215444"/>
+          </a:xfrm>
+          <a:prstGeom prst="rect">
+            <a:avLst/>
+          </a:prstGeom>
+          <a:noFill/>
+        </p:spPr>
+        <p:txBody>
+          <a:bodyPr wrap="none" rtlCol="0">
+            <a:spAutoFit/>
+          </a:bodyPr>
+          <a:lstStyle/>
+          <a:p>
+            <a:r>
+              <a:rPr lang="it-IT" sz="800" dirty="0" smtClean="0"/>
+              <a:t>cognome</a:t>
+            </a:r>
+            <a:endParaRPr lang="it-IT" sz="800" dirty="0"/>
+          </a:p>
+        </p:txBody>
+      </p:sp>
+      <p:sp>
+        <p:nvSpPr>
+          <p:cNvPr id="146" name="Ovale 145"/>
+          <p:cNvSpPr/>
+          <p:nvPr/>
+        </p:nvSpPr>
+        <p:spPr>
+          <a:xfrm>
+            <a:off x="4377417" y="2593750"/>
+            <a:ext cx="142455" cy="125409"/>
+          </a:xfrm>
+          <a:prstGeom prst="ellipse">
+            <a:avLst/>
+          </a:prstGeom>
+          <a:gradFill flip="none" rotWithShape="1">
+            <a:gsLst>
+              <a:gs pos="0">
+                <a:srgbClr val="CCFFCC"/>
+              </a:gs>
+              <a:gs pos="100000">
+                <a:schemeClr val="bg1"/>
+              </a:gs>
+            </a:gsLst>
+            <a:lin ang="16200000" scaled="0"/>
+            <a:tileRect/>
+          </a:gradFill>
+          <a:ln>
+            <a:solidFill>
+              <a:schemeClr val="tx1"/>
+            </a:solidFill>
+          </a:ln>
+        </p:spPr>
+        <p:style>
+          <a:lnRef idx="1">
+            <a:schemeClr val="accent1"/>
+          </a:lnRef>
+          <a:fillRef idx="3">
+            <a:schemeClr val="accent1"/>
+          </a:fillRef>
+          <a:effectRef idx="2">
+            <a:schemeClr val="accent1"/>
+          </a:effectRef>
+          <a:fontRef idx="minor">
+            <a:schemeClr val="lt1"/>
+          </a:fontRef>
+        </p:style>
+        <p:txBody>
+          <a:bodyPr rtlCol="0" anchor="ctr"/>
+          <a:lstStyle/>
+          <a:p>
+            <a:pPr algn="ctr"/>
+            <a:endParaRPr lang="it-IT" sz="800"/>
+          </a:p>
+        </p:txBody>
+      </p:sp>
+      <p:cxnSp>
+        <p:nvCxnSpPr>
+          <p:cNvPr id="147" name="Connettore 1 146"/>
+          <p:cNvCxnSpPr>
+            <a:stCxn id="146" idx="2"/>
+          </p:cNvCxnSpPr>
+          <p:nvPr/>
+        </p:nvCxnSpPr>
+        <p:spPr>
+          <a:xfrm flipH="1">
+            <a:off x="4009823" y="2656455"/>
+            <a:ext cx="367594" cy="0"/>
+          </a:xfrm>
+          <a:prstGeom prst="line">
+            <a:avLst/>
+          </a:prstGeom>
+          <a:ln w="12700">
+            <a:solidFill>
+              <a:schemeClr val="tx1"/>
+            </a:solidFill>
+          </a:ln>
+        </p:spPr>
+        <p:style>
+          <a:lnRef idx="2">
+            <a:schemeClr val="accent1"/>
+          </a:lnRef>
+          <a:fillRef idx="0">
+            <a:schemeClr val="accent1"/>
+          </a:fillRef>
+          <a:effectRef idx="1">
+            <a:schemeClr val="accent1"/>
+          </a:effectRef>
+          <a:fontRef idx="minor">
+            <a:schemeClr val="tx1"/>
+          </a:fontRef>
+        </p:style>
+      </p:cxnSp>
+      <p:sp>
+        <p:nvSpPr>
+          <p:cNvPr id="148" name="CasellaDiTesto 147"/>
+          <p:cNvSpPr txBox="1"/>
+          <p:nvPr/>
+        </p:nvSpPr>
+        <p:spPr>
+          <a:xfrm>
+            <a:off x="4488118" y="2536840"/>
+            <a:ext cx="966931" cy="215444"/>
+          </a:xfrm>
+          <a:prstGeom prst="rect">
+            <a:avLst/>
+          </a:prstGeom>
+          <a:noFill/>
+        </p:spPr>
+        <p:txBody>
+          <a:bodyPr wrap="none" rtlCol="0">
+            <a:spAutoFit/>
+          </a:bodyPr>
+          <a:lstStyle/>
+          <a:p>
+            <a:r>
+              <a:rPr lang="it-IT" sz="800" dirty="0" err="1" smtClean="0"/>
+              <a:t>recapitoTelefonico</a:t>
+            </a:r>
+            <a:endParaRPr lang="it-IT" sz="800" dirty="0"/>
+          </a:p>
+        </p:txBody>
+      </p:sp>
+      <p:sp>
+        <p:nvSpPr>
+          <p:cNvPr id="41" name="Rettangolo 40"/>
+          <p:cNvSpPr/>
+          <p:nvPr/>
+        </p:nvSpPr>
+        <p:spPr>
+          <a:xfrm>
+            <a:off x="3339679" y="2460725"/>
+            <a:ext cx="844814" cy="385713"/>
+          </a:xfrm>
+          <a:prstGeom prst="rect">
+            <a:avLst/>
+          </a:prstGeom>
+          <a:gradFill flip="none" rotWithShape="1">
+            <a:gsLst>
+              <a:gs pos="0">
+                <a:srgbClr val="CCFFCC"/>
+              </a:gs>
+              <a:gs pos="100000">
+                <a:schemeClr val="bg1"/>
+              </a:gs>
+            </a:gsLst>
+            <a:lin ang="16200000" scaled="0"/>
+            <a:tileRect/>
+          </a:gradFill>
+          <a:ln>
+            <a:solidFill>
+              <a:schemeClr val="tx1"/>
+            </a:solidFill>
+          </a:ln>
+        </p:spPr>
+        <p:style>
+          <a:lnRef idx="1">
+            <a:schemeClr val="accent1"/>
+          </a:lnRef>
+          <a:fillRef idx="3">
+            <a:schemeClr val="accent1"/>
+          </a:fillRef>
+          <a:effectRef idx="2">
+            <a:schemeClr val="accent1"/>
+          </a:effectRef>
+          <a:fontRef idx="minor">
+            <a:schemeClr val="lt1"/>
+          </a:fontRef>
+        </p:style>
+        <p:txBody>
+          <a:bodyPr rtlCol="0" anchor="ctr"/>
+          <a:lstStyle/>
+          <a:p>
+            <a:pPr algn="ctr"/>
+            <a:r>
+              <a:rPr lang="it-IT" sz="800" dirty="0" smtClean="0">
+                <a:solidFill>
+                  <a:srgbClr val="000000"/>
+                </a:solidFill>
+              </a:rPr>
+              <a:t>Persona</a:t>
+            </a:r>
+            <a:endParaRPr lang="it-IT" sz="800" dirty="0">
+              <a:solidFill>
+                <a:srgbClr val="000000"/>
+              </a:solidFill>
+            </a:endParaRPr>
+          </a:p>
+        </p:txBody>
+      </p:sp>
+      <p:sp>
+        <p:nvSpPr>
+          <p:cNvPr id="149" name="Ovale 148"/>
+          <p:cNvSpPr/>
+          <p:nvPr/>
+        </p:nvSpPr>
+        <p:spPr>
+          <a:xfrm>
+            <a:off x="3083171" y="470494"/>
+            <a:ext cx="142455" cy="125409"/>
+          </a:xfrm>
+          <a:prstGeom prst="ellipse">
+            <a:avLst/>
+          </a:prstGeom>
+          <a:solidFill>
+            <a:schemeClr val="accent1">
+              <a:lumMod val="75000"/>
+            </a:schemeClr>
+          </a:solidFill>
+          <a:ln>
+            <a:solidFill>
+              <a:schemeClr val="tx1"/>
+            </a:solidFill>
+          </a:ln>
+        </p:spPr>
+        <p:style>
+          <a:lnRef idx="1">
+            <a:schemeClr val="accent1"/>
+          </a:lnRef>
+          <a:fillRef idx="3">
+            <a:schemeClr val="accent1"/>
+          </a:fillRef>
+          <a:effectRef idx="2">
+            <a:schemeClr val="accent1"/>
+          </a:effectRef>
+          <a:fontRef idx="minor">
+            <a:schemeClr val="lt1"/>
+          </a:fontRef>
+        </p:style>
+        <p:txBody>
+          <a:bodyPr rtlCol="0" anchor="ctr"/>
+          <a:lstStyle/>
+          <a:p>
+            <a:pPr algn="ctr"/>
+            <a:endParaRPr lang="it-IT" sz="800"/>
+          </a:p>
+        </p:txBody>
+      </p:sp>
+      <p:cxnSp>
+        <p:nvCxnSpPr>
+          <p:cNvPr id="150" name="Connettore 1 149"/>
+          <p:cNvCxnSpPr>
+            <a:stCxn id="149" idx="4"/>
+          </p:cNvCxnSpPr>
+          <p:nvPr/>
+        </p:nvCxnSpPr>
+        <p:spPr>
+          <a:xfrm>
+            <a:off x="3154399" y="595903"/>
+            <a:ext cx="0" cy="306101"/>
+          </a:xfrm>
+          <a:prstGeom prst="line">
+            <a:avLst/>
+          </a:prstGeom>
+          <a:ln w="12700">
+            <a:solidFill>
+              <a:schemeClr val="tx1"/>
+            </a:solidFill>
+          </a:ln>
+        </p:spPr>
+        <p:style>
+          <a:lnRef idx="2">
+            <a:schemeClr val="accent1"/>
+          </a:lnRef>
+          <a:fillRef idx="0">
+            <a:schemeClr val="accent1"/>
+          </a:fillRef>
+          <a:effectRef idx="1">
+            <a:schemeClr val="accent1"/>
+          </a:effectRef>
+          <a:fontRef idx="minor">
+            <a:schemeClr val="tx1"/>
+          </a:fontRef>
+        </p:style>
+      </p:cxnSp>
+      <p:sp>
+        <p:nvSpPr>
+          <p:cNvPr id="151" name="CasellaDiTesto 150"/>
+          <p:cNvSpPr txBox="1"/>
+          <p:nvPr/>
+        </p:nvSpPr>
+        <p:spPr>
+          <a:xfrm>
+            <a:off x="2712831" y="400358"/>
+            <a:ext cx="415498" cy="215444"/>
+          </a:xfrm>
+          <a:prstGeom prst="rect">
+            <a:avLst/>
+          </a:prstGeom>
+          <a:noFill/>
+        </p:spPr>
+        <p:txBody>
+          <a:bodyPr wrap="none" rtlCol="0">
+            <a:spAutoFit/>
+          </a:bodyPr>
+          <a:lstStyle/>
+          <a:p>
+            <a:r>
+              <a:rPr lang="it-IT" sz="800" dirty="0" err="1" smtClean="0"/>
+              <a:t>idSeg</a:t>
+            </a:r>
+            <a:endParaRPr lang="it-IT" sz="800" dirty="0" smtClean="0"/>
+          </a:p>
+        </p:txBody>
+      </p:sp>
+      <p:sp>
+        <p:nvSpPr>
+          <p:cNvPr id="152" name="Ovale 151"/>
+          <p:cNvSpPr/>
+          <p:nvPr/>
+        </p:nvSpPr>
+        <p:spPr>
+          <a:xfrm>
+            <a:off x="3304439" y="319973"/>
+            <a:ext cx="142455" cy="125409"/>
+          </a:xfrm>
+          <a:prstGeom prst="ellipse">
+            <a:avLst/>
+          </a:prstGeom>
+          <a:gradFill flip="none" rotWithShape="1">
+            <a:gsLst>
+              <a:gs pos="0">
+                <a:srgbClr val="CCFFCC"/>
+              </a:gs>
+              <a:gs pos="100000">
+                <a:schemeClr val="bg1"/>
+              </a:gs>
+            </a:gsLst>
+            <a:lin ang="16200000" scaled="0"/>
+            <a:tileRect/>
+          </a:gradFill>
+          <a:ln>
+            <a:solidFill>
+              <a:schemeClr val="tx1"/>
+            </a:solidFill>
+          </a:ln>
+        </p:spPr>
+        <p:style>
+          <a:lnRef idx="1">
+            <a:schemeClr val="accent1"/>
+          </a:lnRef>
+          <a:fillRef idx="3">
+            <a:schemeClr val="accent1"/>
+          </a:fillRef>
+          <a:effectRef idx="2">
+            <a:schemeClr val="accent1"/>
+          </a:effectRef>
+          <a:fontRef idx="minor">
+            <a:schemeClr val="lt1"/>
+          </a:fontRef>
+        </p:style>
+        <p:txBody>
+          <a:bodyPr rtlCol="0" anchor="ctr"/>
+          <a:lstStyle/>
+          <a:p>
+            <a:pPr algn="ctr"/>
+            <a:endParaRPr lang="it-IT" sz="800"/>
+          </a:p>
+        </p:txBody>
+      </p:sp>
+      <p:cxnSp>
+        <p:nvCxnSpPr>
+          <p:cNvPr id="153" name="Connettore 1 152"/>
+          <p:cNvCxnSpPr>
+            <a:stCxn id="152" idx="4"/>
+          </p:cNvCxnSpPr>
+          <p:nvPr/>
+        </p:nvCxnSpPr>
+        <p:spPr>
+          <a:xfrm>
+            <a:off x="3375667" y="445382"/>
+            <a:ext cx="0" cy="306101"/>
+          </a:xfrm>
+          <a:prstGeom prst="line">
+            <a:avLst/>
+          </a:prstGeom>
+          <a:ln w="12700">
+            <a:solidFill>
+              <a:schemeClr val="tx1"/>
+            </a:solidFill>
+          </a:ln>
+        </p:spPr>
+        <p:style>
+          <a:lnRef idx="2">
+            <a:schemeClr val="accent1"/>
+          </a:lnRef>
+          <a:fillRef idx="0">
+            <a:schemeClr val="accent1"/>
+          </a:fillRef>
+          <a:effectRef idx="1">
+            <a:schemeClr val="accent1"/>
+          </a:effectRef>
+          <a:fontRef idx="minor">
+            <a:schemeClr val="tx1"/>
+          </a:fontRef>
+        </p:style>
+      </p:cxnSp>
+      <p:sp>
+        <p:nvSpPr>
+          <p:cNvPr id="154" name="CasellaDiTesto 153"/>
+          <p:cNvSpPr txBox="1"/>
+          <p:nvPr/>
+        </p:nvSpPr>
+        <p:spPr>
+          <a:xfrm>
+            <a:off x="3154399" y="118602"/>
+            <a:ext cx="351378" cy="215444"/>
+          </a:xfrm>
+          <a:prstGeom prst="rect">
+            <a:avLst/>
+          </a:prstGeom>
+          <a:noFill/>
+        </p:spPr>
+        <p:txBody>
+          <a:bodyPr wrap="none" rtlCol="0">
+            <a:spAutoFit/>
+          </a:bodyPr>
+          <a:lstStyle/>
+          <a:p>
+            <a:r>
+              <a:rPr lang="it-IT" sz="800" dirty="0" smtClean="0"/>
+              <a:t>tipo</a:t>
+            </a:r>
+            <a:endParaRPr lang="it-IT" sz="800" dirty="0"/>
+          </a:p>
+        </p:txBody>
+      </p:sp>
+      <p:sp>
+        <p:nvSpPr>
+          <p:cNvPr id="155" name="Ovale 154"/>
+          <p:cNvSpPr/>
+          <p:nvPr/>
+        </p:nvSpPr>
+        <p:spPr>
+          <a:xfrm>
+            <a:off x="3666555" y="467387"/>
+            <a:ext cx="142455" cy="125409"/>
+          </a:xfrm>
+          <a:prstGeom prst="ellipse">
+            <a:avLst/>
+          </a:prstGeom>
+          <a:gradFill flip="none" rotWithShape="1">
+            <a:gsLst>
+              <a:gs pos="0">
+                <a:srgbClr val="CCFFCC"/>
+              </a:gs>
+              <a:gs pos="100000">
+                <a:schemeClr val="bg1"/>
+              </a:gs>
+            </a:gsLst>
+            <a:lin ang="16200000" scaled="0"/>
+            <a:tileRect/>
+          </a:gradFill>
+          <a:ln>
+            <a:solidFill>
+              <a:schemeClr val="tx1"/>
+            </a:solidFill>
+          </a:ln>
+        </p:spPr>
+        <p:style>
+          <a:lnRef idx="1">
+            <a:schemeClr val="accent1"/>
+          </a:lnRef>
+          <a:fillRef idx="3">
+            <a:schemeClr val="accent1"/>
+          </a:fillRef>
+          <a:effectRef idx="2">
+            <a:schemeClr val="accent1"/>
+          </a:effectRef>
+          <a:fontRef idx="minor">
+            <a:schemeClr val="lt1"/>
+          </a:fontRef>
+        </p:style>
+        <p:txBody>
+          <a:bodyPr rtlCol="0" anchor="ctr"/>
+          <a:lstStyle/>
+          <a:p>
+            <a:pPr algn="ctr"/>
+            <a:endParaRPr lang="it-IT" sz="800"/>
+          </a:p>
+        </p:txBody>
+      </p:sp>
+      <p:cxnSp>
+        <p:nvCxnSpPr>
+          <p:cNvPr id="156" name="Connettore 1 155"/>
+          <p:cNvCxnSpPr>
+            <a:stCxn id="155" idx="4"/>
+          </p:cNvCxnSpPr>
+          <p:nvPr/>
+        </p:nvCxnSpPr>
+        <p:spPr>
+          <a:xfrm>
+            <a:off x="3737783" y="592796"/>
+            <a:ext cx="0" cy="306101"/>
+          </a:xfrm>
+          <a:prstGeom prst="line">
+            <a:avLst/>
+          </a:prstGeom>
+          <a:ln w="12700">
+            <a:solidFill>
+              <a:schemeClr val="tx1"/>
+            </a:solidFill>
+          </a:ln>
+        </p:spPr>
+        <p:style>
+          <a:lnRef idx="2">
+            <a:schemeClr val="accent1"/>
+          </a:lnRef>
+          <a:fillRef idx="0">
+            <a:schemeClr val="accent1"/>
+          </a:fillRef>
+          <a:effectRef idx="1">
+            <a:schemeClr val="accent1"/>
+          </a:effectRef>
+          <a:fontRef idx="minor">
+            <a:schemeClr val="tx1"/>
+          </a:fontRef>
+        </p:style>
+      </p:cxnSp>
+      <p:sp>
+        <p:nvSpPr>
+          <p:cNvPr id="157" name="CasellaDiTesto 156"/>
+          <p:cNvSpPr txBox="1"/>
+          <p:nvPr/>
+        </p:nvSpPr>
+        <p:spPr>
+          <a:xfrm>
+            <a:off x="3518713" y="272859"/>
+            <a:ext cx="585166" cy="215444"/>
+          </a:xfrm>
+          <a:prstGeom prst="rect">
+            <a:avLst/>
+          </a:prstGeom>
+          <a:noFill/>
+        </p:spPr>
+        <p:txBody>
+          <a:bodyPr wrap="none" rtlCol="0">
+            <a:spAutoFit/>
+          </a:bodyPr>
+          <a:lstStyle/>
+          <a:p>
+            <a:r>
+              <a:rPr lang="it-IT" sz="800" dirty="0" smtClean="0"/>
+              <a:t>latitudine</a:t>
+            </a:r>
+            <a:endParaRPr lang="it-IT" sz="800" dirty="0"/>
+          </a:p>
+        </p:txBody>
+      </p:sp>
+      <p:sp>
+        <p:nvSpPr>
+          <p:cNvPr id="158" name="Ovale 157"/>
+          <p:cNvSpPr/>
+          <p:nvPr/>
+        </p:nvSpPr>
+        <p:spPr>
+          <a:xfrm>
+            <a:off x="3376258" y="1414738"/>
+            <a:ext cx="142455" cy="125409"/>
+          </a:xfrm>
+          <a:prstGeom prst="ellipse">
+            <a:avLst/>
+          </a:prstGeom>
+          <a:gradFill flip="none" rotWithShape="1">
+            <a:gsLst>
+              <a:gs pos="0">
+                <a:srgbClr val="CCFFCC"/>
+              </a:gs>
+              <a:gs pos="100000">
+                <a:schemeClr val="bg1"/>
+              </a:gs>
+            </a:gsLst>
+            <a:lin ang="16200000" scaled="0"/>
+            <a:tileRect/>
+          </a:gradFill>
+          <a:ln>
+            <a:solidFill>
+              <a:schemeClr val="tx1"/>
+            </a:solidFill>
+          </a:ln>
+        </p:spPr>
+        <p:style>
+          <a:lnRef idx="1">
+            <a:schemeClr val="accent1"/>
+          </a:lnRef>
+          <a:fillRef idx="3">
+            <a:schemeClr val="accent1"/>
+          </a:fillRef>
+          <a:effectRef idx="2">
+            <a:schemeClr val="accent1"/>
+          </a:effectRef>
+          <a:fontRef idx="minor">
+            <a:schemeClr val="lt1"/>
+          </a:fontRef>
+        </p:style>
+        <p:txBody>
+          <a:bodyPr rtlCol="0" anchor="ctr"/>
+          <a:lstStyle/>
+          <a:p>
+            <a:pPr algn="ctr"/>
+            <a:endParaRPr lang="it-IT" sz="800"/>
+          </a:p>
+        </p:txBody>
+      </p:sp>
+      <p:cxnSp>
+        <p:nvCxnSpPr>
+          <p:cNvPr id="159" name="Connettore 1 158"/>
+          <p:cNvCxnSpPr>
+            <a:stCxn id="158" idx="0"/>
+          </p:cNvCxnSpPr>
+          <p:nvPr/>
+        </p:nvCxnSpPr>
+        <p:spPr>
+          <a:xfrm flipV="1">
+            <a:off x="3447486" y="1061280"/>
+            <a:ext cx="0" cy="353458"/>
+          </a:xfrm>
+          <a:prstGeom prst="line">
+            <a:avLst/>
+          </a:prstGeom>
+          <a:ln w="12700">
+            <a:solidFill>
+              <a:schemeClr val="tx1"/>
+            </a:solidFill>
+          </a:ln>
+        </p:spPr>
+        <p:style>
+          <a:lnRef idx="2">
+            <a:schemeClr val="accent1"/>
+          </a:lnRef>
+          <a:fillRef idx="0">
+            <a:schemeClr val="accent1"/>
+          </a:fillRef>
+          <a:effectRef idx="1">
+            <a:schemeClr val="accent1"/>
+          </a:effectRef>
+          <a:fontRef idx="minor">
+            <a:schemeClr val="tx1"/>
+          </a:fontRef>
+        </p:style>
+      </p:cxnSp>
+      <p:sp>
+        <p:nvSpPr>
+          <p:cNvPr id="162" name="Ovale 161"/>
+          <p:cNvSpPr/>
+          <p:nvPr/>
+        </p:nvSpPr>
+        <p:spPr>
+          <a:xfrm>
+            <a:off x="3140025" y="1273613"/>
+            <a:ext cx="142455" cy="125409"/>
+          </a:xfrm>
+          <a:prstGeom prst="ellipse">
+            <a:avLst/>
+          </a:prstGeom>
+          <a:gradFill flip="none" rotWithShape="1">
+            <a:gsLst>
+              <a:gs pos="0">
+                <a:srgbClr val="CCFFCC"/>
+              </a:gs>
+              <a:gs pos="100000">
+                <a:schemeClr val="bg1"/>
+              </a:gs>
+            </a:gsLst>
+            <a:lin ang="16200000" scaled="0"/>
+            <a:tileRect/>
+          </a:gradFill>
+          <a:ln>
+            <a:solidFill>
+              <a:schemeClr val="tx1"/>
+            </a:solidFill>
+          </a:ln>
+        </p:spPr>
+        <p:style>
+          <a:lnRef idx="1">
+            <a:schemeClr val="accent1"/>
+          </a:lnRef>
+          <a:fillRef idx="3">
+            <a:schemeClr val="accent1"/>
+          </a:fillRef>
+          <a:effectRef idx="2">
+            <a:schemeClr val="accent1"/>
+          </a:effectRef>
+          <a:fontRef idx="minor">
+            <a:schemeClr val="lt1"/>
+          </a:fontRef>
+        </p:style>
+        <p:txBody>
+          <a:bodyPr rtlCol="0" anchor="ctr"/>
+          <a:lstStyle/>
+          <a:p>
+            <a:pPr algn="ctr"/>
+            <a:endParaRPr lang="it-IT" sz="800"/>
+          </a:p>
+        </p:txBody>
+      </p:sp>
+      <p:cxnSp>
+        <p:nvCxnSpPr>
+          <p:cNvPr id="163" name="Connettore 1 162"/>
+          <p:cNvCxnSpPr>
+            <a:stCxn id="162" idx="0"/>
+          </p:cNvCxnSpPr>
+          <p:nvPr/>
+        </p:nvCxnSpPr>
+        <p:spPr>
+          <a:xfrm flipV="1">
+            <a:off x="3211253" y="920155"/>
+            <a:ext cx="0" cy="353458"/>
+          </a:xfrm>
+          <a:prstGeom prst="line">
+            <a:avLst/>
+          </a:prstGeom>
+          <a:ln w="12700">
+            <a:solidFill>
+              <a:schemeClr val="tx1"/>
+            </a:solidFill>
+          </a:ln>
+        </p:spPr>
+        <p:style>
+          <a:lnRef idx="2">
+            <a:schemeClr val="accent1"/>
+          </a:lnRef>
+          <a:fillRef idx="0">
+            <a:schemeClr val="accent1"/>
+          </a:fillRef>
+          <a:effectRef idx="1">
+            <a:schemeClr val="accent1"/>
+          </a:effectRef>
+          <a:fontRef idx="minor">
+            <a:schemeClr val="tx1"/>
+          </a:fontRef>
+        </p:style>
+      </p:cxnSp>
+      <p:sp>
+        <p:nvSpPr>
+          <p:cNvPr id="164" name="CasellaDiTesto 163"/>
+          <p:cNvSpPr txBox="1"/>
+          <p:nvPr/>
+        </p:nvSpPr>
+        <p:spPr>
+          <a:xfrm>
+            <a:off x="2677197" y="1345052"/>
+            <a:ext cx="659155" cy="215444"/>
+          </a:xfrm>
+          <a:prstGeom prst="rect">
+            <a:avLst/>
+          </a:prstGeom>
+          <a:noFill/>
+        </p:spPr>
+        <p:txBody>
+          <a:bodyPr wrap="none" rtlCol="0">
+            <a:spAutoFit/>
+          </a:bodyPr>
+          <a:lstStyle/>
+          <a:p>
+            <a:r>
+              <a:rPr lang="it-IT" sz="800" dirty="0" smtClean="0"/>
+              <a:t>longitudine</a:t>
+            </a:r>
+            <a:endParaRPr lang="it-IT" sz="800" dirty="0"/>
+          </a:p>
+        </p:txBody>
+      </p:sp>
+      <p:sp>
+        <p:nvSpPr>
+          <p:cNvPr id="165" name="CasellaDiTesto 164"/>
+          <p:cNvSpPr txBox="1"/>
+          <p:nvPr/>
+        </p:nvSpPr>
+        <p:spPr>
+          <a:xfrm>
+            <a:off x="3152617" y="1529972"/>
+            <a:ext cx="585166" cy="215444"/>
+          </a:xfrm>
+          <a:prstGeom prst="rect">
+            <a:avLst/>
+          </a:prstGeom>
+          <a:noFill/>
+        </p:spPr>
+        <p:txBody>
+          <a:bodyPr wrap="none" rtlCol="0">
+            <a:spAutoFit/>
+          </a:bodyPr>
+          <a:lstStyle/>
+          <a:p>
+            <a:r>
+              <a:rPr lang="it-IT" sz="800" dirty="0" smtClean="0"/>
+              <a:t>altitudine</a:t>
+            </a:r>
+            <a:endParaRPr lang="it-IT" sz="800" dirty="0"/>
+          </a:p>
+        </p:txBody>
+      </p:sp>
+      <p:sp>
+        <p:nvSpPr>
+          <p:cNvPr id="166" name="Ovale 165"/>
+          <p:cNvSpPr/>
+          <p:nvPr/>
+        </p:nvSpPr>
+        <p:spPr>
+          <a:xfrm>
+            <a:off x="3704582" y="1238009"/>
+            <a:ext cx="142455" cy="125409"/>
+          </a:xfrm>
+          <a:prstGeom prst="ellipse">
+            <a:avLst/>
+          </a:prstGeom>
+          <a:gradFill flip="none" rotWithShape="1">
+            <a:gsLst>
+              <a:gs pos="0">
+                <a:srgbClr val="CCFFCC"/>
+              </a:gs>
+              <a:gs pos="100000">
+                <a:schemeClr val="bg1"/>
+              </a:gs>
+            </a:gsLst>
+            <a:lin ang="16200000" scaled="0"/>
+            <a:tileRect/>
+          </a:gradFill>
+          <a:ln>
+            <a:solidFill>
+              <a:schemeClr val="tx1"/>
+            </a:solidFill>
+          </a:ln>
+        </p:spPr>
+        <p:style>
+          <a:lnRef idx="1">
+            <a:schemeClr val="accent1"/>
+          </a:lnRef>
+          <a:fillRef idx="3">
+            <a:schemeClr val="accent1"/>
+          </a:fillRef>
+          <a:effectRef idx="2">
+            <a:schemeClr val="accent1"/>
+          </a:effectRef>
+          <a:fontRef idx="minor">
+            <a:schemeClr val="lt1"/>
+          </a:fontRef>
+        </p:style>
+        <p:txBody>
+          <a:bodyPr rtlCol="0" anchor="ctr"/>
+          <a:lstStyle/>
+          <a:p>
+            <a:pPr algn="ctr"/>
+            <a:endParaRPr lang="it-IT" sz="800"/>
+          </a:p>
+        </p:txBody>
+      </p:sp>
+      <p:cxnSp>
+        <p:nvCxnSpPr>
+          <p:cNvPr id="167" name="Connettore 1 166"/>
+          <p:cNvCxnSpPr>
+            <a:stCxn id="166" idx="0"/>
+          </p:cNvCxnSpPr>
+          <p:nvPr/>
+        </p:nvCxnSpPr>
+        <p:spPr>
+          <a:xfrm flipV="1">
+            <a:off x="3775810" y="884551"/>
+            <a:ext cx="0" cy="353458"/>
+          </a:xfrm>
+          <a:prstGeom prst="line">
+            <a:avLst/>
+          </a:prstGeom>
+          <a:ln w="12700">
+            <a:solidFill>
+              <a:schemeClr val="tx1"/>
+            </a:solidFill>
+          </a:ln>
+        </p:spPr>
+        <p:style>
+          <a:lnRef idx="2">
+            <a:schemeClr val="accent1"/>
+          </a:lnRef>
+          <a:fillRef idx="0">
+            <a:schemeClr val="accent1"/>
+          </a:fillRef>
+          <a:effectRef idx="1">
+            <a:schemeClr val="accent1"/>
+          </a:effectRef>
+          <a:fontRef idx="minor">
+            <a:schemeClr val="tx1"/>
+          </a:fontRef>
+        </p:style>
+      </p:cxnSp>
+      <p:sp>
+        <p:nvSpPr>
+          <p:cNvPr id="168" name="CasellaDiTesto 167"/>
+          <p:cNvSpPr txBox="1"/>
+          <p:nvPr/>
+        </p:nvSpPr>
+        <p:spPr>
+          <a:xfrm>
+            <a:off x="3687295" y="1324703"/>
+            <a:ext cx="377026" cy="215444"/>
+          </a:xfrm>
+          <a:prstGeom prst="rect">
+            <a:avLst/>
+          </a:prstGeom>
+          <a:noFill/>
+        </p:spPr>
+        <p:txBody>
+          <a:bodyPr wrap="none" rtlCol="0">
+            <a:spAutoFit/>
+          </a:bodyPr>
+          <a:lstStyle/>
+          <a:p>
+            <a:r>
+              <a:rPr lang="it-IT" sz="800" dirty="0" smtClean="0"/>
+              <a:t>data</a:t>
+            </a:r>
+            <a:endParaRPr lang="it-IT" sz="800" dirty="0"/>
+          </a:p>
+        </p:txBody>
+      </p:sp>
+      <p:sp>
+        <p:nvSpPr>
+          <p:cNvPr id="4" name="Rettangolo 3"/>
+          <p:cNvSpPr/>
+          <p:nvPr/>
+        </p:nvSpPr>
+        <p:spPr>
+          <a:xfrm>
+            <a:off x="3036015" y="729210"/>
+            <a:ext cx="844814" cy="385713"/>
+          </a:xfrm>
+          <a:prstGeom prst="rect">
+            <a:avLst/>
+          </a:prstGeom>
+          <a:gradFill flip="none" rotWithShape="1">
+            <a:gsLst>
+              <a:gs pos="0">
+                <a:srgbClr val="CCFFCC"/>
+              </a:gs>
+              <a:gs pos="100000">
+                <a:schemeClr val="bg1"/>
+              </a:gs>
+            </a:gsLst>
+            <a:lin ang="16200000" scaled="0"/>
+            <a:tileRect/>
+          </a:gradFill>
+          <a:ln>
+            <a:solidFill>
+              <a:schemeClr val="tx1"/>
+            </a:solidFill>
+          </a:ln>
+        </p:spPr>
+        <p:style>
+          <a:lnRef idx="1">
+            <a:schemeClr val="accent1"/>
+          </a:lnRef>
+          <a:fillRef idx="3">
+            <a:schemeClr val="accent1"/>
+          </a:fillRef>
+          <a:effectRef idx="2">
+            <a:schemeClr val="accent1"/>
+          </a:effectRef>
+          <a:fontRef idx="minor">
+            <a:schemeClr val="lt1"/>
+          </a:fontRef>
+        </p:style>
+        <p:txBody>
+          <a:bodyPr rtlCol="0" anchor="ctr"/>
+          <a:lstStyle/>
+          <a:p>
+            <a:pPr algn="ctr"/>
+            <a:r>
+              <a:rPr lang="it-IT" sz="800" dirty="0" smtClean="0">
+                <a:solidFill>
+                  <a:srgbClr val="000000"/>
+                </a:solidFill>
+              </a:rPr>
+              <a:t>SEG</a:t>
+            </a:r>
+            <a:endParaRPr lang="it-IT" sz="800" dirty="0">
+              <a:solidFill>
+                <a:srgbClr val="000000"/>
+              </a:solidFill>
+            </a:endParaRPr>
+          </a:p>
+        </p:txBody>
+      </p:sp>
+      <p:sp>
+        <p:nvSpPr>
+          <p:cNvPr id="54" name="Rettangolo 53"/>
+          <p:cNvSpPr/>
+          <p:nvPr/>
+        </p:nvSpPr>
+        <p:spPr>
+          <a:xfrm>
+            <a:off x="4971584" y="3597137"/>
+            <a:ext cx="844814" cy="385713"/>
+          </a:xfrm>
+          <a:prstGeom prst="rect">
+            <a:avLst/>
+          </a:prstGeom>
+          <a:gradFill flip="none" rotWithShape="1">
+            <a:gsLst>
+              <a:gs pos="0">
+                <a:srgbClr val="CCFFCC"/>
+              </a:gs>
+              <a:gs pos="100000">
+                <a:schemeClr val="bg1"/>
+              </a:gs>
+            </a:gsLst>
+            <a:lin ang="16200000" scaled="0"/>
+            <a:tileRect/>
+          </a:gradFill>
+          <a:ln>
+            <a:solidFill>
+              <a:schemeClr val="tx1"/>
+            </a:solidFill>
+          </a:ln>
+        </p:spPr>
+        <p:style>
+          <a:lnRef idx="1">
+            <a:schemeClr val="accent1"/>
+          </a:lnRef>
+          <a:fillRef idx="3">
+            <a:schemeClr val="accent1"/>
+          </a:fillRef>
+          <a:effectRef idx="2">
+            <a:schemeClr val="accent1"/>
+          </a:effectRef>
+          <a:fontRef idx="minor">
+            <a:schemeClr val="lt1"/>
+          </a:fontRef>
+        </p:style>
+        <p:txBody>
+          <a:bodyPr rtlCol="0" anchor="ctr"/>
+          <a:lstStyle/>
+          <a:p>
+            <a:pPr algn="ctr"/>
+            <a:r>
+              <a:rPr lang="it-IT" sz="800" dirty="0" smtClean="0">
+                <a:solidFill>
+                  <a:srgbClr val="000000"/>
+                </a:solidFill>
+              </a:rPr>
+              <a:t>Squadra Emergenza</a:t>
+            </a:r>
+            <a:endParaRPr lang="it-IT" sz="800" dirty="0">
+              <a:solidFill>
+                <a:srgbClr val="000000"/>
+              </a:solidFill>
+            </a:endParaRPr>
+          </a:p>
+        </p:txBody>
+      </p:sp>
+      <p:sp>
+        <p:nvSpPr>
+          <p:cNvPr id="169" name="CasellaDiTesto 168"/>
+          <p:cNvSpPr txBox="1"/>
+          <p:nvPr/>
+        </p:nvSpPr>
+        <p:spPr>
+          <a:xfrm>
+            <a:off x="6612568" y="1105904"/>
+            <a:ext cx="436541" cy="215444"/>
+          </a:xfrm>
+          <a:prstGeom prst="rect">
+            <a:avLst/>
+          </a:prstGeom>
+          <a:noFill/>
+        </p:spPr>
+        <p:txBody>
+          <a:bodyPr wrap="square" rtlCol="0">
+            <a:spAutoFit/>
+          </a:bodyPr>
+          <a:lstStyle/>
+          <a:p>
+            <a:r>
+              <a:rPr lang="it-IT" sz="800" dirty="0" smtClean="0"/>
+              <a:t>(0,</a:t>
+            </a:r>
+            <a:r>
+              <a:rPr lang="it-IT" sz="800" dirty="0" smtClean="0"/>
+              <a:t>n)</a:t>
+            </a:r>
+            <a:endParaRPr lang="it-IT" sz="800" dirty="0"/>
+          </a:p>
+        </p:txBody>
+      </p:sp>
+      <p:sp>
+        <p:nvSpPr>
+          <p:cNvPr id="170" name="CasellaDiTesto 169"/>
+          <p:cNvSpPr txBox="1"/>
+          <p:nvPr/>
+        </p:nvSpPr>
+        <p:spPr>
+          <a:xfrm>
+            <a:off x="6636233" y="4329117"/>
+            <a:ext cx="436541" cy="215444"/>
+          </a:xfrm>
+          <a:prstGeom prst="rect">
+            <a:avLst/>
+          </a:prstGeom>
+          <a:noFill/>
+        </p:spPr>
+        <p:txBody>
+          <a:bodyPr wrap="square" rtlCol="0">
+            <a:spAutoFit/>
+          </a:bodyPr>
+          <a:lstStyle/>
+          <a:p>
+            <a:r>
+              <a:rPr lang="it-IT" sz="800" dirty="0" smtClean="0"/>
+              <a:t>(1,n</a:t>
+            </a:r>
+            <a:r>
+              <a:rPr lang="it-IT" sz="800" dirty="0" smtClean="0"/>
+              <a:t>)</a:t>
+            </a:r>
+            <a:endParaRPr lang="it-IT" sz="800" dirty="0"/>
+          </a:p>
+        </p:txBody>
+      </p:sp>
+      <p:sp>
+        <p:nvSpPr>
+          <p:cNvPr id="171" name="CasellaDiTesto 170"/>
+          <p:cNvSpPr txBox="1"/>
+          <p:nvPr/>
+        </p:nvSpPr>
+        <p:spPr>
+          <a:xfrm>
+            <a:off x="6886306" y="2913715"/>
+            <a:ext cx="436541" cy="215444"/>
+          </a:xfrm>
+          <a:prstGeom prst="rect">
+            <a:avLst/>
+          </a:prstGeom>
+          <a:noFill/>
+        </p:spPr>
+        <p:txBody>
+          <a:bodyPr wrap="square" rtlCol="0">
+            <a:spAutoFit/>
+          </a:bodyPr>
+          <a:lstStyle/>
+          <a:p>
+            <a:r>
+              <a:rPr lang="it-IT" sz="800" dirty="0" smtClean="0"/>
+              <a:t>(1,n</a:t>
+            </a:r>
+            <a:r>
+              <a:rPr lang="it-IT" sz="800" dirty="0" smtClean="0"/>
+              <a:t>)</a:t>
+            </a:r>
+            <a:endParaRPr lang="it-IT" sz="800" dirty="0"/>
+          </a:p>
+        </p:txBody>
+      </p:sp>
+      <p:sp>
+        <p:nvSpPr>
+          <p:cNvPr id="172" name="CasellaDiTesto 171"/>
+          <p:cNvSpPr txBox="1"/>
+          <p:nvPr/>
+        </p:nvSpPr>
+        <p:spPr>
+          <a:xfrm>
+            <a:off x="2553433" y="714326"/>
+            <a:ext cx="436541" cy="215444"/>
+          </a:xfrm>
+          <a:prstGeom prst="rect">
+            <a:avLst/>
+          </a:prstGeom>
+          <a:noFill/>
+        </p:spPr>
+        <p:txBody>
+          <a:bodyPr wrap="square" rtlCol="0">
+            <a:spAutoFit/>
+          </a:bodyPr>
+          <a:lstStyle/>
+          <a:p>
+            <a:r>
+              <a:rPr lang="it-IT" sz="800" dirty="0" smtClean="0"/>
+              <a:t>(1,1)</a:t>
+            </a:r>
+            <a:endParaRPr lang="it-IT" sz="800" dirty="0"/>
+          </a:p>
+        </p:txBody>
+      </p:sp>
+      <p:sp>
+        <p:nvSpPr>
+          <p:cNvPr id="173" name="CasellaDiTesto 172"/>
+          <p:cNvSpPr txBox="1"/>
+          <p:nvPr/>
+        </p:nvSpPr>
+        <p:spPr>
+          <a:xfrm>
+            <a:off x="3912751" y="722823"/>
+            <a:ext cx="436541" cy="215444"/>
+          </a:xfrm>
+          <a:prstGeom prst="rect">
+            <a:avLst/>
+          </a:prstGeom>
+          <a:noFill/>
+        </p:spPr>
+        <p:txBody>
+          <a:bodyPr wrap="square" rtlCol="0">
+            <a:spAutoFit/>
+          </a:bodyPr>
+          <a:lstStyle/>
+          <a:p>
+            <a:r>
+              <a:rPr lang="it-IT" sz="800" dirty="0" smtClean="0"/>
+              <a:t>(1,1)</a:t>
+            </a:r>
+            <a:endParaRPr lang="it-IT" sz="800" dirty="0"/>
+          </a:p>
+        </p:txBody>
+      </p:sp>
+      <p:sp>
+        <p:nvSpPr>
+          <p:cNvPr id="174" name="CasellaDiTesto 173"/>
+          <p:cNvSpPr txBox="1"/>
+          <p:nvPr/>
+        </p:nvSpPr>
+        <p:spPr>
+          <a:xfrm>
+            <a:off x="6903100" y="2269387"/>
+            <a:ext cx="436541" cy="215444"/>
+          </a:xfrm>
+          <a:prstGeom prst="rect">
+            <a:avLst/>
+          </a:prstGeom>
+          <a:noFill/>
+        </p:spPr>
+        <p:txBody>
+          <a:bodyPr wrap="square" rtlCol="0">
+            <a:spAutoFit/>
+          </a:bodyPr>
+          <a:lstStyle/>
+          <a:p>
+            <a:r>
+              <a:rPr lang="it-IT" sz="800" dirty="0" smtClean="0"/>
+              <a:t>(1,1)</a:t>
+            </a:r>
+            <a:endParaRPr lang="it-IT" sz="800" dirty="0"/>
+          </a:p>
+        </p:txBody>
+      </p:sp>
+      <p:sp>
+        <p:nvSpPr>
+          <p:cNvPr id="175" name="CasellaDiTesto 174"/>
+          <p:cNvSpPr txBox="1"/>
+          <p:nvPr/>
+        </p:nvSpPr>
+        <p:spPr>
+          <a:xfrm>
+            <a:off x="1501313" y="1405164"/>
+            <a:ext cx="436541" cy="215444"/>
+          </a:xfrm>
+          <a:prstGeom prst="rect">
+            <a:avLst/>
+          </a:prstGeom>
+          <a:noFill/>
+        </p:spPr>
+        <p:txBody>
+          <a:bodyPr wrap="square" rtlCol="0">
+            <a:spAutoFit/>
+          </a:bodyPr>
+          <a:lstStyle/>
+          <a:p>
+            <a:r>
+              <a:rPr lang="it-IT" sz="800" dirty="0" smtClean="0"/>
+              <a:t>(0,</a:t>
+            </a:r>
+            <a:r>
+              <a:rPr lang="it-IT" sz="800" dirty="0" smtClean="0"/>
+              <a:t>n)</a:t>
+            </a:r>
+            <a:endParaRPr lang="it-IT" sz="800" dirty="0"/>
+          </a:p>
+        </p:txBody>
+      </p:sp>
+      <p:sp>
+        <p:nvSpPr>
+          <p:cNvPr id="176" name="CasellaDiTesto 175"/>
+          <p:cNvSpPr txBox="1"/>
+          <p:nvPr/>
+        </p:nvSpPr>
+        <p:spPr>
+          <a:xfrm>
+            <a:off x="2989974" y="3560077"/>
+            <a:ext cx="436541" cy="215444"/>
+          </a:xfrm>
+          <a:prstGeom prst="rect">
+            <a:avLst/>
+          </a:prstGeom>
+          <a:noFill/>
+        </p:spPr>
+        <p:txBody>
+          <a:bodyPr wrap="square" rtlCol="0">
+            <a:spAutoFit/>
+          </a:bodyPr>
+          <a:lstStyle/>
+          <a:p>
+            <a:r>
+              <a:rPr lang="it-IT" sz="800" dirty="0" smtClean="0"/>
+              <a:t>(1,1)</a:t>
+            </a:r>
+            <a:endParaRPr lang="it-IT" sz="800" dirty="0"/>
+          </a:p>
+        </p:txBody>
+      </p:sp>
+      <p:sp>
+        <p:nvSpPr>
+          <p:cNvPr id="177" name="CasellaDiTesto 176"/>
+          <p:cNvSpPr txBox="1"/>
+          <p:nvPr/>
+        </p:nvSpPr>
+        <p:spPr>
+          <a:xfrm>
+            <a:off x="4074928" y="3562433"/>
+            <a:ext cx="436541" cy="215444"/>
+          </a:xfrm>
+          <a:prstGeom prst="rect">
+            <a:avLst/>
+          </a:prstGeom>
+          <a:noFill/>
+        </p:spPr>
+        <p:txBody>
+          <a:bodyPr wrap="square" rtlCol="0">
+            <a:spAutoFit/>
+          </a:bodyPr>
+          <a:lstStyle/>
+          <a:p>
+            <a:r>
+              <a:rPr lang="it-IT" sz="800" dirty="0" smtClean="0"/>
+              <a:t>(1,1)</a:t>
+            </a:r>
+            <a:endParaRPr lang="it-IT" sz="800" dirty="0"/>
+          </a:p>
+        </p:txBody>
+      </p:sp>
+      <p:sp>
+        <p:nvSpPr>
+          <p:cNvPr id="178" name="CasellaDiTesto 177"/>
+          <p:cNvSpPr txBox="1"/>
+          <p:nvPr/>
+        </p:nvSpPr>
+        <p:spPr>
+          <a:xfrm>
+            <a:off x="3747952" y="4240945"/>
+            <a:ext cx="436541" cy="215444"/>
+          </a:xfrm>
+          <a:prstGeom prst="rect">
+            <a:avLst/>
+          </a:prstGeom>
+          <a:noFill/>
+        </p:spPr>
+        <p:txBody>
+          <a:bodyPr wrap="square" rtlCol="0">
+            <a:spAutoFit/>
+          </a:bodyPr>
+          <a:lstStyle/>
+          <a:p>
+            <a:r>
+              <a:rPr lang="it-IT" sz="800" dirty="0" smtClean="0"/>
+              <a:t>(1,1)</a:t>
+            </a:r>
+            <a:endParaRPr lang="it-IT" sz="800" dirty="0"/>
+          </a:p>
+        </p:txBody>
+      </p:sp>
+      <p:sp>
+        <p:nvSpPr>
+          <p:cNvPr id="179" name="CasellaDiTesto 178"/>
+          <p:cNvSpPr txBox="1"/>
+          <p:nvPr/>
+        </p:nvSpPr>
+        <p:spPr>
+          <a:xfrm>
+            <a:off x="2596177" y="4030985"/>
+            <a:ext cx="436541" cy="215444"/>
+          </a:xfrm>
+          <a:prstGeom prst="rect">
+            <a:avLst/>
+          </a:prstGeom>
+          <a:noFill/>
+        </p:spPr>
+        <p:txBody>
+          <a:bodyPr wrap="square" rtlCol="0">
+            <a:spAutoFit/>
+          </a:bodyPr>
+          <a:lstStyle/>
+          <a:p>
+            <a:r>
+              <a:rPr lang="it-IT" sz="800" dirty="0" smtClean="0"/>
+              <a:t>(1,1)</a:t>
+            </a:r>
+            <a:endParaRPr lang="it-IT" sz="800" dirty="0"/>
+          </a:p>
+        </p:txBody>
+      </p:sp>
+      <p:sp>
+        <p:nvSpPr>
+          <p:cNvPr id="180" name="CasellaDiTesto 179"/>
+          <p:cNvSpPr txBox="1"/>
+          <p:nvPr/>
+        </p:nvSpPr>
+        <p:spPr>
+          <a:xfrm>
+            <a:off x="6128464" y="688584"/>
+            <a:ext cx="436541" cy="215444"/>
+          </a:xfrm>
+          <a:prstGeom prst="rect">
+            <a:avLst/>
+          </a:prstGeom>
+          <a:noFill/>
+        </p:spPr>
+        <p:txBody>
+          <a:bodyPr wrap="square" rtlCol="0">
+            <a:spAutoFit/>
+          </a:bodyPr>
+          <a:lstStyle/>
+          <a:p>
+            <a:r>
+              <a:rPr lang="it-IT" sz="800" dirty="0" smtClean="0"/>
+              <a:t>(0,</a:t>
+            </a:r>
+            <a:r>
+              <a:rPr lang="it-IT" sz="800" dirty="0" smtClean="0"/>
+              <a:t>n)</a:t>
+            </a:r>
+            <a:endParaRPr lang="it-IT" sz="800" dirty="0"/>
+          </a:p>
+        </p:txBody>
+      </p:sp>
+      <p:sp>
+        <p:nvSpPr>
+          <p:cNvPr id="181" name="CasellaDiTesto 180"/>
+          <p:cNvSpPr txBox="1"/>
+          <p:nvPr/>
+        </p:nvSpPr>
+        <p:spPr>
+          <a:xfrm>
+            <a:off x="5968798" y="3944832"/>
+            <a:ext cx="436541" cy="215444"/>
+          </a:xfrm>
+          <a:prstGeom prst="rect">
+            <a:avLst/>
+          </a:prstGeom>
+          <a:noFill/>
+        </p:spPr>
+        <p:txBody>
+          <a:bodyPr wrap="square" rtlCol="0">
+            <a:spAutoFit/>
+          </a:bodyPr>
+          <a:lstStyle/>
+          <a:p>
+            <a:r>
+              <a:rPr lang="it-IT" sz="800" dirty="0" smtClean="0"/>
+              <a:t>(0,</a:t>
+            </a:r>
+            <a:r>
+              <a:rPr lang="it-IT" sz="800" dirty="0" smtClean="0"/>
+              <a:t>n)</a:t>
+            </a:r>
+            <a:endParaRPr lang="it-IT" sz="800" dirty="0"/>
+          </a:p>
+        </p:txBody>
+      </p:sp>
+      <p:sp>
+        <p:nvSpPr>
+          <p:cNvPr id="185" name="Ovale 184"/>
+          <p:cNvSpPr/>
+          <p:nvPr/>
+        </p:nvSpPr>
+        <p:spPr>
+          <a:xfrm>
+            <a:off x="6679019" y="391684"/>
+            <a:ext cx="142455" cy="125409"/>
+          </a:xfrm>
+          <a:prstGeom prst="ellipse">
+            <a:avLst/>
+          </a:prstGeom>
+          <a:solidFill>
+            <a:schemeClr val="accent1">
+              <a:lumMod val="75000"/>
+            </a:schemeClr>
+          </a:solidFill>
+          <a:ln>
+            <a:solidFill>
+              <a:schemeClr val="tx1"/>
+            </a:solidFill>
+          </a:ln>
+        </p:spPr>
+        <p:style>
+          <a:lnRef idx="1">
+            <a:schemeClr val="accent1"/>
+          </a:lnRef>
+          <a:fillRef idx="3">
+            <a:schemeClr val="accent1"/>
+          </a:fillRef>
+          <a:effectRef idx="2">
+            <a:schemeClr val="accent1"/>
+          </a:effectRef>
+          <a:fontRef idx="minor">
+            <a:schemeClr val="lt1"/>
+          </a:fontRef>
+        </p:style>
+        <p:txBody>
+          <a:bodyPr rtlCol="0" anchor="ctr"/>
+          <a:lstStyle/>
+          <a:p>
+            <a:pPr algn="ctr"/>
+            <a:endParaRPr lang="it-IT" sz="800"/>
+          </a:p>
+        </p:txBody>
+      </p:sp>
+      <p:cxnSp>
+        <p:nvCxnSpPr>
+          <p:cNvPr id="186" name="Connettore 1 185"/>
+          <p:cNvCxnSpPr>
+            <a:stCxn id="185" idx="4"/>
+          </p:cNvCxnSpPr>
+          <p:nvPr/>
+        </p:nvCxnSpPr>
+        <p:spPr>
+          <a:xfrm>
+            <a:off x="6750247" y="517093"/>
+            <a:ext cx="0" cy="306101"/>
+          </a:xfrm>
+          <a:prstGeom prst="line">
+            <a:avLst/>
+          </a:prstGeom>
+          <a:ln w="12700">
+            <a:solidFill>
+              <a:schemeClr val="tx1"/>
+            </a:solidFill>
+          </a:ln>
+        </p:spPr>
+        <p:style>
+          <a:lnRef idx="2">
+            <a:schemeClr val="accent1"/>
+          </a:lnRef>
+          <a:fillRef idx="0">
+            <a:schemeClr val="accent1"/>
+          </a:fillRef>
+          <a:effectRef idx="1">
+            <a:schemeClr val="accent1"/>
+          </a:effectRef>
+          <a:fontRef idx="minor">
+            <a:schemeClr val="tx1"/>
+          </a:fontRef>
+        </p:style>
+      </p:cxnSp>
+      <p:sp>
+        <p:nvSpPr>
+          <p:cNvPr id="187" name="CasellaDiTesto 186"/>
+          <p:cNvSpPr txBox="1"/>
+          <p:nvPr/>
+        </p:nvSpPr>
+        <p:spPr>
+          <a:xfrm>
+            <a:off x="5959685" y="359665"/>
+            <a:ext cx="774571" cy="215444"/>
+          </a:xfrm>
+          <a:prstGeom prst="rect">
+            <a:avLst/>
+          </a:prstGeom>
+          <a:noFill/>
+        </p:spPr>
+        <p:txBody>
+          <a:bodyPr wrap="none" rtlCol="0">
+            <a:spAutoFit/>
+          </a:bodyPr>
+          <a:lstStyle/>
+          <a:p>
+            <a:r>
+              <a:rPr lang="it-IT" sz="800" dirty="0" err="1" smtClean="0"/>
+              <a:t>idTrattoFiume</a:t>
+            </a:r>
+            <a:endParaRPr lang="it-IT" sz="800" dirty="0" smtClean="0"/>
+          </a:p>
+        </p:txBody>
+      </p:sp>
+      <p:sp>
+        <p:nvSpPr>
           <p:cNvPr id="8" name="Rettangolo 7"/>
           <p:cNvSpPr/>
           <p:nvPr/>
@@ -14702,2794 +17289,6 @@
                 <a:srgbClr val="000000"/>
               </a:solidFill>
             </a:endParaRPr>
-          </a:p>
-        </p:txBody>
-      </p:sp>
-      <p:sp>
-        <p:nvSpPr>
-          <p:cNvPr id="119" name="Ovale 118"/>
-          <p:cNvSpPr/>
-          <p:nvPr/>
-        </p:nvSpPr>
-        <p:spPr>
-          <a:xfrm>
-            <a:off x="7604824" y="2519153"/>
-            <a:ext cx="142455" cy="125409"/>
-          </a:xfrm>
-          <a:prstGeom prst="ellipse">
-            <a:avLst/>
-          </a:prstGeom>
-          <a:gradFill flip="none" rotWithShape="1">
-            <a:gsLst>
-              <a:gs pos="0">
-                <a:srgbClr val="CCFFCC"/>
-              </a:gs>
-              <a:gs pos="100000">
-                <a:schemeClr val="bg1"/>
-              </a:gs>
-            </a:gsLst>
-            <a:lin ang="16200000" scaled="0"/>
-            <a:tileRect/>
-          </a:gradFill>
-          <a:ln>
-            <a:solidFill>
-              <a:schemeClr val="tx1"/>
-            </a:solidFill>
-          </a:ln>
-        </p:spPr>
-        <p:style>
-          <a:lnRef idx="1">
-            <a:schemeClr val="accent1"/>
-          </a:lnRef>
-          <a:fillRef idx="3">
-            <a:schemeClr val="accent1"/>
-          </a:fillRef>
-          <a:effectRef idx="2">
-            <a:schemeClr val="accent1"/>
-          </a:effectRef>
-          <a:fontRef idx="minor">
-            <a:schemeClr val="lt1"/>
-          </a:fontRef>
-        </p:style>
-        <p:txBody>
-          <a:bodyPr rtlCol="0" anchor="ctr"/>
-          <a:lstStyle/>
-          <a:p>
-            <a:pPr algn="ctr"/>
-            <a:endParaRPr lang="it-IT" sz="800"/>
-          </a:p>
-        </p:txBody>
-      </p:sp>
-      <p:cxnSp>
-        <p:nvCxnSpPr>
-          <p:cNvPr id="120" name="Connettore 1 119"/>
-          <p:cNvCxnSpPr>
-            <a:stCxn id="119" idx="2"/>
-          </p:cNvCxnSpPr>
-          <p:nvPr/>
-        </p:nvCxnSpPr>
-        <p:spPr>
-          <a:xfrm flipH="1">
-            <a:off x="7237230" y="2581858"/>
-            <a:ext cx="367594" cy="0"/>
-          </a:xfrm>
-          <a:prstGeom prst="line">
-            <a:avLst/>
-          </a:prstGeom>
-          <a:ln w="12700">
-            <a:solidFill>
-              <a:schemeClr val="tx1"/>
-            </a:solidFill>
-          </a:ln>
-        </p:spPr>
-        <p:style>
-          <a:lnRef idx="2">
-            <a:schemeClr val="accent1"/>
-          </a:lnRef>
-          <a:fillRef idx="0">
-            <a:schemeClr val="accent1"/>
-          </a:fillRef>
-          <a:effectRef idx="1">
-            <a:schemeClr val="accent1"/>
-          </a:effectRef>
-          <a:fontRef idx="minor">
-            <a:schemeClr val="tx1"/>
-          </a:fontRef>
-        </p:style>
-      </p:cxnSp>
-      <p:sp>
-        <p:nvSpPr>
-          <p:cNvPr id="121" name="Ovale 120"/>
-          <p:cNvSpPr/>
-          <p:nvPr/>
-        </p:nvSpPr>
-        <p:spPr>
-          <a:xfrm>
-            <a:off x="7604824" y="2721029"/>
-            <a:ext cx="142455" cy="125409"/>
-          </a:xfrm>
-          <a:prstGeom prst="ellipse">
-            <a:avLst/>
-          </a:prstGeom>
-          <a:gradFill flip="none" rotWithShape="1">
-            <a:gsLst>
-              <a:gs pos="0">
-                <a:srgbClr val="CCFFCC"/>
-              </a:gs>
-              <a:gs pos="100000">
-                <a:schemeClr val="bg1"/>
-              </a:gs>
-            </a:gsLst>
-            <a:lin ang="16200000" scaled="0"/>
-            <a:tileRect/>
-          </a:gradFill>
-          <a:ln>
-            <a:solidFill>
-              <a:schemeClr val="tx1"/>
-            </a:solidFill>
-          </a:ln>
-        </p:spPr>
-        <p:style>
-          <a:lnRef idx="1">
-            <a:schemeClr val="accent1"/>
-          </a:lnRef>
-          <a:fillRef idx="3">
-            <a:schemeClr val="accent1"/>
-          </a:fillRef>
-          <a:effectRef idx="2">
-            <a:schemeClr val="accent1"/>
-          </a:effectRef>
-          <a:fontRef idx="minor">
-            <a:schemeClr val="lt1"/>
-          </a:fontRef>
-        </p:style>
-        <p:txBody>
-          <a:bodyPr rtlCol="0" anchor="ctr"/>
-          <a:lstStyle/>
-          <a:p>
-            <a:pPr algn="ctr"/>
-            <a:endParaRPr lang="it-IT" sz="800"/>
-          </a:p>
-        </p:txBody>
-      </p:sp>
-      <p:cxnSp>
-        <p:nvCxnSpPr>
-          <p:cNvPr id="122" name="Connettore 1 121"/>
-          <p:cNvCxnSpPr>
-            <a:stCxn id="121" idx="2"/>
-          </p:cNvCxnSpPr>
-          <p:nvPr/>
-        </p:nvCxnSpPr>
-        <p:spPr>
-          <a:xfrm flipH="1">
-            <a:off x="7237230" y="2783734"/>
-            <a:ext cx="367594" cy="0"/>
-          </a:xfrm>
-          <a:prstGeom prst="line">
-            <a:avLst/>
-          </a:prstGeom>
-          <a:ln w="12700">
-            <a:solidFill>
-              <a:schemeClr val="tx1"/>
-            </a:solidFill>
-          </a:ln>
-        </p:spPr>
-        <p:style>
-          <a:lnRef idx="2">
-            <a:schemeClr val="accent1"/>
-          </a:lnRef>
-          <a:fillRef idx="0">
-            <a:schemeClr val="accent1"/>
-          </a:fillRef>
-          <a:effectRef idx="1">
-            <a:schemeClr val="accent1"/>
-          </a:effectRef>
-          <a:fontRef idx="minor">
-            <a:schemeClr val="tx1"/>
-          </a:fontRef>
-        </p:style>
-      </p:cxnSp>
-      <p:sp>
-        <p:nvSpPr>
-          <p:cNvPr id="123" name="CasellaDiTesto 122"/>
-          <p:cNvSpPr txBox="1"/>
-          <p:nvPr/>
-        </p:nvSpPr>
-        <p:spPr>
-          <a:xfrm>
-            <a:off x="7715525" y="2462243"/>
-            <a:ext cx="377026" cy="215444"/>
-          </a:xfrm>
-          <a:prstGeom prst="rect">
-            <a:avLst/>
-          </a:prstGeom>
-          <a:noFill/>
-        </p:spPr>
-        <p:txBody>
-          <a:bodyPr wrap="none" rtlCol="0">
-            <a:spAutoFit/>
-          </a:bodyPr>
-          <a:lstStyle/>
-          <a:p>
-            <a:r>
-              <a:rPr lang="it-IT" sz="800" dirty="0" smtClean="0"/>
-              <a:t>data</a:t>
-            </a:r>
-            <a:endParaRPr lang="it-IT" sz="800" dirty="0"/>
-          </a:p>
-        </p:txBody>
-      </p:sp>
-      <p:sp>
-        <p:nvSpPr>
-          <p:cNvPr id="124" name="CasellaDiTesto 123"/>
-          <p:cNvSpPr txBox="1"/>
-          <p:nvPr/>
-        </p:nvSpPr>
-        <p:spPr>
-          <a:xfrm>
-            <a:off x="7708146" y="2674143"/>
-            <a:ext cx="768810" cy="215444"/>
-          </a:xfrm>
-          <a:prstGeom prst="rect">
-            <a:avLst/>
-          </a:prstGeom>
-          <a:noFill/>
-        </p:spPr>
-        <p:txBody>
-          <a:bodyPr wrap="none" rtlCol="0">
-            <a:spAutoFit/>
-          </a:bodyPr>
-          <a:lstStyle/>
-          <a:p>
-            <a:r>
-              <a:rPr lang="it-IT" sz="800" dirty="0" err="1" smtClean="0"/>
-              <a:t>livelloPericolo</a:t>
-            </a:r>
-            <a:endParaRPr lang="it-IT" sz="800" dirty="0"/>
-          </a:p>
-        </p:txBody>
-      </p:sp>
-      <p:sp>
-        <p:nvSpPr>
-          <p:cNvPr id="125" name="Ovale 124"/>
-          <p:cNvSpPr/>
-          <p:nvPr/>
-        </p:nvSpPr>
-        <p:spPr>
-          <a:xfrm>
-            <a:off x="3376258" y="2216026"/>
-            <a:ext cx="142455" cy="125409"/>
-          </a:xfrm>
-          <a:prstGeom prst="ellipse">
-            <a:avLst/>
-          </a:prstGeom>
-          <a:solidFill>
-            <a:schemeClr val="accent1">
-              <a:lumMod val="75000"/>
-            </a:schemeClr>
-          </a:solidFill>
-          <a:ln>
-            <a:solidFill>
-              <a:schemeClr val="tx1"/>
-            </a:solidFill>
-          </a:ln>
-        </p:spPr>
-        <p:style>
-          <a:lnRef idx="1">
-            <a:schemeClr val="accent1"/>
-          </a:lnRef>
-          <a:fillRef idx="3">
-            <a:schemeClr val="accent1"/>
-          </a:fillRef>
-          <a:effectRef idx="2">
-            <a:schemeClr val="accent1"/>
-          </a:effectRef>
-          <a:fontRef idx="minor">
-            <a:schemeClr val="lt1"/>
-          </a:fontRef>
-        </p:style>
-        <p:txBody>
-          <a:bodyPr rtlCol="0" anchor="ctr"/>
-          <a:lstStyle/>
-          <a:p>
-            <a:pPr algn="ctr"/>
-            <a:endParaRPr lang="it-IT" sz="800"/>
-          </a:p>
-        </p:txBody>
-      </p:sp>
-      <p:cxnSp>
-        <p:nvCxnSpPr>
-          <p:cNvPr id="126" name="Connettore 1 125"/>
-          <p:cNvCxnSpPr>
-            <a:stCxn id="125" idx="4"/>
-          </p:cNvCxnSpPr>
-          <p:nvPr/>
-        </p:nvCxnSpPr>
-        <p:spPr>
-          <a:xfrm>
-            <a:off x="3447486" y="2341435"/>
-            <a:ext cx="0" cy="306101"/>
-          </a:xfrm>
-          <a:prstGeom prst="line">
-            <a:avLst/>
-          </a:prstGeom>
-          <a:ln w="12700">
-            <a:solidFill>
-              <a:schemeClr val="tx1"/>
-            </a:solidFill>
-          </a:ln>
-        </p:spPr>
-        <p:style>
-          <a:lnRef idx="2">
-            <a:schemeClr val="accent1"/>
-          </a:lnRef>
-          <a:fillRef idx="0">
-            <a:schemeClr val="accent1"/>
-          </a:fillRef>
-          <a:effectRef idx="1">
-            <a:schemeClr val="accent1"/>
-          </a:effectRef>
-          <a:fontRef idx="minor">
-            <a:schemeClr val="tx1"/>
-          </a:fontRef>
-        </p:style>
-      </p:cxnSp>
-      <p:sp>
-        <p:nvSpPr>
-          <p:cNvPr id="127" name="CasellaDiTesto 126"/>
-          <p:cNvSpPr txBox="1"/>
-          <p:nvPr/>
-        </p:nvSpPr>
-        <p:spPr>
-          <a:xfrm>
-            <a:off x="3128329" y="2154205"/>
-            <a:ext cx="287258" cy="215444"/>
-          </a:xfrm>
-          <a:prstGeom prst="rect">
-            <a:avLst/>
-          </a:prstGeom>
-          <a:noFill/>
-        </p:spPr>
-        <p:txBody>
-          <a:bodyPr wrap="none" rtlCol="0">
-            <a:spAutoFit/>
-          </a:bodyPr>
-          <a:lstStyle/>
-          <a:p>
-            <a:r>
-              <a:rPr lang="it-IT" sz="800" dirty="0" smtClean="0"/>
-              <a:t>CF</a:t>
-            </a:r>
-            <a:endParaRPr lang="it-IT" sz="800" dirty="0" smtClean="0"/>
-          </a:p>
-        </p:txBody>
-      </p:sp>
-      <p:sp>
-        <p:nvSpPr>
-          <p:cNvPr id="128" name="Ovale 127"/>
-          <p:cNvSpPr/>
-          <p:nvPr/>
-        </p:nvSpPr>
-        <p:spPr>
-          <a:xfrm>
-            <a:off x="7166002" y="4256408"/>
-            <a:ext cx="142455" cy="125409"/>
-          </a:xfrm>
-          <a:prstGeom prst="ellipse">
-            <a:avLst/>
-          </a:prstGeom>
-          <a:solidFill>
-            <a:schemeClr val="accent1">
-              <a:lumMod val="75000"/>
-            </a:schemeClr>
-          </a:solidFill>
-          <a:ln>
-            <a:solidFill>
-              <a:schemeClr val="tx1"/>
-            </a:solidFill>
-          </a:ln>
-        </p:spPr>
-        <p:style>
-          <a:lnRef idx="1">
-            <a:schemeClr val="accent1"/>
-          </a:lnRef>
-          <a:fillRef idx="3">
-            <a:schemeClr val="accent1"/>
-          </a:fillRef>
-          <a:effectRef idx="2">
-            <a:schemeClr val="accent1"/>
-          </a:effectRef>
-          <a:fontRef idx="minor">
-            <a:schemeClr val="lt1"/>
-          </a:fontRef>
-        </p:style>
-        <p:txBody>
-          <a:bodyPr rtlCol="0" anchor="ctr"/>
-          <a:lstStyle/>
-          <a:p>
-            <a:pPr algn="ctr"/>
-            <a:endParaRPr lang="it-IT" sz="800"/>
-          </a:p>
-        </p:txBody>
-      </p:sp>
-      <p:cxnSp>
-        <p:nvCxnSpPr>
-          <p:cNvPr id="129" name="Connettore 1 128"/>
-          <p:cNvCxnSpPr>
-            <a:stCxn id="128" idx="4"/>
-          </p:cNvCxnSpPr>
-          <p:nvPr/>
-        </p:nvCxnSpPr>
-        <p:spPr>
-          <a:xfrm>
-            <a:off x="7237230" y="4381817"/>
-            <a:ext cx="0" cy="306101"/>
-          </a:xfrm>
-          <a:prstGeom prst="line">
-            <a:avLst/>
-          </a:prstGeom>
-          <a:ln w="12700">
-            <a:solidFill>
-              <a:schemeClr val="tx1"/>
-            </a:solidFill>
-          </a:ln>
-        </p:spPr>
-        <p:style>
-          <a:lnRef idx="2">
-            <a:schemeClr val="accent1"/>
-          </a:lnRef>
-          <a:fillRef idx="0">
-            <a:schemeClr val="accent1"/>
-          </a:fillRef>
-          <a:effectRef idx="1">
-            <a:schemeClr val="accent1"/>
-          </a:effectRef>
-          <a:fontRef idx="minor">
-            <a:schemeClr val="tx1"/>
-          </a:fontRef>
-        </p:style>
-      </p:cxnSp>
-      <p:sp>
-        <p:nvSpPr>
-          <p:cNvPr id="130" name="CasellaDiTesto 129"/>
-          <p:cNvSpPr txBox="1"/>
-          <p:nvPr/>
-        </p:nvSpPr>
-        <p:spPr>
-          <a:xfrm>
-            <a:off x="7300027" y="4221469"/>
-            <a:ext cx="838691" cy="215444"/>
-          </a:xfrm>
-          <a:prstGeom prst="rect">
-            <a:avLst/>
-          </a:prstGeom>
-          <a:noFill/>
-        </p:spPr>
-        <p:txBody>
-          <a:bodyPr wrap="none" rtlCol="0">
-            <a:spAutoFit/>
-          </a:bodyPr>
-          <a:lstStyle/>
-          <a:p>
-            <a:r>
-              <a:rPr lang="it-IT" sz="800" dirty="0" err="1" smtClean="0"/>
-              <a:t>idPianificazione</a:t>
-            </a:r>
-            <a:endParaRPr lang="it-IT" sz="800" dirty="0" smtClean="0"/>
-          </a:p>
-        </p:txBody>
-      </p:sp>
-      <p:sp>
-        <p:nvSpPr>
-          <p:cNvPr id="131" name="Ovale 130"/>
-          <p:cNvSpPr/>
-          <p:nvPr/>
-        </p:nvSpPr>
-        <p:spPr>
-          <a:xfrm>
-            <a:off x="7568711" y="4729934"/>
-            <a:ext cx="142455" cy="125409"/>
-          </a:xfrm>
-          <a:prstGeom prst="ellipse">
-            <a:avLst/>
-          </a:prstGeom>
-          <a:gradFill flip="none" rotWithShape="1">
-            <a:gsLst>
-              <a:gs pos="0">
-                <a:srgbClr val="CCFFCC"/>
-              </a:gs>
-              <a:gs pos="100000">
-                <a:schemeClr val="bg1"/>
-              </a:gs>
-            </a:gsLst>
-            <a:lin ang="16200000" scaled="0"/>
-            <a:tileRect/>
-          </a:gradFill>
-          <a:ln>
-            <a:solidFill>
-              <a:schemeClr val="tx1"/>
-            </a:solidFill>
-          </a:ln>
-        </p:spPr>
-        <p:style>
-          <a:lnRef idx="1">
-            <a:schemeClr val="accent1"/>
-          </a:lnRef>
-          <a:fillRef idx="3">
-            <a:schemeClr val="accent1"/>
-          </a:fillRef>
-          <a:effectRef idx="2">
-            <a:schemeClr val="accent1"/>
-          </a:effectRef>
-          <a:fontRef idx="minor">
-            <a:schemeClr val="lt1"/>
-          </a:fontRef>
-        </p:style>
-        <p:txBody>
-          <a:bodyPr rtlCol="0" anchor="ctr"/>
-          <a:lstStyle/>
-          <a:p>
-            <a:pPr algn="ctr"/>
-            <a:endParaRPr lang="it-IT" sz="800"/>
-          </a:p>
-        </p:txBody>
-      </p:sp>
-      <p:cxnSp>
-        <p:nvCxnSpPr>
-          <p:cNvPr id="132" name="Connettore 1 131"/>
-          <p:cNvCxnSpPr>
-            <a:stCxn id="131" idx="2"/>
-          </p:cNvCxnSpPr>
-          <p:nvPr/>
-        </p:nvCxnSpPr>
-        <p:spPr>
-          <a:xfrm flipH="1">
-            <a:off x="7201117" y="4792639"/>
-            <a:ext cx="367594" cy="0"/>
-          </a:xfrm>
-          <a:prstGeom prst="line">
-            <a:avLst/>
-          </a:prstGeom>
-          <a:ln w="12700">
-            <a:solidFill>
-              <a:schemeClr val="tx1"/>
-            </a:solidFill>
-          </a:ln>
-        </p:spPr>
-        <p:style>
-          <a:lnRef idx="2">
-            <a:schemeClr val="accent1"/>
-          </a:lnRef>
-          <a:fillRef idx="0">
-            <a:schemeClr val="accent1"/>
-          </a:fillRef>
-          <a:effectRef idx="1">
-            <a:schemeClr val="accent1"/>
-          </a:effectRef>
-          <a:fontRef idx="minor">
-            <a:schemeClr val="tx1"/>
-          </a:fontRef>
-        </p:style>
-      </p:cxnSp>
-      <p:sp>
-        <p:nvSpPr>
-          <p:cNvPr id="133" name="CasellaDiTesto 132"/>
-          <p:cNvSpPr txBox="1"/>
-          <p:nvPr/>
-        </p:nvSpPr>
-        <p:spPr>
-          <a:xfrm>
-            <a:off x="7679412" y="4673024"/>
-            <a:ext cx="377026" cy="215444"/>
-          </a:xfrm>
-          <a:prstGeom prst="rect">
-            <a:avLst/>
-          </a:prstGeom>
-          <a:noFill/>
-        </p:spPr>
-        <p:txBody>
-          <a:bodyPr wrap="none" rtlCol="0">
-            <a:spAutoFit/>
-          </a:bodyPr>
-          <a:lstStyle/>
-          <a:p>
-            <a:r>
-              <a:rPr lang="it-IT" sz="800" dirty="0" smtClean="0"/>
-              <a:t>data</a:t>
-            </a:r>
-            <a:endParaRPr lang="it-IT" sz="800" dirty="0"/>
-          </a:p>
-        </p:txBody>
-      </p:sp>
-      <p:sp>
-        <p:nvSpPr>
-          <p:cNvPr id="63" name="Rettangolo 62"/>
-          <p:cNvSpPr/>
-          <p:nvPr/>
-        </p:nvSpPr>
-        <p:spPr>
-          <a:xfrm>
-            <a:off x="6521519" y="4544561"/>
-            <a:ext cx="844814" cy="385713"/>
-          </a:xfrm>
-          <a:prstGeom prst="rect">
-            <a:avLst/>
-          </a:prstGeom>
-          <a:gradFill flip="none" rotWithShape="1">
-            <a:gsLst>
-              <a:gs pos="0">
-                <a:srgbClr val="CCFFCC"/>
-              </a:gs>
-              <a:gs pos="100000">
-                <a:schemeClr val="bg1"/>
-              </a:gs>
-            </a:gsLst>
-            <a:lin ang="16200000" scaled="0"/>
-            <a:tileRect/>
-          </a:gradFill>
-          <a:ln>
-            <a:solidFill>
-              <a:schemeClr val="tx1"/>
-            </a:solidFill>
-          </a:ln>
-        </p:spPr>
-        <p:style>
-          <a:lnRef idx="1">
-            <a:schemeClr val="accent1"/>
-          </a:lnRef>
-          <a:fillRef idx="3">
-            <a:schemeClr val="accent1"/>
-          </a:fillRef>
-          <a:effectRef idx="2">
-            <a:schemeClr val="accent1"/>
-          </a:effectRef>
-          <a:fontRef idx="minor">
-            <a:schemeClr val="lt1"/>
-          </a:fontRef>
-        </p:style>
-        <p:txBody>
-          <a:bodyPr rtlCol="0" anchor="ctr"/>
-          <a:lstStyle/>
-          <a:p>
-            <a:pPr algn="ctr"/>
-            <a:r>
-              <a:rPr lang="it-IT" sz="800" dirty="0" smtClean="0">
-                <a:solidFill>
-                  <a:srgbClr val="000000"/>
-                </a:solidFill>
-              </a:rPr>
-              <a:t>Pianificazione</a:t>
-            </a:r>
-            <a:endParaRPr lang="it-IT" sz="800" dirty="0">
-              <a:solidFill>
-                <a:srgbClr val="000000"/>
-              </a:solidFill>
-            </a:endParaRPr>
-          </a:p>
-        </p:txBody>
-      </p:sp>
-      <p:sp>
-        <p:nvSpPr>
-          <p:cNvPr id="50" name="Rettangolo 49"/>
-          <p:cNvSpPr/>
-          <p:nvPr/>
-        </p:nvSpPr>
-        <p:spPr>
-          <a:xfrm>
-            <a:off x="6521519" y="2510309"/>
-            <a:ext cx="844814" cy="385713"/>
-          </a:xfrm>
-          <a:prstGeom prst="rect">
-            <a:avLst/>
-          </a:prstGeom>
-          <a:gradFill flip="none" rotWithShape="1">
-            <a:gsLst>
-              <a:gs pos="0">
-                <a:srgbClr val="CCFFCC"/>
-              </a:gs>
-              <a:gs pos="100000">
-                <a:schemeClr val="bg1"/>
-              </a:gs>
-            </a:gsLst>
-            <a:lin ang="16200000" scaled="0"/>
-            <a:tileRect/>
-          </a:gradFill>
-          <a:ln>
-            <a:solidFill>
-              <a:schemeClr val="tx1"/>
-            </a:solidFill>
-          </a:ln>
-        </p:spPr>
-        <p:style>
-          <a:lnRef idx="1">
-            <a:schemeClr val="accent1"/>
-          </a:lnRef>
-          <a:fillRef idx="3">
-            <a:schemeClr val="accent1"/>
-          </a:fillRef>
-          <a:effectRef idx="2">
-            <a:schemeClr val="accent1"/>
-          </a:effectRef>
-          <a:fontRef idx="minor">
-            <a:schemeClr val="lt1"/>
-          </a:fontRef>
-        </p:style>
-        <p:txBody>
-          <a:bodyPr rtlCol="0" anchor="ctr"/>
-          <a:lstStyle/>
-          <a:p>
-            <a:pPr algn="ctr"/>
-            <a:r>
-              <a:rPr lang="it-IT" sz="800" dirty="0" smtClean="0">
-                <a:solidFill>
-                  <a:srgbClr val="000000"/>
-                </a:solidFill>
-              </a:rPr>
-              <a:t>SEP</a:t>
-            </a:r>
-            <a:endParaRPr lang="it-IT" sz="800" dirty="0">
-              <a:solidFill>
-                <a:srgbClr val="000000"/>
-              </a:solidFill>
-            </a:endParaRPr>
-          </a:p>
-        </p:txBody>
-      </p:sp>
-      <p:sp>
-        <p:nvSpPr>
-          <p:cNvPr id="134" name="Ovale 133"/>
-          <p:cNvSpPr/>
-          <p:nvPr/>
-        </p:nvSpPr>
-        <p:spPr>
-          <a:xfrm>
-            <a:off x="5594861" y="3344011"/>
-            <a:ext cx="142455" cy="125409"/>
-          </a:xfrm>
-          <a:prstGeom prst="ellipse">
-            <a:avLst/>
-          </a:prstGeom>
-          <a:solidFill>
-            <a:schemeClr val="accent1">
-              <a:lumMod val="75000"/>
-            </a:schemeClr>
-          </a:solidFill>
-          <a:ln>
-            <a:solidFill>
-              <a:schemeClr val="tx1"/>
-            </a:solidFill>
-          </a:ln>
-        </p:spPr>
-        <p:style>
-          <a:lnRef idx="1">
-            <a:schemeClr val="accent1"/>
-          </a:lnRef>
-          <a:fillRef idx="3">
-            <a:schemeClr val="accent1"/>
-          </a:fillRef>
-          <a:effectRef idx="2">
-            <a:schemeClr val="accent1"/>
-          </a:effectRef>
-          <a:fontRef idx="minor">
-            <a:schemeClr val="lt1"/>
-          </a:fontRef>
-        </p:style>
-        <p:txBody>
-          <a:bodyPr rtlCol="0" anchor="ctr"/>
-          <a:lstStyle/>
-          <a:p>
-            <a:pPr algn="ctr"/>
-            <a:endParaRPr lang="it-IT" sz="800"/>
-          </a:p>
-        </p:txBody>
-      </p:sp>
-      <p:cxnSp>
-        <p:nvCxnSpPr>
-          <p:cNvPr id="135" name="Connettore 1 134"/>
-          <p:cNvCxnSpPr>
-            <a:stCxn id="134" idx="4"/>
-          </p:cNvCxnSpPr>
-          <p:nvPr/>
-        </p:nvCxnSpPr>
-        <p:spPr>
-          <a:xfrm>
-            <a:off x="5666089" y="3469420"/>
-            <a:ext cx="0" cy="306101"/>
-          </a:xfrm>
-          <a:prstGeom prst="line">
-            <a:avLst/>
-          </a:prstGeom>
-          <a:ln w="12700">
-            <a:solidFill>
-              <a:schemeClr val="tx1"/>
-            </a:solidFill>
-          </a:ln>
-        </p:spPr>
-        <p:style>
-          <a:lnRef idx="2">
-            <a:schemeClr val="accent1"/>
-          </a:lnRef>
-          <a:fillRef idx="0">
-            <a:schemeClr val="accent1"/>
-          </a:fillRef>
-          <a:effectRef idx="1">
-            <a:schemeClr val="accent1"/>
-          </a:effectRef>
-          <a:fontRef idx="minor">
-            <a:schemeClr val="tx1"/>
-          </a:fontRef>
-        </p:style>
-      </p:cxnSp>
-      <p:sp>
-        <p:nvSpPr>
-          <p:cNvPr id="136" name="CasellaDiTesto 135"/>
-          <p:cNvSpPr txBox="1"/>
-          <p:nvPr/>
-        </p:nvSpPr>
-        <p:spPr>
-          <a:xfrm>
-            <a:off x="5058230" y="3284260"/>
-            <a:ext cx="607859" cy="215444"/>
-          </a:xfrm>
-          <a:prstGeom prst="rect">
-            <a:avLst/>
-          </a:prstGeom>
-          <a:noFill/>
-        </p:spPr>
-        <p:txBody>
-          <a:bodyPr wrap="none" rtlCol="0">
-            <a:spAutoFit/>
-          </a:bodyPr>
-          <a:lstStyle/>
-          <a:p>
-            <a:r>
-              <a:rPr lang="it-IT" sz="800" dirty="0" err="1" smtClean="0"/>
-              <a:t>idSquadra</a:t>
-            </a:r>
-            <a:endParaRPr lang="it-IT" sz="800" dirty="0" smtClean="0"/>
-          </a:p>
-        </p:txBody>
-      </p:sp>
-      <p:sp>
-        <p:nvSpPr>
-          <p:cNvPr id="137" name="Ovale 136"/>
-          <p:cNvSpPr/>
-          <p:nvPr/>
-        </p:nvSpPr>
-        <p:spPr>
-          <a:xfrm>
-            <a:off x="3597526" y="2065505"/>
-            <a:ext cx="142455" cy="125409"/>
-          </a:xfrm>
-          <a:prstGeom prst="ellipse">
-            <a:avLst/>
-          </a:prstGeom>
-          <a:gradFill flip="none" rotWithShape="1">
-            <a:gsLst>
-              <a:gs pos="0">
-                <a:srgbClr val="CCFFCC"/>
-              </a:gs>
-              <a:gs pos="100000">
-                <a:schemeClr val="bg1"/>
-              </a:gs>
-            </a:gsLst>
-            <a:lin ang="16200000" scaled="0"/>
-            <a:tileRect/>
-          </a:gradFill>
-          <a:ln>
-            <a:solidFill>
-              <a:schemeClr val="tx1"/>
-            </a:solidFill>
-          </a:ln>
-        </p:spPr>
-        <p:style>
-          <a:lnRef idx="1">
-            <a:schemeClr val="accent1"/>
-          </a:lnRef>
-          <a:fillRef idx="3">
-            <a:schemeClr val="accent1"/>
-          </a:fillRef>
-          <a:effectRef idx="2">
-            <a:schemeClr val="accent1"/>
-          </a:effectRef>
-          <a:fontRef idx="minor">
-            <a:schemeClr val="lt1"/>
-          </a:fontRef>
-        </p:style>
-        <p:txBody>
-          <a:bodyPr rtlCol="0" anchor="ctr"/>
-          <a:lstStyle/>
-          <a:p>
-            <a:pPr algn="ctr"/>
-            <a:endParaRPr lang="it-IT" sz="800"/>
-          </a:p>
-        </p:txBody>
-      </p:sp>
-      <p:cxnSp>
-        <p:nvCxnSpPr>
-          <p:cNvPr id="138" name="Connettore 1 137"/>
-          <p:cNvCxnSpPr>
-            <a:stCxn id="137" idx="4"/>
-          </p:cNvCxnSpPr>
-          <p:nvPr/>
-        </p:nvCxnSpPr>
-        <p:spPr>
-          <a:xfrm>
-            <a:off x="3668754" y="2190914"/>
-            <a:ext cx="0" cy="306101"/>
-          </a:xfrm>
-          <a:prstGeom prst="line">
-            <a:avLst/>
-          </a:prstGeom>
-          <a:ln w="12700">
-            <a:solidFill>
-              <a:schemeClr val="tx1"/>
-            </a:solidFill>
-          </a:ln>
-        </p:spPr>
-        <p:style>
-          <a:lnRef idx="2">
-            <a:schemeClr val="accent1"/>
-          </a:lnRef>
-          <a:fillRef idx="0">
-            <a:schemeClr val="accent1"/>
-          </a:fillRef>
-          <a:effectRef idx="1">
-            <a:schemeClr val="accent1"/>
-          </a:effectRef>
-          <a:fontRef idx="minor">
-            <a:schemeClr val="tx1"/>
-          </a:fontRef>
-        </p:style>
-      </p:cxnSp>
-      <p:sp>
-        <p:nvSpPr>
-          <p:cNvPr id="139" name="CasellaDiTesto 138"/>
-          <p:cNvSpPr txBox="1"/>
-          <p:nvPr/>
-        </p:nvSpPr>
-        <p:spPr>
-          <a:xfrm>
-            <a:off x="3447486" y="1864134"/>
-            <a:ext cx="428322" cy="215444"/>
-          </a:xfrm>
-          <a:prstGeom prst="rect">
-            <a:avLst/>
-          </a:prstGeom>
-          <a:noFill/>
-        </p:spPr>
-        <p:txBody>
-          <a:bodyPr wrap="none" rtlCol="0">
-            <a:spAutoFit/>
-          </a:bodyPr>
-          <a:lstStyle/>
-          <a:p>
-            <a:r>
-              <a:rPr lang="it-IT" sz="800" dirty="0" smtClean="0"/>
-              <a:t>nome</a:t>
-            </a:r>
-            <a:endParaRPr lang="it-IT" sz="800" dirty="0"/>
-          </a:p>
-        </p:txBody>
-      </p:sp>
-      <p:sp>
-        <p:nvSpPr>
-          <p:cNvPr id="140" name="Ovale 139"/>
-          <p:cNvSpPr/>
-          <p:nvPr/>
-        </p:nvSpPr>
-        <p:spPr>
-          <a:xfrm>
-            <a:off x="3959642" y="2212919"/>
-            <a:ext cx="142455" cy="125409"/>
-          </a:xfrm>
-          <a:prstGeom prst="ellipse">
-            <a:avLst/>
-          </a:prstGeom>
-          <a:gradFill flip="none" rotWithShape="1">
-            <a:gsLst>
-              <a:gs pos="0">
-                <a:srgbClr val="CCFFCC"/>
-              </a:gs>
-              <a:gs pos="100000">
-                <a:schemeClr val="bg1"/>
-              </a:gs>
-            </a:gsLst>
-            <a:lin ang="16200000" scaled="0"/>
-            <a:tileRect/>
-          </a:gradFill>
-          <a:ln>
-            <a:solidFill>
-              <a:schemeClr val="tx1"/>
-            </a:solidFill>
-          </a:ln>
-        </p:spPr>
-        <p:style>
-          <a:lnRef idx="1">
-            <a:schemeClr val="accent1"/>
-          </a:lnRef>
-          <a:fillRef idx="3">
-            <a:schemeClr val="accent1"/>
-          </a:fillRef>
-          <a:effectRef idx="2">
-            <a:schemeClr val="accent1"/>
-          </a:effectRef>
-          <a:fontRef idx="minor">
-            <a:schemeClr val="lt1"/>
-          </a:fontRef>
-        </p:style>
-        <p:txBody>
-          <a:bodyPr rtlCol="0" anchor="ctr"/>
-          <a:lstStyle/>
-          <a:p>
-            <a:pPr algn="ctr"/>
-            <a:endParaRPr lang="it-IT" sz="800"/>
-          </a:p>
-        </p:txBody>
-      </p:sp>
-      <p:cxnSp>
-        <p:nvCxnSpPr>
-          <p:cNvPr id="141" name="Connettore 1 140"/>
-          <p:cNvCxnSpPr>
-            <a:stCxn id="140" idx="4"/>
-          </p:cNvCxnSpPr>
-          <p:nvPr/>
-        </p:nvCxnSpPr>
-        <p:spPr>
-          <a:xfrm>
-            <a:off x="4030870" y="2338328"/>
-            <a:ext cx="0" cy="306101"/>
-          </a:xfrm>
-          <a:prstGeom prst="line">
-            <a:avLst/>
-          </a:prstGeom>
-          <a:ln w="12700">
-            <a:solidFill>
-              <a:schemeClr val="tx1"/>
-            </a:solidFill>
-          </a:ln>
-        </p:spPr>
-        <p:style>
-          <a:lnRef idx="2">
-            <a:schemeClr val="accent1"/>
-          </a:lnRef>
-          <a:fillRef idx="0">
-            <a:schemeClr val="accent1"/>
-          </a:fillRef>
-          <a:effectRef idx="1">
-            <a:schemeClr val="accent1"/>
-          </a:effectRef>
-          <a:fontRef idx="minor">
-            <a:schemeClr val="tx1"/>
-          </a:fontRef>
-        </p:style>
-      </p:cxnSp>
-      <p:sp>
-        <p:nvSpPr>
-          <p:cNvPr id="142" name="CasellaDiTesto 141"/>
-          <p:cNvSpPr txBox="1"/>
-          <p:nvPr/>
-        </p:nvSpPr>
-        <p:spPr>
-          <a:xfrm>
-            <a:off x="3811800" y="2018391"/>
-            <a:ext cx="571441" cy="215444"/>
-          </a:xfrm>
-          <a:prstGeom prst="rect">
-            <a:avLst/>
-          </a:prstGeom>
-          <a:noFill/>
-        </p:spPr>
-        <p:txBody>
-          <a:bodyPr wrap="none" rtlCol="0">
-            <a:spAutoFit/>
-          </a:bodyPr>
-          <a:lstStyle/>
-          <a:p>
-            <a:r>
-              <a:rPr lang="it-IT" sz="800" dirty="0" smtClean="0"/>
-              <a:t>cognome</a:t>
-            </a:r>
-            <a:endParaRPr lang="it-IT" sz="800" dirty="0"/>
-          </a:p>
-        </p:txBody>
-      </p:sp>
-      <p:sp>
-        <p:nvSpPr>
-          <p:cNvPr id="143" name="Ovale 142"/>
-          <p:cNvSpPr/>
-          <p:nvPr/>
-        </p:nvSpPr>
-        <p:spPr>
-          <a:xfrm>
-            <a:off x="4349292" y="2515609"/>
-            <a:ext cx="142455" cy="125409"/>
-          </a:xfrm>
-          <a:prstGeom prst="ellipse">
-            <a:avLst/>
-          </a:prstGeom>
-          <a:gradFill flip="none" rotWithShape="1">
-            <a:gsLst>
-              <a:gs pos="0">
-                <a:srgbClr val="CCFFCC"/>
-              </a:gs>
-              <a:gs pos="100000">
-                <a:schemeClr val="bg1"/>
-              </a:gs>
-            </a:gsLst>
-            <a:lin ang="16200000" scaled="0"/>
-            <a:tileRect/>
-          </a:gradFill>
-          <a:ln>
-            <a:solidFill>
-              <a:schemeClr val="tx1"/>
-            </a:solidFill>
-          </a:ln>
-        </p:spPr>
-        <p:style>
-          <a:lnRef idx="1">
-            <a:schemeClr val="accent1"/>
-          </a:lnRef>
-          <a:fillRef idx="3">
-            <a:schemeClr val="accent1"/>
-          </a:fillRef>
-          <a:effectRef idx="2">
-            <a:schemeClr val="accent1"/>
-          </a:effectRef>
-          <a:fontRef idx="minor">
-            <a:schemeClr val="lt1"/>
-          </a:fontRef>
-        </p:style>
-        <p:txBody>
-          <a:bodyPr rtlCol="0" anchor="ctr"/>
-          <a:lstStyle/>
-          <a:p>
-            <a:pPr algn="ctr"/>
-            <a:endParaRPr lang="it-IT" sz="800"/>
-          </a:p>
-        </p:txBody>
-      </p:sp>
-      <p:cxnSp>
-        <p:nvCxnSpPr>
-          <p:cNvPr id="144" name="Connettore 1 143"/>
-          <p:cNvCxnSpPr>
-            <a:stCxn id="143" idx="2"/>
-          </p:cNvCxnSpPr>
-          <p:nvPr/>
-        </p:nvCxnSpPr>
-        <p:spPr>
-          <a:xfrm flipH="1">
-            <a:off x="3981698" y="2578314"/>
-            <a:ext cx="367594" cy="0"/>
-          </a:xfrm>
-          <a:prstGeom prst="line">
-            <a:avLst/>
-          </a:prstGeom>
-          <a:ln w="12700">
-            <a:solidFill>
-              <a:schemeClr val="tx1"/>
-            </a:solidFill>
-          </a:ln>
-        </p:spPr>
-        <p:style>
-          <a:lnRef idx="2">
-            <a:schemeClr val="accent1"/>
-          </a:lnRef>
-          <a:fillRef idx="0">
-            <a:schemeClr val="accent1"/>
-          </a:fillRef>
-          <a:effectRef idx="1">
-            <a:schemeClr val="accent1"/>
-          </a:effectRef>
-          <a:fontRef idx="minor">
-            <a:schemeClr val="tx1"/>
-          </a:fontRef>
-        </p:style>
-      </p:cxnSp>
-      <p:sp>
-        <p:nvSpPr>
-          <p:cNvPr id="145" name="CasellaDiTesto 144"/>
-          <p:cNvSpPr txBox="1"/>
-          <p:nvPr/>
-        </p:nvSpPr>
-        <p:spPr>
-          <a:xfrm>
-            <a:off x="4459993" y="2458699"/>
-            <a:ext cx="406081" cy="215444"/>
-          </a:xfrm>
-          <a:prstGeom prst="rect">
-            <a:avLst/>
-          </a:prstGeom>
-          <a:noFill/>
-        </p:spPr>
-        <p:txBody>
-          <a:bodyPr wrap="none" rtlCol="0">
-            <a:spAutoFit/>
-          </a:bodyPr>
-          <a:lstStyle/>
-          <a:p>
-            <a:r>
-              <a:rPr lang="it-IT" sz="800" dirty="0" smtClean="0"/>
-              <a:t>ruolo</a:t>
-            </a:r>
-            <a:endParaRPr lang="it-IT" sz="800" dirty="0"/>
-          </a:p>
-        </p:txBody>
-      </p:sp>
-      <p:sp>
-        <p:nvSpPr>
-          <p:cNvPr id="146" name="Ovale 145"/>
-          <p:cNvSpPr/>
-          <p:nvPr/>
-        </p:nvSpPr>
-        <p:spPr>
-          <a:xfrm>
-            <a:off x="4361226" y="2714963"/>
-            <a:ext cx="142455" cy="125409"/>
-          </a:xfrm>
-          <a:prstGeom prst="ellipse">
-            <a:avLst/>
-          </a:prstGeom>
-          <a:gradFill flip="none" rotWithShape="1">
-            <a:gsLst>
-              <a:gs pos="0">
-                <a:srgbClr val="CCFFCC"/>
-              </a:gs>
-              <a:gs pos="100000">
-                <a:schemeClr val="bg1"/>
-              </a:gs>
-            </a:gsLst>
-            <a:lin ang="16200000" scaled="0"/>
-            <a:tileRect/>
-          </a:gradFill>
-          <a:ln>
-            <a:solidFill>
-              <a:schemeClr val="tx1"/>
-            </a:solidFill>
-          </a:ln>
-        </p:spPr>
-        <p:style>
-          <a:lnRef idx="1">
-            <a:schemeClr val="accent1"/>
-          </a:lnRef>
-          <a:fillRef idx="3">
-            <a:schemeClr val="accent1"/>
-          </a:fillRef>
-          <a:effectRef idx="2">
-            <a:schemeClr val="accent1"/>
-          </a:effectRef>
-          <a:fontRef idx="minor">
-            <a:schemeClr val="lt1"/>
-          </a:fontRef>
-        </p:style>
-        <p:txBody>
-          <a:bodyPr rtlCol="0" anchor="ctr"/>
-          <a:lstStyle/>
-          <a:p>
-            <a:pPr algn="ctr"/>
-            <a:endParaRPr lang="it-IT" sz="800"/>
-          </a:p>
-        </p:txBody>
-      </p:sp>
-      <p:cxnSp>
-        <p:nvCxnSpPr>
-          <p:cNvPr id="147" name="Connettore 1 146"/>
-          <p:cNvCxnSpPr>
-            <a:stCxn id="146" idx="2"/>
-          </p:cNvCxnSpPr>
-          <p:nvPr/>
-        </p:nvCxnSpPr>
-        <p:spPr>
-          <a:xfrm flipH="1">
-            <a:off x="3993632" y="2777668"/>
-            <a:ext cx="367594" cy="0"/>
-          </a:xfrm>
-          <a:prstGeom prst="line">
-            <a:avLst/>
-          </a:prstGeom>
-          <a:ln w="12700">
-            <a:solidFill>
-              <a:schemeClr val="tx1"/>
-            </a:solidFill>
-          </a:ln>
-        </p:spPr>
-        <p:style>
-          <a:lnRef idx="2">
-            <a:schemeClr val="accent1"/>
-          </a:lnRef>
-          <a:fillRef idx="0">
-            <a:schemeClr val="accent1"/>
-          </a:fillRef>
-          <a:effectRef idx="1">
-            <a:schemeClr val="accent1"/>
-          </a:effectRef>
-          <a:fontRef idx="minor">
-            <a:schemeClr val="tx1"/>
-          </a:fontRef>
-        </p:style>
-      </p:cxnSp>
-      <p:sp>
-        <p:nvSpPr>
-          <p:cNvPr id="148" name="CasellaDiTesto 147"/>
-          <p:cNvSpPr txBox="1"/>
-          <p:nvPr/>
-        </p:nvSpPr>
-        <p:spPr>
-          <a:xfrm>
-            <a:off x="4471927" y="2658053"/>
-            <a:ext cx="966931" cy="215444"/>
-          </a:xfrm>
-          <a:prstGeom prst="rect">
-            <a:avLst/>
-          </a:prstGeom>
-          <a:noFill/>
-        </p:spPr>
-        <p:txBody>
-          <a:bodyPr wrap="none" rtlCol="0">
-            <a:spAutoFit/>
-          </a:bodyPr>
-          <a:lstStyle/>
-          <a:p>
-            <a:r>
-              <a:rPr lang="it-IT" sz="800" dirty="0" err="1" smtClean="0"/>
-              <a:t>recapitoTelefonico</a:t>
-            </a:r>
-            <a:endParaRPr lang="it-IT" sz="800" dirty="0"/>
-          </a:p>
-        </p:txBody>
-      </p:sp>
-      <p:sp>
-        <p:nvSpPr>
-          <p:cNvPr id="41" name="Rettangolo 40"/>
-          <p:cNvSpPr/>
-          <p:nvPr/>
-        </p:nvSpPr>
-        <p:spPr>
-          <a:xfrm>
-            <a:off x="3339679" y="2460725"/>
-            <a:ext cx="844814" cy="385713"/>
-          </a:xfrm>
-          <a:prstGeom prst="rect">
-            <a:avLst/>
-          </a:prstGeom>
-          <a:gradFill flip="none" rotWithShape="1">
-            <a:gsLst>
-              <a:gs pos="0">
-                <a:srgbClr val="CCFFCC"/>
-              </a:gs>
-              <a:gs pos="100000">
-                <a:schemeClr val="bg1"/>
-              </a:gs>
-            </a:gsLst>
-            <a:lin ang="16200000" scaled="0"/>
-            <a:tileRect/>
-          </a:gradFill>
-          <a:ln>
-            <a:solidFill>
-              <a:schemeClr val="tx1"/>
-            </a:solidFill>
-          </a:ln>
-        </p:spPr>
-        <p:style>
-          <a:lnRef idx="1">
-            <a:schemeClr val="accent1"/>
-          </a:lnRef>
-          <a:fillRef idx="3">
-            <a:schemeClr val="accent1"/>
-          </a:fillRef>
-          <a:effectRef idx="2">
-            <a:schemeClr val="accent1"/>
-          </a:effectRef>
-          <a:fontRef idx="minor">
-            <a:schemeClr val="lt1"/>
-          </a:fontRef>
-        </p:style>
-        <p:txBody>
-          <a:bodyPr rtlCol="0" anchor="ctr"/>
-          <a:lstStyle/>
-          <a:p>
-            <a:pPr algn="ctr"/>
-            <a:r>
-              <a:rPr lang="it-IT" sz="800" dirty="0" smtClean="0">
-                <a:solidFill>
-                  <a:srgbClr val="000000"/>
-                </a:solidFill>
-              </a:rPr>
-              <a:t>Persona</a:t>
-            </a:r>
-            <a:endParaRPr lang="it-IT" sz="800" dirty="0">
-              <a:solidFill>
-                <a:srgbClr val="000000"/>
-              </a:solidFill>
-            </a:endParaRPr>
-          </a:p>
-        </p:txBody>
-      </p:sp>
-      <p:sp>
-        <p:nvSpPr>
-          <p:cNvPr id="149" name="Ovale 148"/>
-          <p:cNvSpPr/>
-          <p:nvPr/>
-        </p:nvSpPr>
-        <p:spPr>
-          <a:xfrm>
-            <a:off x="3083171" y="470494"/>
-            <a:ext cx="142455" cy="125409"/>
-          </a:xfrm>
-          <a:prstGeom prst="ellipse">
-            <a:avLst/>
-          </a:prstGeom>
-          <a:solidFill>
-            <a:schemeClr val="accent1">
-              <a:lumMod val="75000"/>
-            </a:schemeClr>
-          </a:solidFill>
-          <a:ln>
-            <a:solidFill>
-              <a:schemeClr val="tx1"/>
-            </a:solidFill>
-          </a:ln>
-        </p:spPr>
-        <p:style>
-          <a:lnRef idx="1">
-            <a:schemeClr val="accent1"/>
-          </a:lnRef>
-          <a:fillRef idx="3">
-            <a:schemeClr val="accent1"/>
-          </a:fillRef>
-          <a:effectRef idx="2">
-            <a:schemeClr val="accent1"/>
-          </a:effectRef>
-          <a:fontRef idx="minor">
-            <a:schemeClr val="lt1"/>
-          </a:fontRef>
-        </p:style>
-        <p:txBody>
-          <a:bodyPr rtlCol="0" anchor="ctr"/>
-          <a:lstStyle/>
-          <a:p>
-            <a:pPr algn="ctr"/>
-            <a:endParaRPr lang="it-IT" sz="800"/>
-          </a:p>
-        </p:txBody>
-      </p:sp>
-      <p:cxnSp>
-        <p:nvCxnSpPr>
-          <p:cNvPr id="150" name="Connettore 1 149"/>
-          <p:cNvCxnSpPr>
-            <a:stCxn id="149" idx="4"/>
-          </p:cNvCxnSpPr>
-          <p:nvPr/>
-        </p:nvCxnSpPr>
-        <p:spPr>
-          <a:xfrm>
-            <a:off x="3154399" y="595903"/>
-            <a:ext cx="0" cy="306101"/>
-          </a:xfrm>
-          <a:prstGeom prst="line">
-            <a:avLst/>
-          </a:prstGeom>
-          <a:ln w="12700">
-            <a:solidFill>
-              <a:schemeClr val="tx1"/>
-            </a:solidFill>
-          </a:ln>
-        </p:spPr>
-        <p:style>
-          <a:lnRef idx="2">
-            <a:schemeClr val="accent1"/>
-          </a:lnRef>
-          <a:fillRef idx="0">
-            <a:schemeClr val="accent1"/>
-          </a:fillRef>
-          <a:effectRef idx="1">
-            <a:schemeClr val="accent1"/>
-          </a:effectRef>
-          <a:fontRef idx="minor">
-            <a:schemeClr val="tx1"/>
-          </a:fontRef>
-        </p:style>
-      </p:cxnSp>
-      <p:sp>
-        <p:nvSpPr>
-          <p:cNvPr id="151" name="CasellaDiTesto 150"/>
-          <p:cNvSpPr txBox="1"/>
-          <p:nvPr/>
-        </p:nvSpPr>
-        <p:spPr>
-          <a:xfrm>
-            <a:off x="2712831" y="400358"/>
-            <a:ext cx="415498" cy="215444"/>
-          </a:xfrm>
-          <a:prstGeom prst="rect">
-            <a:avLst/>
-          </a:prstGeom>
-          <a:noFill/>
-        </p:spPr>
-        <p:txBody>
-          <a:bodyPr wrap="none" rtlCol="0">
-            <a:spAutoFit/>
-          </a:bodyPr>
-          <a:lstStyle/>
-          <a:p>
-            <a:r>
-              <a:rPr lang="it-IT" sz="800" dirty="0" err="1" smtClean="0"/>
-              <a:t>idSeg</a:t>
-            </a:r>
-            <a:endParaRPr lang="it-IT" sz="800" dirty="0" smtClean="0"/>
-          </a:p>
-        </p:txBody>
-      </p:sp>
-      <p:sp>
-        <p:nvSpPr>
-          <p:cNvPr id="152" name="Ovale 151"/>
-          <p:cNvSpPr/>
-          <p:nvPr/>
-        </p:nvSpPr>
-        <p:spPr>
-          <a:xfrm>
-            <a:off x="3304439" y="319973"/>
-            <a:ext cx="142455" cy="125409"/>
-          </a:xfrm>
-          <a:prstGeom prst="ellipse">
-            <a:avLst/>
-          </a:prstGeom>
-          <a:gradFill flip="none" rotWithShape="1">
-            <a:gsLst>
-              <a:gs pos="0">
-                <a:srgbClr val="CCFFCC"/>
-              </a:gs>
-              <a:gs pos="100000">
-                <a:schemeClr val="bg1"/>
-              </a:gs>
-            </a:gsLst>
-            <a:lin ang="16200000" scaled="0"/>
-            <a:tileRect/>
-          </a:gradFill>
-          <a:ln>
-            <a:solidFill>
-              <a:schemeClr val="tx1"/>
-            </a:solidFill>
-          </a:ln>
-        </p:spPr>
-        <p:style>
-          <a:lnRef idx="1">
-            <a:schemeClr val="accent1"/>
-          </a:lnRef>
-          <a:fillRef idx="3">
-            <a:schemeClr val="accent1"/>
-          </a:fillRef>
-          <a:effectRef idx="2">
-            <a:schemeClr val="accent1"/>
-          </a:effectRef>
-          <a:fontRef idx="minor">
-            <a:schemeClr val="lt1"/>
-          </a:fontRef>
-        </p:style>
-        <p:txBody>
-          <a:bodyPr rtlCol="0" anchor="ctr"/>
-          <a:lstStyle/>
-          <a:p>
-            <a:pPr algn="ctr"/>
-            <a:endParaRPr lang="it-IT" sz="800"/>
-          </a:p>
-        </p:txBody>
-      </p:sp>
-      <p:cxnSp>
-        <p:nvCxnSpPr>
-          <p:cNvPr id="153" name="Connettore 1 152"/>
-          <p:cNvCxnSpPr>
-            <a:stCxn id="152" idx="4"/>
-          </p:cNvCxnSpPr>
-          <p:nvPr/>
-        </p:nvCxnSpPr>
-        <p:spPr>
-          <a:xfrm>
-            <a:off x="3375667" y="445382"/>
-            <a:ext cx="0" cy="306101"/>
-          </a:xfrm>
-          <a:prstGeom prst="line">
-            <a:avLst/>
-          </a:prstGeom>
-          <a:ln w="12700">
-            <a:solidFill>
-              <a:schemeClr val="tx1"/>
-            </a:solidFill>
-          </a:ln>
-        </p:spPr>
-        <p:style>
-          <a:lnRef idx="2">
-            <a:schemeClr val="accent1"/>
-          </a:lnRef>
-          <a:fillRef idx="0">
-            <a:schemeClr val="accent1"/>
-          </a:fillRef>
-          <a:effectRef idx="1">
-            <a:schemeClr val="accent1"/>
-          </a:effectRef>
-          <a:fontRef idx="minor">
-            <a:schemeClr val="tx1"/>
-          </a:fontRef>
-        </p:style>
-      </p:cxnSp>
-      <p:sp>
-        <p:nvSpPr>
-          <p:cNvPr id="154" name="CasellaDiTesto 153"/>
-          <p:cNvSpPr txBox="1"/>
-          <p:nvPr/>
-        </p:nvSpPr>
-        <p:spPr>
-          <a:xfrm>
-            <a:off x="3154399" y="118602"/>
-            <a:ext cx="351378" cy="215444"/>
-          </a:xfrm>
-          <a:prstGeom prst="rect">
-            <a:avLst/>
-          </a:prstGeom>
-          <a:noFill/>
-        </p:spPr>
-        <p:txBody>
-          <a:bodyPr wrap="none" rtlCol="0">
-            <a:spAutoFit/>
-          </a:bodyPr>
-          <a:lstStyle/>
-          <a:p>
-            <a:r>
-              <a:rPr lang="it-IT" sz="800" dirty="0" smtClean="0"/>
-              <a:t>tipo</a:t>
-            </a:r>
-            <a:endParaRPr lang="it-IT" sz="800" dirty="0"/>
-          </a:p>
-        </p:txBody>
-      </p:sp>
-      <p:sp>
-        <p:nvSpPr>
-          <p:cNvPr id="155" name="Ovale 154"/>
-          <p:cNvSpPr/>
-          <p:nvPr/>
-        </p:nvSpPr>
-        <p:spPr>
-          <a:xfrm>
-            <a:off x="3666555" y="467387"/>
-            <a:ext cx="142455" cy="125409"/>
-          </a:xfrm>
-          <a:prstGeom prst="ellipse">
-            <a:avLst/>
-          </a:prstGeom>
-          <a:gradFill flip="none" rotWithShape="1">
-            <a:gsLst>
-              <a:gs pos="0">
-                <a:srgbClr val="CCFFCC"/>
-              </a:gs>
-              <a:gs pos="100000">
-                <a:schemeClr val="bg1"/>
-              </a:gs>
-            </a:gsLst>
-            <a:lin ang="16200000" scaled="0"/>
-            <a:tileRect/>
-          </a:gradFill>
-          <a:ln>
-            <a:solidFill>
-              <a:schemeClr val="tx1"/>
-            </a:solidFill>
-          </a:ln>
-        </p:spPr>
-        <p:style>
-          <a:lnRef idx="1">
-            <a:schemeClr val="accent1"/>
-          </a:lnRef>
-          <a:fillRef idx="3">
-            <a:schemeClr val="accent1"/>
-          </a:fillRef>
-          <a:effectRef idx="2">
-            <a:schemeClr val="accent1"/>
-          </a:effectRef>
-          <a:fontRef idx="minor">
-            <a:schemeClr val="lt1"/>
-          </a:fontRef>
-        </p:style>
-        <p:txBody>
-          <a:bodyPr rtlCol="0" anchor="ctr"/>
-          <a:lstStyle/>
-          <a:p>
-            <a:pPr algn="ctr"/>
-            <a:endParaRPr lang="it-IT" sz="800"/>
-          </a:p>
-        </p:txBody>
-      </p:sp>
-      <p:cxnSp>
-        <p:nvCxnSpPr>
-          <p:cNvPr id="156" name="Connettore 1 155"/>
-          <p:cNvCxnSpPr>
-            <a:stCxn id="155" idx="4"/>
-          </p:cNvCxnSpPr>
-          <p:nvPr/>
-        </p:nvCxnSpPr>
-        <p:spPr>
-          <a:xfrm>
-            <a:off x="3737783" y="592796"/>
-            <a:ext cx="0" cy="306101"/>
-          </a:xfrm>
-          <a:prstGeom prst="line">
-            <a:avLst/>
-          </a:prstGeom>
-          <a:ln w="12700">
-            <a:solidFill>
-              <a:schemeClr val="tx1"/>
-            </a:solidFill>
-          </a:ln>
-        </p:spPr>
-        <p:style>
-          <a:lnRef idx="2">
-            <a:schemeClr val="accent1"/>
-          </a:lnRef>
-          <a:fillRef idx="0">
-            <a:schemeClr val="accent1"/>
-          </a:fillRef>
-          <a:effectRef idx="1">
-            <a:schemeClr val="accent1"/>
-          </a:effectRef>
-          <a:fontRef idx="minor">
-            <a:schemeClr val="tx1"/>
-          </a:fontRef>
-        </p:style>
-      </p:cxnSp>
-      <p:sp>
-        <p:nvSpPr>
-          <p:cNvPr id="157" name="CasellaDiTesto 156"/>
-          <p:cNvSpPr txBox="1"/>
-          <p:nvPr/>
-        </p:nvSpPr>
-        <p:spPr>
-          <a:xfrm>
-            <a:off x="3518713" y="272859"/>
-            <a:ext cx="585166" cy="215444"/>
-          </a:xfrm>
-          <a:prstGeom prst="rect">
-            <a:avLst/>
-          </a:prstGeom>
-          <a:noFill/>
-        </p:spPr>
-        <p:txBody>
-          <a:bodyPr wrap="none" rtlCol="0">
-            <a:spAutoFit/>
-          </a:bodyPr>
-          <a:lstStyle/>
-          <a:p>
-            <a:r>
-              <a:rPr lang="it-IT" sz="800" dirty="0" smtClean="0"/>
-              <a:t>latitudine</a:t>
-            </a:r>
-            <a:endParaRPr lang="it-IT" sz="800" dirty="0"/>
-          </a:p>
-        </p:txBody>
-      </p:sp>
-      <p:sp>
-        <p:nvSpPr>
-          <p:cNvPr id="158" name="Ovale 157"/>
-          <p:cNvSpPr/>
-          <p:nvPr/>
-        </p:nvSpPr>
-        <p:spPr>
-          <a:xfrm>
-            <a:off x="3376258" y="1414738"/>
-            <a:ext cx="142455" cy="125409"/>
-          </a:xfrm>
-          <a:prstGeom prst="ellipse">
-            <a:avLst/>
-          </a:prstGeom>
-          <a:gradFill flip="none" rotWithShape="1">
-            <a:gsLst>
-              <a:gs pos="0">
-                <a:srgbClr val="CCFFCC"/>
-              </a:gs>
-              <a:gs pos="100000">
-                <a:schemeClr val="bg1"/>
-              </a:gs>
-            </a:gsLst>
-            <a:lin ang="16200000" scaled="0"/>
-            <a:tileRect/>
-          </a:gradFill>
-          <a:ln>
-            <a:solidFill>
-              <a:schemeClr val="tx1"/>
-            </a:solidFill>
-          </a:ln>
-        </p:spPr>
-        <p:style>
-          <a:lnRef idx="1">
-            <a:schemeClr val="accent1"/>
-          </a:lnRef>
-          <a:fillRef idx="3">
-            <a:schemeClr val="accent1"/>
-          </a:fillRef>
-          <a:effectRef idx="2">
-            <a:schemeClr val="accent1"/>
-          </a:effectRef>
-          <a:fontRef idx="minor">
-            <a:schemeClr val="lt1"/>
-          </a:fontRef>
-        </p:style>
-        <p:txBody>
-          <a:bodyPr rtlCol="0" anchor="ctr"/>
-          <a:lstStyle/>
-          <a:p>
-            <a:pPr algn="ctr"/>
-            <a:endParaRPr lang="it-IT" sz="800"/>
-          </a:p>
-        </p:txBody>
-      </p:sp>
-      <p:cxnSp>
-        <p:nvCxnSpPr>
-          <p:cNvPr id="159" name="Connettore 1 158"/>
-          <p:cNvCxnSpPr>
-            <a:stCxn id="158" idx="0"/>
-          </p:cNvCxnSpPr>
-          <p:nvPr/>
-        </p:nvCxnSpPr>
-        <p:spPr>
-          <a:xfrm flipV="1">
-            <a:off x="3447486" y="1061280"/>
-            <a:ext cx="0" cy="353458"/>
-          </a:xfrm>
-          <a:prstGeom prst="line">
-            <a:avLst/>
-          </a:prstGeom>
-          <a:ln w="12700">
-            <a:solidFill>
-              <a:schemeClr val="tx1"/>
-            </a:solidFill>
-          </a:ln>
-        </p:spPr>
-        <p:style>
-          <a:lnRef idx="2">
-            <a:schemeClr val="accent1"/>
-          </a:lnRef>
-          <a:fillRef idx="0">
-            <a:schemeClr val="accent1"/>
-          </a:fillRef>
-          <a:effectRef idx="1">
-            <a:schemeClr val="accent1"/>
-          </a:effectRef>
-          <a:fontRef idx="minor">
-            <a:schemeClr val="tx1"/>
-          </a:fontRef>
-        </p:style>
-      </p:cxnSp>
-      <p:sp>
-        <p:nvSpPr>
-          <p:cNvPr id="162" name="Ovale 161"/>
-          <p:cNvSpPr/>
-          <p:nvPr/>
-        </p:nvSpPr>
-        <p:spPr>
-          <a:xfrm>
-            <a:off x="3140025" y="1273613"/>
-            <a:ext cx="142455" cy="125409"/>
-          </a:xfrm>
-          <a:prstGeom prst="ellipse">
-            <a:avLst/>
-          </a:prstGeom>
-          <a:gradFill flip="none" rotWithShape="1">
-            <a:gsLst>
-              <a:gs pos="0">
-                <a:srgbClr val="CCFFCC"/>
-              </a:gs>
-              <a:gs pos="100000">
-                <a:schemeClr val="bg1"/>
-              </a:gs>
-            </a:gsLst>
-            <a:lin ang="16200000" scaled="0"/>
-            <a:tileRect/>
-          </a:gradFill>
-          <a:ln>
-            <a:solidFill>
-              <a:schemeClr val="tx1"/>
-            </a:solidFill>
-          </a:ln>
-        </p:spPr>
-        <p:style>
-          <a:lnRef idx="1">
-            <a:schemeClr val="accent1"/>
-          </a:lnRef>
-          <a:fillRef idx="3">
-            <a:schemeClr val="accent1"/>
-          </a:fillRef>
-          <a:effectRef idx="2">
-            <a:schemeClr val="accent1"/>
-          </a:effectRef>
-          <a:fontRef idx="minor">
-            <a:schemeClr val="lt1"/>
-          </a:fontRef>
-        </p:style>
-        <p:txBody>
-          <a:bodyPr rtlCol="0" anchor="ctr"/>
-          <a:lstStyle/>
-          <a:p>
-            <a:pPr algn="ctr"/>
-            <a:endParaRPr lang="it-IT" sz="800"/>
-          </a:p>
-        </p:txBody>
-      </p:sp>
-      <p:cxnSp>
-        <p:nvCxnSpPr>
-          <p:cNvPr id="163" name="Connettore 1 162"/>
-          <p:cNvCxnSpPr>
-            <a:stCxn id="162" idx="0"/>
-          </p:cNvCxnSpPr>
-          <p:nvPr/>
-        </p:nvCxnSpPr>
-        <p:spPr>
-          <a:xfrm flipV="1">
-            <a:off x="3211253" y="920155"/>
-            <a:ext cx="0" cy="353458"/>
-          </a:xfrm>
-          <a:prstGeom prst="line">
-            <a:avLst/>
-          </a:prstGeom>
-          <a:ln w="12700">
-            <a:solidFill>
-              <a:schemeClr val="tx1"/>
-            </a:solidFill>
-          </a:ln>
-        </p:spPr>
-        <p:style>
-          <a:lnRef idx="2">
-            <a:schemeClr val="accent1"/>
-          </a:lnRef>
-          <a:fillRef idx="0">
-            <a:schemeClr val="accent1"/>
-          </a:fillRef>
-          <a:effectRef idx="1">
-            <a:schemeClr val="accent1"/>
-          </a:effectRef>
-          <a:fontRef idx="minor">
-            <a:schemeClr val="tx1"/>
-          </a:fontRef>
-        </p:style>
-      </p:cxnSp>
-      <p:sp>
-        <p:nvSpPr>
-          <p:cNvPr id="164" name="CasellaDiTesto 163"/>
-          <p:cNvSpPr txBox="1"/>
-          <p:nvPr/>
-        </p:nvSpPr>
-        <p:spPr>
-          <a:xfrm>
-            <a:off x="2677197" y="1345052"/>
-            <a:ext cx="659155" cy="215444"/>
-          </a:xfrm>
-          <a:prstGeom prst="rect">
-            <a:avLst/>
-          </a:prstGeom>
-          <a:noFill/>
-        </p:spPr>
-        <p:txBody>
-          <a:bodyPr wrap="none" rtlCol="0">
-            <a:spAutoFit/>
-          </a:bodyPr>
-          <a:lstStyle/>
-          <a:p>
-            <a:r>
-              <a:rPr lang="it-IT" sz="800" dirty="0" smtClean="0"/>
-              <a:t>longitudine</a:t>
-            </a:r>
-            <a:endParaRPr lang="it-IT" sz="800" dirty="0"/>
-          </a:p>
-        </p:txBody>
-      </p:sp>
-      <p:sp>
-        <p:nvSpPr>
-          <p:cNvPr id="165" name="CasellaDiTesto 164"/>
-          <p:cNvSpPr txBox="1"/>
-          <p:nvPr/>
-        </p:nvSpPr>
-        <p:spPr>
-          <a:xfrm>
-            <a:off x="3152617" y="1529972"/>
-            <a:ext cx="585166" cy="215444"/>
-          </a:xfrm>
-          <a:prstGeom prst="rect">
-            <a:avLst/>
-          </a:prstGeom>
-          <a:noFill/>
-        </p:spPr>
-        <p:txBody>
-          <a:bodyPr wrap="none" rtlCol="0">
-            <a:spAutoFit/>
-          </a:bodyPr>
-          <a:lstStyle/>
-          <a:p>
-            <a:r>
-              <a:rPr lang="it-IT" sz="800" dirty="0" smtClean="0"/>
-              <a:t>altitudine</a:t>
-            </a:r>
-            <a:endParaRPr lang="it-IT" sz="800" dirty="0"/>
-          </a:p>
-        </p:txBody>
-      </p:sp>
-      <p:sp>
-        <p:nvSpPr>
-          <p:cNvPr id="166" name="Ovale 165"/>
-          <p:cNvSpPr/>
-          <p:nvPr/>
-        </p:nvSpPr>
-        <p:spPr>
-          <a:xfrm>
-            <a:off x="3704582" y="1238009"/>
-            <a:ext cx="142455" cy="125409"/>
-          </a:xfrm>
-          <a:prstGeom prst="ellipse">
-            <a:avLst/>
-          </a:prstGeom>
-          <a:gradFill flip="none" rotWithShape="1">
-            <a:gsLst>
-              <a:gs pos="0">
-                <a:srgbClr val="CCFFCC"/>
-              </a:gs>
-              <a:gs pos="100000">
-                <a:schemeClr val="bg1"/>
-              </a:gs>
-            </a:gsLst>
-            <a:lin ang="16200000" scaled="0"/>
-            <a:tileRect/>
-          </a:gradFill>
-          <a:ln>
-            <a:solidFill>
-              <a:schemeClr val="tx1"/>
-            </a:solidFill>
-          </a:ln>
-        </p:spPr>
-        <p:style>
-          <a:lnRef idx="1">
-            <a:schemeClr val="accent1"/>
-          </a:lnRef>
-          <a:fillRef idx="3">
-            <a:schemeClr val="accent1"/>
-          </a:fillRef>
-          <a:effectRef idx="2">
-            <a:schemeClr val="accent1"/>
-          </a:effectRef>
-          <a:fontRef idx="minor">
-            <a:schemeClr val="lt1"/>
-          </a:fontRef>
-        </p:style>
-        <p:txBody>
-          <a:bodyPr rtlCol="0" anchor="ctr"/>
-          <a:lstStyle/>
-          <a:p>
-            <a:pPr algn="ctr"/>
-            <a:endParaRPr lang="it-IT" sz="800"/>
-          </a:p>
-        </p:txBody>
-      </p:sp>
-      <p:cxnSp>
-        <p:nvCxnSpPr>
-          <p:cNvPr id="167" name="Connettore 1 166"/>
-          <p:cNvCxnSpPr>
-            <a:stCxn id="166" idx="0"/>
-          </p:cNvCxnSpPr>
-          <p:nvPr/>
-        </p:nvCxnSpPr>
-        <p:spPr>
-          <a:xfrm flipV="1">
-            <a:off x="3775810" y="884551"/>
-            <a:ext cx="0" cy="353458"/>
-          </a:xfrm>
-          <a:prstGeom prst="line">
-            <a:avLst/>
-          </a:prstGeom>
-          <a:ln w="12700">
-            <a:solidFill>
-              <a:schemeClr val="tx1"/>
-            </a:solidFill>
-          </a:ln>
-        </p:spPr>
-        <p:style>
-          <a:lnRef idx="2">
-            <a:schemeClr val="accent1"/>
-          </a:lnRef>
-          <a:fillRef idx="0">
-            <a:schemeClr val="accent1"/>
-          </a:fillRef>
-          <a:effectRef idx="1">
-            <a:schemeClr val="accent1"/>
-          </a:effectRef>
-          <a:fontRef idx="minor">
-            <a:schemeClr val="tx1"/>
-          </a:fontRef>
-        </p:style>
-      </p:cxnSp>
-      <p:sp>
-        <p:nvSpPr>
-          <p:cNvPr id="168" name="CasellaDiTesto 167"/>
-          <p:cNvSpPr txBox="1"/>
-          <p:nvPr/>
-        </p:nvSpPr>
-        <p:spPr>
-          <a:xfrm>
-            <a:off x="3687295" y="1324703"/>
-            <a:ext cx="377026" cy="215444"/>
-          </a:xfrm>
-          <a:prstGeom prst="rect">
-            <a:avLst/>
-          </a:prstGeom>
-          <a:noFill/>
-        </p:spPr>
-        <p:txBody>
-          <a:bodyPr wrap="none" rtlCol="0">
-            <a:spAutoFit/>
-          </a:bodyPr>
-          <a:lstStyle/>
-          <a:p>
-            <a:r>
-              <a:rPr lang="it-IT" sz="800" dirty="0" smtClean="0"/>
-              <a:t>data</a:t>
-            </a:r>
-            <a:endParaRPr lang="it-IT" sz="800" dirty="0"/>
-          </a:p>
-        </p:txBody>
-      </p:sp>
-      <p:sp>
-        <p:nvSpPr>
-          <p:cNvPr id="4" name="Rettangolo 3"/>
-          <p:cNvSpPr/>
-          <p:nvPr/>
-        </p:nvSpPr>
-        <p:spPr>
-          <a:xfrm>
-            <a:off x="3036015" y="729210"/>
-            <a:ext cx="844814" cy="385713"/>
-          </a:xfrm>
-          <a:prstGeom prst="rect">
-            <a:avLst/>
-          </a:prstGeom>
-          <a:gradFill flip="none" rotWithShape="1">
-            <a:gsLst>
-              <a:gs pos="0">
-                <a:srgbClr val="CCFFCC"/>
-              </a:gs>
-              <a:gs pos="100000">
-                <a:schemeClr val="bg1"/>
-              </a:gs>
-            </a:gsLst>
-            <a:lin ang="16200000" scaled="0"/>
-            <a:tileRect/>
-          </a:gradFill>
-          <a:ln>
-            <a:solidFill>
-              <a:schemeClr val="tx1"/>
-            </a:solidFill>
-          </a:ln>
-        </p:spPr>
-        <p:style>
-          <a:lnRef idx="1">
-            <a:schemeClr val="accent1"/>
-          </a:lnRef>
-          <a:fillRef idx="3">
-            <a:schemeClr val="accent1"/>
-          </a:fillRef>
-          <a:effectRef idx="2">
-            <a:schemeClr val="accent1"/>
-          </a:effectRef>
-          <a:fontRef idx="minor">
-            <a:schemeClr val="lt1"/>
-          </a:fontRef>
-        </p:style>
-        <p:txBody>
-          <a:bodyPr rtlCol="0" anchor="ctr"/>
-          <a:lstStyle/>
-          <a:p>
-            <a:pPr algn="ctr"/>
-            <a:r>
-              <a:rPr lang="it-IT" sz="800" dirty="0" smtClean="0">
-                <a:solidFill>
-                  <a:srgbClr val="000000"/>
-                </a:solidFill>
-              </a:rPr>
-              <a:t>SEG</a:t>
-            </a:r>
-            <a:endParaRPr lang="it-IT" sz="800" dirty="0">
-              <a:solidFill>
-                <a:srgbClr val="000000"/>
-              </a:solidFill>
-            </a:endParaRPr>
-          </a:p>
-        </p:txBody>
-      </p:sp>
-      <p:sp>
-        <p:nvSpPr>
-          <p:cNvPr id="54" name="Rettangolo 53"/>
-          <p:cNvSpPr/>
-          <p:nvPr/>
-        </p:nvSpPr>
-        <p:spPr>
-          <a:xfrm>
-            <a:off x="4971584" y="3597137"/>
-            <a:ext cx="844814" cy="385713"/>
-          </a:xfrm>
-          <a:prstGeom prst="rect">
-            <a:avLst/>
-          </a:prstGeom>
-          <a:gradFill flip="none" rotWithShape="1">
-            <a:gsLst>
-              <a:gs pos="0">
-                <a:srgbClr val="CCFFCC"/>
-              </a:gs>
-              <a:gs pos="100000">
-                <a:schemeClr val="bg1"/>
-              </a:gs>
-            </a:gsLst>
-            <a:lin ang="16200000" scaled="0"/>
-            <a:tileRect/>
-          </a:gradFill>
-          <a:ln>
-            <a:solidFill>
-              <a:schemeClr val="tx1"/>
-            </a:solidFill>
-          </a:ln>
-        </p:spPr>
-        <p:style>
-          <a:lnRef idx="1">
-            <a:schemeClr val="accent1"/>
-          </a:lnRef>
-          <a:fillRef idx="3">
-            <a:schemeClr val="accent1"/>
-          </a:fillRef>
-          <a:effectRef idx="2">
-            <a:schemeClr val="accent1"/>
-          </a:effectRef>
-          <a:fontRef idx="minor">
-            <a:schemeClr val="lt1"/>
-          </a:fontRef>
-        </p:style>
-        <p:txBody>
-          <a:bodyPr rtlCol="0" anchor="ctr"/>
-          <a:lstStyle/>
-          <a:p>
-            <a:pPr algn="ctr"/>
-            <a:r>
-              <a:rPr lang="it-IT" sz="800" dirty="0" smtClean="0">
-                <a:solidFill>
-                  <a:srgbClr val="000000"/>
-                </a:solidFill>
-              </a:rPr>
-              <a:t>Squadra Emergenza</a:t>
-            </a:r>
-            <a:endParaRPr lang="it-IT" sz="800" dirty="0">
-              <a:solidFill>
-                <a:srgbClr val="000000"/>
-              </a:solidFill>
-            </a:endParaRPr>
-          </a:p>
-        </p:txBody>
-      </p:sp>
-      <p:sp>
-        <p:nvSpPr>
-          <p:cNvPr id="169" name="CasellaDiTesto 168"/>
-          <p:cNvSpPr txBox="1"/>
-          <p:nvPr/>
-        </p:nvSpPr>
-        <p:spPr>
-          <a:xfrm>
-            <a:off x="6612568" y="1105904"/>
-            <a:ext cx="436541" cy="215444"/>
-          </a:xfrm>
-          <a:prstGeom prst="rect">
-            <a:avLst/>
-          </a:prstGeom>
-          <a:noFill/>
-        </p:spPr>
-        <p:txBody>
-          <a:bodyPr wrap="square" rtlCol="0">
-            <a:spAutoFit/>
-          </a:bodyPr>
-          <a:lstStyle/>
-          <a:p>
-            <a:r>
-              <a:rPr lang="it-IT" sz="800" dirty="0" smtClean="0"/>
-              <a:t>(0,</a:t>
-            </a:r>
-            <a:r>
-              <a:rPr lang="it-IT" sz="800" dirty="0" smtClean="0"/>
-              <a:t>n)</a:t>
-            </a:r>
-            <a:endParaRPr lang="it-IT" sz="800" dirty="0"/>
-          </a:p>
-        </p:txBody>
-      </p:sp>
-      <p:sp>
-        <p:nvSpPr>
-          <p:cNvPr id="170" name="CasellaDiTesto 169"/>
-          <p:cNvSpPr txBox="1"/>
-          <p:nvPr/>
-        </p:nvSpPr>
-        <p:spPr>
-          <a:xfrm>
-            <a:off x="6636233" y="4329117"/>
-            <a:ext cx="436541" cy="215444"/>
-          </a:xfrm>
-          <a:prstGeom prst="rect">
-            <a:avLst/>
-          </a:prstGeom>
-          <a:noFill/>
-        </p:spPr>
-        <p:txBody>
-          <a:bodyPr wrap="square" rtlCol="0">
-            <a:spAutoFit/>
-          </a:bodyPr>
-          <a:lstStyle/>
-          <a:p>
-            <a:r>
-              <a:rPr lang="it-IT" sz="800" dirty="0" smtClean="0"/>
-              <a:t>(1,n</a:t>
-            </a:r>
-            <a:r>
-              <a:rPr lang="it-IT" sz="800" dirty="0" smtClean="0"/>
-              <a:t>)</a:t>
-            </a:r>
-            <a:endParaRPr lang="it-IT" sz="800" dirty="0"/>
-          </a:p>
-        </p:txBody>
-      </p:sp>
-      <p:sp>
-        <p:nvSpPr>
-          <p:cNvPr id="171" name="CasellaDiTesto 170"/>
-          <p:cNvSpPr txBox="1"/>
-          <p:nvPr/>
-        </p:nvSpPr>
-        <p:spPr>
-          <a:xfrm>
-            <a:off x="6886306" y="2913715"/>
-            <a:ext cx="436541" cy="215444"/>
-          </a:xfrm>
-          <a:prstGeom prst="rect">
-            <a:avLst/>
-          </a:prstGeom>
-          <a:noFill/>
-        </p:spPr>
-        <p:txBody>
-          <a:bodyPr wrap="square" rtlCol="0">
-            <a:spAutoFit/>
-          </a:bodyPr>
-          <a:lstStyle/>
-          <a:p>
-            <a:r>
-              <a:rPr lang="it-IT" sz="800" dirty="0" smtClean="0"/>
-              <a:t>(1,n</a:t>
-            </a:r>
-            <a:r>
-              <a:rPr lang="it-IT" sz="800" dirty="0" smtClean="0"/>
-              <a:t>)</a:t>
-            </a:r>
-            <a:endParaRPr lang="it-IT" sz="800" dirty="0"/>
-          </a:p>
-        </p:txBody>
-      </p:sp>
-      <p:sp>
-        <p:nvSpPr>
-          <p:cNvPr id="172" name="CasellaDiTesto 171"/>
-          <p:cNvSpPr txBox="1"/>
-          <p:nvPr/>
-        </p:nvSpPr>
-        <p:spPr>
-          <a:xfrm>
-            <a:off x="2553433" y="714326"/>
-            <a:ext cx="436541" cy="215444"/>
-          </a:xfrm>
-          <a:prstGeom prst="rect">
-            <a:avLst/>
-          </a:prstGeom>
-          <a:noFill/>
-        </p:spPr>
-        <p:txBody>
-          <a:bodyPr wrap="square" rtlCol="0">
-            <a:spAutoFit/>
-          </a:bodyPr>
-          <a:lstStyle/>
-          <a:p>
-            <a:r>
-              <a:rPr lang="it-IT" sz="800" dirty="0" smtClean="0"/>
-              <a:t>(1,1)</a:t>
-            </a:r>
-            <a:endParaRPr lang="it-IT" sz="800" dirty="0"/>
-          </a:p>
-        </p:txBody>
-      </p:sp>
-      <p:sp>
-        <p:nvSpPr>
-          <p:cNvPr id="173" name="CasellaDiTesto 172"/>
-          <p:cNvSpPr txBox="1"/>
-          <p:nvPr/>
-        </p:nvSpPr>
-        <p:spPr>
-          <a:xfrm>
-            <a:off x="3912751" y="722823"/>
-            <a:ext cx="436541" cy="215444"/>
-          </a:xfrm>
-          <a:prstGeom prst="rect">
-            <a:avLst/>
-          </a:prstGeom>
-          <a:noFill/>
-        </p:spPr>
-        <p:txBody>
-          <a:bodyPr wrap="square" rtlCol="0">
-            <a:spAutoFit/>
-          </a:bodyPr>
-          <a:lstStyle/>
-          <a:p>
-            <a:r>
-              <a:rPr lang="it-IT" sz="800" dirty="0" smtClean="0"/>
-              <a:t>(1,1)</a:t>
-            </a:r>
-            <a:endParaRPr lang="it-IT" sz="800" dirty="0"/>
-          </a:p>
-        </p:txBody>
-      </p:sp>
-      <p:sp>
-        <p:nvSpPr>
-          <p:cNvPr id="174" name="CasellaDiTesto 173"/>
-          <p:cNvSpPr txBox="1"/>
-          <p:nvPr/>
-        </p:nvSpPr>
-        <p:spPr>
-          <a:xfrm>
-            <a:off x="6903100" y="2269387"/>
-            <a:ext cx="436541" cy="215444"/>
-          </a:xfrm>
-          <a:prstGeom prst="rect">
-            <a:avLst/>
-          </a:prstGeom>
-          <a:noFill/>
-        </p:spPr>
-        <p:txBody>
-          <a:bodyPr wrap="square" rtlCol="0">
-            <a:spAutoFit/>
-          </a:bodyPr>
-          <a:lstStyle/>
-          <a:p>
-            <a:r>
-              <a:rPr lang="it-IT" sz="800" dirty="0" smtClean="0"/>
-              <a:t>(1,1)</a:t>
-            </a:r>
-            <a:endParaRPr lang="it-IT" sz="800" dirty="0"/>
-          </a:p>
-        </p:txBody>
-      </p:sp>
-      <p:sp>
-        <p:nvSpPr>
-          <p:cNvPr id="175" name="CasellaDiTesto 174"/>
-          <p:cNvSpPr txBox="1"/>
-          <p:nvPr/>
-        </p:nvSpPr>
-        <p:spPr>
-          <a:xfrm>
-            <a:off x="1501313" y="1405164"/>
-            <a:ext cx="436541" cy="215444"/>
-          </a:xfrm>
-          <a:prstGeom prst="rect">
-            <a:avLst/>
-          </a:prstGeom>
-          <a:noFill/>
-        </p:spPr>
-        <p:txBody>
-          <a:bodyPr wrap="square" rtlCol="0">
-            <a:spAutoFit/>
-          </a:bodyPr>
-          <a:lstStyle/>
-          <a:p>
-            <a:r>
-              <a:rPr lang="it-IT" sz="800" dirty="0" smtClean="0"/>
-              <a:t>(0,</a:t>
-            </a:r>
-            <a:r>
-              <a:rPr lang="it-IT" sz="800" dirty="0" smtClean="0"/>
-              <a:t>n)</a:t>
-            </a:r>
-            <a:endParaRPr lang="it-IT" sz="800" dirty="0"/>
-          </a:p>
-        </p:txBody>
-      </p:sp>
-      <p:sp>
-        <p:nvSpPr>
-          <p:cNvPr id="176" name="CasellaDiTesto 175"/>
-          <p:cNvSpPr txBox="1"/>
-          <p:nvPr/>
-        </p:nvSpPr>
-        <p:spPr>
-          <a:xfrm>
-            <a:off x="2989974" y="3560077"/>
-            <a:ext cx="436541" cy="215444"/>
-          </a:xfrm>
-          <a:prstGeom prst="rect">
-            <a:avLst/>
-          </a:prstGeom>
-          <a:noFill/>
-        </p:spPr>
-        <p:txBody>
-          <a:bodyPr wrap="square" rtlCol="0">
-            <a:spAutoFit/>
-          </a:bodyPr>
-          <a:lstStyle/>
-          <a:p>
-            <a:r>
-              <a:rPr lang="it-IT" sz="800" dirty="0" smtClean="0"/>
-              <a:t>(1,1)</a:t>
-            </a:r>
-            <a:endParaRPr lang="it-IT" sz="800" dirty="0"/>
-          </a:p>
-        </p:txBody>
-      </p:sp>
-      <p:sp>
-        <p:nvSpPr>
-          <p:cNvPr id="177" name="CasellaDiTesto 176"/>
-          <p:cNvSpPr txBox="1"/>
-          <p:nvPr/>
-        </p:nvSpPr>
-        <p:spPr>
-          <a:xfrm>
-            <a:off x="4074928" y="3562433"/>
-            <a:ext cx="436541" cy="215444"/>
-          </a:xfrm>
-          <a:prstGeom prst="rect">
-            <a:avLst/>
-          </a:prstGeom>
-          <a:noFill/>
-        </p:spPr>
-        <p:txBody>
-          <a:bodyPr wrap="square" rtlCol="0">
-            <a:spAutoFit/>
-          </a:bodyPr>
-          <a:lstStyle/>
-          <a:p>
-            <a:r>
-              <a:rPr lang="it-IT" sz="800" dirty="0" smtClean="0"/>
-              <a:t>(1,1)</a:t>
-            </a:r>
-            <a:endParaRPr lang="it-IT" sz="800" dirty="0"/>
-          </a:p>
-        </p:txBody>
-      </p:sp>
-      <p:sp>
-        <p:nvSpPr>
-          <p:cNvPr id="178" name="CasellaDiTesto 177"/>
-          <p:cNvSpPr txBox="1"/>
-          <p:nvPr/>
-        </p:nvSpPr>
-        <p:spPr>
-          <a:xfrm>
-            <a:off x="3747952" y="4240945"/>
-            <a:ext cx="436541" cy="215444"/>
-          </a:xfrm>
-          <a:prstGeom prst="rect">
-            <a:avLst/>
-          </a:prstGeom>
-          <a:noFill/>
-        </p:spPr>
-        <p:txBody>
-          <a:bodyPr wrap="square" rtlCol="0">
-            <a:spAutoFit/>
-          </a:bodyPr>
-          <a:lstStyle/>
-          <a:p>
-            <a:r>
-              <a:rPr lang="it-IT" sz="800" dirty="0" smtClean="0"/>
-              <a:t>(1,1)</a:t>
-            </a:r>
-            <a:endParaRPr lang="it-IT" sz="800" dirty="0"/>
-          </a:p>
-        </p:txBody>
-      </p:sp>
-      <p:sp>
-        <p:nvSpPr>
-          <p:cNvPr id="179" name="CasellaDiTesto 178"/>
-          <p:cNvSpPr txBox="1"/>
-          <p:nvPr/>
-        </p:nvSpPr>
-        <p:spPr>
-          <a:xfrm>
-            <a:off x="2596177" y="4030985"/>
-            <a:ext cx="436541" cy="215444"/>
-          </a:xfrm>
-          <a:prstGeom prst="rect">
-            <a:avLst/>
-          </a:prstGeom>
-          <a:noFill/>
-        </p:spPr>
-        <p:txBody>
-          <a:bodyPr wrap="square" rtlCol="0">
-            <a:spAutoFit/>
-          </a:bodyPr>
-          <a:lstStyle/>
-          <a:p>
-            <a:r>
-              <a:rPr lang="it-IT" sz="800" dirty="0" smtClean="0"/>
-              <a:t>(1,1)</a:t>
-            </a:r>
-            <a:endParaRPr lang="it-IT" sz="800" dirty="0"/>
-          </a:p>
-        </p:txBody>
-      </p:sp>
-      <p:sp>
-        <p:nvSpPr>
-          <p:cNvPr id="180" name="CasellaDiTesto 179"/>
-          <p:cNvSpPr txBox="1"/>
-          <p:nvPr/>
-        </p:nvSpPr>
-        <p:spPr>
-          <a:xfrm>
-            <a:off x="6128464" y="688584"/>
-            <a:ext cx="436541" cy="215444"/>
-          </a:xfrm>
-          <a:prstGeom prst="rect">
-            <a:avLst/>
-          </a:prstGeom>
-          <a:noFill/>
-        </p:spPr>
-        <p:txBody>
-          <a:bodyPr wrap="square" rtlCol="0">
-            <a:spAutoFit/>
-          </a:bodyPr>
-          <a:lstStyle/>
-          <a:p>
-            <a:r>
-              <a:rPr lang="it-IT" sz="800" dirty="0" smtClean="0"/>
-              <a:t>(0,</a:t>
-            </a:r>
-            <a:r>
-              <a:rPr lang="it-IT" sz="800" dirty="0" smtClean="0"/>
-              <a:t>n)</a:t>
-            </a:r>
-            <a:endParaRPr lang="it-IT" sz="800" dirty="0"/>
-          </a:p>
-        </p:txBody>
-      </p:sp>
-      <p:sp>
-        <p:nvSpPr>
-          <p:cNvPr id="181" name="CasellaDiTesto 180"/>
-          <p:cNvSpPr txBox="1"/>
-          <p:nvPr/>
-        </p:nvSpPr>
-        <p:spPr>
-          <a:xfrm>
-            <a:off x="5968798" y="3944832"/>
-            <a:ext cx="436541" cy="215444"/>
-          </a:xfrm>
-          <a:prstGeom prst="rect">
-            <a:avLst/>
-          </a:prstGeom>
-          <a:noFill/>
-        </p:spPr>
-        <p:txBody>
-          <a:bodyPr wrap="square" rtlCol="0">
-            <a:spAutoFit/>
-          </a:bodyPr>
-          <a:lstStyle/>
-          <a:p>
-            <a:r>
-              <a:rPr lang="it-IT" sz="800" dirty="0" smtClean="0"/>
-              <a:t>(0,</a:t>
-            </a:r>
-            <a:r>
-              <a:rPr lang="it-IT" sz="800" dirty="0" smtClean="0"/>
-              <a:t>n)</a:t>
-            </a:r>
-            <a:endParaRPr lang="it-IT" sz="800" dirty="0"/>
-          </a:p>
-        </p:txBody>
-      </p:sp>
-      <p:sp>
-        <p:nvSpPr>
-          <p:cNvPr id="185" name="Ovale 184"/>
-          <p:cNvSpPr/>
-          <p:nvPr/>
-        </p:nvSpPr>
-        <p:spPr>
-          <a:xfrm>
-            <a:off x="6679019" y="391684"/>
-            <a:ext cx="142455" cy="125409"/>
-          </a:xfrm>
-          <a:prstGeom prst="ellipse">
-            <a:avLst/>
-          </a:prstGeom>
-          <a:solidFill>
-            <a:schemeClr val="accent1">
-              <a:lumMod val="75000"/>
-            </a:schemeClr>
-          </a:solidFill>
-          <a:ln>
-            <a:solidFill>
-              <a:schemeClr val="tx1"/>
-            </a:solidFill>
-          </a:ln>
-        </p:spPr>
-        <p:style>
-          <a:lnRef idx="1">
-            <a:schemeClr val="accent1"/>
-          </a:lnRef>
-          <a:fillRef idx="3">
-            <a:schemeClr val="accent1"/>
-          </a:fillRef>
-          <a:effectRef idx="2">
-            <a:schemeClr val="accent1"/>
-          </a:effectRef>
-          <a:fontRef idx="minor">
-            <a:schemeClr val="lt1"/>
-          </a:fontRef>
-        </p:style>
-        <p:txBody>
-          <a:bodyPr rtlCol="0" anchor="ctr"/>
-          <a:lstStyle/>
-          <a:p>
-            <a:pPr algn="ctr"/>
-            <a:endParaRPr lang="it-IT" sz="800"/>
-          </a:p>
-        </p:txBody>
-      </p:sp>
-      <p:cxnSp>
-        <p:nvCxnSpPr>
-          <p:cNvPr id="186" name="Connettore 1 185"/>
-          <p:cNvCxnSpPr>
-            <a:stCxn id="185" idx="4"/>
-          </p:cNvCxnSpPr>
-          <p:nvPr/>
-        </p:nvCxnSpPr>
-        <p:spPr>
-          <a:xfrm>
-            <a:off x="6750247" y="517093"/>
-            <a:ext cx="0" cy="306101"/>
-          </a:xfrm>
-          <a:prstGeom prst="line">
-            <a:avLst/>
-          </a:prstGeom>
-          <a:ln w="12700">
-            <a:solidFill>
-              <a:schemeClr val="tx1"/>
-            </a:solidFill>
-          </a:ln>
-        </p:spPr>
-        <p:style>
-          <a:lnRef idx="2">
-            <a:schemeClr val="accent1"/>
-          </a:lnRef>
-          <a:fillRef idx="0">
-            <a:schemeClr val="accent1"/>
-          </a:fillRef>
-          <a:effectRef idx="1">
-            <a:schemeClr val="accent1"/>
-          </a:effectRef>
-          <a:fontRef idx="minor">
-            <a:schemeClr val="tx1"/>
-          </a:fontRef>
-        </p:style>
-      </p:cxnSp>
-      <p:sp>
-        <p:nvSpPr>
-          <p:cNvPr id="187" name="CasellaDiTesto 186"/>
-          <p:cNvSpPr txBox="1"/>
-          <p:nvPr/>
-        </p:nvSpPr>
-        <p:spPr>
-          <a:xfrm>
-            <a:off x="5959685" y="359665"/>
-            <a:ext cx="774571" cy="215444"/>
-          </a:xfrm>
-          <a:prstGeom prst="rect">
-            <a:avLst/>
-          </a:prstGeom>
-          <a:noFill/>
-        </p:spPr>
-        <p:txBody>
-          <a:bodyPr wrap="none" rtlCol="0">
-            <a:spAutoFit/>
-          </a:bodyPr>
-          <a:lstStyle/>
-          <a:p>
-            <a:r>
-              <a:rPr lang="it-IT" sz="800" dirty="0" err="1" smtClean="0"/>
-              <a:t>idTrattoFiume</a:t>
-            </a:r>
-            <a:endParaRPr lang="it-IT" sz="800" dirty="0" smtClean="0"/>
           </a:p>
         </p:txBody>
       </p:sp>

--- a/E-R.pptx
+++ b/E-R.pptx
@@ -6380,13 +6380,13 @@
       </p:sp>
       <p:sp>
         <p:nvSpPr>
-          <p:cNvPr id="142" name="CasellaDiTesto 141"/>
+          <p:cNvPr id="143" name="CasellaDiTesto 142"/>
           <p:cNvSpPr txBox="1"/>
           <p:nvPr/>
         </p:nvSpPr>
         <p:spPr>
           <a:xfrm>
-            <a:off x="1033189" y="3824899"/>
+            <a:off x="1659887" y="3824899"/>
             <a:ext cx="585166" cy="215444"/>
           </a:xfrm>
           <a:prstGeom prst="rect">
@@ -6402,7 +6402,7 @@
           <a:p>
             <a:r>
               <a:rPr lang="it-IT" sz="800" dirty="0" smtClean="0"/>
-              <a:t>altitudine</a:t>
+              <a:t>latitudine</a:t>
             </a:r>
             <a:endParaRPr lang="it-IT" sz="800" dirty="0"/>
           </a:p>
@@ -6410,14 +6410,14 @@
       </p:sp>
       <p:sp>
         <p:nvSpPr>
-          <p:cNvPr id="143" name="CasellaDiTesto 142"/>
+          <p:cNvPr id="144" name="CasellaDiTesto 143"/>
           <p:cNvSpPr txBox="1"/>
           <p:nvPr/>
         </p:nvSpPr>
         <p:spPr>
           <a:xfrm>
-            <a:off x="1659887" y="3824899"/>
-            <a:ext cx="585166" cy="215444"/>
+            <a:off x="266950" y="4589536"/>
+            <a:ext cx="595235" cy="215444"/>
           </a:xfrm>
           <a:prstGeom prst="rect">
             <a:avLst/>
@@ -6431,36 +6431,6 @@
           <a:lstStyle/>
           <a:p>
             <a:r>
-              <a:rPr lang="it-IT" sz="800" dirty="0" smtClean="0"/>
-              <a:t>latitudine</a:t>
-            </a:r>
-            <a:endParaRPr lang="it-IT" sz="800" dirty="0"/>
-          </a:p>
-        </p:txBody>
-      </p:sp>
-      <p:sp>
-        <p:nvSpPr>
-          <p:cNvPr id="144" name="CasellaDiTesto 143"/>
-          <p:cNvSpPr txBox="1"/>
-          <p:nvPr/>
-        </p:nvSpPr>
-        <p:spPr>
-          <a:xfrm>
-            <a:off x="266950" y="4589536"/>
-            <a:ext cx="595235" cy="215444"/>
-          </a:xfrm>
-          <a:prstGeom prst="rect">
-            <a:avLst/>
-          </a:prstGeom>
-          <a:noFill/>
-        </p:spPr>
-        <p:txBody>
-          <a:bodyPr wrap="none" rtlCol="0">
-            <a:spAutoFit/>
-          </a:bodyPr>
-          <a:lstStyle/>
-          <a:p>
-            <a:r>
               <a:rPr lang="it-IT" sz="800" dirty="0" err="1" smtClean="0"/>
               <a:t>idSensore</a:t>
             </a:r>
@@ -6470,13 +6440,98 @@
       </p:sp>
       <p:sp>
         <p:nvSpPr>
-          <p:cNvPr id="153" name="Ovale 152"/>
+          <p:cNvPr id="156" name="Ovale 155"/>
           <p:cNvSpPr/>
           <p:nvPr/>
         </p:nvSpPr>
         <p:spPr>
           <a:xfrm>
-            <a:off x="1247484" y="4011923"/>
+            <a:off x="6250106" y="4038914"/>
+            <a:ext cx="142455" cy="125409"/>
+          </a:xfrm>
+          <a:prstGeom prst="ellipse">
+            <a:avLst/>
+          </a:prstGeom>
+          <a:solidFill>
+            <a:schemeClr val="accent1">
+              <a:lumMod val="75000"/>
+            </a:schemeClr>
+          </a:solidFill>
+          <a:ln>
+            <a:solidFill>
+              <a:schemeClr val="tx1"/>
+            </a:solidFill>
+          </a:ln>
+        </p:spPr>
+        <p:style>
+          <a:lnRef idx="1">
+            <a:schemeClr val="accent1"/>
+          </a:lnRef>
+          <a:fillRef idx="3">
+            <a:schemeClr val="accent1"/>
+          </a:fillRef>
+          <a:effectRef idx="2">
+            <a:schemeClr val="accent1"/>
+          </a:effectRef>
+          <a:fontRef idx="minor">
+            <a:schemeClr val="lt1"/>
+          </a:fontRef>
+        </p:style>
+        <p:txBody>
+          <a:bodyPr rtlCol="0" anchor="ctr"/>
+          <a:lstStyle/>
+          <a:p>
+            <a:pPr algn="ctr"/>
+            <a:endParaRPr lang="it-IT" sz="800"/>
+          </a:p>
+        </p:txBody>
+      </p:sp>
+      <p:cxnSp>
+        <p:nvCxnSpPr>
+          <p:cNvPr id="157" name="Connettore 1 156"/>
+          <p:cNvCxnSpPr>
+            <a:stCxn id="156" idx="4"/>
+          </p:cNvCxnSpPr>
+          <p:nvPr/>
+        </p:nvCxnSpPr>
+        <p:spPr>
+          <a:xfrm>
+            <a:off x="6321334" y="4164323"/>
+            <a:ext cx="0" cy="306101"/>
+          </a:xfrm>
+          <a:prstGeom prst="line">
+            <a:avLst/>
+          </a:prstGeom>
+          <a:ln w="12700">
+            <a:solidFill>
+              <a:schemeClr val="tx1"/>
+            </a:solidFill>
+          </a:ln>
+        </p:spPr>
+        <p:style>
+          <a:lnRef idx="2">
+            <a:schemeClr val="accent1"/>
+          </a:lnRef>
+          <a:fillRef idx="0">
+            <a:schemeClr val="accent1"/>
+          </a:fillRef>
+          <a:effectRef idx="1">
+            <a:schemeClr val="accent1"/>
+          </a:effectRef>
+          <a:fontRef idx="minor">
+            <a:schemeClr val="tx1"/>
+          </a:fontRef>
+        </p:style>
+      </p:cxnSp>
+      <p:sp>
+        <p:nvSpPr>
+          <p:cNvPr id="160" name="Ovale 159"/>
+          <p:cNvSpPr/>
+          <p:nvPr/>
+        </p:nvSpPr>
+        <p:spPr>
+          <a:xfrm>
+            <a:off x="6754312" y="4137332"/>
             <a:ext cx="142455" cy="125409"/>
           </a:xfrm>
           <a:prstGeom prst="ellipse">
@@ -6528,15 +6583,15 @@
       </p:sp>
       <p:cxnSp>
         <p:nvCxnSpPr>
-          <p:cNvPr id="154" name="Connettore 1 153"/>
+          <p:cNvPr id="161" name="Connettore 1 160"/>
           <p:cNvCxnSpPr>
-            <a:stCxn id="153" idx="4"/>
+            <a:stCxn id="160" idx="4"/>
           </p:cNvCxnSpPr>
           <p:nvPr/>
         </p:nvCxnSpPr>
         <p:spPr>
           <a:xfrm>
-            <a:off x="1318712" y="4137332"/>
+            <a:off x="6825540" y="4262741"/>
             <a:ext cx="0" cy="306101"/>
           </a:xfrm>
           <a:prstGeom prst="line">
@@ -6565,101 +6620,16 @@
       </p:cxnSp>
       <p:sp>
         <p:nvSpPr>
-          <p:cNvPr id="156" name="Ovale 155"/>
+          <p:cNvPr id="162" name="Rettangolo 161"/>
           <p:cNvSpPr/>
           <p:nvPr/>
         </p:nvSpPr>
         <p:spPr>
           <a:xfrm>
-            <a:off x="6250106" y="4038914"/>
-            <a:ext cx="142455" cy="125409"/>
-          </a:xfrm>
-          <a:prstGeom prst="ellipse">
-            <a:avLst/>
-          </a:prstGeom>
-          <a:solidFill>
-            <a:schemeClr val="accent1">
-              <a:lumMod val="75000"/>
-            </a:schemeClr>
-          </a:solidFill>
-          <a:ln>
-            <a:solidFill>
-              <a:schemeClr val="tx1"/>
-            </a:solidFill>
-          </a:ln>
-        </p:spPr>
-        <p:style>
-          <a:lnRef idx="1">
-            <a:schemeClr val="accent1"/>
-          </a:lnRef>
-          <a:fillRef idx="3">
-            <a:schemeClr val="accent1"/>
-          </a:fillRef>
-          <a:effectRef idx="2">
-            <a:schemeClr val="accent1"/>
-          </a:effectRef>
-          <a:fontRef idx="minor">
-            <a:schemeClr val="lt1"/>
-          </a:fontRef>
-        </p:style>
-        <p:txBody>
-          <a:bodyPr rtlCol="0" anchor="ctr"/>
-          <a:lstStyle/>
-          <a:p>
-            <a:pPr algn="ctr"/>
-            <a:endParaRPr lang="it-IT" sz="800"/>
-          </a:p>
-        </p:txBody>
-      </p:sp>
-      <p:cxnSp>
-        <p:nvCxnSpPr>
-          <p:cNvPr id="157" name="Connettore 1 156"/>
-          <p:cNvCxnSpPr>
-            <a:stCxn id="156" idx="4"/>
-          </p:cNvCxnSpPr>
-          <p:nvPr/>
-        </p:nvCxnSpPr>
-        <p:spPr>
-          <a:xfrm>
-            <a:off x="6321334" y="4164323"/>
-            <a:ext cx="0" cy="306101"/>
-          </a:xfrm>
-          <a:prstGeom prst="line">
-            <a:avLst/>
-          </a:prstGeom>
-          <a:ln w="12700">
-            <a:solidFill>
-              <a:schemeClr val="tx1"/>
-            </a:solidFill>
-          </a:ln>
-        </p:spPr>
-        <p:style>
-          <a:lnRef idx="2">
-            <a:schemeClr val="accent1"/>
-          </a:lnRef>
-          <a:fillRef idx="0">
-            <a:schemeClr val="accent1"/>
-          </a:fillRef>
-          <a:effectRef idx="1">
-            <a:schemeClr val="accent1"/>
-          </a:effectRef>
-          <a:fontRef idx="minor">
-            <a:schemeClr val="tx1"/>
-          </a:fontRef>
-        </p:style>
-      </p:cxnSp>
-      <p:sp>
-        <p:nvSpPr>
-          <p:cNvPr id="160" name="Ovale 159"/>
-          <p:cNvSpPr/>
-          <p:nvPr/>
-        </p:nvSpPr>
-        <p:spPr>
-          <a:xfrm>
-            <a:off x="6754312" y="4137332"/>
-            <a:ext cx="142455" cy="125409"/>
-          </a:xfrm>
-          <a:prstGeom prst="ellipse">
+            <a:off x="6170249" y="4374527"/>
+            <a:ext cx="844814" cy="385713"/>
+          </a:xfrm>
+          <a:prstGeom prst="rect">
             <a:avLst/>
           </a:prstGeom>
           <a:gradFill flip="none" rotWithShape="1">
@@ -6702,22 +6672,272 @@
           <a:lstStyle/>
           <a:p>
             <a:pPr algn="ctr"/>
+            <a:r>
+              <a:rPr lang="it-IT" sz="800" dirty="0" smtClean="0">
+                <a:solidFill>
+                  <a:srgbClr val="000000"/>
+                </a:solidFill>
+              </a:rPr>
+              <a:t>Rilevazione </a:t>
+            </a:r>
+            <a:r>
+              <a:rPr lang="it-IT" sz="800" dirty="0" smtClean="0">
+                <a:solidFill>
+                  <a:srgbClr val="000000"/>
+                </a:solidFill>
+              </a:rPr>
+              <a:t>Idrometro</a:t>
+            </a:r>
+            <a:endParaRPr lang="it-IT" sz="800" dirty="0">
+              <a:solidFill>
+                <a:srgbClr val="000000"/>
+              </a:solidFill>
+            </a:endParaRPr>
+          </a:p>
+        </p:txBody>
+      </p:sp>
+      <p:sp>
+        <p:nvSpPr>
+          <p:cNvPr id="163" name="CasellaDiTesto 162"/>
+          <p:cNvSpPr txBox="1"/>
+          <p:nvPr/>
+        </p:nvSpPr>
+        <p:spPr>
+          <a:xfrm>
+            <a:off x="6132821" y="3836668"/>
+            <a:ext cx="377026" cy="215444"/>
+          </a:xfrm>
+          <a:prstGeom prst="rect">
+            <a:avLst/>
+          </a:prstGeom>
+          <a:noFill/>
+        </p:spPr>
+        <p:txBody>
+          <a:bodyPr wrap="none" rtlCol="0">
+            <a:spAutoFit/>
+          </a:bodyPr>
+          <a:lstStyle/>
+          <a:p>
+            <a:r>
+              <a:rPr lang="it-IT" sz="800" dirty="0" smtClean="0"/>
+              <a:t>data</a:t>
+            </a:r>
+          </a:p>
+        </p:txBody>
+      </p:sp>
+      <p:sp>
+        <p:nvSpPr>
+          <p:cNvPr id="179" name="CasellaDiTesto 178"/>
+          <p:cNvSpPr txBox="1"/>
+          <p:nvPr/>
+        </p:nvSpPr>
+        <p:spPr>
+          <a:xfrm>
+            <a:off x="6599149" y="3960648"/>
+            <a:ext cx="430326" cy="215444"/>
+          </a:xfrm>
+          <a:prstGeom prst="rect">
+            <a:avLst/>
+          </a:prstGeom>
+          <a:noFill/>
+        </p:spPr>
+        <p:txBody>
+          <a:bodyPr wrap="none" rtlCol="0">
+            <a:spAutoFit/>
+          </a:bodyPr>
+          <a:lstStyle/>
+          <a:p>
+            <a:r>
+              <a:rPr lang="it-IT" sz="800" dirty="0" smtClean="0"/>
+              <a:t>livello</a:t>
+            </a:r>
+          </a:p>
+        </p:txBody>
+      </p:sp>
+      <p:sp>
+        <p:nvSpPr>
+          <p:cNvPr id="184" name="Arco 183"/>
+          <p:cNvSpPr/>
+          <p:nvPr/>
+        </p:nvSpPr>
+        <p:spPr>
+          <a:xfrm rot="16200000">
+            <a:off x="6009003" y="4069249"/>
+            <a:ext cx="834736" cy="1206207"/>
+          </a:xfrm>
+          <a:prstGeom prst="arc">
+            <a:avLst>
+              <a:gd name="adj1" fmla="val 16054277"/>
+              <a:gd name="adj2" fmla="val 4"/>
+            </a:avLst>
+          </a:prstGeom>
+          <a:ln w="12700">
+            <a:solidFill>
+              <a:schemeClr val="tx1"/>
+            </a:solidFill>
+          </a:ln>
+        </p:spPr>
+        <p:style>
+          <a:lnRef idx="2">
+            <a:schemeClr val="accent1"/>
+          </a:lnRef>
+          <a:fillRef idx="0">
+            <a:schemeClr val="accent1"/>
+          </a:fillRef>
+          <a:effectRef idx="1">
+            <a:schemeClr val="accent1"/>
+          </a:effectRef>
+          <a:fontRef idx="minor">
+            <a:schemeClr val="tx1"/>
+          </a:fontRef>
+        </p:style>
+        <p:txBody>
+          <a:bodyPr rtlCol="0" anchor="ctr"/>
+          <a:lstStyle/>
+          <a:p>
+            <a:pPr algn="ctr"/>
+            <a:endParaRPr lang="it-IT"/>
+          </a:p>
+        </p:txBody>
+      </p:sp>
+      <p:sp>
+        <p:nvSpPr>
+          <p:cNvPr id="185" name="Ovale 184"/>
+          <p:cNvSpPr/>
+          <p:nvPr/>
+        </p:nvSpPr>
+        <p:spPr>
+          <a:xfrm>
+            <a:off x="5752039" y="4679571"/>
+            <a:ext cx="142455" cy="125409"/>
+          </a:xfrm>
+          <a:prstGeom prst="ellipse">
+            <a:avLst/>
+          </a:prstGeom>
+          <a:solidFill>
+            <a:schemeClr val="accent1">
+              <a:lumMod val="75000"/>
+            </a:schemeClr>
+          </a:solidFill>
+          <a:ln>
+            <a:solidFill>
+              <a:schemeClr val="tx1"/>
+            </a:solidFill>
+          </a:ln>
+        </p:spPr>
+        <p:style>
+          <a:lnRef idx="1">
+            <a:schemeClr val="accent1"/>
+          </a:lnRef>
+          <a:fillRef idx="3">
+            <a:schemeClr val="accent1"/>
+          </a:fillRef>
+          <a:effectRef idx="2">
+            <a:schemeClr val="accent1"/>
+          </a:effectRef>
+          <a:fontRef idx="minor">
+            <a:schemeClr val="lt1"/>
+          </a:fontRef>
+        </p:style>
+        <p:txBody>
+          <a:bodyPr rtlCol="0" anchor="ctr"/>
+          <a:lstStyle/>
+          <a:p>
+            <a:pPr algn="ctr"/>
+            <a:endParaRPr lang="it-IT" sz="800"/>
+          </a:p>
+        </p:txBody>
+      </p:sp>
+      <p:sp>
+        <p:nvSpPr>
+          <p:cNvPr id="187" name="CasellaDiTesto 186"/>
+          <p:cNvSpPr txBox="1"/>
+          <p:nvPr/>
+        </p:nvSpPr>
+        <p:spPr>
+          <a:xfrm>
+            <a:off x="3825207" y="4448498"/>
+            <a:ext cx="643487" cy="215444"/>
+          </a:xfrm>
+          <a:prstGeom prst="rect">
+            <a:avLst/>
+          </a:prstGeom>
+          <a:noFill/>
+        </p:spPr>
+        <p:txBody>
+          <a:bodyPr wrap="square" rtlCol="0">
+            <a:spAutoFit/>
+          </a:bodyPr>
+          <a:lstStyle/>
+          <a:p>
+            <a:r>
+              <a:rPr lang="it-IT" sz="800" dirty="0" smtClean="0"/>
+              <a:t>rilevazione</a:t>
+            </a:r>
+            <a:endParaRPr lang="it-IT" sz="800" dirty="0"/>
+          </a:p>
+        </p:txBody>
+      </p:sp>
+      <p:sp>
+        <p:nvSpPr>
+          <p:cNvPr id="189" name="Ovale 188"/>
+          <p:cNvSpPr/>
+          <p:nvPr/>
+        </p:nvSpPr>
+        <p:spPr>
+          <a:xfrm>
+            <a:off x="638722" y="751833"/>
+            <a:ext cx="142455" cy="125409"/>
+          </a:xfrm>
+          <a:prstGeom prst="ellipse">
+            <a:avLst/>
+          </a:prstGeom>
+          <a:solidFill>
+            <a:schemeClr val="accent1">
+              <a:lumMod val="75000"/>
+            </a:schemeClr>
+          </a:solidFill>
+          <a:ln>
+            <a:solidFill>
+              <a:schemeClr val="tx1"/>
+            </a:solidFill>
+          </a:ln>
+        </p:spPr>
+        <p:style>
+          <a:lnRef idx="1">
+            <a:schemeClr val="accent1"/>
+          </a:lnRef>
+          <a:fillRef idx="3">
+            <a:schemeClr val="accent1"/>
+          </a:fillRef>
+          <a:effectRef idx="2">
+            <a:schemeClr val="accent1"/>
+          </a:effectRef>
+          <a:fontRef idx="minor">
+            <a:schemeClr val="lt1"/>
+          </a:fontRef>
+        </p:style>
+        <p:txBody>
+          <a:bodyPr rtlCol="0" anchor="ctr"/>
+          <a:lstStyle/>
+          <a:p>
+            <a:pPr algn="ctr"/>
             <a:endParaRPr lang="it-IT" sz="800"/>
           </a:p>
         </p:txBody>
       </p:sp>
       <p:cxnSp>
         <p:nvCxnSpPr>
-          <p:cNvPr id="161" name="Connettore 1 160"/>
+          <p:cNvPr id="190" name="Connettore 1 189"/>
           <p:cNvCxnSpPr>
-            <a:stCxn id="160" idx="4"/>
+            <a:stCxn id="189" idx="6"/>
           </p:cNvCxnSpPr>
           <p:nvPr/>
         </p:nvCxnSpPr>
         <p:spPr>
           <a:xfrm>
-            <a:off x="6825540" y="4262741"/>
-            <a:ext cx="0" cy="306101"/>
+            <a:off x="781177" y="814538"/>
+            <a:ext cx="252308" cy="0"/>
           </a:xfrm>
           <a:prstGeom prst="line">
             <a:avLst/>
@@ -6745,16 +6965,121 @@
       </p:cxnSp>
       <p:sp>
         <p:nvSpPr>
-          <p:cNvPr id="162" name="Rettangolo 161"/>
+          <p:cNvPr id="191" name="CasellaDiTesto 190"/>
+          <p:cNvSpPr txBox="1"/>
+          <p:nvPr/>
+        </p:nvSpPr>
+        <p:spPr>
+          <a:xfrm>
+            <a:off x="423049" y="536389"/>
+            <a:ext cx="519694" cy="215444"/>
+          </a:xfrm>
+          <a:prstGeom prst="rect">
+            <a:avLst/>
+          </a:prstGeom>
+          <a:noFill/>
+        </p:spPr>
+        <p:txBody>
+          <a:bodyPr wrap="none" rtlCol="0">
+            <a:spAutoFit/>
+          </a:bodyPr>
+          <a:lstStyle/>
+          <a:p>
+            <a:r>
+              <a:rPr lang="it-IT" sz="800" dirty="0" err="1" smtClean="0"/>
+              <a:t>idFiume</a:t>
+            </a:r>
+            <a:endParaRPr lang="it-IT" sz="800" dirty="0" smtClean="0"/>
+          </a:p>
+        </p:txBody>
+      </p:sp>
+      <p:cxnSp>
+        <p:nvCxnSpPr>
+          <p:cNvPr id="16" name="Connettore 1 15"/>
+          <p:cNvCxnSpPr>
+            <a:stCxn id="14" idx="1"/>
+            <a:endCxn id="188" idx="3"/>
+          </p:cNvCxnSpPr>
+          <p:nvPr/>
+        </p:nvCxnSpPr>
+        <p:spPr>
+          <a:xfrm flipH="1">
+            <a:off x="1878299" y="774957"/>
+            <a:ext cx="551624" cy="0"/>
+          </a:xfrm>
+          <a:prstGeom prst="line">
+            <a:avLst/>
+          </a:prstGeom>
+          <a:ln w="12700">
+            <a:solidFill>
+              <a:schemeClr val="tx1"/>
+            </a:solidFill>
+          </a:ln>
+        </p:spPr>
+        <p:style>
+          <a:lnRef idx="2">
+            <a:schemeClr val="accent1"/>
+          </a:lnRef>
+          <a:fillRef idx="0">
+            <a:schemeClr val="accent1"/>
+          </a:fillRef>
+          <a:effectRef idx="1">
+            <a:schemeClr val="accent1"/>
+          </a:effectRef>
+          <a:fontRef idx="minor">
+            <a:schemeClr val="tx1"/>
+          </a:fontRef>
+        </p:style>
+      </p:cxnSp>
+      <p:cxnSp>
+        <p:nvCxnSpPr>
+          <p:cNvPr id="192" name="Connettore 1 191"/>
+          <p:cNvCxnSpPr>
+            <a:stCxn id="193" idx="0"/>
+          </p:cNvCxnSpPr>
+          <p:nvPr/>
+        </p:nvCxnSpPr>
+        <p:spPr>
+          <a:xfrm flipV="1">
+            <a:off x="1436489" y="4618618"/>
+            <a:ext cx="0" cy="341137"/>
+          </a:xfrm>
+          <a:prstGeom prst="line">
+            <a:avLst/>
+          </a:prstGeom>
+          <a:ln w="12700">
+            <a:solidFill>
+              <a:schemeClr val="tx1"/>
+            </a:solidFill>
+          </a:ln>
+        </p:spPr>
+        <p:style>
+          <a:lnRef idx="2">
+            <a:schemeClr val="accent1"/>
+          </a:lnRef>
+          <a:fillRef idx="0">
+            <a:schemeClr val="accent1"/>
+          </a:fillRef>
+          <a:effectRef idx="1">
+            <a:schemeClr val="accent1"/>
+          </a:effectRef>
+          <a:fontRef idx="minor">
+            <a:schemeClr val="tx1"/>
+          </a:fontRef>
+        </p:style>
+      </p:cxnSp>
+      <p:sp>
+        <p:nvSpPr>
+          <p:cNvPr id="193" name="Ovale 192"/>
           <p:cNvSpPr/>
           <p:nvPr/>
         </p:nvSpPr>
         <p:spPr>
           <a:xfrm>
-            <a:off x="6170249" y="4374527"/>
-            <a:ext cx="844814" cy="385713"/>
-          </a:xfrm>
-          <a:prstGeom prst="rect">
+            <a:off x="1365261" y="4959755"/>
+            <a:ext cx="142455" cy="125409"/>
+          </a:xfrm>
+          <a:prstGeom prst="ellipse">
             <a:avLst/>
           </a:prstGeom>
           <a:gradFill flip="none" rotWithShape="1">
@@ -6797,264 +7122,22 @@
           <a:lstStyle/>
           <a:p>
             <a:pPr algn="ctr"/>
-            <a:r>
-              <a:rPr lang="it-IT" sz="800" dirty="0" smtClean="0">
-                <a:solidFill>
-                  <a:srgbClr val="000000"/>
-                </a:solidFill>
-              </a:rPr>
-              <a:t>Rilevazione Sensore</a:t>
-            </a:r>
-            <a:endParaRPr lang="it-IT" sz="800" dirty="0">
-              <a:solidFill>
-                <a:srgbClr val="000000"/>
-              </a:solidFill>
-            </a:endParaRPr>
-          </a:p>
-        </p:txBody>
-      </p:sp>
-      <p:sp>
-        <p:nvSpPr>
-          <p:cNvPr id="163" name="CasellaDiTesto 162"/>
-          <p:cNvSpPr txBox="1"/>
-          <p:nvPr/>
-        </p:nvSpPr>
-        <p:spPr>
-          <a:xfrm>
-            <a:off x="6132821" y="3836668"/>
-            <a:ext cx="377026" cy="215444"/>
-          </a:xfrm>
-          <a:prstGeom prst="rect">
-            <a:avLst/>
-          </a:prstGeom>
-          <a:noFill/>
-        </p:spPr>
-        <p:txBody>
-          <a:bodyPr wrap="none" rtlCol="0">
-            <a:spAutoFit/>
-          </a:bodyPr>
-          <a:lstStyle/>
-          <a:p>
-            <a:r>
-              <a:rPr lang="it-IT" sz="800" dirty="0" smtClean="0"/>
-              <a:t>data</a:t>
-            </a:r>
-          </a:p>
-        </p:txBody>
-      </p:sp>
-      <p:sp>
-        <p:nvSpPr>
-          <p:cNvPr id="179" name="CasellaDiTesto 178"/>
-          <p:cNvSpPr txBox="1"/>
-          <p:nvPr/>
-        </p:nvSpPr>
-        <p:spPr>
-          <a:xfrm>
-            <a:off x="6599149" y="3960648"/>
-            <a:ext cx="430326" cy="215444"/>
-          </a:xfrm>
-          <a:prstGeom prst="rect">
-            <a:avLst/>
-          </a:prstGeom>
-          <a:noFill/>
-        </p:spPr>
-        <p:txBody>
-          <a:bodyPr wrap="none" rtlCol="0">
-            <a:spAutoFit/>
-          </a:bodyPr>
-          <a:lstStyle/>
-          <a:p>
-            <a:r>
-              <a:rPr lang="it-IT" sz="800" dirty="0" smtClean="0"/>
-              <a:t>livello</a:t>
-            </a:r>
-          </a:p>
-        </p:txBody>
-      </p:sp>
-      <p:sp>
-        <p:nvSpPr>
-          <p:cNvPr id="184" name="Arco 183"/>
-          <p:cNvSpPr/>
-          <p:nvPr/>
-        </p:nvSpPr>
-        <p:spPr>
-          <a:xfrm rot="16200000">
-            <a:off x="6009003" y="4069249"/>
-            <a:ext cx="834736" cy="1206207"/>
-          </a:xfrm>
-          <a:prstGeom prst="arc">
-            <a:avLst>
-              <a:gd name="adj1" fmla="val 16054277"/>
-              <a:gd name="adj2" fmla="val 4"/>
-            </a:avLst>
-          </a:prstGeom>
-          <a:ln w="12700">
-            <a:solidFill>
-              <a:schemeClr val="tx1"/>
-            </a:solidFill>
-          </a:ln>
-        </p:spPr>
-        <p:style>
-          <a:lnRef idx="2">
-            <a:schemeClr val="accent1"/>
-          </a:lnRef>
-          <a:fillRef idx="0">
-            <a:schemeClr val="accent1"/>
-          </a:fillRef>
-          <a:effectRef idx="1">
-            <a:schemeClr val="accent1"/>
-          </a:effectRef>
-          <a:fontRef idx="minor">
-            <a:schemeClr val="tx1"/>
-          </a:fontRef>
-        </p:style>
-        <p:txBody>
-          <a:bodyPr rtlCol="0" anchor="ctr"/>
-          <a:lstStyle/>
-          <a:p>
-            <a:pPr algn="ctr"/>
-            <a:endParaRPr lang="it-IT"/>
-          </a:p>
-        </p:txBody>
-      </p:sp>
-      <p:sp>
-        <p:nvSpPr>
-          <p:cNvPr id="185" name="Ovale 184"/>
-          <p:cNvSpPr/>
-          <p:nvPr/>
-        </p:nvSpPr>
-        <p:spPr>
-          <a:xfrm>
-            <a:off x="5752039" y="4679571"/>
-            <a:ext cx="142455" cy="125409"/>
-          </a:xfrm>
-          <a:prstGeom prst="ellipse">
-            <a:avLst/>
-          </a:prstGeom>
-          <a:solidFill>
-            <a:schemeClr val="accent1">
-              <a:lumMod val="75000"/>
-            </a:schemeClr>
-          </a:solidFill>
-          <a:ln>
-            <a:solidFill>
-              <a:schemeClr val="tx1"/>
-            </a:solidFill>
-          </a:ln>
-        </p:spPr>
-        <p:style>
-          <a:lnRef idx="1">
-            <a:schemeClr val="accent1"/>
-          </a:lnRef>
-          <a:fillRef idx="3">
-            <a:schemeClr val="accent1"/>
-          </a:fillRef>
-          <a:effectRef idx="2">
-            <a:schemeClr val="accent1"/>
-          </a:effectRef>
-          <a:fontRef idx="minor">
-            <a:schemeClr val="lt1"/>
-          </a:fontRef>
-        </p:style>
-        <p:txBody>
-          <a:bodyPr rtlCol="0" anchor="ctr"/>
-          <a:lstStyle/>
-          <a:p>
-            <a:pPr algn="ctr"/>
-            <a:endParaRPr lang="it-IT" sz="800"/>
-          </a:p>
-        </p:txBody>
-      </p:sp>
-      <p:sp>
-        <p:nvSpPr>
-          <p:cNvPr id="187" name="CasellaDiTesto 186"/>
-          <p:cNvSpPr txBox="1"/>
-          <p:nvPr/>
-        </p:nvSpPr>
-        <p:spPr>
-          <a:xfrm>
-            <a:off x="3825207" y="4448498"/>
-            <a:ext cx="643487" cy="215444"/>
-          </a:xfrm>
-          <a:prstGeom prst="rect">
-            <a:avLst/>
-          </a:prstGeom>
-          <a:noFill/>
-        </p:spPr>
-        <p:txBody>
-          <a:bodyPr wrap="square" rtlCol="0">
-            <a:spAutoFit/>
-          </a:bodyPr>
-          <a:lstStyle/>
-          <a:p>
-            <a:r>
-              <a:rPr lang="it-IT" sz="800" dirty="0" smtClean="0"/>
-              <a:t>rilevazione</a:t>
-            </a:r>
-            <a:endParaRPr lang="it-IT" sz="800" dirty="0"/>
-          </a:p>
-        </p:txBody>
-      </p:sp>
-      <p:sp>
-        <p:nvSpPr>
-          <p:cNvPr id="189" name="Ovale 188"/>
-          <p:cNvSpPr/>
-          <p:nvPr/>
-        </p:nvSpPr>
-        <p:spPr>
-          <a:xfrm>
-            <a:off x="638722" y="751833"/>
-            <a:ext cx="142455" cy="125409"/>
-          </a:xfrm>
-          <a:prstGeom prst="ellipse">
-            <a:avLst/>
-          </a:prstGeom>
-          <a:solidFill>
-            <a:schemeClr val="accent1">
-              <a:lumMod val="75000"/>
-            </a:schemeClr>
-          </a:solidFill>
-          <a:ln>
-            <a:solidFill>
-              <a:schemeClr val="tx1"/>
-            </a:solidFill>
-          </a:ln>
-        </p:spPr>
-        <p:style>
-          <a:lnRef idx="1">
-            <a:schemeClr val="accent1"/>
-          </a:lnRef>
-          <a:fillRef idx="3">
-            <a:schemeClr val="accent1"/>
-          </a:fillRef>
-          <a:effectRef idx="2">
-            <a:schemeClr val="accent1"/>
-          </a:effectRef>
-          <a:fontRef idx="minor">
-            <a:schemeClr val="lt1"/>
-          </a:fontRef>
-        </p:style>
-        <p:txBody>
-          <a:bodyPr rtlCol="0" anchor="ctr"/>
-          <a:lstStyle/>
-          <a:p>
-            <a:pPr algn="ctr"/>
             <a:endParaRPr lang="it-IT" sz="800"/>
           </a:p>
         </p:txBody>
       </p:sp>
       <p:cxnSp>
         <p:nvCxnSpPr>
-          <p:cNvPr id="190" name="Connettore 1 189"/>
+          <p:cNvPr id="194" name="Connettore 1 193"/>
           <p:cNvCxnSpPr>
-            <a:stCxn id="189" idx="6"/>
+            <a:stCxn id="195" idx="0"/>
           </p:cNvCxnSpPr>
           <p:nvPr/>
         </p:nvCxnSpPr>
         <p:spPr>
-          <a:xfrm>
-            <a:off x="781177" y="814538"/>
-            <a:ext cx="252308" cy="0"/>
+          <a:xfrm flipV="1">
+            <a:off x="1839719" y="4618618"/>
+            <a:ext cx="0" cy="341137"/>
           </a:xfrm>
           <a:prstGeom prst="line">
             <a:avLst/>
@@ -7082,118 +7165,13 @@
       </p:cxnSp>
       <p:sp>
         <p:nvSpPr>
-          <p:cNvPr id="191" name="CasellaDiTesto 190"/>
-          <p:cNvSpPr txBox="1"/>
-          <p:nvPr/>
-        </p:nvSpPr>
-        <p:spPr>
-          <a:xfrm>
-            <a:off x="423049" y="536389"/>
-            <a:ext cx="519694" cy="215444"/>
-          </a:xfrm>
-          <a:prstGeom prst="rect">
-            <a:avLst/>
-          </a:prstGeom>
-          <a:noFill/>
-        </p:spPr>
-        <p:txBody>
-          <a:bodyPr wrap="none" rtlCol="0">
-            <a:spAutoFit/>
-          </a:bodyPr>
-          <a:lstStyle/>
-          <a:p>
-            <a:r>
-              <a:rPr lang="it-IT" sz="800" dirty="0" err="1" smtClean="0"/>
-              <a:t>idFiume</a:t>
-            </a:r>
-            <a:endParaRPr lang="it-IT" sz="800" dirty="0" smtClean="0"/>
-          </a:p>
-        </p:txBody>
-      </p:sp>
-      <p:cxnSp>
-        <p:nvCxnSpPr>
-          <p:cNvPr id="16" name="Connettore 1 15"/>
-          <p:cNvCxnSpPr>
-            <a:stCxn id="14" idx="1"/>
-            <a:endCxn id="188" idx="3"/>
-          </p:cNvCxnSpPr>
-          <p:nvPr/>
-        </p:nvCxnSpPr>
-        <p:spPr>
-          <a:xfrm flipH="1">
-            <a:off x="1878299" y="774957"/>
-            <a:ext cx="551624" cy="0"/>
-          </a:xfrm>
-          <a:prstGeom prst="line">
-            <a:avLst/>
-          </a:prstGeom>
-          <a:ln w="12700">
-            <a:solidFill>
-              <a:schemeClr val="tx1"/>
-            </a:solidFill>
-          </a:ln>
-        </p:spPr>
-        <p:style>
-          <a:lnRef idx="2">
-            <a:schemeClr val="accent1"/>
-          </a:lnRef>
-          <a:fillRef idx="0">
-            <a:schemeClr val="accent1"/>
-          </a:fillRef>
-          <a:effectRef idx="1">
-            <a:schemeClr val="accent1"/>
-          </a:effectRef>
-          <a:fontRef idx="minor">
-            <a:schemeClr val="tx1"/>
-          </a:fontRef>
-        </p:style>
-      </p:cxnSp>
-      <p:cxnSp>
-        <p:nvCxnSpPr>
-          <p:cNvPr id="192" name="Connettore 1 191"/>
-          <p:cNvCxnSpPr>
-            <a:stCxn id="193" idx="0"/>
-          </p:cNvCxnSpPr>
-          <p:nvPr/>
-        </p:nvCxnSpPr>
-        <p:spPr>
-          <a:xfrm flipV="1">
-            <a:off x="1436489" y="4618618"/>
-            <a:ext cx="0" cy="341137"/>
-          </a:xfrm>
-          <a:prstGeom prst="line">
-            <a:avLst/>
-          </a:prstGeom>
-          <a:ln w="12700">
-            <a:solidFill>
-              <a:schemeClr val="tx1"/>
-            </a:solidFill>
-          </a:ln>
-        </p:spPr>
-        <p:style>
-          <a:lnRef idx="2">
-            <a:schemeClr val="accent1"/>
-          </a:lnRef>
-          <a:fillRef idx="0">
-            <a:schemeClr val="accent1"/>
-          </a:fillRef>
-          <a:effectRef idx="1">
-            <a:schemeClr val="accent1"/>
-          </a:effectRef>
-          <a:fontRef idx="minor">
-            <a:schemeClr val="tx1"/>
-          </a:fontRef>
-        </p:style>
-      </p:cxnSp>
-      <p:sp>
-        <p:nvSpPr>
-          <p:cNvPr id="193" name="Ovale 192"/>
+          <p:cNvPr id="195" name="Ovale 194"/>
           <p:cNvSpPr/>
           <p:nvPr/>
         </p:nvSpPr>
         <p:spPr>
           <a:xfrm>
-            <a:off x="1365261" y="4959755"/>
+            <a:off x="1768491" y="4959755"/>
             <a:ext cx="142455" cy="125409"/>
           </a:xfrm>
           <a:prstGeom prst="ellipse">
@@ -7243,55 +7221,78 @@
           </a:p>
         </p:txBody>
       </p:sp>
-      <p:cxnSp>
-        <p:nvCxnSpPr>
-          <p:cNvPr id="194" name="Connettore 1 193"/>
-          <p:cNvCxnSpPr>
-            <a:stCxn id="195" idx="0"/>
-          </p:cNvCxnSpPr>
-          <p:nvPr/>
-        </p:nvCxnSpPr>
-        <p:spPr>
-          <a:xfrm flipV="1">
-            <a:off x="1839719" y="4618618"/>
-            <a:ext cx="0" cy="341137"/>
-          </a:xfrm>
-          <a:prstGeom prst="line">
-            <a:avLst/>
-          </a:prstGeom>
-          <a:ln w="12700">
-            <a:solidFill>
-              <a:schemeClr val="tx1"/>
-            </a:solidFill>
-          </a:ln>
-        </p:spPr>
-        <p:style>
-          <a:lnRef idx="2">
-            <a:schemeClr val="accent1"/>
-          </a:lnRef>
-          <a:fillRef idx="0">
-            <a:schemeClr val="accent1"/>
-          </a:fillRef>
-          <a:effectRef idx="1">
-            <a:schemeClr val="accent1"/>
-          </a:effectRef>
-          <a:fontRef idx="minor">
-            <a:schemeClr val="tx1"/>
-          </a:fontRef>
-        </p:style>
-      </p:cxnSp>
-      <p:sp>
-        <p:nvSpPr>
-          <p:cNvPr id="195" name="Ovale 194"/>
+      <p:sp>
+        <p:nvSpPr>
+          <p:cNvPr id="196" name="CasellaDiTesto 195"/>
+          <p:cNvSpPr txBox="1"/>
+          <p:nvPr/>
+        </p:nvSpPr>
+        <p:spPr>
+          <a:xfrm>
+            <a:off x="1069148" y="5085164"/>
+            <a:ext cx="652292" cy="215444"/>
+          </a:xfrm>
+          <a:prstGeom prst="rect">
+            <a:avLst/>
+          </a:prstGeom>
+          <a:noFill/>
+        </p:spPr>
+        <p:txBody>
+          <a:bodyPr wrap="none" rtlCol="0">
+            <a:spAutoFit/>
+          </a:bodyPr>
+          <a:lstStyle/>
+          <a:p>
+            <a:r>
+              <a:rPr lang="it-IT" sz="800" dirty="0" smtClean="0"/>
+              <a:t>costruttore</a:t>
+            </a:r>
+            <a:endParaRPr lang="it-IT" sz="800" dirty="0"/>
+          </a:p>
+        </p:txBody>
+      </p:sp>
+      <p:sp>
+        <p:nvSpPr>
+          <p:cNvPr id="197" name="CasellaDiTesto 196"/>
+          <p:cNvSpPr txBox="1"/>
+          <p:nvPr/>
+        </p:nvSpPr>
+        <p:spPr>
+          <a:xfrm>
+            <a:off x="1624069" y="5085164"/>
+            <a:ext cx="526857" cy="215444"/>
+          </a:xfrm>
+          <a:prstGeom prst="rect">
+            <a:avLst/>
+          </a:prstGeom>
+          <a:noFill/>
+        </p:spPr>
+        <p:txBody>
+          <a:bodyPr wrap="none" rtlCol="0">
+            <a:spAutoFit/>
+          </a:bodyPr>
+          <a:lstStyle/>
+          <a:p>
+            <a:r>
+              <a:rPr lang="it-IT" sz="800" dirty="0" smtClean="0"/>
+              <a:t>modello</a:t>
+            </a:r>
+            <a:endParaRPr lang="it-IT" sz="800" dirty="0"/>
+          </a:p>
+        </p:txBody>
+      </p:sp>
+      <p:sp>
+        <p:nvSpPr>
+          <p:cNvPr id="155" name="Rettangolo 154"/>
           <p:cNvSpPr/>
           <p:nvPr/>
         </p:nvSpPr>
         <p:spPr>
           <a:xfrm>
-            <a:off x="1768491" y="4959755"/>
-            <a:ext cx="142455" cy="125409"/>
-          </a:xfrm>
-          <a:prstGeom prst="ellipse">
+            <a:off x="1237480" y="4385793"/>
+            <a:ext cx="844814" cy="385713"/>
+          </a:xfrm>
+          <a:prstGeom prst="rect">
             <a:avLst/>
           </a:prstGeom>
           <a:gradFill flip="none" rotWithShape="1">
@@ -7334,82 +7335,71 @@
           <a:lstStyle/>
           <a:p>
             <a:pPr algn="ctr"/>
-            <a:endParaRPr lang="it-IT" sz="800"/>
-          </a:p>
-        </p:txBody>
-      </p:sp>
-      <p:sp>
-        <p:nvSpPr>
-          <p:cNvPr id="196" name="CasellaDiTesto 195"/>
-          <p:cNvSpPr txBox="1"/>
-          <p:nvPr/>
-        </p:nvSpPr>
-        <p:spPr>
-          <a:xfrm>
-            <a:off x="1069148" y="5085164"/>
-            <a:ext cx="652292" cy="215444"/>
-          </a:xfrm>
-          <a:prstGeom prst="rect">
-            <a:avLst/>
-          </a:prstGeom>
-          <a:noFill/>
-        </p:spPr>
-        <p:txBody>
-          <a:bodyPr wrap="none" rtlCol="0">
-            <a:spAutoFit/>
-          </a:bodyPr>
-          <a:lstStyle/>
-          <a:p>
-            <a:r>
-              <a:rPr lang="it-IT" sz="800" dirty="0" smtClean="0"/>
-              <a:t>costruttore</a:t>
-            </a:r>
-            <a:endParaRPr lang="it-IT" sz="800" dirty="0"/>
-          </a:p>
-        </p:txBody>
-      </p:sp>
-      <p:sp>
-        <p:nvSpPr>
-          <p:cNvPr id="197" name="CasellaDiTesto 196"/>
-          <p:cNvSpPr txBox="1"/>
-          <p:nvPr/>
-        </p:nvSpPr>
-        <p:spPr>
-          <a:xfrm>
-            <a:off x="1624069" y="5085164"/>
-            <a:ext cx="526857" cy="215444"/>
-          </a:xfrm>
-          <a:prstGeom prst="rect">
-            <a:avLst/>
-          </a:prstGeom>
-          <a:noFill/>
-        </p:spPr>
-        <p:txBody>
-          <a:bodyPr wrap="none" rtlCol="0">
-            <a:spAutoFit/>
-          </a:bodyPr>
-          <a:lstStyle/>
-          <a:p>
-            <a:r>
-              <a:rPr lang="it-IT" sz="800" dirty="0" smtClean="0"/>
-              <a:t>modello</a:t>
-            </a:r>
-            <a:endParaRPr lang="it-IT" sz="800" dirty="0"/>
-          </a:p>
-        </p:txBody>
-      </p:sp>
-      <p:sp>
-        <p:nvSpPr>
-          <p:cNvPr id="155" name="Rettangolo 154"/>
+            <a:r>
+              <a:rPr lang="it-IT" sz="800" dirty="0" smtClean="0">
+                <a:solidFill>
+                  <a:srgbClr val="000000"/>
+                </a:solidFill>
+              </a:rPr>
+              <a:t>Idrometro</a:t>
+            </a:r>
+            <a:endParaRPr lang="it-IT" sz="800" dirty="0">
+              <a:solidFill>
+                <a:srgbClr val="000000"/>
+              </a:solidFill>
+            </a:endParaRPr>
+          </a:p>
+        </p:txBody>
+      </p:sp>
+      <p:cxnSp>
+        <p:nvCxnSpPr>
+          <p:cNvPr id="199" name="Connettore 1 198"/>
+          <p:cNvCxnSpPr>
+            <a:stCxn id="200" idx="0"/>
+          </p:cNvCxnSpPr>
+          <p:nvPr/>
+        </p:nvCxnSpPr>
+        <p:spPr>
+          <a:xfrm flipV="1">
+            <a:off x="1279255" y="767028"/>
+            <a:ext cx="0" cy="341137"/>
+          </a:xfrm>
+          <a:prstGeom prst="line">
+            <a:avLst/>
+          </a:prstGeom>
+          <a:ln w="12700">
+            <a:solidFill>
+              <a:schemeClr val="tx1"/>
+            </a:solidFill>
+          </a:ln>
+        </p:spPr>
+        <p:style>
+          <a:lnRef idx="2">
+            <a:schemeClr val="accent1"/>
+          </a:lnRef>
+          <a:fillRef idx="0">
+            <a:schemeClr val="accent1"/>
+          </a:fillRef>
+          <a:effectRef idx="1">
+            <a:schemeClr val="accent1"/>
+          </a:effectRef>
+          <a:fontRef idx="minor">
+            <a:schemeClr val="tx1"/>
+          </a:fontRef>
+        </p:style>
+      </p:cxnSp>
+      <p:sp>
+        <p:nvSpPr>
+          <p:cNvPr id="200" name="Ovale 199"/>
           <p:cNvSpPr/>
           <p:nvPr/>
         </p:nvSpPr>
         <p:spPr>
           <a:xfrm>
-            <a:off x="1237480" y="4385793"/>
-            <a:ext cx="844814" cy="385713"/>
-          </a:xfrm>
-          <a:prstGeom prst="rect">
+            <a:off x="1208027" y="1108165"/>
+            <a:ext cx="142455" cy="125409"/>
+          </a:xfrm>
+          <a:prstGeom prst="ellipse">
             <a:avLst/>
           </a:prstGeom>
           <a:gradFill flip="none" rotWithShape="1">
@@ -7452,113 +7442,6 @@
           <a:lstStyle/>
           <a:p>
             <a:pPr algn="ctr"/>
-            <a:r>
-              <a:rPr lang="it-IT" sz="800" dirty="0" smtClean="0">
-                <a:solidFill>
-                  <a:srgbClr val="000000"/>
-                </a:solidFill>
-              </a:rPr>
-              <a:t>Sensore</a:t>
-            </a:r>
-            <a:endParaRPr lang="it-IT" sz="800" dirty="0">
-              <a:solidFill>
-                <a:srgbClr val="000000"/>
-              </a:solidFill>
-            </a:endParaRPr>
-          </a:p>
-        </p:txBody>
-      </p:sp>
-      <p:cxnSp>
-        <p:nvCxnSpPr>
-          <p:cNvPr id="199" name="Connettore 1 198"/>
-          <p:cNvCxnSpPr>
-            <a:stCxn id="200" idx="0"/>
-          </p:cNvCxnSpPr>
-          <p:nvPr/>
-        </p:nvCxnSpPr>
-        <p:spPr>
-          <a:xfrm flipV="1">
-            <a:off x="1279255" y="767028"/>
-            <a:ext cx="0" cy="341137"/>
-          </a:xfrm>
-          <a:prstGeom prst="line">
-            <a:avLst/>
-          </a:prstGeom>
-          <a:ln w="12700">
-            <a:solidFill>
-              <a:schemeClr val="tx1"/>
-            </a:solidFill>
-          </a:ln>
-        </p:spPr>
-        <p:style>
-          <a:lnRef idx="2">
-            <a:schemeClr val="accent1"/>
-          </a:lnRef>
-          <a:fillRef idx="0">
-            <a:schemeClr val="accent1"/>
-          </a:fillRef>
-          <a:effectRef idx="1">
-            <a:schemeClr val="accent1"/>
-          </a:effectRef>
-          <a:fontRef idx="minor">
-            <a:schemeClr val="tx1"/>
-          </a:fontRef>
-        </p:style>
-      </p:cxnSp>
-      <p:sp>
-        <p:nvSpPr>
-          <p:cNvPr id="200" name="Ovale 199"/>
-          <p:cNvSpPr/>
-          <p:nvPr/>
-        </p:nvSpPr>
-        <p:spPr>
-          <a:xfrm>
-            <a:off x="1208027" y="1108165"/>
-            <a:ext cx="142455" cy="125409"/>
-          </a:xfrm>
-          <a:prstGeom prst="ellipse">
-            <a:avLst/>
-          </a:prstGeom>
-          <a:gradFill flip="none" rotWithShape="1">
-            <a:gsLst>
-              <a:gs pos="0">
-                <a:schemeClr val="tx2">
-                  <a:lumMod val="40000"/>
-                  <a:lumOff val="60000"/>
-                </a:schemeClr>
-              </a:gs>
-              <a:gs pos="100000">
-                <a:schemeClr val="bg1"/>
-              </a:gs>
-            </a:gsLst>
-            <a:lin ang="16200000" scaled="0"/>
-            <a:tileRect/>
-          </a:gradFill>
-          <a:ln>
-            <a:solidFill>
-              <a:schemeClr val="tx1"/>
-            </a:solidFill>
-          </a:ln>
-        </p:spPr>
-        <p:style>
-          <a:lnRef idx="1">
-            <a:schemeClr val="accent1"/>
-          </a:lnRef>
-          <a:fillRef idx="3">
-            <a:schemeClr val="accent1"/>
-          </a:fillRef>
-          <a:effectRef idx="2">
-            <a:schemeClr val="accent1"/>
-          </a:effectRef>
-          <a:fontRef idx="minor">
-            <a:schemeClr val="lt1"/>
-          </a:fontRef>
-        </p:style>
-        <p:txBody>
-          <a:bodyPr rtlCol="0" anchor="ctr"/>
-          <a:lstStyle/>
-          <a:p>
-            <a:pPr algn="ctr"/>
             <a:endParaRPr lang="it-IT" sz="800"/>
           </a:p>
         </p:txBody>
@@ -7589,7 +7472,6 @@
               <a:rPr lang="it-IT" sz="800" dirty="0" smtClean="0"/>
               <a:t>nome</a:t>
             </a:r>
-            <a:endParaRPr lang="it-IT" sz="800" dirty="0" smtClean="0"/>
           </a:p>
         </p:txBody>
       </p:sp>
@@ -7701,7 +7583,7 @@
         </p:nvSpPr>
         <p:spPr>
           <a:xfrm>
-            <a:off x="3248572" y="780435"/>
+            <a:off x="2754937" y="930290"/>
             <a:ext cx="142455" cy="125409"/>
           </a:xfrm>
           <a:prstGeom prst="ellipse">
@@ -7751,7 +7633,7 @@
         </p:nvCxnSpPr>
         <p:spPr>
           <a:xfrm>
-            <a:off x="3319800" y="905844"/>
+            <a:off x="2826165" y="1055699"/>
             <a:ext cx="0" cy="306101"/>
           </a:xfrm>
           <a:prstGeom prst="line">
@@ -7786,7 +7668,7 @@
         </p:nvSpPr>
         <p:spPr>
           <a:xfrm>
-            <a:off x="6541054" y="496748"/>
+            <a:off x="6047419" y="646603"/>
             <a:ext cx="428322" cy="215444"/>
           </a:xfrm>
           <a:prstGeom prst="rect">
@@ -7816,7 +7698,7 @@
         </p:nvSpPr>
         <p:spPr>
           <a:xfrm>
-            <a:off x="2943063" y="564991"/>
+            <a:off x="2449428" y="714846"/>
             <a:ext cx="787395" cy="215444"/>
           </a:xfrm>
           <a:prstGeom prst="rect">
@@ -7846,7 +7728,7 @@
         </p:nvSpPr>
         <p:spPr>
           <a:xfrm>
-            <a:off x="4965615" y="1012299"/>
+            <a:off x="4471980" y="1162154"/>
             <a:ext cx="757842" cy="367674"/>
           </a:xfrm>
           <a:prstGeom prst="diamond">
@@ -7907,7 +7789,7 @@
         </p:nvCxnSpPr>
         <p:spPr>
           <a:xfrm flipV="1">
-            <a:off x="4009425" y="1196136"/>
+            <a:off x="3515790" y="1345991"/>
             <a:ext cx="956190" cy="9020"/>
           </a:xfrm>
           <a:prstGeom prst="line">
@@ -7945,7 +7827,7 @@
         </p:nvCxnSpPr>
         <p:spPr>
           <a:xfrm flipV="1">
-            <a:off x="5723457" y="1187117"/>
+            <a:off x="5229822" y="1336972"/>
             <a:ext cx="920464" cy="9019"/>
           </a:xfrm>
           <a:prstGeom prst="line">
@@ -7980,7 +7862,7 @@
         </p:nvSpPr>
         <p:spPr>
           <a:xfrm>
-            <a:off x="2800608" y="2727588"/>
+            <a:off x="2306973" y="2877443"/>
             <a:ext cx="142455" cy="125409"/>
           </a:xfrm>
           <a:prstGeom prst="ellipse">
@@ -8028,7 +7910,7 @@
         </p:nvSpPr>
         <p:spPr>
           <a:xfrm>
-            <a:off x="2800608" y="2987892"/>
+            <a:off x="2306973" y="3137747"/>
             <a:ext cx="142455" cy="125409"/>
           </a:xfrm>
           <a:prstGeom prst="ellipse">
@@ -8086,7 +7968,7 @@
         </p:nvSpPr>
         <p:spPr>
           <a:xfrm>
-            <a:off x="2683323" y="2525342"/>
+            <a:off x="2189688" y="2675197"/>
             <a:ext cx="377026" cy="215444"/>
           </a:xfrm>
           <a:prstGeom prst="rect">
@@ -8109,43 +7991,13 @@
       </p:sp>
       <p:sp>
         <p:nvSpPr>
-          <p:cNvPr id="28" name="CasellaDiTesto 27"/>
-          <p:cNvSpPr txBox="1"/>
-          <p:nvPr/>
-        </p:nvSpPr>
-        <p:spPr>
-          <a:xfrm>
-            <a:off x="332609" y="2032564"/>
-            <a:ext cx="776875" cy="215444"/>
-          </a:xfrm>
-          <a:prstGeom prst="rect">
-            <a:avLst/>
-          </a:prstGeom>
-          <a:noFill/>
-        </p:spPr>
-        <p:txBody>
-          <a:bodyPr wrap="none" rtlCol="0">
-            <a:spAutoFit/>
-          </a:bodyPr>
-          <a:lstStyle/>
-          <a:p>
-            <a:r>
-              <a:rPr lang="it-IT" sz="800" dirty="0" err="1" smtClean="0"/>
-              <a:t>valoreUmidità</a:t>
-            </a:r>
-            <a:endParaRPr lang="it-IT" sz="800" dirty="0" smtClean="0"/>
-          </a:p>
-        </p:txBody>
-      </p:sp>
-      <p:sp>
-        <p:nvSpPr>
           <p:cNvPr id="31" name="Diamante 30"/>
           <p:cNvSpPr/>
           <p:nvPr/>
         </p:nvSpPr>
         <p:spPr>
           <a:xfrm>
-            <a:off x="3208097" y="1880334"/>
+            <a:off x="2714462" y="2030189"/>
             <a:ext cx="757842" cy="367674"/>
           </a:xfrm>
           <a:prstGeom prst="diamond">
@@ -8206,7 +8058,7 @@
         </p:nvCxnSpPr>
         <p:spPr>
           <a:xfrm>
-            <a:off x="3587018" y="1398012"/>
+            <a:off x="3093383" y="1547867"/>
             <a:ext cx="0" cy="482322"/>
           </a:xfrm>
           <a:prstGeom prst="line">
@@ -8244,7 +8096,7 @@
         </p:nvCxnSpPr>
         <p:spPr>
           <a:xfrm flipH="1">
-            <a:off x="3583275" y="2248008"/>
+            <a:off x="3089640" y="2397863"/>
             <a:ext cx="3743" cy="479580"/>
           </a:xfrm>
           <a:prstGeom prst="line">
@@ -8281,7 +8133,7 @@
         </p:nvCxnSpPr>
         <p:spPr>
           <a:xfrm>
-            <a:off x="2943063" y="2790293"/>
+            <a:off x="2449428" y="2940148"/>
             <a:ext cx="265034" cy="0"/>
           </a:xfrm>
           <a:prstGeom prst="line">
@@ -8316,7 +8168,7 @@
         </p:nvSpPr>
         <p:spPr>
           <a:xfrm rot="16200000">
-            <a:off x="3235185" y="2317123"/>
+            <a:off x="2741550" y="2466978"/>
             <a:ext cx="834736" cy="1206207"/>
           </a:xfrm>
           <a:prstGeom prst="arc">
@@ -8362,7 +8214,7 @@
         </p:nvSpPr>
         <p:spPr>
           <a:xfrm>
-            <a:off x="3643422" y="2444680"/>
+            <a:off x="3149787" y="2594535"/>
             <a:ext cx="142455" cy="125409"/>
           </a:xfrm>
           <a:prstGeom prst="ellipse">
@@ -8412,7 +8264,7 @@
         </p:nvCxnSpPr>
         <p:spPr>
           <a:xfrm>
-            <a:off x="2943063" y="3050597"/>
+            <a:off x="2449428" y="3200452"/>
             <a:ext cx="302780" cy="0"/>
           </a:xfrm>
           <a:prstGeom prst="line">
@@ -8447,7 +8299,7 @@
         </p:nvSpPr>
         <p:spPr>
           <a:xfrm>
-            <a:off x="3160868" y="2727588"/>
+            <a:off x="2667233" y="2877443"/>
             <a:ext cx="844814" cy="385713"/>
           </a:xfrm>
           <a:prstGeom prst="rect">
@@ -8517,7 +8369,7 @@
         </p:nvSpPr>
         <p:spPr>
           <a:xfrm>
-            <a:off x="7309492" y="717731"/>
+            <a:off x="6815857" y="867586"/>
             <a:ext cx="142455" cy="125409"/>
           </a:xfrm>
           <a:prstGeom prst="ellipse">
@@ -8575,7 +8427,7 @@
         </p:nvSpPr>
         <p:spPr>
           <a:xfrm>
-            <a:off x="7749046" y="1024614"/>
+            <a:off x="7255411" y="1174469"/>
             <a:ext cx="142455" cy="125409"/>
           </a:xfrm>
           <a:prstGeom prst="ellipse">
@@ -8633,7 +8485,7 @@
         </p:nvSpPr>
         <p:spPr>
           <a:xfrm>
-            <a:off x="7749046" y="1254134"/>
+            <a:off x="7255411" y="1403989"/>
             <a:ext cx="142455" cy="125409"/>
           </a:xfrm>
           <a:prstGeom prst="ellipse">
@@ -8683,7 +8535,7 @@
         </p:nvCxnSpPr>
         <p:spPr>
           <a:xfrm flipH="1">
-            <a:off x="7380719" y="1087319"/>
+            <a:off x="6887084" y="1237174"/>
             <a:ext cx="368327" cy="0"/>
           </a:xfrm>
           <a:prstGeom prst="line">
@@ -8720,7 +8572,7 @@
         </p:nvCxnSpPr>
         <p:spPr>
           <a:xfrm flipH="1">
-            <a:off x="7380720" y="1316839"/>
+            <a:off x="6887085" y="1466694"/>
             <a:ext cx="368326" cy="0"/>
           </a:xfrm>
           <a:prstGeom prst="line">
@@ -8757,7 +8609,7 @@
         </p:nvCxnSpPr>
         <p:spPr>
           <a:xfrm>
-            <a:off x="7380720" y="843140"/>
+            <a:off x="6887085" y="992995"/>
             <a:ext cx="0" cy="306101"/>
           </a:xfrm>
           <a:prstGeom prst="line">
@@ -8792,7 +8644,7 @@
         </p:nvSpPr>
         <p:spPr>
           <a:xfrm>
-            <a:off x="7891501" y="965188"/>
+            <a:off x="7397866" y="1115043"/>
             <a:ext cx="364503" cy="215444"/>
           </a:xfrm>
           <a:prstGeom prst="rect">
@@ -8822,7 +8674,7 @@
         </p:nvSpPr>
         <p:spPr>
           <a:xfrm>
-            <a:off x="7230679" y="480282"/>
+            <a:off x="6737044" y="630137"/>
             <a:ext cx="300082" cy="215444"/>
           </a:xfrm>
           <a:prstGeom prst="rect">
@@ -8852,7 +8704,7 @@
         </p:nvSpPr>
         <p:spPr>
           <a:xfrm>
-            <a:off x="7891501" y="1177961"/>
+            <a:off x="7397866" y="1327816"/>
             <a:ext cx="697627" cy="215444"/>
           </a:xfrm>
           <a:prstGeom prst="rect">
@@ -8882,7 +8734,7 @@
         </p:nvSpPr>
         <p:spPr>
           <a:xfrm>
-            <a:off x="6683987" y="717731"/>
+            <a:off x="6190352" y="867586"/>
             <a:ext cx="142455" cy="125409"/>
           </a:xfrm>
           <a:prstGeom prst="ellipse">
@@ -8942,7 +8794,7 @@
         </p:nvCxnSpPr>
         <p:spPr>
           <a:xfrm>
-            <a:off x="6755215" y="843140"/>
+            <a:off x="6261580" y="992995"/>
             <a:ext cx="0" cy="306101"/>
           </a:xfrm>
           <a:prstGeom prst="line">
@@ -8977,7 +8829,7 @@
         </p:nvSpPr>
         <p:spPr>
           <a:xfrm>
-            <a:off x="6643921" y="994260"/>
+            <a:off x="6150286" y="1144115"/>
             <a:ext cx="844814" cy="385713"/>
           </a:xfrm>
           <a:prstGeom prst="rect">
@@ -9047,7 +8899,7 @@
         </p:nvSpPr>
         <p:spPr>
           <a:xfrm>
-            <a:off x="5024355" y="1064841"/>
+            <a:off x="4530720" y="1214696"/>
             <a:ext cx="636644" cy="215444"/>
           </a:xfrm>
           <a:prstGeom prst="rect">
@@ -9077,7 +8929,7 @@
         </p:nvSpPr>
         <p:spPr>
           <a:xfrm>
-            <a:off x="3245843" y="1949430"/>
+            <a:off x="2752208" y="2099285"/>
             <a:ext cx="696731" cy="215444"/>
           </a:xfrm>
           <a:prstGeom prst="rect">
@@ -9110,7 +8962,7 @@
         </p:nvCxnSpPr>
         <p:spPr>
           <a:xfrm flipV="1">
-            <a:off x="4009425" y="3894528"/>
+            <a:off x="3515790" y="4044383"/>
             <a:ext cx="956190" cy="3028"/>
           </a:xfrm>
           <a:prstGeom prst="line">
@@ -9148,7 +9000,7 @@
         </p:nvCxnSpPr>
         <p:spPr>
           <a:xfrm flipV="1">
-            <a:off x="5723457" y="3883071"/>
+            <a:off x="5229822" y="4032926"/>
             <a:ext cx="920464" cy="11457"/>
           </a:xfrm>
           <a:prstGeom prst="line">
@@ -9185,7 +9037,7 @@
         </p:nvCxnSpPr>
         <p:spPr>
           <a:xfrm flipV="1">
-            <a:off x="3945904" y="3852704"/>
+            <a:off x="3452269" y="4002559"/>
             <a:ext cx="0" cy="341137"/>
           </a:xfrm>
           <a:prstGeom prst="line">
@@ -9220,7 +9072,7 @@
         </p:nvSpPr>
         <p:spPr>
           <a:xfrm>
-            <a:off x="3874676" y="4193841"/>
+            <a:off x="3381041" y="4343696"/>
             <a:ext cx="142455" cy="125409"/>
           </a:xfrm>
           <a:prstGeom prst="ellipse">
@@ -9268,7 +9120,7 @@
         </p:nvSpPr>
         <p:spPr>
           <a:xfrm>
-            <a:off x="3741161" y="4290197"/>
+            <a:off x="3247526" y="4440052"/>
             <a:ext cx="402825" cy="215444"/>
           </a:xfrm>
           <a:prstGeom prst="rect">
@@ -9300,7 +9152,7 @@
         </p:nvCxnSpPr>
         <p:spPr>
           <a:xfrm flipV="1">
-            <a:off x="3583275" y="4039095"/>
+            <a:off x="3089640" y="4188950"/>
             <a:ext cx="0" cy="341137"/>
           </a:xfrm>
           <a:prstGeom prst="line">
@@ -9335,7 +9187,7 @@
         </p:nvSpPr>
         <p:spPr>
           <a:xfrm>
-            <a:off x="3512047" y="4380232"/>
+            <a:off x="3018412" y="4530087"/>
             <a:ext cx="142455" cy="125409"/>
           </a:xfrm>
           <a:prstGeom prst="ellipse">
@@ -9393,7 +9245,7 @@
         </p:nvSpPr>
         <p:spPr>
           <a:xfrm>
-            <a:off x="3188450" y="4497512"/>
+            <a:off x="2694815" y="4647367"/>
             <a:ext cx="789649" cy="215444"/>
           </a:xfrm>
           <a:prstGeom prst="rect">
@@ -9425,7 +9277,7 @@
         </p:nvCxnSpPr>
         <p:spPr>
           <a:xfrm flipV="1">
-            <a:off x="3284689" y="3817597"/>
+            <a:off x="2791054" y="3967452"/>
             <a:ext cx="0" cy="341137"/>
           </a:xfrm>
           <a:prstGeom prst="line">
@@ -9460,7 +9312,7 @@
         </p:nvSpPr>
         <p:spPr>
           <a:xfrm>
-            <a:off x="3213461" y="4158734"/>
+            <a:off x="2719826" y="4308589"/>
             <a:ext cx="142455" cy="125409"/>
           </a:xfrm>
           <a:prstGeom prst="ellipse">
@@ -9518,7 +9370,7 @@
         </p:nvSpPr>
         <p:spPr>
           <a:xfrm>
-            <a:off x="2417194" y="4158734"/>
+            <a:off x="1923559" y="4308589"/>
             <a:ext cx="867495" cy="215444"/>
           </a:xfrm>
           <a:prstGeom prst="rect">
@@ -9548,7 +9400,7 @@
         </p:nvSpPr>
         <p:spPr>
           <a:xfrm>
-            <a:off x="3164611" y="3704699"/>
+            <a:off x="2670976" y="3854554"/>
             <a:ext cx="844814" cy="385713"/>
           </a:xfrm>
           <a:prstGeom prst="rect">
@@ -9620,7 +9472,7 @@
         </p:nvCxnSpPr>
         <p:spPr>
           <a:xfrm flipV="1">
-            <a:off x="4907734" y="3930223"/>
+            <a:off x="4414099" y="4080078"/>
             <a:ext cx="208683" cy="222432"/>
           </a:xfrm>
           <a:prstGeom prst="line">
@@ -9655,7 +9507,7 @@
         </p:nvSpPr>
         <p:spPr>
           <a:xfrm>
-            <a:off x="4786141" y="4134289"/>
+            <a:off x="4292506" y="4284144"/>
             <a:ext cx="142455" cy="125409"/>
           </a:xfrm>
           <a:prstGeom prst="ellipse">
@@ -9713,7 +9565,7 @@
         </p:nvSpPr>
         <p:spPr>
           <a:xfrm>
-            <a:off x="4360335" y="4259698"/>
+            <a:off x="3866700" y="4409553"/>
             <a:ext cx="954107" cy="215444"/>
           </a:xfrm>
           <a:prstGeom prst="rect">
@@ -9746,7 +9598,7 @@
         </p:nvCxnSpPr>
         <p:spPr>
           <a:xfrm flipV="1">
-            <a:off x="5344536" y="4078365"/>
+            <a:off x="4850901" y="4228220"/>
             <a:ext cx="0" cy="430533"/>
           </a:xfrm>
           <a:prstGeom prst="line">
@@ -9781,7 +9633,7 @@
         </p:nvSpPr>
         <p:spPr>
           <a:xfrm>
-            <a:off x="5273308" y="4508898"/>
+            <a:off x="4779673" y="4658753"/>
             <a:ext cx="142455" cy="125409"/>
           </a:xfrm>
           <a:prstGeom prst="ellipse">
@@ -9839,7 +9691,7 @@
         </p:nvSpPr>
         <p:spPr>
           <a:xfrm>
-            <a:off x="4950548" y="4634307"/>
+            <a:off x="4456913" y="4784162"/>
             <a:ext cx="993631" cy="215444"/>
           </a:xfrm>
           <a:prstGeom prst="rect">
@@ -9871,7 +9723,7 @@
         </p:nvCxnSpPr>
         <p:spPr>
           <a:xfrm flipH="1" flipV="1">
-            <a:off x="5547172" y="3930224"/>
+            <a:off x="5053537" y="4080079"/>
             <a:ext cx="324394" cy="315634"/>
           </a:xfrm>
           <a:prstGeom prst="line">
@@ -9906,7 +9758,7 @@
         </p:nvSpPr>
         <p:spPr>
           <a:xfrm>
-            <a:off x="5850704" y="4227492"/>
+            <a:off x="5357069" y="4377347"/>
             <a:ext cx="142455" cy="125409"/>
           </a:xfrm>
           <a:prstGeom prst="ellipse">
@@ -9964,7 +9816,7 @@
         </p:nvSpPr>
         <p:spPr>
           <a:xfrm>
-            <a:off x="5778975" y="4319250"/>
+            <a:off x="5285340" y="4469105"/>
             <a:ext cx="902811" cy="215444"/>
           </a:xfrm>
           <a:prstGeom prst="rect">
@@ -9997,7 +9849,7 @@
         </p:nvCxnSpPr>
         <p:spPr>
           <a:xfrm>
-            <a:off x="5344536" y="3539628"/>
+            <a:off x="4850901" y="3689483"/>
             <a:ext cx="0" cy="171063"/>
           </a:xfrm>
           <a:prstGeom prst="line">
@@ -10032,7 +9884,7 @@
         </p:nvSpPr>
         <p:spPr>
           <a:xfrm>
-            <a:off x="5273308" y="3414219"/>
+            <a:off x="4779673" y="3564074"/>
             <a:ext cx="142455" cy="125409"/>
           </a:xfrm>
           <a:prstGeom prst="ellipse">
@@ -10090,7 +9942,7 @@
         </p:nvSpPr>
         <p:spPr>
           <a:xfrm>
-            <a:off x="4786141" y="3198775"/>
+            <a:off x="4292506" y="3348630"/>
             <a:ext cx="880219" cy="215444"/>
           </a:xfrm>
           <a:prstGeom prst="rect">
@@ -10120,7 +9972,7 @@
         </p:nvSpPr>
         <p:spPr>
           <a:xfrm>
-            <a:off x="4965615" y="3710691"/>
+            <a:off x="4471980" y="3860546"/>
             <a:ext cx="757842" cy="367674"/>
           </a:xfrm>
           <a:prstGeom prst="diamond">
@@ -10178,7 +10030,7 @@
         </p:nvSpPr>
         <p:spPr>
           <a:xfrm>
-            <a:off x="5024355" y="3763233"/>
+            <a:off x="4530720" y="3913088"/>
             <a:ext cx="636644" cy="215444"/>
           </a:xfrm>
           <a:prstGeom prst="rect">
@@ -10210,7 +10062,7 @@
         </p:nvCxnSpPr>
         <p:spPr>
           <a:xfrm flipH="1">
-            <a:off x="7309776" y="3798305"/>
+            <a:off x="6816141" y="3948160"/>
             <a:ext cx="414949" cy="1781"/>
           </a:xfrm>
           <a:prstGeom prst="line">
@@ -10245,7 +10097,7 @@
         </p:nvSpPr>
         <p:spPr>
           <a:xfrm>
-            <a:off x="7724725" y="3735600"/>
+            <a:off x="7231090" y="3885455"/>
             <a:ext cx="142455" cy="125409"/>
           </a:xfrm>
           <a:prstGeom prst="ellipse">
@@ -10295,7 +10147,7 @@
         </p:nvCxnSpPr>
         <p:spPr>
           <a:xfrm flipH="1">
-            <a:off x="7451947" y="4041382"/>
+            <a:off x="6958312" y="4191237"/>
             <a:ext cx="272778" cy="0"/>
           </a:xfrm>
           <a:prstGeom prst="line">
@@ -10330,7 +10182,7 @@
         </p:nvSpPr>
         <p:spPr>
           <a:xfrm>
-            <a:off x="7891501" y="3943290"/>
+            <a:off x="7397866" y="4093145"/>
             <a:ext cx="659155" cy="215444"/>
           </a:xfrm>
           <a:prstGeom prst="rect">
@@ -10348,7 +10200,6 @@
               <a:rPr lang="it-IT" sz="800" dirty="0" smtClean="0"/>
               <a:t>longitudine</a:t>
             </a:r>
-            <a:endParaRPr lang="it-IT" sz="800" dirty="0" smtClean="0"/>
           </a:p>
         </p:txBody>
       </p:sp>
@@ -10360,7 +10211,7 @@
         </p:nvSpPr>
         <p:spPr>
           <a:xfrm>
-            <a:off x="7891501" y="3692364"/>
+            <a:off x="7397866" y="3842219"/>
             <a:ext cx="466794" cy="215444"/>
           </a:xfrm>
           <a:prstGeom prst="rect">
@@ -10390,7 +10241,7 @@
         </p:nvSpPr>
         <p:spPr>
           <a:xfrm>
-            <a:off x="7724725" y="3978677"/>
+            <a:off x="7231090" y="4128532"/>
             <a:ext cx="142455" cy="125409"/>
           </a:xfrm>
           <a:prstGeom prst="ellipse">
@@ -10448,7 +10299,7 @@
         </p:nvCxnSpPr>
         <p:spPr>
           <a:xfrm flipV="1">
-            <a:off x="7312325" y="3894484"/>
+            <a:off x="6818690" y="4044339"/>
             <a:ext cx="0" cy="341137"/>
           </a:xfrm>
           <a:prstGeom prst="line">
@@ -10483,7 +10334,7 @@
         </p:nvSpPr>
         <p:spPr>
           <a:xfrm>
-            <a:off x="7241097" y="4227492"/>
+            <a:off x="6747462" y="4377347"/>
             <a:ext cx="142455" cy="125409"/>
           </a:xfrm>
           <a:prstGeom prst="ellipse">
@@ -10541,7 +10392,7 @@
         </p:nvSpPr>
         <p:spPr>
           <a:xfrm>
-            <a:off x="7198467" y="4336937"/>
+            <a:off x="6704832" y="4486792"/>
             <a:ext cx="585166" cy="215444"/>
           </a:xfrm>
           <a:prstGeom prst="rect">
@@ -10559,7 +10410,6 @@
               <a:rPr lang="it-IT" sz="800" dirty="0" smtClean="0"/>
               <a:t>latitudine</a:t>
             </a:r>
-            <a:endParaRPr lang="it-IT" sz="800" dirty="0" smtClean="0"/>
           </a:p>
         </p:txBody>
       </p:sp>
@@ -10571,7 +10421,7 @@
         </p:nvSpPr>
         <p:spPr>
           <a:xfrm>
-            <a:off x="6643921" y="3690214"/>
+            <a:off x="6150286" y="3840069"/>
             <a:ext cx="844814" cy="385713"/>
           </a:xfrm>
           <a:prstGeom prst="rect">
@@ -10641,7 +10491,7 @@
         </p:nvSpPr>
         <p:spPr>
           <a:xfrm>
-            <a:off x="6683987" y="2157668"/>
+            <a:off x="6190352" y="2307523"/>
             <a:ext cx="757842" cy="367674"/>
           </a:xfrm>
           <a:prstGeom prst="diamond">
@@ -10702,7 +10552,7 @@
         </p:nvCxnSpPr>
         <p:spPr>
           <a:xfrm flipH="1">
-            <a:off x="7062908" y="1379973"/>
+            <a:off x="6569273" y="1529828"/>
             <a:ext cx="3420" cy="777695"/>
           </a:xfrm>
           <a:prstGeom prst="line">
@@ -10740,7 +10590,7 @@
         </p:nvCxnSpPr>
         <p:spPr>
           <a:xfrm>
-            <a:off x="7062908" y="2525342"/>
+            <a:off x="6569273" y="2675197"/>
             <a:ext cx="3420" cy="1164872"/>
           </a:xfrm>
           <a:prstGeom prst="line">
@@ -10775,7 +10625,7 @@
         </p:nvSpPr>
         <p:spPr>
           <a:xfrm>
-            <a:off x="6783619" y="2229152"/>
+            <a:off x="6289984" y="2379007"/>
             <a:ext cx="565417" cy="215528"/>
           </a:xfrm>
           <a:prstGeom prst="rect">
@@ -10805,7 +10655,7 @@
         </p:nvSpPr>
         <p:spPr>
           <a:xfrm>
-            <a:off x="6247446" y="3664382"/>
+            <a:off x="5753811" y="3814237"/>
             <a:ext cx="436541" cy="215444"/>
           </a:xfrm>
           <a:prstGeom prst="rect">
@@ -10835,7 +10685,7 @@
         </p:nvSpPr>
         <p:spPr>
           <a:xfrm>
-            <a:off x="4037386" y="3679040"/>
+            <a:off x="3543751" y="3828895"/>
             <a:ext cx="436541" cy="215444"/>
           </a:xfrm>
           <a:prstGeom prst="rect">
@@ -10865,7 +10715,7 @@
         </p:nvSpPr>
         <p:spPr>
           <a:xfrm>
-            <a:off x="7036377" y="3431906"/>
+            <a:off x="6542742" y="3581761"/>
             <a:ext cx="436541" cy="215444"/>
           </a:xfrm>
           <a:prstGeom prst="rect">
@@ -10881,11 +10731,7 @@
           <a:p>
             <a:r>
               <a:rPr lang="it-IT" sz="800" dirty="0" smtClean="0"/>
-              <a:t>(0,</a:t>
-            </a:r>
-            <a:r>
-              <a:rPr lang="it-IT" sz="800" dirty="0" smtClean="0"/>
-              <a:t>n)</a:t>
+              <a:t>(0,n)</a:t>
             </a:r>
             <a:endParaRPr lang="it-IT" sz="800" dirty="0"/>
           </a:p>
@@ -10899,7 +10745,7 @@
         </p:nvSpPr>
         <p:spPr>
           <a:xfrm>
-            <a:off x="6688281" y="1396541"/>
+            <a:off x="6194646" y="1546396"/>
             <a:ext cx="436541" cy="215444"/>
           </a:xfrm>
           <a:prstGeom prst="rect">
@@ -10915,11 +10761,7 @@
           <a:p>
             <a:r>
               <a:rPr lang="it-IT" sz="800" dirty="0" smtClean="0"/>
-              <a:t>(</a:t>
-            </a:r>
-            <a:r>
-              <a:rPr lang="it-IT" sz="800" dirty="0" smtClean="0"/>
-              <a:t>1,1)</a:t>
+              <a:t>(1,1)</a:t>
             </a:r>
             <a:endParaRPr lang="it-IT" sz="800" dirty="0"/>
           </a:p>
@@ -10933,7 +10775,7 @@
         </p:nvSpPr>
         <p:spPr>
           <a:xfrm>
-            <a:off x="3541558" y="2212108"/>
+            <a:off x="3047923" y="2361963"/>
             <a:ext cx="436541" cy="215444"/>
           </a:xfrm>
           <a:prstGeom prst="rect">
@@ -10949,11 +10791,7 @@
           <a:p>
             <a:r>
               <a:rPr lang="it-IT" sz="800" dirty="0" smtClean="0"/>
-              <a:t>(</a:t>
-            </a:r>
-            <a:r>
-              <a:rPr lang="it-IT" sz="800" dirty="0" smtClean="0"/>
-              <a:t>1,1)</a:t>
+              <a:t>(1,1)</a:t>
             </a:r>
             <a:endParaRPr lang="it-IT" sz="800" dirty="0"/>
           </a:p>
@@ -10967,7 +10805,7 @@
         </p:nvSpPr>
         <p:spPr>
           <a:xfrm>
-            <a:off x="3265994" y="1379543"/>
+            <a:off x="2772359" y="1529398"/>
             <a:ext cx="436541" cy="215444"/>
           </a:xfrm>
           <a:prstGeom prst="rect">
@@ -10983,11 +10821,7 @@
           <a:p>
             <a:r>
               <a:rPr lang="it-IT" sz="800" dirty="0" smtClean="0"/>
-              <a:t>(0,</a:t>
-            </a:r>
-            <a:r>
-              <a:rPr lang="it-IT" sz="800" dirty="0" smtClean="0"/>
-              <a:t>n)</a:t>
+              <a:t>(0,n)</a:t>
             </a:r>
             <a:endParaRPr lang="it-IT" sz="800" dirty="0"/>
           </a:p>
@@ -11001,7 +10835,7 @@
         </p:nvSpPr>
         <p:spPr>
           <a:xfrm>
-            <a:off x="6280635" y="971673"/>
+            <a:off x="5787000" y="1121528"/>
             <a:ext cx="436541" cy="215444"/>
           </a:xfrm>
           <a:prstGeom prst="rect">
@@ -11017,11 +10851,7 @@
           <a:p>
             <a:r>
               <a:rPr lang="it-IT" sz="800" dirty="0" smtClean="0"/>
-              <a:t>(0,</a:t>
-            </a:r>
-            <a:r>
-              <a:rPr lang="it-IT" sz="800" dirty="0" smtClean="0"/>
-              <a:t>n)</a:t>
+              <a:t>(0,n)</a:t>
             </a:r>
             <a:endParaRPr lang="it-IT" sz="800" dirty="0"/>
           </a:p>
@@ -11035,7 +10865,7 @@
         </p:nvSpPr>
         <p:spPr>
           <a:xfrm>
-            <a:off x="4044037" y="963553"/>
+            <a:off x="3550402" y="1113408"/>
             <a:ext cx="436541" cy="215444"/>
           </a:xfrm>
           <a:prstGeom prst="rect">
@@ -11051,11 +10881,7 @@
           <a:p>
             <a:r>
               <a:rPr lang="it-IT" sz="800" dirty="0" smtClean="0"/>
-              <a:t>(</a:t>
-            </a:r>
-            <a:r>
-              <a:rPr lang="it-IT" sz="800" dirty="0" smtClean="0"/>
-              <a:t>1,1)</a:t>
+              <a:t>(1,1)</a:t>
             </a:r>
             <a:endParaRPr lang="it-IT" sz="800" dirty="0"/>
           </a:p>
@@ -11069,7 +10895,7 @@
         </p:nvSpPr>
         <p:spPr>
           <a:xfrm>
-            <a:off x="2954412" y="1067199"/>
+            <a:off x="2460777" y="1217054"/>
             <a:ext cx="206456" cy="201229"/>
           </a:xfrm>
           <a:prstGeom prst="rightArrow">
@@ -11121,7 +10947,7 @@
         </p:nvCxnSpPr>
         <p:spPr>
           <a:xfrm>
-            <a:off x="2588118" y="390173"/>
+            <a:off x="2094483" y="540028"/>
             <a:ext cx="1" cy="1670876"/>
           </a:xfrm>
           <a:prstGeom prst="line">
@@ -11158,7 +10984,7 @@
         </p:nvCxnSpPr>
         <p:spPr>
           <a:xfrm flipH="1" flipV="1">
-            <a:off x="2588119" y="1160512"/>
+            <a:off x="2094484" y="1310367"/>
             <a:ext cx="366293" cy="7302"/>
           </a:xfrm>
           <a:prstGeom prst="line">
@@ -11195,7 +11021,7 @@
         </p:nvCxnSpPr>
         <p:spPr>
           <a:xfrm flipH="1">
-            <a:off x="2190142" y="390173"/>
+            <a:off x="1696507" y="540028"/>
             <a:ext cx="391616" cy="0"/>
           </a:xfrm>
           <a:prstGeom prst="line">
@@ -11232,7 +11058,7 @@
         </p:nvCxnSpPr>
         <p:spPr>
           <a:xfrm flipH="1">
-            <a:off x="2187628" y="926576"/>
+            <a:off x="1693993" y="1076431"/>
             <a:ext cx="394130" cy="0"/>
           </a:xfrm>
           <a:prstGeom prst="line">
@@ -11269,7 +11095,7 @@
         </p:nvCxnSpPr>
         <p:spPr>
           <a:xfrm flipH="1">
-            <a:off x="2190142" y="1460285"/>
+            <a:off x="1696507" y="1610140"/>
             <a:ext cx="391616" cy="0"/>
           </a:xfrm>
           <a:prstGeom prst="line">
@@ -11306,7 +11132,7 @@
         </p:nvCxnSpPr>
         <p:spPr>
           <a:xfrm flipH="1">
-            <a:off x="2190142" y="2061049"/>
+            <a:off x="1696507" y="2210904"/>
             <a:ext cx="391616" cy="0"/>
           </a:xfrm>
           <a:prstGeom prst="line">
@@ -11335,16 +11161,16 @@
       </p:cxnSp>
       <p:sp>
         <p:nvSpPr>
-          <p:cNvPr id="179" name="Ovale 178"/>
+          <p:cNvPr id="156" name="Rettangolo 155"/>
           <p:cNvSpPr/>
           <p:nvPr/>
         </p:nvSpPr>
         <p:spPr>
           <a:xfrm>
-            <a:off x="1031955" y="2086699"/>
-            <a:ext cx="142455" cy="125409"/>
-          </a:xfrm>
-          <a:prstGeom prst="ellipse">
+            <a:off x="851693" y="347171"/>
+            <a:ext cx="844814" cy="385713"/>
+          </a:xfrm>
+          <a:prstGeom prst="rect">
             <a:avLst/>
           </a:prstGeom>
           <a:gradFill flip="none" rotWithShape="1">
@@ -11387,59 +11213,34 @@
           <a:lstStyle/>
           <a:p>
             <a:pPr algn="ctr"/>
-            <a:endParaRPr lang="it-IT" sz="800"/>
-          </a:p>
-        </p:txBody>
-      </p:sp>
-      <p:cxnSp>
-        <p:nvCxnSpPr>
-          <p:cNvPr id="180" name="Connettore 1 179"/>
-          <p:cNvCxnSpPr>
-            <a:stCxn id="179" idx="6"/>
-          </p:cNvCxnSpPr>
-          <p:nvPr/>
-        </p:nvCxnSpPr>
-        <p:spPr>
-          <a:xfrm>
-            <a:off x="1174410" y="2149404"/>
-            <a:ext cx="302780" cy="0"/>
-          </a:xfrm>
-          <a:prstGeom prst="line">
-            <a:avLst/>
-          </a:prstGeom>
-          <a:ln w="12700">
-            <a:solidFill>
-              <a:schemeClr val="tx1"/>
-            </a:solidFill>
-          </a:ln>
-        </p:spPr>
-        <p:style>
-          <a:lnRef idx="2">
-            <a:schemeClr val="accent1"/>
-          </a:lnRef>
-          <a:fillRef idx="0">
-            <a:schemeClr val="accent1"/>
-          </a:fillRef>
-          <a:effectRef idx="1">
-            <a:schemeClr val="accent1"/>
-          </a:effectRef>
-          <a:fontRef idx="minor">
-            <a:schemeClr val="tx1"/>
-          </a:fontRef>
-        </p:style>
-      </p:cxnSp>
-      <p:sp>
-        <p:nvSpPr>
-          <p:cNvPr id="181" name="Ovale 180"/>
+            <a:r>
+              <a:rPr lang="it-IT" sz="800" dirty="0" smtClean="0">
+                <a:solidFill>
+                  <a:srgbClr val="000000"/>
+                </a:solidFill>
+              </a:rPr>
+              <a:t>Termometro</a:t>
+            </a:r>
+            <a:endParaRPr lang="it-IT" sz="800" dirty="0">
+              <a:solidFill>
+                <a:srgbClr val="000000"/>
+              </a:solidFill>
+            </a:endParaRPr>
+          </a:p>
+        </p:txBody>
+      </p:sp>
+      <p:sp>
+        <p:nvSpPr>
+          <p:cNvPr id="157" name="Rettangolo 156"/>
           <p:cNvSpPr/>
           <p:nvPr/>
         </p:nvSpPr>
         <p:spPr>
           <a:xfrm>
-            <a:off x="1031955" y="1461774"/>
-            <a:ext cx="142455" cy="125409"/>
-          </a:xfrm>
-          <a:prstGeom prst="ellipse">
+            <a:off x="851693" y="1417283"/>
+            <a:ext cx="844814" cy="385713"/>
+          </a:xfrm>
+          <a:prstGeom prst="rect">
             <a:avLst/>
           </a:prstGeom>
           <a:gradFill flip="none" rotWithShape="1">
@@ -11482,59 +11283,34 @@
           <a:lstStyle/>
           <a:p>
             <a:pPr algn="ctr"/>
-            <a:endParaRPr lang="it-IT" sz="800"/>
-          </a:p>
-        </p:txBody>
-      </p:sp>
-      <p:cxnSp>
-        <p:nvCxnSpPr>
-          <p:cNvPr id="182" name="Connettore 1 181"/>
-          <p:cNvCxnSpPr>
-            <a:stCxn id="181" idx="6"/>
-          </p:cNvCxnSpPr>
-          <p:nvPr/>
-        </p:nvCxnSpPr>
-        <p:spPr>
-          <a:xfrm>
-            <a:off x="1174410" y="1524479"/>
-            <a:ext cx="302780" cy="0"/>
-          </a:xfrm>
-          <a:prstGeom prst="line">
-            <a:avLst/>
-          </a:prstGeom>
-          <a:ln w="12700">
-            <a:solidFill>
-              <a:schemeClr val="tx1"/>
-            </a:solidFill>
-          </a:ln>
-        </p:spPr>
-        <p:style>
-          <a:lnRef idx="2">
-            <a:schemeClr val="accent1"/>
-          </a:lnRef>
-          <a:fillRef idx="0">
-            <a:schemeClr val="accent1"/>
-          </a:fillRef>
-          <a:effectRef idx="1">
-            <a:schemeClr val="accent1"/>
-          </a:effectRef>
-          <a:fontRef idx="minor">
-            <a:schemeClr val="tx1"/>
-          </a:fontRef>
-        </p:style>
-      </p:cxnSp>
-      <p:sp>
-        <p:nvSpPr>
-          <p:cNvPr id="183" name="Ovale 182"/>
+            <a:r>
+              <a:rPr lang="it-IT" sz="800" dirty="0" smtClean="0">
+                <a:solidFill>
+                  <a:srgbClr val="000000"/>
+                </a:solidFill>
+              </a:rPr>
+              <a:t>Barometro</a:t>
+            </a:r>
+            <a:endParaRPr lang="it-IT" sz="800" dirty="0">
+              <a:solidFill>
+                <a:srgbClr val="000000"/>
+              </a:solidFill>
+            </a:endParaRPr>
+          </a:p>
+        </p:txBody>
+      </p:sp>
+      <p:sp>
+        <p:nvSpPr>
+          <p:cNvPr id="158" name="Rettangolo 157"/>
           <p:cNvSpPr/>
           <p:nvPr/>
         </p:nvSpPr>
         <p:spPr>
           <a:xfrm>
-            <a:off x="1031955" y="941790"/>
-            <a:ext cx="142455" cy="125409"/>
-          </a:xfrm>
-          <a:prstGeom prst="ellipse">
+            <a:off x="849179" y="883574"/>
+            <a:ext cx="844814" cy="385713"/>
+          </a:xfrm>
+          <a:prstGeom prst="rect">
             <a:avLst/>
           </a:prstGeom>
           <a:gradFill flip="none" rotWithShape="1">
@@ -11577,59 +11353,34 @@
           <a:lstStyle/>
           <a:p>
             <a:pPr algn="ctr"/>
-            <a:endParaRPr lang="it-IT" sz="800"/>
-          </a:p>
-        </p:txBody>
-      </p:sp>
-      <p:cxnSp>
-        <p:nvCxnSpPr>
-          <p:cNvPr id="184" name="Connettore 1 183"/>
-          <p:cNvCxnSpPr>
-            <a:stCxn id="183" idx="6"/>
-          </p:cNvCxnSpPr>
-          <p:nvPr/>
-        </p:nvCxnSpPr>
-        <p:spPr>
-          <a:xfrm>
-            <a:off x="1174410" y="1004495"/>
-            <a:ext cx="302780" cy="0"/>
-          </a:xfrm>
-          <a:prstGeom prst="line">
-            <a:avLst/>
-          </a:prstGeom>
-          <a:ln w="12700">
-            <a:solidFill>
-              <a:schemeClr val="tx1"/>
-            </a:solidFill>
-          </a:ln>
-        </p:spPr>
-        <p:style>
-          <a:lnRef idx="2">
-            <a:schemeClr val="accent1"/>
-          </a:lnRef>
-          <a:fillRef idx="0">
-            <a:schemeClr val="accent1"/>
-          </a:fillRef>
-          <a:effectRef idx="1">
-            <a:schemeClr val="accent1"/>
-          </a:effectRef>
-          <a:fontRef idx="minor">
-            <a:schemeClr val="tx1"/>
-          </a:fontRef>
-        </p:style>
-      </p:cxnSp>
-      <p:sp>
-        <p:nvSpPr>
-          <p:cNvPr id="185" name="Ovale 184"/>
+            <a:r>
+              <a:rPr lang="it-IT" sz="800" dirty="0" smtClean="0">
+                <a:solidFill>
+                  <a:srgbClr val="000000"/>
+                </a:solidFill>
+              </a:rPr>
+              <a:t>Pluviometro</a:t>
+            </a:r>
+            <a:endParaRPr lang="it-IT" sz="800" dirty="0">
+              <a:solidFill>
+                <a:srgbClr val="000000"/>
+              </a:solidFill>
+            </a:endParaRPr>
+          </a:p>
+        </p:txBody>
+      </p:sp>
+      <p:sp>
+        <p:nvSpPr>
+          <p:cNvPr id="159" name="Rettangolo 158"/>
           <p:cNvSpPr/>
           <p:nvPr/>
         </p:nvSpPr>
         <p:spPr>
           <a:xfrm>
-            <a:off x="1031955" y="390173"/>
-            <a:ext cx="142455" cy="125409"/>
-          </a:xfrm>
-          <a:prstGeom prst="ellipse">
+            <a:off x="851693" y="2018047"/>
+            <a:ext cx="844814" cy="385713"/>
+          </a:xfrm>
+          <a:prstGeom prst="rect">
             <a:avLst/>
           </a:prstGeom>
           <a:gradFill flip="none" rotWithShape="1">
@@ -11672,22 +11423,34 @@
           <a:lstStyle/>
           <a:p>
             <a:pPr algn="ctr"/>
-            <a:endParaRPr lang="it-IT" sz="800"/>
+            <a:r>
+              <a:rPr lang="it-IT" sz="800" dirty="0" smtClean="0">
+                <a:solidFill>
+                  <a:srgbClr val="000000"/>
+                </a:solidFill>
+              </a:rPr>
+              <a:t>Igrometro</a:t>
+            </a:r>
+            <a:endParaRPr lang="it-IT" sz="800" dirty="0">
+              <a:solidFill>
+                <a:srgbClr val="000000"/>
+              </a:solidFill>
+            </a:endParaRPr>
           </a:p>
         </p:txBody>
       </p:sp>
       <p:cxnSp>
         <p:nvCxnSpPr>
-          <p:cNvPr id="186" name="Connettore 1 185"/>
+          <p:cNvPr id="195" name="Connettore 1 194"/>
           <p:cNvCxnSpPr>
-            <a:stCxn id="185" idx="6"/>
+            <a:stCxn id="196" idx="4"/>
           </p:cNvCxnSpPr>
           <p:nvPr/>
         </p:nvCxnSpPr>
         <p:spPr>
           <a:xfrm>
-            <a:off x="1174410" y="452878"/>
-            <a:ext cx="302780" cy="0"/>
+            <a:off x="3309814" y="790846"/>
+            <a:ext cx="0" cy="471226"/>
           </a:xfrm>
           <a:prstGeom prst="line">
             <a:avLst/>
@@ -11715,16 +11478,16 @@
       </p:cxnSp>
       <p:sp>
         <p:nvSpPr>
-          <p:cNvPr id="156" name="Rettangolo 155"/>
+          <p:cNvPr id="196" name="Ovale 195"/>
           <p:cNvSpPr/>
           <p:nvPr/>
         </p:nvSpPr>
         <p:spPr>
           <a:xfrm>
-            <a:off x="1345328" y="197316"/>
-            <a:ext cx="844814" cy="385713"/>
-          </a:xfrm>
-          <a:prstGeom prst="rect">
+            <a:off x="3238586" y="665437"/>
+            <a:ext cx="142455" cy="125409"/>
+          </a:xfrm>
+          <a:prstGeom prst="ellipse">
             <a:avLst/>
           </a:prstGeom>
           <a:gradFill flip="none" rotWithShape="1">
@@ -11767,34 +11530,117 @@
           <a:lstStyle/>
           <a:p>
             <a:pPr algn="ctr"/>
-            <a:r>
-              <a:rPr lang="it-IT" sz="800" dirty="0" smtClean="0">
-                <a:solidFill>
-                  <a:srgbClr val="000000"/>
-                </a:solidFill>
-              </a:rPr>
-              <a:t>Termometro</a:t>
-            </a:r>
-            <a:endParaRPr lang="it-IT" sz="800" dirty="0">
-              <a:solidFill>
-                <a:srgbClr val="000000"/>
-              </a:solidFill>
-            </a:endParaRPr>
-          </a:p>
-        </p:txBody>
-      </p:sp>
-      <p:sp>
-        <p:nvSpPr>
-          <p:cNvPr id="157" name="Rettangolo 156"/>
+            <a:endParaRPr lang="it-IT" sz="800"/>
+          </a:p>
+        </p:txBody>
+      </p:sp>
+      <p:sp>
+        <p:nvSpPr>
+          <p:cNvPr id="199" name="CasellaDiTesto 198"/>
+          <p:cNvSpPr txBox="1"/>
+          <p:nvPr/>
+        </p:nvSpPr>
+        <p:spPr>
+          <a:xfrm>
+            <a:off x="3093383" y="490340"/>
+            <a:ext cx="444052" cy="215444"/>
+          </a:xfrm>
+          <a:prstGeom prst="rect">
+            <a:avLst/>
+          </a:prstGeom>
+          <a:noFill/>
+        </p:spPr>
+        <p:txBody>
+          <a:bodyPr wrap="none" rtlCol="0">
+            <a:spAutoFit/>
+          </a:bodyPr>
+          <a:lstStyle/>
+          <a:p>
+            <a:r>
+              <a:rPr lang="it-IT" sz="800" dirty="0" smtClean="0"/>
+              <a:t>marca</a:t>
+            </a:r>
+          </a:p>
+        </p:txBody>
+      </p:sp>
+      <p:sp>
+        <p:nvSpPr>
+          <p:cNvPr id="200" name="CasellaDiTesto 199"/>
+          <p:cNvSpPr txBox="1"/>
+          <p:nvPr/>
+        </p:nvSpPr>
+        <p:spPr>
+          <a:xfrm>
+            <a:off x="3448939" y="1774819"/>
+            <a:ext cx="526857" cy="215444"/>
+          </a:xfrm>
+          <a:prstGeom prst="rect">
+            <a:avLst/>
+          </a:prstGeom>
+          <a:noFill/>
+        </p:spPr>
+        <p:txBody>
+          <a:bodyPr wrap="none" rtlCol="0">
+            <a:spAutoFit/>
+          </a:bodyPr>
+          <a:lstStyle/>
+          <a:p>
+            <a:r>
+              <a:rPr lang="it-IT" sz="800" dirty="0" smtClean="0"/>
+              <a:t>modello</a:t>
+            </a:r>
+          </a:p>
+        </p:txBody>
+      </p:sp>
+      <p:cxnSp>
+        <p:nvCxnSpPr>
+          <p:cNvPr id="201" name="Connettore 1 200"/>
+          <p:cNvCxnSpPr>
+            <a:stCxn id="202" idx="1"/>
+          </p:cNvCxnSpPr>
+          <p:nvPr/>
+        </p:nvCxnSpPr>
+        <p:spPr>
+          <a:xfrm flipH="1" flipV="1">
+            <a:off x="3322686" y="1384869"/>
+            <a:ext cx="324394" cy="315634"/>
+          </a:xfrm>
+          <a:prstGeom prst="line">
+            <a:avLst/>
+          </a:prstGeom>
+          <a:ln w="12700">
+            <a:solidFill>
+              <a:schemeClr val="tx1"/>
+            </a:solidFill>
+          </a:ln>
+        </p:spPr>
+        <p:style>
+          <a:lnRef idx="2">
+            <a:schemeClr val="accent1"/>
+          </a:lnRef>
+          <a:fillRef idx="0">
+            <a:schemeClr val="accent1"/>
+          </a:fillRef>
+          <a:effectRef idx="1">
+            <a:schemeClr val="accent1"/>
+          </a:effectRef>
+          <a:fontRef idx="minor">
+            <a:schemeClr val="tx1"/>
+          </a:fontRef>
+        </p:style>
+      </p:cxnSp>
+      <p:sp>
+        <p:nvSpPr>
+          <p:cNvPr id="202" name="Ovale 201"/>
           <p:cNvSpPr/>
           <p:nvPr/>
         </p:nvSpPr>
         <p:spPr>
           <a:xfrm>
-            <a:off x="1345328" y="1267428"/>
-            <a:ext cx="844814" cy="385713"/>
-          </a:xfrm>
-          <a:prstGeom prst="rect">
+            <a:off x="3626218" y="1682137"/>
+            <a:ext cx="142455" cy="125409"/>
+          </a:xfrm>
+          <a:prstGeom prst="ellipse">
             <a:avLst/>
           </a:prstGeom>
           <a:gradFill flip="none" rotWithShape="1">
@@ -11837,31 +11683,19 @@
           <a:lstStyle/>
           <a:p>
             <a:pPr algn="ctr"/>
-            <a:r>
-              <a:rPr lang="it-IT" sz="800" dirty="0" smtClean="0">
-                <a:solidFill>
-                  <a:srgbClr val="000000"/>
-                </a:solidFill>
-              </a:rPr>
-              <a:t>Barometro</a:t>
-            </a:r>
-            <a:endParaRPr lang="it-IT" sz="800" dirty="0">
-              <a:solidFill>
-                <a:srgbClr val="000000"/>
-              </a:solidFill>
-            </a:endParaRPr>
-          </a:p>
-        </p:txBody>
-      </p:sp>
-      <p:sp>
-        <p:nvSpPr>
-          <p:cNvPr id="158" name="Rettangolo 157"/>
+            <a:endParaRPr lang="it-IT" sz="800"/>
+          </a:p>
+        </p:txBody>
+      </p:sp>
+      <p:sp>
+        <p:nvSpPr>
+          <p:cNvPr id="16" name="Rettangolo 15"/>
           <p:cNvSpPr/>
           <p:nvPr/>
         </p:nvSpPr>
         <p:spPr>
           <a:xfrm>
-            <a:off x="1342814" y="733719"/>
+            <a:off x="2670976" y="1162154"/>
             <a:ext cx="844814" cy="385713"/>
           </a:xfrm>
           <a:prstGeom prst="rect">
@@ -11913,7 +11747,7 @@
                   <a:srgbClr val="000000"/>
                 </a:solidFill>
               </a:rPr>
-              <a:t>Pluviometro</a:t>
+              <a:t>Sensore</a:t>
             </a:r>
             <a:endParaRPr lang="it-IT" sz="800" dirty="0">
               <a:solidFill>
@@ -11925,84 +11759,14 @@
       </p:sp>
       <p:sp>
         <p:nvSpPr>
-          <p:cNvPr id="159" name="Rettangolo 158"/>
-          <p:cNvSpPr/>
-          <p:nvPr/>
-        </p:nvSpPr>
-        <p:spPr>
-          <a:xfrm>
-            <a:off x="1345328" y="1868192"/>
-            <a:ext cx="844814" cy="385713"/>
-          </a:xfrm>
-          <a:prstGeom prst="rect">
-            <a:avLst/>
-          </a:prstGeom>
-          <a:gradFill flip="none" rotWithShape="1">
-            <a:gsLst>
-              <a:gs pos="0">
-                <a:schemeClr val="accent4">
-                  <a:lumMod val="60000"/>
-                  <a:lumOff val="40000"/>
-                </a:schemeClr>
-              </a:gs>
-              <a:gs pos="100000">
-                <a:srgbClr val="FFFFFF"/>
-              </a:gs>
-            </a:gsLst>
-            <a:lin ang="15600000" scaled="0"/>
-            <a:tileRect/>
-          </a:gradFill>
-          <a:ln>
-            <a:solidFill>
-              <a:schemeClr val="tx1"/>
-            </a:solidFill>
-          </a:ln>
-        </p:spPr>
-        <p:style>
-          <a:lnRef idx="1">
-            <a:schemeClr val="accent1"/>
-          </a:lnRef>
-          <a:fillRef idx="3">
-            <a:schemeClr val="accent1"/>
-          </a:fillRef>
-          <a:effectRef idx="2">
-            <a:schemeClr val="accent1"/>
-          </a:effectRef>
-          <a:fontRef idx="minor">
-            <a:schemeClr val="lt1"/>
-          </a:fontRef>
-        </p:style>
-        <p:txBody>
-          <a:bodyPr rtlCol="0" anchor="ctr"/>
-          <a:lstStyle/>
-          <a:p>
-            <a:pPr algn="ctr"/>
-            <a:r>
-              <a:rPr lang="it-IT" sz="800" dirty="0" smtClean="0">
-                <a:solidFill>
-                  <a:srgbClr val="000000"/>
-                </a:solidFill>
-              </a:rPr>
-              <a:t>Igrometro</a:t>
-            </a:r>
-            <a:endParaRPr lang="it-IT" sz="800" dirty="0">
-              <a:solidFill>
-                <a:srgbClr val="000000"/>
-              </a:solidFill>
-            </a:endParaRPr>
-          </a:p>
-        </p:txBody>
-      </p:sp>
-      <p:sp>
-        <p:nvSpPr>
-          <p:cNvPr id="187" name="CasellaDiTesto 186"/>
+          <p:cNvPr id="203" name="CasellaDiTesto 202"/>
           <p:cNvSpPr txBox="1"/>
           <p:nvPr/>
         </p:nvSpPr>
         <p:spPr>
           <a:xfrm>
-            <a:off x="74074" y="1416757"/>
-            <a:ext cx="1044326" cy="215444"/>
+            <a:off x="1862370" y="3092730"/>
+            <a:ext cx="444603" cy="215444"/>
           </a:xfrm>
           <a:prstGeom prst="rect">
             <a:avLst/>
@@ -12016,420 +11780,9 @@
           <a:lstStyle/>
           <a:p>
             <a:r>
-              <a:rPr lang="it-IT" sz="800" dirty="0" err="1" smtClean="0"/>
-              <a:t>valorePressioneATM</a:t>
-            </a:r>
-            <a:endParaRPr lang="it-IT" sz="800" dirty="0" smtClean="0"/>
-          </a:p>
-        </p:txBody>
-      </p:sp>
-      <p:sp>
-        <p:nvSpPr>
-          <p:cNvPr id="188" name="CasellaDiTesto 187"/>
-          <p:cNvSpPr txBox="1"/>
-          <p:nvPr/>
-        </p:nvSpPr>
-        <p:spPr>
-          <a:xfrm>
-            <a:off x="74074" y="896773"/>
-            <a:ext cx="1035410" cy="215444"/>
-          </a:xfrm>
-          <a:prstGeom prst="rect">
-            <a:avLst/>
-          </a:prstGeom>
-          <a:noFill/>
-        </p:spPr>
-        <p:txBody>
-          <a:bodyPr wrap="none" rtlCol="0">
-            <a:spAutoFit/>
-          </a:bodyPr>
-          <a:lstStyle/>
-          <a:p>
-            <a:r>
-              <a:rPr lang="it-IT" sz="800" dirty="0" err="1" smtClean="0"/>
-              <a:t>valorePrecipitazione</a:t>
-            </a:r>
-            <a:endParaRPr lang="it-IT" sz="800" dirty="0" smtClean="0"/>
-          </a:p>
-        </p:txBody>
-      </p:sp>
-      <p:sp>
-        <p:nvSpPr>
-          <p:cNvPr id="189" name="CasellaDiTesto 188"/>
-          <p:cNvSpPr txBox="1"/>
-          <p:nvPr/>
-        </p:nvSpPr>
-        <p:spPr>
-          <a:xfrm>
-            <a:off x="116905" y="345156"/>
-            <a:ext cx="992579" cy="215444"/>
-          </a:xfrm>
-          <a:prstGeom prst="rect">
-            <a:avLst/>
-          </a:prstGeom>
-          <a:noFill/>
-        </p:spPr>
-        <p:txBody>
-          <a:bodyPr wrap="none" rtlCol="0">
-            <a:spAutoFit/>
-          </a:bodyPr>
-          <a:lstStyle/>
-          <a:p>
-            <a:r>
-              <a:rPr lang="it-IT" sz="800" dirty="0" err="1" smtClean="0"/>
-              <a:t>valoreTemperatura</a:t>
-            </a:r>
-            <a:endParaRPr lang="it-IT" sz="800" dirty="0" smtClean="0"/>
-          </a:p>
-        </p:txBody>
-      </p:sp>
-      <p:cxnSp>
-        <p:nvCxnSpPr>
-          <p:cNvPr id="195" name="Connettore 1 194"/>
-          <p:cNvCxnSpPr>
-            <a:stCxn id="196" idx="4"/>
-          </p:cNvCxnSpPr>
-          <p:nvPr/>
-        </p:nvCxnSpPr>
-        <p:spPr>
-          <a:xfrm>
-            <a:off x="3803449" y="640991"/>
-            <a:ext cx="0" cy="471226"/>
-          </a:xfrm>
-          <a:prstGeom prst="line">
-            <a:avLst/>
-          </a:prstGeom>
-          <a:ln w="12700">
-            <a:solidFill>
-              <a:schemeClr val="tx1"/>
-            </a:solidFill>
-          </a:ln>
-        </p:spPr>
-        <p:style>
-          <a:lnRef idx="2">
-            <a:schemeClr val="accent1"/>
-          </a:lnRef>
-          <a:fillRef idx="0">
-            <a:schemeClr val="accent1"/>
-          </a:fillRef>
-          <a:effectRef idx="1">
-            <a:schemeClr val="accent1"/>
-          </a:effectRef>
-          <a:fontRef idx="minor">
-            <a:schemeClr val="tx1"/>
-          </a:fontRef>
-        </p:style>
-      </p:cxnSp>
-      <p:sp>
-        <p:nvSpPr>
-          <p:cNvPr id="196" name="Ovale 195"/>
-          <p:cNvSpPr/>
-          <p:nvPr/>
-        </p:nvSpPr>
-        <p:spPr>
-          <a:xfrm>
-            <a:off x="3732221" y="515582"/>
-            <a:ext cx="142455" cy="125409"/>
-          </a:xfrm>
-          <a:prstGeom prst="ellipse">
-            <a:avLst/>
-          </a:prstGeom>
-          <a:gradFill flip="none" rotWithShape="1">
-            <a:gsLst>
-              <a:gs pos="0">
-                <a:schemeClr val="accent4">
-                  <a:lumMod val="60000"/>
-                  <a:lumOff val="40000"/>
-                </a:schemeClr>
-              </a:gs>
-              <a:gs pos="100000">
-                <a:srgbClr val="FFFFFF"/>
-              </a:gs>
-            </a:gsLst>
-            <a:lin ang="15600000" scaled="0"/>
-            <a:tileRect/>
-          </a:gradFill>
-          <a:ln>
-            <a:solidFill>
-              <a:schemeClr val="tx1"/>
-            </a:solidFill>
-          </a:ln>
-        </p:spPr>
-        <p:style>
-          <a:lnRef idx="1">
-            <a:schemeClr val="accent1"/>
-          </a:lnRef>
-          <a:fillRef idx="3">
-            <a:schemeClr val="accent1"/>
-          </a:fillRef>
-          <a:effectRef idx="2">
-            <a:schemeClr val="accent1"/>
-          </a:effectRef>
-          <a:fontRef idx="minor">
-            <a:schemeClr val="lt1"/>
-          </a:fontRef>
-        </p:style>
-        <p:txBody>
-          <a:bodyPr rtlCol="0" anchor="ctr"/>
-          <a:lstStyle/>
-          <a:p>
-            <a:pPr algn="ctr"/>
-            <a:endParaRPr lang="it-IT" sz="800"/>
-          </a:p>
-        </p:txBody>
-      </p:sp>
-      <p:sp>
-        <p:nvSpPr>
-          <p:cNvPr id="199" name="CasellaDiTesto 198"/>
-          <p:cNvSpPr txBox="1"/>
-          <p:nvPr/>
-        </p:nvSpPr>
-        <p:spPr>
-          <a:xfrm>
-            <a:off x="3587018" y="340485"/>
-            <a:ext cx="444052" cy="215444"/>
-          </a:xfrm>
-          <a:prstGeom prst="rect">
-            <a:avLst/>
-          </a:prstGeom>
-          <a:noFill/>
-        </p:spPr>
-        <p:txBody>
-          <a:bodyPr wrap="none" rtlCol="0">
-            <a:spAutoFit/>
-          </a:bodyPr>
-          <a:lstStyle/>
-          <a:p>
-            <a:r>
-              <a:rPr lang="it-IT" sz="800" dirty="0" smtClean="0"/>
-              <a:t>marca</a:t>
-            </a:r>
-            <a:endParaRPr lang="it-IT" sz="800" dirty="0" smtClean="0"/>
-          </a:p>
-        </p:txBody>
-      </p:sp>
-      <p:sp>
-        <p:nvSpPr>
-          <p:cNvPr id="200" name="CasellaDiTesto 199"/>
-          <p:cNvSpPr txBox="1"/>
-          <p:nvPr/>
-        </p:nvSpPr>
-        <p:spPr>
-          <a:xfrm>
-            <a:off x="3942574" y="1624964"/>
-            <a:ext cx="526857" cy="215444"/>
-          </a:xfrm>
-          <a:prstGeom prst="rect">
-            <a:avLst/>
-          </a:prstGeom>
-          <a:noFill/>
-        </p:spPr>
-        <p:txBody>
-          <a:bodyPr wrap="none" rtlCol="0">
-            <a:spAutoFit/>
-          </a:bodyPr>
-          <a:lstStyle/>
-          <a:p>
-            <a:r>
-              <a:rPr lang="it-IT" sz="800" dirty="0" smtClean="0"/>
-              <a:t>modello</a:t>
-            </a:r>
-            <a:endParaRPr lang="it-IT" sz="800" dirty="0" smtClean="0"/>
-          </a:p>
-        </p:txBody>
-      </p:sp>
-      <p:cxnSp>
-        <p:nvCxnSpPr>
-          <p:cNvPr id="201" name="Connettore 1 200"/>
-          <p:cNvCxnSpPr>
-            <a:stCxn id="202" idx="1"/>
-          </p:cNvCxnSpPr>
-          <p:nvPr/>
-        </p:nvCxnSpPr>
-        <p:spPr>
-          <a:xfrm flipH="1" flipV="1">
-            <a:off x="3816321" y="1235014"/>
-            <a:ext cx="324394" cy="315634"/>
-          </a:xfrm>
-          <a:prstGeom prst="line">
-            <a:avLst/>
-          </a:prstGeom>
-          <a:ln w="12700">
-            <a:solidFill>
-              <a:schemeClr val="tx1"/>
-            </a:solidFill>
-          </a:ln>
-        </p:spPr>
-        <p:style>
-          <a:lnRef idx="2">
-            <a:schemeClr val="accent1"/>
-          </a:lnRef>
-          <a:fillRef idx="0">
-            <a:schemeClr val="accent1"/>
-          </a:fillRef>
-          <a:effectRef idx="1">
-            <a:schemeClr val="accent1"/>
-          </a:effectRef>
-          <a:fontRef idx="minor">
-            <a:schemeClr val="tx1"/>
-          </a:fontRef>
-        </p:style>
-      </p:cxnSp>
-      <p:sp>
-        <p:nvSpPr>
-          <p:cNvPr id="202" name="Ovale 201"/>
-          <p:cNvSpPr/>
-          <p:nvPr/>
-        </p:nvSpPr>
-        <p:spPr>
-          <a:xfrm>
-            <a:off x="4119853" y="1532282"/>
-            <a:ext cx="142455" cy="125409"/>
-          </a:xfrm>
-          <a:prstGeom prst="ellipse">
-            <a:avLst/>
-          </a:prstGeom>
-          <a:gradFill flip="none" rotWithShape="1">
-            <a:gsLst>
-              <a:gs pos="0">
-                <a:schemeClr val="accent4">
-                  <a:lumMod val="60000"/>
-                  <a:lumOff val="40000"/>
-                </a:schemeClr>
-              </a:gs>
-              <a:gs pos="100000">
-                <a:srgbClr val="FFFFFF"/>
-              </a:gs>
-            </a:gsLst>
-            <a:lin ang="15600000" scaled="0"/>
-            <a:tileRect/>
-          </a:gradFill>
-          <a:ln>
-            <a:solidFill>
-              <a:schemeClr val="tx1"/>
-            </a:solidFill>
-          </a:ln>
-        </p:spPr>
-        <p:style>
-          <a:lnRef idx="1">
-            <a:schemeClr val="accent1"/>
-          </a:lnRef>
-          <a:fillRef idx="3">
-            <a:schemeClr val="accent1"/>
-          </a:fillRef>
-          <a:effectRef idx="2">
-            <a:schemeClr val="accent1"/>
-          </a:effectRef>
-          <a:fontRef idx="minor">
-            <a:schemeClr val="lt1"/>
-          </a:fontRef>
-        </p:style>
-        <p:txBody>
-          <a:bodyPr rtlCol="0" anchor="ctr"/>
-          <a:lstStyle/>
-          <a:p>
-            <a:pPr algn="ctr"/>
-            <a:endParaRPr lang="it-IT" sz="800"/>
-          </a:p>
-        </p:txBody>
-      </p:sp>
-      <p:sp>
-        <p:nvSpPr>
-          <p:cNvPr id="16" name="Rettangolo 15"/>
-          <p:cNvSpPr/>
-          <p:nvPr/>
-        </p:nvSpPr>
-        <p:spPr>
-          <a:xfrm>
-            <a:off x="3164611" y="1012299"/>
-            <a:ext cx="844814" cy="385713"/>
-          </a:xfrm>
-          <a:prstGeom prst="rect">
-            <a:avLst/>
-          </a:prstGeom>
-          <a:gradFill flip="none" rotWithShape="1">
-            <a:gsLst>
-              <a:gs pos="0">
-                <a:schemeClr val="accent4">
-                  <a:lumMod val="60000"/>
-                  <a:lumOff val="40000"/>
-                </a:schemeClr>
-              </a:gs>
-              <a:gs pos="100000">
-                <a:srgbClr val="FFFFFF"/>
-              </a:gs>
-            </a:gsLst>
-            <a:lin ang="15600000" scaled="0"/>
-            <a:tileRect/>
-          </a:gradFill>
-          <a:ln>
-            <a:solidFill>
-              <a:schemeClr val="tx1"/>
-            </a:solidFill>
-          </a:ln>
-        </p:spPr>
-        <p:style>
-          <a:lnRef idx="1">
-            <a:schemeClr val="accent1"/>
-          </a:lnRef>
-          <a:fillRef idx="3">
-            <a:schemeClr val="accent1"/>
-          </a:fillRef>
-          <a:effectRef idx="2">
-            <a:schemeClr val="accent1"/>
-          </a:effectRef>
-          <a:fontRef idx="minor">
-            <a:schemeClr val="lt1"/>
-          </a:fontRef>
-        </p:style>
-        <p:txBody>
-          <a:bodyPr rtlCol="0" anchor="ctr"/>
-          <a:lstStyle/>
-          <a:p>
-            <a:pPr algn="ctr"/>
-            <a:r>
-              <a:rPr lang="it-IT" sz="800" dirty="0" smtClean="0">
-                <a:solidFill>
-                  <a:srgbClr val="000000"/>
-                </a:solidFill>
-              </a:rPr>
-              <a:t>Sensore</a:t>
-            </a:r>
-            <a:endParaRPr lang="it-IT" sz="800" dirty="0">
-              <a:solidFill>
-                <a:srgbClr val="000000"/>
-              </a:solidFill>
-            </a:endParaRPr>
-          </a:p>
-        </p:txBody>
-      </p:sp>
-      <p:sp>
-        <p:nvSpPr>
-          <p:cNvPr id="203" name="CasellaDiTesto 202"/>
-          <p:cNvSpPr txBox="1"/>
-          <p:nvPr/>
-        </p:nvSpPr>
-        <p:spPr>
-          <a:xfrm>
-            <a:off x="2356005" y="2942875"/>
-            <a:ext cx="444603" cy="215444"/>
-          </a:xfrm>
-          <a:prstGeom prst="rect">
-            <a:avLst/>
-          </a:prstGeom>
-          <a:noFill/>
-        </p:spPr>
-        <p:txBody>
-          <a:bodyPr wrap="none" rtlCol="0">
-            <a:spAutoFit/>
-          </a:bodyPr>
-          <a:lstStyle/>
-          <a:p>
-            <a:r>
               <a:rPr lang="it-IT" sz="800" dirty="0" smtClean="0"/>
               <a:t>valore</a:t>
             </a:r>
-            <a:endParaRPr lang="it-IT" sz="800" dirty="0" smtClean="0"/>
           </a:p>
         </p:txBody>
       </p:sp>
@@ -14914,7 +14267,6 @@
               <a:rPr lang="it-IT" sz="800" dirty="0" smtClean="0"/>
               <a:t>CF</a:t>
             </a:r>
-            <a:endParaRPr lang="it-IT" sz="800" dirty="0" smtClean="0"/>
           </a:p>
         </p:txBody>
       </p:sp>
@@ -16631,13 +15983,518 @@
       </p:sp>
       <p:sp>
         <p:nvSpPr>
-          <p:cNvPr id="54" name="Rettangolo 53"/>
+          <p:cNvPr id="169" name="CasellaDiTesto 168"/>
+          <p:cNvSpPr txBox="1"/>
+          <p:nvPr/>
+        </p:nvSpPr>
+        <p:spPr>
+          <a:xfrm>
+            <a:off x="6612568" y="1105904"/>
+            <a:ext cx="436541" cy="215444"/>
+          </a:xfrm>
+          <a:prstGeom prst="rect">
+            <a:avLst/>
+          </a:prstGeom>
+          <a:noFill/>
+        </p:spPr>
+        <p:txBody>
+          <a:bodyPr wrap="square" rtlCol="0">
+            <a:spAutoFit/>
+          </a:bodyPr>
+          <a:lstStyle/>
+          <a:p>
+            <a:r>
+              <a:rPr lang="it-IT" sz="800" dirty="0" smtClean="0"/>
+              <a:t>(0,n)</a:t>
+            </a:r>
+            <a:endParaRPr lang="it-IT" sz="800" dirty="0"/>
+          </a:p>
+        </p:txBody>
+      </p:sp>
+      <p:sp>
+        <p:nvSpPr>
+          <p:cNvPr id="170" name="CasellaDiTesto 169"/>
+          <p:cNvSpPr txBox="1"/>
+          <p:nvPr/>
+        </p:nvSpPr>
+        <p:spPr>
+          <a:xfrm>
+            <a:off x="6636233" y="4329117"/>
+            <a:ext cx="436541" cy="215444"/>
+          </a:xfrm>
+          <a:prstGeom prst="rect">
+            <a:avLst/>
+          </a:prstGeom>
+          <a:noFill/>
+        </p:spPr>
+        <p:txBody>
+          <a:bodyPr wrap="square" rtlCol="0">
+            <a:spAutoFit/>
+          </a:bodyPr>
+          <a:lstStyle/>
+          <a:p>
+            <a:r>
+              <a:rPr lang="it-IT" sz="800" dirty="0" smtClean="0"/>
+              <a:t>(1,n)</a:t>
+            </a:r>
+            <a:endParaRPr lang="it-IT" sz="800" dirty="0"/>
+          </a:p>
+        </p:txBody>
+      </p:sp>
+      <p:sp>
+        <p:nvSpPr>
+          <p:cNvPr id="171" name="CasellaDiTesto 170"/>
+          <p:cNvSpPr txBox="1"/>
+          <p:nvPr/>
+        </p:nvSpPr>
+        <p:spPr>
+          <a:xfrm>
+            <a:off x="6886306" y="2913715"/>
+            <a:ext cx="436541" cy="215444"/>
+          </a:xfrm>
+          <a:prstGeom prst="rect">
+            <a:avLst/>
+          </a:prstGeom>
+          <a:noFill/>
+        </p:spPr>
+        <p:txBody>
+          <a:bodyPr wrap="square" rtlCol="0">
+            <a:spAutoFit/>
+          </a:bodyPr>
+          <a:lstStyle/>
+          <a:p>
+            <a:r>
+              <a:rPr lang="it-IT" sz="800" dirty="0" smtClean="0"/>
+              <a:t>(1,n)</a:t>
+            </a:r>
+            <a:endParaRPr lang="it-IT" sz="800" dirty="0"/>
+          </a:p>
+        </p:txBody>
+      </p:sp>
+      <p:sp>
+        <p:nvSpPr>
+          <p:cNvPr id="172" name="CasellaDiTesto 171"/>
+          <p:cNvSpPr txBox="1"/>
+          <p:nvPr/>
+        </p:nvSpPr>
+        <p:spPr>
+          <a:xfrm>
+            <a:off x="2553433" y="714326"/>
+            <a:ext cx="436541" cy="215444"/>
+          </a:xfrm>
+          <a:prstGeom prst="rect">
+            <a:avLst/>
+          </a:prstGeom>
+          <a:noFill/>
+        </p:spPr>
+        <p:txBody>
+          <a:bodyPr wrap="square" rtlCol="0">
+            <a:spAutoFit/>
+          </a:bodyPr>
+          <a:lstStyle/>
+          <a:p>
+            <a:r>
+              <a:rPr lang="it-IT" sz="800" dirty="0" smtClean="0"/>
+              <a:t>(1,1)</a:t>
+            </a:r>
+            <a:endParaRPr lang="it-IT" sz="800" dirty="0"/>
+          </a:p>
+        </p:txBody>
+      </p:sp>
+      <p:sp>
+        <p:nvSpPr>
+          <p:cNvPr id="173" name="CasellaDiTesto 172"/>
+          <p:cNvSpPr txBox="1"/>
+          <p:nvPr/>
+        </p:nvSpPr>
+        <p:spPr>
+          <a:xfrm>
+            <a:off x="3912751" y="722823"/>
+            <a:ext cx="436541" cy="215444"/>
+          </a:xfrm>
+          <a:prstGeom prst="rect">
+            <a:avLst/>
+          </a:prstGeom>
+          <a:noFill/>
+        </p:spPr>
+        <p:txBody>
+          <a:bodyPr wrap="square" rtlCol="0">
+            <a:spAutoFit/>
+          </a:bodyPr>
+          <a:lstStyle/>
+          <a:p>
+            <a:r>
+              <a:rPr lang="it-IT" sz="800" dirty="0" smtClean="0"/>
+              <a:t>(1,1)</a:t>
+            </a:r>
+            <a:endParaRPr lang="it-IT" sz="800" dirty="0"/>
+          </a:p>
+        </p:txBody>
+      </p:sp>
+      <p:sp>
+        <p:nvSpPr>
+          <p:cNvPr id="174" name="CasellaDiTesto 173"/>
+          <p:cNvSpPr txBox="1"/>
+          <p:nvPr/>
+        </p:nvSpPr>
+        <p:spPr>
+          <a:xfrm>
+            <a:off x="6903100" y="2269387"/>
+            <a:ext cx="436541" cy="215444"/>
+          </a:xfrm>
+          <a:prstGeom prst="rect">
+            <a:avLst/>
+          </a:prstGeom>
+          <a:noFill/>
+        </p:spPr>
+        <p:txBody>
+          <a:bodyPr wrap="square" rtlCol="0">
+            <a:spAutoFit/>
+          </a:bodyPr>
+          <a:lstStyle/>
+          <a:p>
+            <a:r>
+              <a:rPr lang="it-IT" sz="800" dirty="0" smtClean="0"/>
+              <a:t>(1,1)</a:t>
+            </a:r>
+            <a:endParaRPr lang="it-IT" sz="800" dirty="0"/>
+          </a:p>
+        </p:txBody>
+      </p:sp>
+      <p:sp>
+        <p:nvSpPr>
+          <p:cNvPr id="175" name="CasellaDiTesto 174"/>
+          <p:cNvSpPr txBox="1"/>
+          <p:nvPr/>
+        </p:nvSpPr>
+        <p:spPr>
+          <a:xfrm>
+            <a:off x="1501313" y="1405164"/>
+            <a:ext cx="436541" cy="215444"/>
+          </a:xfrm>
+          <a:prstGeom prst="rect">
+            <a:avLst/>
+          </a:prstGeom>
+          <a:noFill/>
+        </p:spPr>
+        <p:txBody>
+          <a:bodyPr wrap="square" rtlCol="0">
+            <a:spAutoFit/>
+          </a:bodyPr>
+          <a:lstStyle/>
+          <a:p>
+            <a:r>
+              <a:rPr lang="it-IT" sz="800" dirty="0" smtClean="0"/>
+              <a:t>(0,n)</a:t>
+            </a:r>
+            <a:endParaRPr lang="it-IT" sz="800" dirty="0"/>
+          </a:p>
+        </p:txBody>
+      </p:sp>
+      <p:sp>
+        <p:nvSpPr>
+          <p:cNvPr id="176" name="CasellaDiTesto 175"/>
+          <p:cNvSpPr txBox="1"/>
+          <p:nvPr/>
+        </p:nvSpPr>
+        <p:spPr>
+          <a:xfrm>
+            <a:off x="2989974" y="3560077"/>
+            <a:ext cx="436541" cy="215444"/>
+          </a:xfrm>
+          <a:prstGeom prst="rect">
+            <a:avLst/>
+          </a:prstGeom>
+          <a:noFill/>
+        </p:spPr>
+        <p:txBody>
+          <a:bodyPr wrap="square" rtlCol="0">
+            <a:spAutoFit/>
+          </a:bodyPr>
+          <a:lstStyle/>
+          <a:p>
+            <a:r>
+              <a:rPr lang="it-IT" sz="800" dirty="0" smtClean="0"/>
+              <a:t>(1,1)</a:t>
+            </a:r>
+            <a:endParaRPr lang="it-IT" sz="800" dirty="0"/>
+          </a:p>
+        </p:txBody>
+      </p:sp>
+      <p:sp>
+        <p:nvSpPr>
+          <p:cNvPr id="177" name="CasellaDiTesto 176"/>
+          <p:cNvSpPr txBox="1"/>
+          <p:nvPr/>
+        </p:nvSpPr>
+        <p:spPr>
+          <a:xfrm>
+            <a:off x="4074928" y="3562433"/>
+            <a:ext cx="436541" cy="215444"/>
+          </a:xfrm>
+          <a:prstGeom prst="rect">
+            <a:avLst/>
+          </a:prstGeom>
+          <a:noFill/>
+        </p:spPr>
+        <p:txBody>
+          <a:bodyPr wrap="square" rtlCol="0">
+            <a:spAutoFit/>
+          </a:bodyPr>
+          <a:lstStyle/>
+          <a:p>
+            <a:r>
+              <a:rPr lang="it-IT" sz="800" dirty="0" smtClean="0"/>
+              <a:t>(1,1)</a:t>
+            </a:r>
+            <a:endParaRPr lang="it-IT" sz="800" dirty="0"/>
+          </a:p>
+        </p:txBody>
+      </p:sp>
+      <p:sp>
+        <p:nvSpPr>
+          <p:cNvPr id="178" name="CasellaDiTesto 177"/>
+          <p:cNvSpPr txBox="1"/>
+          <p:nvPr/>
+        </p:nvSpPr>
+        <p:spPr>
+          <a:xfrm>
+            <a:off x="3747952" y="4240945"/>
+            <a:ext cx="436541" cy="215444"/>
+          </a:xfrm>
+          <a:prstGeom prst="rect">
+            <a:avLst/>
+          </a:prstGeom>
+          <a:noFill/>
+        </p:spPr>
+        <p:txBody>
+          <a:bodyPr wrap="square" rtlCol="0">
+            <a:spAutoFit/>
+          </a:bodyPr>
+          <a:lstStyle/>
+          <a:p>
+            <a:r>
+              <a:rPr lang="it-IT" sz="800" dirty="0" smtClean="0"/>
+              <a:t>(1,1)</a:t>
+            </a:r>
+            <a:endParaRPr lang="it-IT" sz="800" dirty="0"/>
+          </a:p>
+        </p:txBody>
+      </p:sp>
+      <p:sp>
+        <p:nvSpPr>
+          <p:cNvPr id="179" name="CasellaDiTesto 178"/>
+          <p:cNvSpPr txBox="1"/>
+          <p:nvPr/>
+        </p:nvSpPr>
+        <p:spPr>
+          <a:xfrm>
+            <a:off x="2596177" y="4030985"/>
+            <a:ext cx="436541" cy="215444"/>
+          </a:xfrm>
+          <a:prstGeom prst="rect">
+            <a:avLst/>
+          </a:prstGeom>
+          <a:noFill/>
+        </p:spPr>
+        <p:txBody>
+          <a:bodyPr wrap="square" rtlCol="0">
+            <a:spAutoFit/>
+          </a:bodyPr>
+          <a:lstStyle/>
+          <a:p>
+            <a:r>
+              <a:rPr lang="it-IT" sz="800" dirty="0" smtClean="0"/>
+              <a:t>(1,1)</a:t>
+            </a:r>
+            <a:endParaRPr lang="it-IT" sz="800" dirty="0"/>
+          </a:p>
+        </p:txBody>
+      </p:sp>
+      <p:sp>
+        <p:nvSpPr>
+          <p:cNvPr id="180" name="CasellaDiTesto 179"/>
+          <p:cNvSpPr txBox="1"/>
+          <p:nvPr/>
+        </p:nvSpPr>
+        <p:spPr>
+          <a:xfrm>
+            <a:off x="6128464" y="688584"/>
+            <a:ext cx="436541" cy="215444"/>
+          </a:xfrm>
+          <a:prstGeom prst="rect">
+            <a:avLst/>
+          </a:prstGeom>
+          <a:noFill/>
+        </p:spPr>
+        <p:txBody>
+          <a:bodyPr wrap="square" rtlCol="0">
+            <a:spAutoFit/>
+          </a:bodyPr>
+          <a:lstStyle/>
+          <a:p>
+            <a:r>
+              <a:rPr lang="it-IT" sz="800" dirty="0" smtClean="0"/>
+              <a:t>(0,n)</a:t>
+            </a:r>
+            <a:endParaRPr lang="it-IT" sz="800" dirty="0"/>
+          </a:p>
+        </p:txBody>
+      </p:sp>
+      <p:sp>
+        <p:nvSpPr>
+          <p:cNvPr id="181" name="CasellaDiTesto 180"/>
+          <p:cNvSpPr txBox="1"/>
+          <p:nvPr/>
+        </p:nvSpPr>
+        <p:spPr>
+          <a:xfrm>
+            <a:off x="5968798" y="3944832"/>
+            <a:ext cx="436541" cy="215444"/>
+          </a:xfrm>
+          <a:prstGeom prst="rect">
+            <a:avLst/>
+          </a:prstGeom>
+          <a:noFill/>
+        </p:spPr>
+        <p:txBody>
+          <a:bodyPr wrap="square" rtlCol="0">
+            <a:spAutoFit/>
+          </a:bodyPr>
+          <a:lstStyle/>
+          <a:p>
+            <a:r>
+              <a:rPr lang="it-IT" sz="800" dirty="0" smtClean="0"/>
+              <a:t>(0,n)</a:t>
+            </a:r>
+            <a:endParaRPr lang="it-IT" sz="800" dirty="0"/>
+          </a:p>
+        </p:txBody>
+      </p:sp>
+      <p:sp>
+        <p:nvSpPr>
+          <p:cNvPr id="185" name="Ovale 184"/>
           <p:cNvSpPr/>
           <p:nvPr/>
         </p:nvSpPr>
         <p:spPr>
           <a:xfrm>
-            <a:off x="4971584" y="3597137"/>
+            <a:off x="6679019" y="391684"/>
+            <a:ext cx="142455" cy="125409"/>
+          </a:xfrm>
+          <a:prstGeom prst="ellipse">
+            <a:avLst/>
+          </a:prstGeom>
+          <a:solidFill>
+            <a:schemeClr val="accent1">
+              <a:lumMod val="75000"/>
+            </a:schemeClr>
+          </a:solidFill>
+          <a:ln>
+            <a:solidFill>
+              <a:schemeClr val="tx1"/>
+            </a:solidFill>
+          </a:ln>
+        </p:spPr>
+        <p:style>
+          <a:lnRef idx="1">
+            <a:schemeClr val="accent1"/>
+          </a:lnRef>
+          <a:fillRef idx="3">
+            <a:schemeClr val="accent1"/>
+          </a:fillRef>
+          <a:effectRef idx="2">
+            <a:schemeClr val="accent1"/>
+          </a:effectRef>
+          <a:fontRef idx="minor">
+            <a:schemeClr val="lt1"/>
+          </a:fontRef>
+        </p:style>
+        <p:txBody>
+          <a:bodyPr rtlCol="0" anchor="ctr"/>
+          <a:lstStyle/>
+          <a:p>
+            <a:pPr algn="ctr"/>
+            <a:endParaRPr lang="it-IT" sz="800"/>
+          </a:p>
+        </p:txBody>
+      </p:sp>
+      <p:cxnSp>
+        <p:nvCxnSpPr>
+          <p:cNvPr id="186" name="Connettore 1 185"/>
+          <p:cNvCxnSpPr>
+            <a:stCxn id="185" idx="4"/>
+          </p:cNvCxnSpPr>
+          <p:nvPr/>
+        </p:nvCxnSpPr>
+        <p:spPr>
+          <a:xfrm>
+            <a:off x="6750247" y="517093"/>
+            <a:ext cx="0" cy="306101"/>
+          </a:xfrm>
+          <a:prstGeom prst="line">
+            <a:avLst/>
+          </a:prstGeom>
+          <a:ln w="12700">
+            <a:solidFill>
+              <a:schemeClr val="tx1"/>
+            </a:solidFill>
+          </a:ln>
+        </p:spPr>
+        <p:style>
+          <a:lnRef idx="2">
+            <a:schemeClr val="accent1"/>
+          </a:lnRef>
+          <a:fillRef idx="0">
+            <a:schemeClr val="accent1"/>
+          </a:fillRef>
+          <a:effectRef idx="1">
+            <a:schemeClr val="accent1"/>
+          </a:effectRef>
+          <a:fontRef idx="minor">
+            <a:schemeClr val="tx1"/>
+          </a:fontRef>
+        </p:style>
+      </p:cxnSp>
+      <p:sp>
+        <p:nvSpPr>
+          <p:cNvPr id="187" name="CasellaDiTesto 186"/>
+          <p:cNvSpPr txBox="1"/>
+          <p:nvPr/>
+        </p:nvSpPr>
+        <p:spPr>
+          <a:xfrm>
+            <a:off x="5959685" y="359665"/>
+            <a:ext cx="774571" cy="215444"/>
+          </a:xfrm>
+          <a:prstGeom prst="rect">
+            <a:avLst/>
+          </a:prstGeom>
+          <a:noFill/>
+        </p:spPr>
+        <p:txBody>
+          <a:bodyPr wrap="none" rtlCol="0">
+            <a:spAutoFit/>
+          </a:bodyPr>
+          <a:lstStyle/>
+          <a:p>
+            <a:r>
+              <a:rPr lang="it-IT" sz="800" dirty="0" err="1" smtClean="0"/>
+              <a:t>idTrattoFiume</a:t>
+            </a:r>
+            <a:endParaRPr lang="it-IT" sz="800" dirty="0" smtClean="0"/>
+          </a:p>
+        </p:txBody>
+      </p:sp>
+      <p:sp>
+        <p:nvSpPr>
+          <p:cNvPr id="8" name="Rettangolo 7"/>
+          <p:cNvSpPr/>
+          <p:nvPr/>
+        </p:nvSpPr>
+        <p:spPr>
+          <a:xfrm>
+            <a:off x="6515325" y="711171"/>
             <a:ext cx="844814" cy="385713"/>
           </a:xfrm>
           <a:prstGeom prst="rect">
@@ -16686,7 +16543,7 @@
                   <a:srgbClr val="000000"/>
                 </a:solidFill>
               </a:rPr>
-              <a:t>Squadra Emergenza</a:t>
+              <a:t>Tratto Fiume</a:t>
             </a:r>
             <a:endParaRPr lang="it-IT" sz="800" dirty="0">
               <a:solidFill>
@@ -16698,545 +16555,16 @@
       </p:sp>
       <p:sp>
         <p:nvSpPr>
-          <p:cNvPr id="169" name="CasellaDiTesto 168"/>
-          <p:cNvSpPr txBox="1"/>
-          <p:nvPr/>
-        </p:nvSpPr>
-        <p:spPr>
-          <a:xfrm>
-            <a:off x="6612568" y="1105904"/>
-            <a:ext cx="436541" cy="215444"/>
-          </a:xfrm>
-          <a:prstGeom prst="rect">
-            <a:avLst/>
-          </a:prstGeom>
-          <a:noFill/>
-        </p:spPr>
-        <p:txBody>
-          <a:bodyPr wrap="square" rtlCol="0">
-            <a:spAutoFit/>
-          </a:bodyPr>
-          <a:lstStyle/>
-          <a:p>
-            <a:r>
-              <a:rPr lang="it-IT" sz="800" dirty="0" smtClean="0"/>
-              <a:t>(0,</a:t>
-            </a:r>
-            <a:r>
-              <a:rPr lang="it-IT" sz="800" dirty="0" smtClean="0"/>
-              <a:t>n)</a:t>
-            </a:r>
-            <a:endParaRPr lang="it-IT" sz="800" dirty="0"/>
-          </a:p>
-        </p:txBody>
-      </p:sp>
-      <p:sp>
-        <p:nvSpPr>
-          <p:cNvPr id="170" name="CasellaDiTesto 169"/>
-          <p:cNvSpPr txBox="1"/>
-          <p:nvPr/>
-        </p:nvSpPr>
-        <p:spPr>
-          <a:xfrm>
-            <a:off x="6636233" y="4329117"/>
-            <a:ext cx="436541" cy="215444"/>
-          </a:xfrm>
-          <a:prstGeom prst="rect">
-            <a:avLst/>
-          </a:prstGeom>
-          <a:noFill/>
-        </p:spPr>
-        <p:txBody>
-          <a:bodyPr wrap="square" rtlCol="0">
-            <a:spAutoFit/>
-          </a:bodyPr>
-          <a:lstStyle/>
-          <a:p>
-            <a:r>
-              <a:rPr lang="it-IT" sz="800" dirty="0" smtClean="0"/>
-              <a:t>(1,n</a:t>
-            </a:r>
-            <a:r>
-              <a:rPr lang="it-IT" sz="800" dirty="0" smtClean="0"/>
-              <a:t>)</a:t>
-            </a:r>
-            <a:endParaRPr lang="it-IT" sz="800" dirty="0"/>
-          </a:p>
-        </p:txBody>
-      </p:sp>
-      <p:sp>
-        <p:nvSpPr>
-          <p:cNvPr id="171" name="CasellaDiTesto 170"/>
-          <p:cNvSpPr txBox="1"/>
-          <p:nvPr/>
-        </p:nvSpPr>
-        <p:spPr>
-          <a:xfrm>
-            <a:off x="6886306" y="2913715"/>
-            <a:ext cx="436541" cy="215444"/>
-          </a:xfrm>
-          <a:prstGeom prst="rect">
-            <a:avLst/>
-          </a:prstGeom>
-          <a:noFill/>
-        </p:spPr>
-        <p:txBody>
-          <a:bodyPr wrap="square" rtlCol="0">
-            <a:spAutoFit/>
-          </a:bodyPr>
-          <a:lstStyle/>
-          <a:p>
-            <a:r>
-              <a:rPr lang="it-IT" sz="800" dirty="0" smtClean="0"/>
-              <a:t>(1,n</a:t>
-            </a:r>
-            <a:r>
-              <a:rPr lang="it-IT" sz="800" dirty="0" smtClean="0"/>
-              <a:t>)</a:t>
-            </a:r>
-            <a:endParaRPr lang="it-IT" sz="800" dirty="0"/>
-          </a:p>
-        </p:txBody>
-      </p:sp>
-      <p:sp>
-        <p:nvSpPr>
-          <p:cNvPr id="172" name="CasellaDiTesto 171"/>
-          <p:cNvSpPr txBox="1"/>
-          <p:nvPr/>
-        </p:nvSpPr>
-        <p:spPr>
-          <a:xfrm>
-            <a:off x="2553433" y="714326"/>
-            <a:ext cx="436541" cy="215444"/>
-          </a:xfrm>
-          <a:prstGeom prst="rect">
-            <a:avLst/>
-          </a:prstGeom>
-          <a:noFill/>
-        </p:spPr>
-        <p:txBody>
-          <a:bodyPr wrap="square" rtlCol="0">
-            <a:spAutoFit/>
-          </a:bodyPr>
-          <a:lstStyle/>
-          <a:p>
-            <a:r>
-              <a:rPr lang="it-IT" sz="800" dirty="0" smtClean="0"/>
-              <a:t>(1,1)</a:t>
-            </a:r>
-            <a:endParaRPr lang="it-IT" sz="800" dirty="0"/>
-          </a:p>
-        </p:txBody>
-      </p:sp>
-      <p:sp>
-        <p:nvSpPr>
-          <p:cNvPr id="173" name="CasellaDiTesto 172"/>
-          <p:cNvSpPr txBox="1"/>
-          <p:nvPr/>
-        </p:nvSpPr>
-        <p:spPr>
-          <a:xfrm>
-            <a:off x="3912751" y="722823"/>
-            <a:ext cx="436541" cy="215444"/>
-          </a:xfrm>
-          <a:prstGeom prst="rect">
-            <a:avLst/>
-          </a:prstGeom>
-          <a:noFill/>
-        </p:spPr>
-        <p:txBody>
-          <a:bodyPr wrap="square" rtlCol="0">
-            <a:spAutoFit/>
-          </a:bodyPr>
-          <a:lstStyle/>
-          <a:p>
-            <a:r>
-              <a:rPr lang="it-IT" sz="800" dirty="0" smtClean="0"/>
-              <a:t>(1,1)</a:t>
-            </a:r>
-            <a:endParaRPr lang="it-IT" sz="800" dirty="0"/>
-          </a:p>
-        </p:txBody>
-      </p:sp>
-      <p:sp>
-        <p:nvSpPr>
-          <p:cNvPr id="174" name="CasellaDiTesto 173"/>
-          <p:cNvSpPr txBox="1"/>
-          <p:nvPr/>
-        </p:nvSpPr>
-        <p:spPr>
-          <a:xfrm>
-            <a:off x="6903100" y="2269387"/>
-            <a:ext cx="436541" cy="215444"/>
-          </a:xfrm>
-          <a:prstGeom prst="rect">
-            <a:avLst/>
-          </a:prstGeom>
-          <a:noFill/>
-        </p:spPr>
-        <p:txBody>
-          <a:bodyPr wrap="square" rtlCol="0">
-            <a:spAutoFit/>
-          </a:bodyPr>
-          <a:lstStyle/>
-          <a:p>
-            <a:r>
-              <a:rPr lang="it-IT" sz="800" dirty="0" smtClean="0"/>
-              <a:t>(1,1)</a:t>
-            </a:r>
-            <a:endParaRPr lang="it-IT" sz="800" dirty="0"/>
-          </a:p>
-        </p:txBody>
-      </p:sp>
-      <p:sp>
-        <p:nvSpPr>
-          <p:cNvPr id="175" name="CasellaDiTesto 174"/>
-          <p:cNvSpPr txBox="1"/>
-          <p:nvPr/>
-        </p:nvSpPr>
-        <p:spPr>
-          <a:xfrm>
-            <a:off x="1501313" y="1405164"/>
-            <a:ext cx="436541" cy="215444"/>
-          </a:xfrm>
-          <a:prstGeom prst="rect">
-            <a:avLst/>
-          </a:prstGeom>
-          <a:noFill/>
-        </p:spPr>
-        <p:txBody>
-          <a:bodyPr wrap="square" rtlCol="0">
-            <a:spAutoFit/>
-          </a:bodyPr>
-          <a:lstStyle/>
-          <a:p>
-            <a:r>
-              <a:rPr lang="it-IT" sz="800" dirty="0" smtClean="0"/>
-              <a:t>(0,</a:t>
-            </a:r>
-            <a:r>
-              <a:rPr lang="it-IT" sz="800" dirty="0" smtClean="0"/>
-              <a:t>n)</a:t>
-            </a:r>
-            <a:endParaRPr lang="it-IT" sz="800" dirty="0"/>
-          </a:p>
-        </p:txBody>
-      </p:sp>
-      <p:sp>
-        <p:nvSpPr>
-          <p:cNvPr id="176" name="CasellaDiTesto 175"/>
-          <p:cNvSpPr txBox="1"/>
-          <p:nvPr/>
-        </p:nvSpPr>
-        <p:spPr>
-          <a:xfrm>
-            <a:off x="2989974" y="3560077"/>
-            <a:ext cx="436541" cy="215444"/>
-          </a:xfrm>
-          <a:prstGeom prst="rect">
-            <a:avLst/>
-          </a:prstGeom>
-          <a:noFill/>
-        </p:spPr>
-        <p:txBody>
-          <a:bodyPr wrap="square" rtlCol="0">
-            <a:spAutoFit/>
-          </a:bodyPr>
-          <a:lstStyle/>
-          <a:p>
-            <a:r>
-              <a:rPr lang="it-IT" sz="800" dirty="0" smtClean="0"/>
-              <a:t>(1,1)</a:t>
-            </a:r>
-            <a:endParaRPr lang="it-IT" sz="800" dirty="0"/>
-          </a:p>
-        </p:txBody>
-      </p:sp>
-      <p:sp>
-        <p:nvSpPr>
-          <p:cNvPr id="177" name="CasellaDiTesto 176"/>
-          <p:cNvSpPr txBox="1"/>
-          <p:nvPr/>
-        </p:nvSpPr>
-        <p:spPr>
-          <a:xfrm>
-            <a:off x="4074928" y="3562433"/>
-            <a:ext cx="436541" cy="215444"/>
-          </a:xfrm>
-          <a:prstGeom prst="rect">
-            <a:avLst/>
-          </a:prstGeom>
-          <a:noFill/>
-        </p:spPr>
-        <p:txBody>
-          <a:bodyPr wrap="square" rtlCol="0">
-            <a:spAutoFit/>
-          </a:bodyPr>
-          <a:lstStyle/>
-          <a:p>
-            <a:r>
-              <a:rPr lang="it-IT" sz="800" dirty="0" smtClean="0"/>
-              <a:t>(1,1)</a:t>
-            </a:r>
-            <a:endParaRPr lang="it-IT" sz="800" dirty="0"/>
-          </a:p>
-        </p:txBody>
-      </p:sp>
-      <p:sp>
-        <p:nvSpPr>
-          <p:cNvPr id="178" name="CasellaDiTesto 177"/>
-          <p:cNvSpPr txBox="1"/>
-          <p:nvPr/>
-        </p:nvSpPr>
-        <p:spPr>
-          <a:xfrm>
-            <a:off x="3747952" y="4240945"/>
-            <a:ext cx="436541" cy="215444"/>
-          </a:xfrm>
-          <a:prstGeom prst="rect">
-            <a:avLst/>
-          </a:prstGeom>
-          <a:noFill/>
-        </p:spPr>
-        <p:txBody>
-          <a:bodyPr wrap="square" rtlCol="0">
-            <a:spAutoFit/>
-          </a:bodyPr>
-          <a:lstStyle/>
-          <a:p>
-            <a:r>
-              <a:rPr lang="it-IT" sz="800" dirty="0" smtClean="0"/>
-              <a:t>(1,1)</a:t>
-            </a:r>
-            <a:endParaRPr lang="it-IT" sz="800" dirty="0"/>
-          </a:p>
-        </p:txBody>
-      </p:sp>
-      <p:sp>
-        <p:nvSpPr>
-          <p:cNvPr id="179" name="CasellaDiTesto 178"/>
-          <p:cNvSpPr txBox="1"/>
-          <p:nvPr/>
-        </p:nvSpPr>
-        <p:spPr>
-          <a:xfrm>
-            <a:off x="2596177" y="4030985"/>
-            <a:ext cx="436541" cy="215444"/>
-          </a:xfrm>
-          <a:prstGeom prst="rect">
-            <a:avLst/>
-          </a:prstGeom>
-          <a:noFill/>
-        </p:spPr>
-        <p:txBody>
-          <a:bodyPr wrap="square" rtlCol="0">
-            <a:spAutoFit/>
-          </a:bodyPr>
-          <a:lstStyle/>
-          <a:p>
-            <a:r>
-              <a:rPr lang="it-IT" sz="800" dirty="0" smtClean="0"/>
-              <a:t>(1,1)</a:t>
-            </a:r>
-            <a:endParaRPr lang="it-IT" sz="800" dirty="0"/>
-          </a:p>
-        </p:txBody>
-      </p:sp>
-      <p:sp>
-        <p:nvSpPr>
-          <p:cNvPr id="180" name="CasellaDiTesto 179"/>
-          <p:cNvSpPr txBox="1"/>
-          <p:nvPr/>
-        </p:nvSpPr>
-        <p:spPr>
-          <a:xfrm>
-            <a:off x="6128464" y="688584"/>
-            <a:ext cx="436541" cy="215444"/>
-          </a:xfrm>
-          <a:prstGeom prst="rect">
-            <a:avLst/>
-          </a:prstGeom>
-          <a:noFill/>
-        </p:spPr>
-        <p:txBody>
-          <a:bodyPr wrap="square" rtlCol="0">
-            <a:spAutoFit/>
-          </a:bodyPr>
-          <a:lstStyle/>
-          <a:p>
-            <a:r>
-              <a:rPr lang="it-IT" sz="800" dirty="0" smtClean="0"/>
-              <a:t>(0,</a:t>
-            </a:r>
-            <a:r>
-              <a:rPr lang="it-IT" sz="800" dirty="0" smtClean="0"/>
-              <a:t>n)</a:t>
-            </a:r>
-            <a:endParaRPr lang="it-IT" sz="800" dirty="0"/>
-          </a:p>
-        </p:txBody>
-      </p:sp>
-      <p:sp>
-        <p:nvSpPr>
-          <p:cNvPr id="181" name="CasellaDiTesto 180"/>
-          <p:cNvSpPr txBox="1"/>
-          <p:nvPr/>
-        </p:nvSpPr>
-        <p:spPr>
-          <a:xfrm>
-            <a:off x="5968798" y="3944832"/>
-            <a:ext cx="436541" cy="215444"/>
-          </a:xfrm>
-          <a:prstGeom prst="rect">
-            <a:avLst/>
-          </a:prstGeom>
-          <a:noFill/>
-        </p:spPr>
-        <p:txBody>
-          <a:bodyPr wrap="square" rtlCol="0">
-            <a:spAutoFit/>
-          </a:bodyPr>
-          <a:lstStyle/>
-          <a:p>
-            <a:r>
-              <a:rPr lang="it-IT" sz="800" dirty="0" smtClean="0"/>
-              <a:t>(0,</a:t>
-            </a:r>
-            <a:r>
-              <a:rPr lang="it-IT" sz="800" dirty="0" smtClean="0"/>
-              <a:t>n)</a:t>
-            </a:r>
-            <a:endParaRPr lang="it-IT" sz="800" dirty="0"/>
-          </a:p>
-        </p:txBody>
-      </p:sp>
-      <p:sp>
-        <p:nvSpPr>
-          <p:cNvPr id="185" name="Ovale 184"/>
+          <p:cNvPr id="143" name="Ovale 142"/>
           <p:cNvSpPr/>
           <p:nvPr/>
         </p:nvSpPr>
         <p:spPr>
           <a:xfrm>
-            <a:off x="6679019" y="391684"/>
+            <a:off x="5526083" y="4215499"/>
             <a:ext cx="142455" cy="125409"/>
           </a:xfrm>
           <a:prstGeom prst="ellipse">
-            <a:avLst/>
-          </a:prstGeom>
-          <a:solidFill>
-            <a:schemeClr val="accent1">
-              <a:lumMod val="75000"/>
-            </a:schemeClr>
-          </a:solidFill>
-          <a:ln>
-            <a:solidFill>
-              <a:schemeClr val="tx1"/>
-            </a:solidFill>
-          </a:ln>
-        </p:spPr>
-        <p:style>
-          <a:lnRef idx="1">
-            <a:schemeClr val="accent1"/>
-          </a:lnRef>
-          <a:fillRef idx="3">
-            <a:schemeClr val="accent1"/>
-          </a:fillRef>
-          <a:effectRef idx="2">
-            <a:schemeClr val="accent1"/>
-          </a:effectRef>
-          <a:fontRef idx="minor">
-            <a:schemeClr val="lt1"/>
-          </a:fontRef>
-        </p:style>
-        <p:txBody>
-          <a:bodyPr rtlCol="0" anchor="ctr"/>
-          <a:lstStyle/>
-          <a:p>
-            <a:pPr algn="ctr"/>
-            <a:endParaRPr lang="it-IT" sz="800"/>
-          </a:p>
-        </p:txBody>
-      </p:sp>
-      <p:cxnSp>
-        <p:nvCxnSpPr>
-          <p:cNvPr id="186" name="Connettore 1 185"/>
-          <p:cNvCxnSpPr>
-            <a:stCxn id="185" idx="4"/>
-          </p:cNvCxnSpPr>
-          <p:nvPr/>
-        </p:nvCxnSpPr>
-        <p:spPr>
-          <a:xfrm>
-            <a:off x="6750247" y="517093"/>
-            <a:ext cx="0" cy="306101"/>
-          </a:xfrm>
-          <a:prstGeom prst="line">
-            <a:avLst/>
-          </a:prstGeom>
-          <a:ln w="12700">
-            <a:solidFill>
-              <a:schemeClr val="tx1"/>
-            </a:solidFill>
-          </a:ln>
-        </p:spPr>
-        <p:style>
-          <a:lnRef idx="2">
-            <a:schemeClr val="accent1"/>
-          </a:lnRef>
-          <a:fillRef idx="0">
-            <a:schemeClr val="accent1"/>
-          </a:fillRef>
-          <a:effectRef idx="1">
-            <a:schemeClr val="accent1"/>
-          </a:effectRef>
-          <a:fontRef idx="minor">
-            <a:schemeClr val="tx1"/>
-          </a:fontRef>
-        </p:style>
-      </p:cxnSp>
-      <p:sp>
-        <p:nvSpPr>
-          <p:cNvPr id="187" name="CasellaDiTesto 186"/>
-          <p:cNvSpPr txBox="1"/>
-          <p:nvPr/>
-        </p:nvSpPr>
-        <p:spPr>
-          <a:xfrm>
-            <a:off x="5959685" y="359665"/>
-            <a:ext cx="774571" cy="215444"/>
-          </a:xfrm>
-          <a:prstGeom prst="rect">
-            <a:avLst/>
-          </a:prstGeom>
-          <a:noFill/>
-        </p:spPr>
-        <p:txBody>
-          <a:bodyPr wrap="none" rtlCol="0">
-            <a:spAutoFit/>
-          </a:bodyPr>
-          <a:lstStyle/>
-          <a:p>
-            <a:r>
-              <a:rPr lang="it-IT" sz="800" dirty="0" err="1" smtClean="0"/>
-              <a:t>idTrattoFiume</a:t>
-            </a:r>
-            <a:endParaRPr lang="it-IT" sz="800" dirty="0" smtClean="0"/>
-          </a:p>
-        </p:txBody>
-      </p:sp>
-      <p:sp>
-        <p:nvSpPr>
-          <p:cNvPr id="8" name="Rettangolo 7"/>
-          <p:cNvSpPr/>
-          <p:nvPr/>
-        </p:nvSpPr>
-        <p:spPr>
-          <a:xfrm>
-            <a:off x="6515325" y="711171"/>
-            <a:ext cx="844814" cy="385713"/>
-          </a:xfrm>
-          <a:prstGeom prst="rect">
             <a:avLst/>
           </a:prstGeom>
           <a:gradFill flip="none" rotWithShape="1">
@@ -17276,13 +16604,135 @@
           <a:lstStyle/>
           <a:p>
             <a:pPr algn="ctr"/>
+            <a:endParaRPr lang="it-IT" sz="800"/>
+          </a:p>
+        </p:txBody>
+      </p:sp>
+      <p:cxnSp>
+        <p:nvCxnSpPr>
+          <p:cNvPr id="144" name="Connettore 1 143"/>
+          <p:cNvCxnSpPr>
+            <a:stCxn id="143" idx="0"/>
+          </p:cNvCxnSpPr>
+          <p:nvPr/>
+        </p:nvCxnSpPr>
+        <p:spPr>
+          <a:xfrm flipV="1">
+            <a:off x="5597311" y="3862041"/>
+            <a:ext cx="0" cy="353458"/>
+          </a:xfrm>
+          <a:prstGeom prst="line">
+            <a:avLst/>
+          </a:prstGeom>
+          <a:ln w="12700">
+            <a:solidFill>
+              <a:schemeClr val="tx1"/>
+            </a:solidFill>
+          </a:ln>
+        </p:spPr>
+        <p:style>
+          <a:lnRef idx="2">
+            <a:schemeClr val="accent1"/>
+          </a:lnRef>
+          <a:fillRef idx="0">
+            <a:schemeClr val="accent1"/>
+          </a:fillRef>
+          <a:effectRef idx="1">
+            <a:schemeClr val="accent1"/>
+          </a:effectRef>
+          <a:fontRef idx="minor">
+            <a:schemeClr val="tx1"/>
+          </a:fontRef>
+        </p:style>
+      </p:cxnSp>
+      <p:sp>
+        <p:nvSpPr>
+          <p:cNvPr id="145" name="CasellaDiTesto 144"/>
+          <p:cNvSpPr txBox="1"/>
+          <p:nvPr/>
+        </p:nvSpPr>
+        <p:spPr>
+          <a:xfrm>
+            <a:off x="5302278" y="4340908"/>
+            <a:ext cx="595035" cy="215444"/>
+          </a:xfrm>
+          <a:prstGeom prst="rect">
+            <a:avLst/>
+          </a:prstGeom>
+          <a:noFill/>
+        </p:spPr>
+        <p:txBody>
+          <a:bodyPr wrap="none" rtlCol="0">
+            <a:spAutoFit/>
+          </a:bodyPr>
+          <a:lstStyle/>
+          <a:p>
+            <a:r>
+              <a:rPr lang="it-IT" sz="800" dirty="0" err="1" smtClean="0"/>
+              <a:t>coordGPS</a:t>
+            </a:r>
+            <a:endParaRPr lang="it-IT" sz="800" dirty="0"/>
+          </a:p>
+        </p:txBody>
+      </p:sp>
+      <p:sp>
+        <p:nvSpPr>
+          <p:cNvPr id="54" name="Rettangolo 53"/>
+          <p:cNvSpPr/>
+          <p:nvPr/>
+        </p:nvSpPr>
+        <p:spPr>
+          <a:xfrm>
+            <a:off x="4971584" y="3597137"/>
+            <a:ext cx="844814" cy="385713"/>
+          </a:xfrm>
+          <a:prstGeom prst="rect">
+            <a:avLst/>
+          </a:prstGeom>
+          <a:gradFill flip="none" rotWithShape="1">
+            <a:gsLst>
+              <a:gs pos="0">
+                <a:srgbClr val="CCFFCC"/>
+              </a:gs>
+              <a:gs pos="100000">
+                <a:schemeClr val="bg1"/>
+              </a:gs>
+            </a:gsLst>
+            <a:lin ang="16200000" scaled="0"/>
+            <a:tileRect/>
+          </a:gradFill>
+          <a:ln>
+            <a:solidFill>
+              <a:schemeClr val="tx1"/>
+            </a:solidFill>
+          </a:ln>
+        </p:spPr>
+        <p:style>
+          <a:lnRef idx="1">
+            <a:schemeClr val="accent1"/>
+          </a:lnRef>
+          <a:fillRef idx="3">
+            <a:schemeClr val="accent1"/>
+          </a:fillRef>
+          <a:effectRef idx="2">
+            <a:schemeClr val="accent1"/>
+          </a:effectRef>
+          <a:fontRef idx="minor">
+            <a:schemeClr val="lt1"/>
+          </a:fontRef>
+        </p:style>
+        <p:txBody>
+          <a:bodyPr rtlCol="0" anchor="ctr"/>
+          <a:lstStyle/>
+          <a:p>
+            <a:pPr algn="ctr"/>
             <a:r>
               <a:rPr lang="it-IT" sz="800" dirty="0" smtClean="0">
                 <a:solidFill>
                   <a:srgbClr val="000000"/>
                 </a:solidFill>
               </a:rPr>
-              <a:t>Tratto Fiume</a:t>
+              <a:t>Squadra Emergenza</a:t>
             </a:r>
             <a:endParaRPr lang="it-IT" sz="800" dirty="0">
               <a:solidFill>

--- a/E-R.pptx
+++ b/E-R.pptx
@@ -290,7 +290,7 @@
           <a:p>
             <a:fld id="{CC894F92-A535-3C49-8DB3-8BA69D58B0A8}" type="datetimeFigureOut">
               <a:rPr lang="it-IT" smtClean="0"/>
-              <a:t>19/02/15</a:t>
+              <a:t>20/02/15</a:t>
             </a:fld>
             <a:endParaRPr lang="it-IT"/>
           </a:p>
@@ -460,7 +460,7 @@
           <a:p>
             <a:fld id="{CC894F92-A535-3C49-8DB3-8BA69D58B0A8}" type="datetimeFigureOut">
               <a:rPr lang="it-IT" smtClean="0"/>
-              <a:t>19/02/15</a:t>
+              <a:t>20/02/15</a:t>
             </a:fld>
             <a:endParaRPr lang="it-IT"/>
           </a:p>
@@ -640,7 +640,7 @@
           <a:p>
             <a:fld id="{CC894F92-A535-3C49-8DB3-8BA69D58B0A8}" type="datetimeFigureOut">
               <a:rPr lang="it-IT" smtClean="0"/>
-              <a:t>19/02/15</a:t>
+              <a:t>20/02/15</a:t>
             </a:fld>
             <a:endParaRPr lang="it-IT"/>
           </a:p>
@@ -810,7 +810,7 @@
           <a:p>
             <a:fld id="{CC894F92-A535-3C49-8DB3-8BA69D58B0A8}" type="datetimeFigureOut">
               <a:rPr lang="it-IT" smtClean="0"/>
-              <a:t>19/02/15</a:t>
+              <a:t>20/02/15</a:t>
             </a:fld>
             <a:endParaRPr lang="it-IT"/>
           </a:p>
@@ -1056,7 +1056,7 @@
           <a:p>
             <a:fld id="{CC894F92-A535-3C49-8DB3-8BA69D58B0A8}" type="datetimeFigureOut">
               <a:rPr lang="it-IT" smtClean="0"/>
-              <a:t>19/02/15</a:t>
+              <a:t>20/02/15</a:t>
             </a:fld>
             <a:endParaRPr lang="it-IT"/>
           </a:p>
@@ -1344,7 +1344,7 @@
           <a:p>
             <a:fld id="{CC894F92-A535-3C49-8DB3-8BA69D58B0A8}" type="datetimeFigureOut">
               <a:rPr lang="it-IT" smtClean="0"/>
-              <a:t>19/02/15</a:t>
+              <a:t>20/02/15</a:t>
             </a:fld>
             <a:endParaRPr lang="it-IT"/>
           </a:p>
@@ -1771,7 +1771,7 @@
           <a:p>
             <a:fld id="{CC894F92-A535-3C49-8DB3-8BA69D58B0A8}" type="datetimeFigureOut">
               <a:rPr lang="it-IT" smtClean="0"/>
-              <a:t>19/02/15</a:t>
+              <a:t>20/02/15</a:t>
             </a:fld>
             <a:endParaRPr lang="it-IT"/>
           </a:p>
@@ -1889,7 +1889,7 @@
           <a:p>
             <a:fld id="{CC894F92-A535-3C49-8DB3-8BA69D58B0A8}" type="datetimeFigureOut">
               <a:rPr lang="it-IT" smtClean="0"/>
-              <a:t>19/02/15</a:t>
+              <a:t>20/02/15</a:t>
             </a:fld>
             <a:endParaRPr lang="it-IT"/>
           </a:p>
@@ -1984,7 +1984,7 @@
           <a:p>
             <a:fld id="{CC894F92-A535-3C49-8DB3-8BA69D58B0A8}" type="datetimeFigureOut">
               <a:rPr lang="it-IT" smtClean="0"/>
-              <a:t>19/02/15</a:t>
+              <a:t>20/02/15</a:t>
             </a:fld>
             <a:endParaRPr lang="it-IT"/>
           </a:p>
@@ -2261,7 +2261,7 @@
           <a:p>
             <a:fld id="{CC894F92-A535-3C49-8DB3-8BA69D58B0A8}" type="datetimeFigureOut">
               <a:rPr lang="it-IT" smtClean="0"/>
-              <a:t>19/02/15</a:t>
+              <a:t>20/02/15</a:t>
             </a:fld>
             <a:endParaRPr lang="it-IT"/>
           </a:p>
@@ -2514,7 +2514,7 @@
           <a:p>
             <a:fld id="{CC894F92-A535-3C49-8DB3-8BA69D58B0A8}" type="datetimeFigureOut">
               <a:rPr lang="it-IT" smtClean="0"/>
-              <a:t>19/02/15</a:t>
+              <a:t>20/02/15</a:t>
             </a:fld>
             <a:endParaRPr lang="it-IT"/>
           </a:p>
@@ -2727,7 +2727,7 @@
           <a:p>
             <a:fld id="{CC894F92-A535-3C49-8DB3-8BA69D58B0A8}" type="datetimeFigureOut">
               <a:rPr lang="it-IT" smtClean="0"/>
-              <a:t>19/02/15</a:t>
+              <a:t>20/02/15</a:t>
             </a:fld>
             <a:endParaRPr lang="it-IT"/>
           </a:p>
@@ -4567,16 +4567,16 @@
       </p:cxnSp>
       <p:sp>
         <p:nvSpPr>
-          <p:cNvPr id="7" name="Rettangolo 6"/>
+          <p:cNvPr id="147" name="Ovale 146"/>
           <p:cNvSpPr/>
           <p:nvPr/>
         </p:nvSpPr>
         <p:spPr>
           <a:xfrm>
-            <a:off x="6747005" y="1112377"/>
-            <a:ext cx="844814" cy="385713"/>
-          </a:xfrm>
-          <a:prstGeom prst="rect">
+            <a:off x="2514095" y="1378772"/>
+            <a:ext cx="142455" cy="125409"/>
+          </a:xfrm>
+          <a:prstGeom prst="ellipse">
             <a:avLst/>
           </a:prstGeom>
           <a:gradFill flip="none" rotWithShape="1">
@@ -4619,31 +4619,56 @@
           <a:lstStyle/>
           <a:p>
             <a:pPr algn="ctr"/>
-            <a:r>
-              <a:rPr lang="it-IT" sz="800" dirty="0" smtClean="0">
-                <a:solidFill>
-                  <a:srgbClr val="000000"/>
-                </a:solidFill>
-              </a:rPr>
-              <a:t>Cella Geografica</a:t>
-            </a:r>
-            <a:endParaRPr lang="it-IT" sz="800" dirty="0">
-              <a:solidFill>
-                <a:srgbClr val="000000"/>
-              </a:solidFill>
-            </a:endParaRPr>
-          </a:p>
-        </p:txBody>
-      </p:sp>
-      <p:sp>
-        <p:nvSpPr>
-          <p:cNvPr id="147" name="Ovale 146"/>
+            <a:endParaRPr lang="it-IT" sz="800"/>
+          </a:p>
+        </p:txBody>
+      </p:sp>
+      <p:cxnSp>
+        <p:nvCxnSpPr>
+          <p:cNvPr id="148" name="Connettore 1 147"/>
+          <p:cNvCxnSpPr>
+            <a:stCxn id="147" idx="4"/>
+          </p:cNvCxnSpPr>
+          <p:nvPr/>
+        </p:nvCxnSpPr>
+        <p:spPr>
+          <a:xfrm>
+            <a:off x="2585323" y="1504181"/>
+            <a:ext cx="0" cy="306101"/>
+          </a:xfrm>
+          <a:prstGeom prst="line">
+            <a:avLst/>
+          </a:prstGeom>
+          <a:ln w="12700">
+            <a:solidFill>
+              <a:schemeClr val="tx1"/>
+            </a:solidFill>
+          </a:ln>
+        </p:spPr>
+        <p:style>
+          <a:lnRef idx="2">
+            <a:schemeClr val="accent1"/>
+          </a:lnRef>
+          <a:fillRef idx="0">
+            <a:schemeClr val="accent1"/>
+          </a:fillRef>
+          <a:effectRef idx="1">
+            <a:schemeClr val="accent1"/>
+          </a:effectRef>
+          <a:fontRef idx="minor">
+            <a:schemeClr val="tx1"/>
+          </a:fontRef>
+        </p:style>
+      </p:cxnSp>
+      <p:sp>
+        <p:nvSpPr>
+          <p:cNvPr id="149" name="Ovale 148"/>
           <p:cNvSpPr/>
           <p:nvPr/>
         </p:nvSpPr>
         <p:spPr>
           <a:xfrm>
-            <a:off x="2514095" y="1378772"/>
+            <a:off x="2988434" y="1435385"/>
             <a:ext cx="142455" cy="125409"/>
           </a:xfrm>
           <a:prstGeom prst="ellipse">
@@ -4695,15 +4720,15 @@
       </p:sp>
       <p:cxnSp>
         <p:nvCxnSpPr>
-          <p:cNvPr id="148" name="Connettore 1 147"/>
+          <p:cNvPr id="150" name="Connettore 1 149"/>
           <p:cNvCxnSpPr>
-            <a:stCxn id="147" idx="4"/>
+            <a:stCxn id="149" idx="4"/>
           </p:cNvCxnSpPr>
           <p:nvPr/>
         </p:nvCxnSpPr>
         <p:spPr>
           <a:xfrm>
-            <a:off x="2585323" y="1504181"/>
+            <a:off x="3059662" y="1560794"/>
             <a:ext cx="0" cy="306101"/>
           </a:xfrm>
           <a:prstGeom prst="line">
@@ -4732,13 +4757,13 @@
       </p:cxnSp>
       <p:sp>
         <p:nvSpPr>
-          <p:cNvPr id="149" name="Ovale 148"/>
+          <p:cNvPr id="151" name="Ovale 150"/>
           <p:cNvSpPr/>
           <p:nvPr/>
         </p:nvSpPr>
         <p:spPr>
           <a:xfrm>
-            <a:off x="2988434" y="1435385"/>
+            <a:off x="2037970" y="1506616"/>
             <a:ext cx="142455" cy="125409"/>
           </a:xfrm>
           <a:prstGeom prst="ellipse">
@@ -4790,16 +4815,16 @@
       </p:sp>
       <p:cxnSp>
         <p:nvCxnSpPr>
-          <p:cNvPr id="150" name="Connettore 1 149"/>
+          <p:cNvPr id="152" name="Connettore 1 151"/>
           <p:cNvCxnSpPr>
-            <a:stCxn id="149" idx="4"/>
+            <a:endCxn id="151" idx="5"/>
           </p:cNvCxnSpPr>
           <p:nvPr/>
         </p:nvCxnSpPr>
         <p:spPr>
-          <a:xfrm>
-            <a:off x="3059662" y="1560794"/>
-            <a:ext cx="0" cy="306101"/>
+          <a:xfrm flipH="1" flipV="1">
+            <a:off x="2159563" y="1613659"/>
+            <a:ext cx="300814" cy="273082"/>
           </a:xfrm>
           <a:prstGeom prst="line">
             <a:avLst/>
@@ -4825,15 +4850,256 @@
           </a:fontRef>
         </p:style>
       </p:cxnSp>
-      <p:sp>
-        <p:nvSpPr>
-          <p:cNvPr id="151" name="Ovale 150"/>
+      <p:cxnSp>
+        <p:nvCxnSpPr>
+          <p:cNvPr id="159" name="Connettore 1 158"/>
+          <p:cNvCxnSpPr>
+            <a:stCxn id="158" idx="0"/>
+          </p:cNvCxnSpPr>
+          <p:nvPr/>
+        </p:nvCxnSpPr>
+        <p:spPr>
+          <a:xfrm flipV="1">
+            <a:off x="3116538" y="1987358"/>
+            <a:ext cx="0" cy="341137"/>
+          </a:xfrm>
+          <a:prstGeom prst="line">
+            <a:avLst/>
+          </a:prstGeom>
+          <a:ln w="12700">
+            <a:solidFill>
+              <a:schemeClr val="tx1"/>
+            </a:solidFill>
+          </a:ln>
+        </p:spPr>
+        <p:style>
+          <a:lnRef idx="2">
+            <a:schemeClr val="accent1"/>
+          </a:lnRef>
+          <a:fillRef idx="0">
+            <a:schemeClr val="accent1"/>
+          </a:fillRef>
+          <a:effectRef idx="1">
+            <a:schemeClr val="accent1"/>
+          </a:effectRef>
+          <a:fontRef idx="minor">
+            <a:schemeClr val="tx1"/>
+          </a:fontRef>
+        </p:style>
+      </p:cxnSp>
+      <p:sp>
+        <p:nvSpPr>
+          <p:cNvPr id="158" name="Ovale 157"/>
           <p:cNvSpPr/>
           <p:nvPr/>
         </p:nvSpPr>
         <p:spPr>
           <a:xfrm>
-            <a:off x="2037970" y="1506616"/>
+            <a:off x="3045310" y="2328495"/>
+            <a:ext cx="142455" cy="125409"/>
+          </a:xfrm>
+          <a:prstGeom prst="ellipse">
+            <a:avLst/>
+          </a:prstGeom>
+          <a:solidFill>
+            <a:schemeClr val="accent1">
+              <a:lumMod val="75000"/>
+            </a:schemeClr>
+          </a:solidFill>
+          <a:ln>
+            <a:solidFill>
+              <a:schemeClr val="tx1"/>
+            </a:solidFill>
+          </a:ln>
+        </p:spPr>
+        <p:style>
+          <a:lnRef idx="1">
+            <a:schemeClr val="accent1"/>
+          </a:lnRef>
+          <a:fillRef idx="3">
+            <a:schemeClr val="accent1"/>
+          </a:fillRef>
+          <a:effectRef idx="2">
+            <a:schemeClr val="accent1"/>
+          </a:effectRef>
+          <a:fontRef idx="minor">
+            <a:schemeClr val="lt1"/>
+          </a:fontRef>
+        </p:style>
+        <p:txBody>
+          <a:bodyPr rtlCol="0" anchor="ctr"/>
+          <a:lstStyle/>
+          <a:p>
+            <a:pPr algn="ctr"/>
+            <a:endParaRPr lang="it-IT" sz="800"/>
+          </a:p>
+        </p:txBody>
+      </p:sp>
+      <p:sp>
+        <p:nvSpPr>
+          <p:cNvPr id="164" name="CasellaDiTesto 163"/>
+          <p:cNvSpPr txBox="1"/>
+          <p:nvPr/>
+        </p:nvSpPr>
+        <p:spPr>
+          <a:xfrm>
+            <a:off x="2945605" y="2452536"/>
+            <a:ext cx="774571" cy="215444"/>
+          </a:xfrm>
+          <a:prstGeom prst="rect">
+            <a:avLst/>
+          </a:prstGeom>
+          <a:noFill/>
+        </p:spPr>
+        <p:txBody>
+          <a:bodyPr wrap="none" rtlCol="0">
+            <a:spAutoFit/>
+          </a:bodyPr>
+          <a:lstStyle/>
+          <a:p>
+            <a:r>
+              <a:rPr lang="it-IT" sz="800" dirty="0" err="1" smtClean="0"/>
+              <a:t>idTrattoFiume</a:t>
+            </a:r>
+            <a:endParaRPr lang="it-IT" sz="800" dirty="0" smtClean="0"/>
+          </a:p>
+        </p:txBody>
+      </p:sp>
+      <p:sp>
+        <p:nvSpPr>
+          <p:cNvPr id="165" name="CasellaDiTesto 164"/>
+          <p:cNvSpPr txBox="1"/>
+          <p:nvPr/>
+        </p:nvSpPr>
+        <p:spPr>
+          <a:xfrm>
+            <a:off x="1532845" y="1336190"/>
+            <a:ext cx="853519" cy="215444"/>
+          </a:xfrm>
+          <a:prstGeom prst="rect">
+            <a:avLst/>
+          </a:prstGeom>
+          <a:noFill/>
+        </p:spPr>
+        <p:txBody>
+          <a:bodyPr wrap="none" rtlCol="0">
+            <a:spAutoFit/>
+          </a:bodyPr>
+          <a:lstStyle/>
+          <a:p>
+            <a:r>
+              <a:rPr lang="it-IT" sz="800" dirty="0" err="1" smtClean="0"/>
+              <a:t>lunghezzaTratto</a:t>
+            </a:r>
+            <a:endParaRPr lang="it-IT" sz="800" dirty="0" smtClean="0"/>
+          </a:p>
+        </p:txBody>
+      </p:sp>
+      <p:sp>
+        <p:nvSpPr>
+          <p:cNvPr id="166" name="CasellaDiTesto 165"/>
+          <p:cNvSpPr txBox="1"/>
+          <p:nvPr/>
+        </p:nvSpPr>
+        <p:spPr>
+          <a:xfrm>
+            <a:off x="2313396" y="1174368"/>
+            <a:ext cx="495448" cy="215444"/>
+          </a:xfrm>
+          <a:prstGeom prst="rect">
+            <a:avLst/>
+          </a:prstGeom>
+          <a:noFill/>
+        </p:spPr>
+        <p:txBody>
+          <a:bodyPr wrap="none" rtlCol="0">
+            <a:spAutoFit/>
+          </a:bodyPr>
+          <a:lstStyle/>
+          <a:p>
+            <a:r>
+              <a:rPr lang="it-IT" sz="800" dirty="0" smtClean="0"/>
+              <a:t>portata</a:t>
+            </a:r>
+          </a:p>
+        </p:txBody>
+      </p:sp>
+      <p:sp>
+        <p:nvSpPr>
+          <p:cNvPr id="167" name="CasellaDiTesto 166"/>
+          <p:cNvSpPr txBox="1"/>
+          <p:nvPr/>
+        </p:nvSpPr>
+        <p:spPr>
+          <a:xfrm>
+            <a:off x="2777590" y="1219942"/>
+            <a:ext cx="807032" cy="215444"/>
+          </a:xfrm>
+          <a:prstGeom prst="rect">
+            <a:avLst/>
+          </a:prstGeom>
+          <a:noFill/>
+        </p:spPr>
+        <p:txBody>
+          <a:bodyPr wrap="none" rtlCol="0">
+            <a:spAutoFit/>
+          </a:bodyPr>
+          <a:lstStyle/>
+          <a:p>
+            <a:r>
+              <a:rPr lang="it-IT" sz="800" dirty="0" err="1" smtClean="0"/>
+              <a:t>livelloMassimo</a:t>
+            </a:r>
+            <a:endParaRPr lang="it-IT" sz="800" dirty="0" smtClean="0"/>
+          </a:p>
+        </p:txBody>
+      </p:sp>
+      <p:cxnSp>
+        <p:nvCxnSpPr>
+          <p:cNvPr id="168" name="Connettore 1 167"/>
+          <p:cNvCxnSpPr>
+            <a:stCxn id="169" idx="0"/>
+          </p:cNvCxnSpPr>
+          <p:nvPr/>
+        </p:nvCxnSpPr>
+        <p:spPr>
+          <a:xfrm flipV="1">
+            <a:off x="2585323" y="2063155"/>
+            <a:ext cx="0" cy="341137"/>
+          </a:xfrm>
+          <a:prstGeom prst="line">
+            <a:avLst/>
+          </a:prstGeom>
+          <a:ln w="12700">
+            <a:solidFill>
+              <a:schemeClr val="tx1"/>
+            </a:solidFill>
+          </a:ln>
+        </p:spPr>
+        <p:style>
+          <a:lnRef idx="2">
+            <a:schemeClr val="accent1"/>
+          </a:lnRef>
+          <a:fillRef idx="0">
+            <a:schemeClr val="accent1"/>
+          </a:fillRef>
+          <a:effectRef idx="1">
+            <a:schemeClr val="accent1"/>
+          </a:effectRef>
+          <a:fontRef idx="minor">
+            <a:schemeClr val="tx1"/>
+          </a:fontRef>
+        </p:style>
+      </p:cxnSp>
+      <p:sp>
+        <p:nvSpPr>
+          <p:cNvPr id="169" name="Ovale 168"/>
+          <p:cNvSpPr/>
+          <p:nvPr/>
+        </p:nvSpPr>
+        <p:spPr>
+          <a:xfrm>
+            <a:off x="2514095" y="2404292"/>
             <a:ext cx="142455" cy="125409"/>
           </a:xfrm>
           <a:prstGeom prst="ellipse">
@@ -4883,138 +5149,16 @@
           </a:p>
         </p:txBody>
       </p:sp>
-      <p:cxnSp>
-        <p:nvCxnSpPr>
-          <p:cNvPr id="152" name="Connettore 1 151"/>
-          <p:cNvCxnSpPr>
-            <a:endCxn id="151" idx="5"/>
-          </p:cNvCxnSpPr>
-          <p:nvPr/>
-        </p:nvCxnSpPr>
-        <p:spPr>
-          <a:xfrm flipH="1" flipV="1">
-            <a:off x="2159563" y="1613659"/>
-            <a:ext cx="300814" cy="273082"/>
-          </a:xfrm>
-          <a:prstGeom prst="line">
-            <a:avLst/>
-          </a:prstGeom>
-          <a:ln w="12700">
-            <a:solidFill>
-              <a:schemeClr val="tx1"/>
-            </a:solidFill>
-          </a:ln>
-        </p:spPr>
-        <p:style>
-          <a:lnRef idx="2">
-            <a:schemeClr val="accent1"/>
-          </a:lnRef>
-          <a:fillRef idx="0">
-            <a:schemeClr val="accent1"/>
-          </a:fillRef>
-          <a:effectRef idx="1">
-            <a:schemeClr val="accent1"/>
-          </a:effectRef>
-          <a:fontRef idx="minor">
-            <a:schemeClr val="tx1"/>
-          </a:fontRef>
-        </p:style>
-      </p:cxnSp>
-      <p:cxnSp>
-        <p:nvCxnSpPr>
-          <p:cNvPr id="159" name="Connettore 1 158"/>
-          <p:cNvCxnSpPr>
-            <a:stCxn id="158" idx="0"/>
-          </p:cNvCxnSpPr>
-          <p:nvPr/>
-        </p:nvCxnSpPr>
-        <p:spPr>
-          <a:xfrm flipV="1">
-            <a:off x="3116538" y="1987358"/>
-            <a:ext cx="0" cy="341137"/>
-          </a:xfrm>
-          <a:prstGeom prst="line">
-            <a:avLst/>
-          </a:prstGeom>
-          <a:ln w="12700">
-            <a:solidFill>
-              <a:schemeClr val="tx1"/>
-            </a:solidFill>
-          </a:ln>
-        </p:spPr>
-        <p:style>
-          <a:lnRef idx="2">
-            <a:schemeClr val="accent1"/>
-          </a:lnRef>
-          <a:fillRef idx="0">
-            <a:schemeClr val="accent1"/>
-          </a:fillRef>
-          <a:effectRef idx="1">
-            <a:schemeClr val="accent1"/>
-          </a:effectRef>
-          <a:fontRef idx="minor">
-            <a:schemeClr val="tx1"/>
-          </a:fontRef>
-        </p:style>
-      </p:cxnSp>
-      <p:sp>
-        <p:nvSpPr>
-          <p:cNvPr id="158" name="Ovale 157"/>
-          <p:cNvSpPr/>
-          <p:nvPr/>
-        </p:nvSpPr>
-        <p:spPr>
-          <a:xfrm>
-            <a:off x="3045310" y="2328495"/>
-            <a:ext cx="142455" cy="125409"/>
-          </a:xfrm>
-          <a:prstGeom prst="ellipse">
-            <a:avLst/>
-          </a:prstGeom>
-          <a:solidFill>
-            <a:schemeClr val="accent1">
-              <a:lumMod val="75000"/>
-            </a:schemeClr>
-          </a:solidFill>
-          <a:ln>
-            <a:solidFill>
-              <a:schemeClr val="tx1"/>
-            </a:solidFill>
-          </a:ln>
-        </p:spPr>
-        <p:style>
-          <a:lnRef idx="1">
-            <a:schemeClr val="accent1"/>
-          </a:lnRef>
-          <a:fillRef idx="3">
-            <a:schemeClr val="accent1"/>
-          </a:fillRef>
-          <a:effectRef idx="2">
-            <a:schemeClr val="accent1"/>
-          </a:effectRef>
-          <a:fontRef idx="minor">
-            <a:schemeClr val="lt1"/>
-          </a:fontRef>
-        </p:style>
-        <p:txBody>
-          <a:bodyPr rtlCol="0" anchor="ctr"/>
-          <a:lstStyle/>
-          <a:p>
-            <a:pPr algn="ctr"/>
-            <a:endParaRPr lang="it-IT" sz="800"/>
-          </a:p>
-        </p:txBody>
-      </p:sp>
-      <p:sp>
-        <p:nvSpPr>
-          <p:cNvPr id="164" name="CasellaDiTesto 163"/>
+      <p:sp>
+        <p:nvSpPr>
+          <p:cNvPr id="170" name="CasellaDiTesto 169"/>
           <p:cNvSpPr txBox="1"/>
           <p:nvPr/>
         </p:nvSpPr>
         <p:spPr>
           <a:xfrm>
-            <a:off x="2945605" y="2452536"/>
-            <a:ext cx="774571" cy="215444"/>
+            <a:off x="2105151" y="2543112"/>
+            <a:ext cx="710451" cy="215444"/>
           </a:xfrm>
           <a:prstGeom prst="rect">
             <a:avLst/>
@@ -5029,7 +5173,7 @@
           <a:p>
             <a:r>
               <a:rPr lang="it-IT" sz="800" dirty="0" err="1" smtClean="0"/>
-              <a:t>idTrattoFiume</a:t>
+              <a:t>livelloAllerta</a:t>
             </a:r>
             <a:endParaRPr lang="it-IT" sz="800" dirty="0" smtClean="0"/>
           </a:p>
@@ -5037,14 +5181,14 @@
       </p:sp>
       <p:sp>
         <p:nvSpPr>
-          <p:cNvPr id="165" name="CasellaDiTesto 164"/>
+          <p:cNvPr id="171" name="CasellaDiTesto 170"/>
           <p:cNvSpPr txBox="1"/>
           <p:nvPr/>
         </p:nvSpPr>
         <p:spPr>
           <a:xfrm>
-            <a:off x="1532845" y="1336190"/>
-            <a:ext cx="853519" cy="215444"/>
+            <a:off x="7333519" y="3467115"/>
+            <a:ext cx="659155" cy="215444"/>
           </a:xfrm>
           <a:prstGeom prst="rect">
             <a:avLst/>
@@ -5058,23 +5202,23 @@
           <a:lstStyle/>
           <a:p>
             <a:r>
-              <a:rPr lang="it-IT" sz="800" dirty="0" err="1" smtClean="0"/>
-              <a:t>lunghezzaTratto</a:t>
-            </a:r>
-            <a:endParaRPr lang="it-IT" sz="800" dirty="0" smtClean="0"/>
-          </a:p>
-        </p:txBody>
-      </p:sp>
-      <p:sp>
-        <p:nvSpPr>
-          <p:cNvPr id="166" name="CasellaDiTesto 165"/>
+              <a:rPr lang="it-IT" sz="800" dirty="0" smtClean="0"/>
+              <a:t>longitudine</a:t>
+            </a:r>
+            <a:endParaRPr lang="it-IT" sz="800" dirty="0"/>
+          </a:p>
+        </p:txBody>
+      </p:sp>
+      <p:sp>
+        <p:nvSpPr>
+          <p:cNvPr id="172" name="CasellaDiTesto 171"/>
           <p:cNvSpPr txBox="1"/>
           <p:nvPr/>
         </p:nvSpPr>
         <p:spPr>
           <a:xfrm>
-            <a:off x="2313396" y="1174368"/>
-            <a:ext cx="495448" cy="215444"/>
+            <a:off x="8100137" y="2634768"/>
+            <a:ext cx="585166" cy="215444"/>
           </a:xfrm>
           <a:prstGeom prst="rect">
             <a:avLst/>
@@ -5089,21 +5233,22 @@
           <a:p>
             <a:r>
               <a:rPr lang="it-IT" sz="800" dirty="0" smtClean="0"/>
-              <a:t>portata</a:t>
-            </a:r>
-          </a:p>
-        </p:txBody>
-      </p:sp>
-      <p:sp>
-        <p:nvSpPr>
-          <p:cNvPr id="167" name="CasellaDiTesto 166"/>
+              <a:t>altitudine</a:t>
+            </a:r>
+            <a:endParaRPr lang="it-IT" sz="800" dirty="0"/>
+          </a:p>
+        </p:txBody>
+      </p:sp>
+      <p:sp>
+        <p:nvSpPr>
+          <p:cNvPr id="173" name="CasellaDiTesto 172"/>
           <p:cNvSpPr txBox="1"/>
           <p:nvPr/>
         </p:nvSpPr>
         <p:spPr>
           <a:xfrm>
-            <a:off x="2777590" y="1219942"/>
-            <a:ext cx="807032" cy="215444"/>
+            <a:off x="8114625" y="2858557"/>
+            <a:ext cx="585166" cy="215444"/>
           </a:xfrm>
           <a:prstGeom prst="rect">
             <a:avLst/>
@@ -5117,59 +5262,52 @@
           <a:lstStyle/>
           <a:p>
             <a:r>
+              <a:rPr lang="it-IT" sz="800" dirty="0" smtClean="0"/>
+              <a:t>latitudine</a:t>
+            </a:r>
+            <a:endParaRPr lang="it-IT" sz="800" dirty="0"/>
+          </a:p>
+        </p:txBody>
+      </p:sp>
+      <p:sp>
+        <p:nvSpPr>
+          <p:cNvPr id="174" name="CasellaDiTesto 173"/>
+          <p:cNvSpPr txBox="1"/>
+          <p:nvPr/>
+        </p:nvSpPr>
+        <p:spPr>
+          <a:xfrm>
+            <a:off x="7334962" y="2063155"/>
+            <a:ext cx="726982" cy="215444"/>
+          </a:xfrm>
+          <a:prstGeom prst="rect">
+            <a:avLst/>
+          </a:prstGeom>
+          <a:noFill/>
+        </p:spPr>
+        <p:txBody>
+          <a:bodyPr wrap="none" rtlCol="0">
+            <a:spAutoFit/>
+          </a:bodyPr>
+          <a:lstStyle/>
+          <a:p>
+            <a:r>
               <a:rPr lang="it-IT" sz="800" dirty="0" err="1" smtClean="0"/>
-              <a:t>livelloMassimo</a:t>
+              <a:t>idNodoIdrico</a:t>
             </a:r>
             <a:endParaRPr lang="it-IT" sz="800" dirty="0" smtClean="0"/>
           </a:p>
         </p:txBody>
       </p:sp>
-      <p:cxnSp>
-        <p:nvCxnSpPr>
-          <p:cNvPr id="168" name="Connettore 1 167"/>
-          <p:cNvCxnSpPr>
-            <a:stCxn id="169" idx="0"/>
-          </p:cNvCxnSpPr>
-          <p:nvPr/>
-        </p:nvCxnSpPr>
-        <p:spPr>
-          <a:xfrm flipV="1">
-            <a:off x="2585323" y="2063155"/>
-            <a:ext cx="0" cy="341137"/>
-          </a:xfrm>
-          <a:prstGeom prst="line">
-            <a:avLst/>
-          </a:prstGeom>
-          <a:ln w="12700">
-            <a:solidFill>
-              <a:schemeClr val="tx1"/>
-            </a:solidFill>
-          </a:ln>
-        </p:spPr>
-        <p:style>
-          <a:lnRef idx="2">
-            <a:schemeClr val="accent1"/>
-          </a:lnRef>
-          <a:fillRef idx="0">
-            <a:schemeClr val="accent1"/>
-          </a:fillRef>
-          <a:effectRef idx="1">
-            <a:schemeClr val="accent1"/>
-          </a:effectRef>
-          <a:fontRef idx="minor">
-            <a:schemeClr val="tx1"/>
-          </a:fontRef>
-        </p:style>
-      </p:cxnSp>
-      <p:sp>
-        <p:nvSpPr>
-          <p:cNvPr id="169" name="Ovale 168"/>
+      <p:sp>
+        <p:nvSpPr>
+          <p:cNvPr id="175" name="Ovale 174"/>
           <p:cNvSpPr/>
           <p:nvPr/>
         </p:nvSpPr>
         <p:spPr>
           <a:xfrm>
-            <a:off x="2514095" y="2404292"/>
+            <a:off x="7972170" y="2674719"/>
             <a:ext cx="142455" cy="125409"/>
           </a:xfrm>
           <a:prstGeom prst="ellipse">
@@ -5221,163 +5359,13 @@
       </p:sp>
       <p:sp>
         <p:nvSpPr>
-          <p:cNvPr id="170" name="CasellaDiTesto 169"/>
-          <p:cNvSpPr txBox="1"/>
-          <p:nvPr/>
-        </p:nvSpPr>
-        <p:spPr>
-          <a:xfrm>
-            <a:off x="2105151" y="2543112"/>
-            <a:ext cx="710451" cy="215444"/>
-          </a:xfrm>
-          <a:prstGeom prst="rect">
-            <a:avLst/>
-          </a:prstGeom>
-          <a:noFill/>
-        </p:spPr>
-        <p:txBody>
-          <a:bodyPr wrap="none" rtlCol="0">
-            <a:spAutoFit/>
-          </a:bodyPr>
-          <a:lstStyle/>
-          <a:p>
-            <a:r>
-              <a:rPr lang="it-IT" sz="800" dirty="0" err="1" smtClean="0"/>
-              <a:t>livelloAllerta</a:t>
-            </a:r>
-            <a:endParaRPr lang="it-IT" sz="800" dirty="0" smtClean="0"/>
-          </a:p>
-        </p:txBody>
-      </p:sp>
-      <p:sp>
-        <p:nvSpPr>
-          <p:cNvPr id="171" name="CasellaDiTesto 170"/>
-          <p:cNvSpPr txBox="1"/>
-          <p:nvPr/>
-        </p:nvSpPr>
-        <p:spPr>
-          <a:xfrm>
-            <a:off x="7333519" y="3467115"/>
-            <a:ext cx="659155" cy="215444"/>
-          </a:xfrm>
-          <a:prstGeom prst="rect">
-            <a:avLst/>
-          </a:prstGeom>
-          <a:noFill/>
-        </p:spPr>
-        <p:txBody>
-          <a:bodyPr wrap="none" rtlCol="0">
-            <a:spAutoFit/>
-          </a:bodyPr>
-          <a:lstStyle/>
-          <a:p>
-            <a:r>
-              <a:rPr lang="it-IT" sz="800" dirty="0" smtClean="0"/>
-              <a:t>longitudine</a:t>
-            </a:r>
-            <a:endParaRPr lang="it-IT" sz="800" dirty="0"/>
-          </a:p>
-        </p:txBody>
-      </p:sp>
-      <p:sp>
-        <p:nvSpPr>
-          <p:cNvPr id="172" name="CasellaDiTesto 171"/>
-          <p:cNvSpPr txBox="1"/>
-          <p:nvPr/>
-        </p:nvSpPr>
-        <p:spPr>
-          <a:xfrm>
-            <a:off x="8100137" y="2634768"/>
-            <a:ext cx="585166" cy="215444"/>
-          </a:xfrm>
-          <a:prstGeom prst="rect">
-            <a:avLst/>
-          </a:prstGeom>
-          <a:noFill/>
-        </p:spPr>
-        <p:txBody>
-          <a:bodyPr wrap="none" rtlCol="0">
-            <a:spAutoFit/>
-          </a:bodyPr>
-          <a:lstStyle/>
-          <a:p>
-            <a:r>
-              <a:rPr lang="it-IT" sz="800" dirty="0" smtClean="0"/>
-              <a:t>altitudine</a:t>
-            </a:r>
-            <a:endParaRPr lang="it-IT" sz="800" dirty="0"/>
-          </a:p>
-        </p:txBody>
-      </p:sp>
-      <p:sp>
-        <p:nvSpPr>
-          <p:cNvPr id="173" name="CasellaDiTesto 172"/>
-          <p:cNvSpPr txBox="1"/>
-          <p:nvPr/>
-        </p:nvSpPr>
-        <p:spPr>
-          <a:xfrm>
-            <a:off x="8114625" y="2858557"/>
-            <a:ext cx="585166" cy="215444"/>
-          </a:xfrm>
-          <a:prstGeom prst="rect">
-            <a:avLst/>
-          </a:prstGeom>
-          <a:noFill/>
-        </p:spPr>
-        <p:txBody>
-          <a:bodyPr wrap="none" rtlCol="0">
-            <a:spAutoFit/>
-          </a:bodyPr>
-          <a:lstStyle/>
-          <a:p>
-            <a:r>
-              <a:rPr lang="it-IT" sz="800" dirty="0" smtClean="0"/>
-              <a:t>latitudine</a:t>
-            </a:r>
-            <a:endParaRPr lang="it-IT" sz="800" dirty="0"/>
-          </a:p>
-        </p:txBody>
-      </p:sp>
-      <p:sp>
-        <p:nvSpPr>
-          <p:cNvPr id="174" name="CasellaDiTesto 173"/>
-          <p:cNvSpPr txBox="1"/>
-          <p:nvPr/>
-        </p:nvSpPr>
-        <p:spPr>
-          <a:xfrm>
-            <a:off x="7334962" y="2063155"/>
-            <a:ext cx="726982" cy="215444"/>
-          </a:xfrm>
-          <a:prstGeom prst="rect">
-            <a:avLst/>
-          </a:prstGeom>
-          <a:noFill/>
-        </p:spPr>
-        <p:txBody>
-          <a:bodyPr wrap="none" rtlCol="0">
-            <a:spAutoFit/>
-          </a:bodyPr>
-          <a:lstStyle/>
-          <a:p>
-            <a:r>
-              <a:rPr lang="it-IT" sz="800" dirty="0" err="1" smtClean="0"/>
-              <a:t>idNodoIdrico</a:t>
-            </a:r>
-            <a:endParaRPr lang="it-IT" sz="800" dirty="0" smtClean="0"/>
-          </a:p>
-        </p:txBody>
-      </p:sp>
-      <p:sp>
-        <p:nvSpPr>
-          <p:cNvPr id="175" name="Ovale 174"/>
+          <p:cNvPr id="176" name="Ovale 175"/>
           <p:cNvSpPr/>
           <p:nvPr/>
         </p:nvSpPr>
         <p:spPr>
           <a:xfrm>
-            <a:off x="7972170" y="2674719"/>
+            <a:off x="7972170" y="2903574"/>
             <a:ext cx="142455" cy="125409"/>
           </a:xfrm>
           <a:prstGeom prst="ellipse">
@@ -5427,15 +5415,126 @@
           </a:p>
         </p:txBody>
       </p:sp>
-      <p:sp>
-        <p:nvSpPr>
-          <p:cNvPr id="176" name="Ovale 175"/>
+      <p:cxnSp>
+        <p:nvCxnSpPr>
+          <p:cNvPr id="177" name="Connettore 1 176"/>
+          <p:cNvCxnSpPr>
+            <a:endCxn id="175" idx="2"/>
+          </p:cNvCxnSpPr>
+          <p:nvPr/>
+        </p:nvCxnSpPr>
+        <p:spPr>
+          <a:xfrm flipV="1">
+            <a:off x="7716006" y="2737424"/>
+            <a:ext cx="256164" cy="5066"/>
+          </a:xfrm>
+          <a:prstGeom prst="line">
+            <a:avLst/>
+          </a:prstGeom>
+          <a:ln w="12700">
+            <a:solidFill>
+              <a:schemeClr val="tx1"/>
+            </a:solidFill>
+          </a:ln>
+        </p:spPr>
+        <p:style>
+          <a:lnRef idx="2">
+            <a:schemeClr val="accent1"/>
+          </a:lnRef>
+          <a:fillRef idx="0">
+            <a:schemeClr val="accent1"/>
+          </a:fillRef>
+          <a:effectRef idx="1">
+            <a:schemeClr val="accent1"/>
+          </a:effectRef>
+          <a:fontRef idx="minor">
+            <a:schemeClr val="tx1"/>
+          </a:fontRef>
+        </p:style>
+      </p:cxnSp>
+      <p:cxnSp>
+        <p:nvCxnSpPr>
+          <p:cNvPr id="178" name="Connettore 1 177"/>
+          <p:cNvCxnSpPr>
+            <a:endCxn id="176" idx="2"/>
+          </p:cNvCxnSpPr>
+          <p:nvPr/>
+        </p:nvCxnSpPr>
+        <p:spPr>
+          <a:xfrm>
+            <a:off x="7711826" y="2966279"/>
+            <a:ext cx="260344" cy="0"/>
+          </a:xfrm>
+          <a:prstGeom prst="line">
+            <a:avLst/>
+          </a:prstGeom>
+          <a:ln w="12700">
+            <a:solidFill>
+              <a:schemeClr val="tx1"/>
+            </a:solidFill>
+          </a:ln>
+        </p:spPr>
+        <p:style>
+          <a:lnRef idx="2">
+            <a:schemeClr val="accent1"/>
+          </a:lnRef>
+          <a:fillRef idx="0">
+            <a:schemeClr val="accent1"/>
+          </a:fillRef>
+          <a:effectRef idx="1">
+            <a:schemeClr val="accent1"/>
+          </a:effectRef>
+          <a:fontRef idx="minor">
+            <a:schemeClr val="tx1"/>
+          </a:fontRef>
+        </p:style>
+      </p:cxnSp>
+      <p:cxnSp>
+        <p:nvCxnSpPr>
+          <p:cNvPr id="180" name="Connettore 1 179"/>
+          <p:cNvCxnSpPr>
+            <a:stCxn id="181" idx="0"/>
+          </p:cNvCxnSpPr>
+          <p:nvPr/>
+        </p:nvCxnSpPr>
+        <p:spPr>
+          <a:xfrm flipV="1">
+            <a:off x="7531739" y="2972299"/>
+            <a:ext cx="0" cy="341137"/>
+          </a:xfrm>
+          <a:prstGeom prst="line">
+            <a:avLst/>
+          </a:prstGeom>
+          <a:ln w="12700">
+            <a:solidFill>
+              <a:schemeClr val="tx1"/>
+            </a:solidFill>
+          </a:ln>
+        </p:spPr>
+        <p:style>
+          <a:lnRef idx="2">
+            <a:schemeClr val="accent1"/>
+          </a:lnRef>
+          <a:fillRef idx="0">
+            <a:schemeClr val="accent1"/>
+          </a:fillRef>
+          <a:effectRef idx="1">
+            <a:schemeClr val="accent1"/>
+          </a:effectRef>
+          <a:fontRef idx="minor">
+            <a:schemeClr val="tx1"/>
+          </a:fontRef>
+        </p:style>
+      </p:cxnSp>
+      <p:sp>
+        <p:nvSpPr>
+          <p:cNvPr id="181" name="Ovale 180"/>
           <p:cNvSpPr/>
           <p:nvPr/>
         </p:nvSpPr>
         <p:spPr>
           <a:xfrm>
-            <a:off x="7972170" y="2903574"/>
+            <a:off x="7460511" y="3313436"/>
             <a:ext cx="142455" cy="125409"/>
           </a:xfrm>
           <a:prstGeom prst="ellipse">
@@ -5487,16 +5586,16 @@
       </p:sp>
       <p:cxnSp>
         <p:nvCxnSpPr>
-          <p:cNvPr id="177" name="Connettore 1 176"/>
+          <p:cNvPr id="182" name="Connettore 1 181"/>
           <p:cNvCxnSpPr>
-            <a:endCxn id="175" idx="2"/>
+            <a:stCxn id="183" idx="4"/>
           </p:cNvCxnSpPr>
           <p:nvPr/>
         </p:nvCxnSpPr>
         <p:spPr>
-          <a:xfrm flipV="1">
-            <a:off x="7716006" y="2737424"/>
-            <a:ext cx="256164" cy="5066"/>
+          <a:xfrm>
+            <a:off x="7531739" y="2404890"/>
+            <a:ext cx="0" cy="332534"/>
           </a:xfrm>
           <a:prstGeom prst="line">
             <a:avLst/>
@@ -5522,92 +5621,66 @@
           </a:fontRef>
         </p:style>
       </p:cxnSp>
-      <p:cxnSp>
-        <p:nvCxnSpPr>
-          <p:cNvPr id="178" name="Connettore 1 177"/>
-          <p:cNvCxnSpPr>
-            <a:endCxn id="176" idx="2"/>
-          </p:cNvCxnSpPr>
-          <p:nvPr/>
-        </p:nvCxnSpPr>
-        <p:spPr>
-          <a:xfrm>
-            <a:off x="7711826" y="2966279"/>
-            <a:ext cx="260344" cy="0"/>
-          </a:xfrm>
-          <a:prstGeom prst="line">
-            <a:avLst/>
-          </a:prstGeom>
-          <a:ln w="12700">
-            <a:solidFill>
-              <a:schemeClr val="tx1"/>
-            </a:solidFill>
-          </a:ln>
-        </p:spPr>
-        <p:style>
-          <a:lnRef idx="2">
-            <a:schemeClr val="accent1"/>
-          </a:lnRef>
-          <a:fillRef idx="0">
-            <a:schemeClr val="accent1"/>
-          </a:fillRef>
-          <a:effectRef idx="1">
-            <a:schemeClr val="accent1"/>
-          </a:effectRef>
-          <a:fontRef idx="minor">
-            <a:schemeClr val="tx1"/>
-          </a:fontRef>
-        </p:style>
-      </p:cxnSp>
-      <p:cxnSp>
-        <p:nvCxnSpPr>
-          <p:cNvPr id="180" name="Connettore 1 179"/>
-          <p:cNvCxnSpPr>
-            <a:stCxn id="181" idx="0"/>
-          </p:cNvCxnSpPr>
-          <p:nvPr/>
-        </p:nvCxnSpPr>
-        <p:spPr>
-          <a:xfrm flipV="1">
-            <a:off x="7531739" y="2972299"/>
-            <a:ext cx="0" cy="341137"/>
-          </a:xfrm>
-          <a:prstGeom prst="line">
-            <a:avLst/>
-          </a:prstGeom>
-          <a:ln w="12700">
-            <a:solidFill>
-              <a:schemeClr val="tx1"/>
-            </a:solidFill>
-          </a:ln>
-        </p:spPr>
-        <p:style>
-          <a:lnRef idx="2">
-            <a:schemeClr val="accent1"/>
-          </a:lnRef>
-          <a:fillRef idx="0">
-            <a:schemeClr val="accent1"/>
-          </a:fillRef>
-          <a:effectRef idx="1">
-            <a:schemeClr val="accent1"/>
-          </a:effectRef>
-          <a:fontRef idx="minor">
-            <a:schemeClr val="tx1"/>
-          </a:fontRef>
-        </p:style>
-      </p:cxnSp>
-      <p:sp>
-        <p:nvSpPr>
-          <p:cNvPr id="181" name="Ovale 180"/>
+      <p:sp>
+        <p:nvSpPr>
+          <p:cNvPr id="183" name="Ovale 182"/>
           <p:cNvSpPr/>
           <p:nvPr/>
         </p:nvSpPr>
         <p:spPr>
           <a:xfrm>
-            <a:off x="7460511" y="3313436"/>
+            <a:off x="7460511" y="2279481"/>
             <a:ext cx="142455" cy="125409"/>
           </a:xfrm>
           <a:prstGeom prst="ellipse">
+            <a:avLst/>
+          </a:prstGeom>
+          <a:solidFill>
+            <a:schemeClr val="accent1">
+              <a:lumMod val="75000"/>
+            </a:schemeClr>
+          </a:solidFill>
+          <a:ln>
+            <a:solidFill>
+              <a:schemeClr val="tx1"/>
+            </a:solidFill>
+          </a:ln>
+        </p:spPr>
+        <p:style>
+          <a:lnRef idx="1">
+            <a:schemeClr val="accent1"/>
+          </a:lnRef>
+          <a:fillRef idx="3">
+            <a:schemeClr val="accent1"/>
+          </a:fillRef>
+          <a:effectRef idx="2">
+            <a:schemeClr val="accent1"/>
+          </a:effectRef>
+          <a:fontRef idx="minor">
+            <a:schemeClr val="lt1"/>
+          </a:fontRef>
+        </p:style>
+        <p:txBody>
+          <a:bodyPr rtlCol="0" anchor="ctr"/>
+          <a:lstStyle/>
+          <a:p>
+            <a:pPr algn="ctr"/>
+            <a:endParaRPr lang="it-IT" sz="800"/>
+          </a:p>
+        </p:txBody>
+      </p:sp>
+      <p:sp>
+        <p:nvSpPr>
+          <p:cNvPr id="10" name="Rettangolo 9"/>
+          <p:cNvSpPr/>
+          <p:nvPr/>
+        </p:nvSpPr>
+        <p:spPr>
+          <a:xfrm>
+            <a:off x="6867012" y="2663434"/>
+            <a:ext cx="844814" cy="385713"/>
+          </a:xfrm>
+          <a:prstGeom prst="rect">
             <a:avLst/>
           </a:prstGeom>
           <a:gradFill flip="none" rotWithShape="1">
@@ -5650,104 +5723,31 @@
           <a:lstStyle/>
           <a:p>
             <a:pPr algn="ctr"/>
-            <a:endParaRPr lang="it-IT" sz="800"/>
-          </a:p>
-        </p:txBody>
-      </p:sp>
-      <p:cxnSp>
-        <p:nvCxnSpPr>
-          <p:cNvPr id="182" name="Connettore 1 181"/>
-          <p:cNvCxnSpPr>
-            <a:stCxn id="183" idx="4"/>
-          </p:cNvCxnSpPr>
-          <p:nvPr/>
-        </p:nvCxnSpPr>
-        <p:spPr>
-          <a:xfrm>
-            <a:off x="7531739" y="2404890"/>
-            <a:ext cx="0" cy="332534"/>
-          </a:xfrm>
-          <a:prstGeom prst="line">
-            <a:avLst/>
-          </a:prstGeom>
-          <a:ln w="12700">
-            <a:solidFill>
-              <a:schemeClr val="tx1"/>
-            </a:solidFill>
-          </a:ln>
-        </p:spPr>
-        <p:style>
-          <a:lnRef idx="2">
-            <a:schemeClr val="accent1"/>
-          </a:lnRef>
-          <a:fillRef idx="0">
-            <a:schemeClr val="accent1"/>
-          </a:fillRef>
-          <a:effectRef idx="1">
-            <a:schemeClr val="accent1"/>
-          </a:effectRef>
-          <a:fontRef idx="minor">
-            <a:schemeClr val="tx1"/>
-          </a:fontRef>
-        </p:style>
-      </p:cxnSp>
-      <p:sp>
-        <p:nvSpPr>
-          <p:cNvPr id="183" name="Ovale 182"/>
+            <a:r>
+              <a:rPr lang="it-IT" sz="800" dirty="0" smtClean="0">
+                <a:solidFill>
+                  <a:srgbClr val="000000"/>
+                </a:solidFill>
+              </a:rPr>
+              <a:t>Nodo Idrico</a:t>
+            </a:r>
+            <a:endParaRPr lang="it-IT" sz="800" dirty="0">
+              <a:solidFill>
+                <a:srgbClr val="000000"/>
+              </a:solidFill>
+            </a:endParaRPr>
+          </a:p>
+        </p:txBody>
+      </p:sp>
+      <p:sp>
+        <p:nvSpPr>
+          <p:cNvPr id="6" name="Rettangolo 5"/>
           <p:cNvSpPr/>
           <p:nvPr/>
         </p:nvSpPr>
         <p:spPr>
           <a:xfrm>
-            <a:off x="7460511" y="2279481"/>
-            <a:ext cx="142455" cy="125409"/>
-          </a:xfrm>
-          <a:prstGeom prst="ellipse">
-            <a:avLst/>
-          </a:prstGeom>
-          <a:solidFill>
-            <a:schemeClr val="accent1">
-              <a:lumMod val="75000"/>
-            </a:schemeClr>
-          </a:solidFill>
-          <a:ln>
-            <a:solidFill>
-              <a:schemeClr val="tx1"/>
-            </a:solidFill>
-          </a:ln>
-        </p:spPr>
-        <p:style>
-          <a:lnRef idx="1">
-            <a:schemeClr val="accent1"/>
-          </a:lnRef>
-          <a:fillRef idx="3">
-            <a:schemeClr val="accent1"/>
-          </a:fillRef>
-          <a:effectRef idx="2">
-            <a:schemeClr val="accent1"/>
-          </a:effectRef>
-          <a:fontRef idx="minor">
-            <a:schemeClr val="lt1"/>
-          </a:fontRef>
-        </p:style>
-        <p:txBody>
-          <a:bodyPr rtlCol="0" anchor="ctr"/>
-          <a:lstStyle/>
-          <a:p>
-            <a:pPr algn="ctr"/>
-            <a:endParaRPr lang="it-IT" sz="800"/>
-          </a:p>
-        </p:txBody>
-      </p:sp>
-      <p:sp>
-        <p:nvSpPr>
-          <p:cNvPr id="10" name="Rettangolo 9"/>
-          <p:cNvSpPr/>
-          <p:nvPr/>
-        </p:nvSpPr>
-        <p:spPr>
-          <a:xfrm>
-            <a:off x="6867012" y="2663434"/>
+            <a:off x="2389595" y="1741071"/>
             <a:ext cx="844814" cy="385713"/>
           </a:xfrm>
           <a:prstGeom prst="rect">
@@ -5799,7 +5799,7 @@
                   <a:srgbClr val="000000"/>
                 </a:solidFill>
               </a:rPr>
-              <a:t>Nodo Idrico</a:t>
+              <a:t>Tratto Fiume</a:t>
             </a:r>
             <a:endParaRPr lang="it-IT" sz="800" dirty="0">
               <a:solidFill>
@@ -5811,16 +5811,16 @@
       </p:sp>
       <p:sp>
         <p:nvSpPr>
-          <p:cNvPr id="6" name="Rettangolo 5"/>
+          <p:cNvPr id="104" name="Diamante 103"/>
           <p:cNvSpPr/>
           <p:nvPr/>
         </p:nvSpPr>
         <p:spPr>
           <a:xfrm>
-            <a:off x="2389595" y="1741071"/>
-            <a:ext cx="844814" cy="385713"/>
-          </a:xfrm>
-          <a:prstGeom prst="rect">
+            <a:off x="3749931" y="4376366"/>
+            <a:ext cx="757842" cy="367674"/>
+          </a:xfrm>
+          <a:prstGeom prst="diamond">
             <a:avLst/>
           </a:prstGeom>
           <a:gradFill flip="none" rotWithShape="1">
@@ -5863,34 +5863,158 @@
           <a:lstStyle/>
           <a:p>
             <a:pPr algn="ctr"/>
-            <a:r>
-              <a:rPr lang="it-IT" sz="800" dirty="0" smtClean="0">
-                <a:solidFill>
-                  <a:srgbClr val="000000"/>
-                </a:solidFill>
-              </a:rPr>
-              <a:t>Tratto Fiume</a:t>
-            </a:r>
-            <a:endParaRPr lang="it-IT" sz="800" dirty="0">
-              <a:solidFill>
-                <a:srgbClr val="000000"/>
-              </a:solidFill>
-            </a:endParaRPr>
-          </a:p>
-        </p:txBody>
-      </p:sp>
-      <p:sp>
-        <p:nvSpPr>
-          <p:cNvPr id="104" name="Diamante 103"/>
+            <a:endParaRPr lang="it-IT" sz="800"/>
+          </a:p>
+        </p:txBody>
+      </p:sp>
+      <p:cxnSp>
+        <p:nvCxnSpPr>
+          <p:cNvPr id="105" name="Connettore 1 104"/>
+          <p:cNvCxnSpPr>
+            <a:stCxn id="155" idx="3"/>
+            <a:endCxn id="104" idx="1"/>
+          </p:cNvCxnSpPr>
+          <p:nvPr/>
+        </p:nvCxnSpPr>
+        <p:spPr>
+          <a:xfrm flipV="1">
+            <a:off x="2082294" y="4560203"/>
+            <a:ext cx="1667637" cy="18447"/>
+          </a:xfrm>
+          <a:prstGeom prst="line">
+            <a:avLst/>
+          </a:prstGeom>
+          <a:ln w="12700">
+            <a:solidFill>
+              <a:schemeClr val="tx1"/>
+            </a:solidFill>
+          </a:ln>
+        </p:spPr>
+        <p:style>
+          <a:lnRef idx="2">
+            <a:schemeClr val="accent1"/>
+          </a:lnRef>
+          <a:fillRef idx="0">
+            <a:schemeClr val="accent1"/>
+          </a:fillRef>
+          <a:effectRef idx="1">
+            <a:schemeClr val="accent1"/>
+          </a:effectRef>
+          <a:fontRef idx="minor">
+            <a:schemeClr val="tx1"/>
+          </a:fontRef>
+        </p:style>
+      </p:cxnSp>
+      <p:cxnSp>
+        <p:nvCxnSpPr>
+          <p:cNvPr id="108" name="Connettore 1 107"/>
+          <p:cNvCxnSpPr>
+            <a:stCxn id="104" idx="3"/>
+            <a:endCxn id="162" idx="1"/>
+          </p:cNvCxnSpPr>
+          <p:nvPr/>
+        </p:nvCxnSpPr>
+        <p:spPr>
+          <a:xfrm>
+            <a:off x="4507773" y="4560203"/>
+            <a:ext cx="1662476" cy="7181"/>
+          </a:xfrm>
+          <a:prstGeom prst="line">
+            <a:avLst/>
+          </a:prstGeom>
+          <a:ln w="12700">
+            <a:solidFill>
+              <a:schemeClr val="tx1"/>
+            </a:solidFill>
+          </a:ln>
+        </p:spPr>
+        <p:style>
+          <a:lnRef idx="2">
+            <a:schemeClr val="accent1"/>
+          </a:lnRef>
+          <a:fillRef idx="0">
+            <a:schemeClr val="accent1"/>
+          </a:fillRef>
+          <a:effectRef idx="1">
+            <a:schemeClr val="accent1"/>
+          </a:effectRef>
+          <a:fontRef idx="minor">
+            <a:schemeClr val="tx1"/>
+          </a:fontRef>
+        </p:style>
+      </p:cxnSp>
+      <p:sp>
+        <p:nvSpPr>
+          <p:cNvPr id="109" name="CasellaDiTesto 108"/>
+          <p:cNvSpPr txBox="1"/>
+          <p:nvPr/>
+        </p:nvSpPr>
+        <p:spPr>
+          <a:xfrm>
+            <a:off x="5496026" y="4348180"/>
+            <a:ext cx="472381" cy="215444"/>
+          </a:xfrm>
+          <a:prstGeom prst="rect">
+            <a:avLst/>
+          </a:prstGeom>
+          <a:noFill/>
+        </p:spPr>
+        <p:txBody>
+          <a:bodyPr wrap="square" rtlCol="0">
+            <a:spAutoFit/>
+          </a:bodyPr>
+          <a:lstStyle/>
+          <a:p>
+            <a:r>
+              <a:rPr lang="it-IT" sz="800" dirty="0" smtClean="0"/>
+              <a:t>(1,1)</a:t>
+            </a:r>
+            <a:endParaRPr lang="it-IT" sz="800" dirty="0"/>
+          </a:p>
+        </p:txBody>
+      </p:sp>
+      <p:sp>
+        <p:nvSpPr>
+          <p:cNvPr id="110" name="CasellaDiTesto 109"/>
+          <p:cNvSpPr txBox="1"/>
+          <p:nvPr/>
+        </p:nvSpPr>
+        <p:spPr>
+          <a:xfrm>
+            <a:off x="2371665" y="4334253"/>
+            <a:ext cx="435680" cy="215444"/>
+          </a:xfrm>
+          <a:prstGeom prst="rect">
+            <a:avLst/>
+          </a:prstGeom>
+          <a:noFill/>
+        </p:spPr>
+        <p:txBody>
+          <a:bodyPr wrap="square" rtlCol="0">
+            <a:spAutoFit/>
+          </a:bodyPr>
+          <a:lstStyle/>
+          <a:p>
+            <a:r>
+              <a:rPr lang="it-IT" sz="800" dirty="0" smtClean="0"/>
+              <a:t>(0,n)</a:t>
+            </a:r>
+            <a:endParaRPr lang="it-IT" sz="800" dirty="0"/>
+          </a:p>
+        </p:txBody>
+      </p:sp>
+      <p:sp>
+        <p:nvSpPr>
+          <p:cNvPr id="112" name="Ovale 111"/>
           <p:cNvSpPr/>
           <p:nvPr/>
         </p:nvSpPr>
         <p:spPr>
           <a:xfrm>
-            <a:off x="3749931" y="4376366"/>
-            <a:ext cx="757842" cy="367674"/>
-          </a:xfrm>
-          <a:prstGeom prst="diamond">
+            <a:off x="1872989" y="4011923"/>
+            <a:ext cx="142455" cy="125409"/>
+          </a:xfrm>
+          <a:prstGeom prst="ellipse">
             <a:avLst/>
           </a:prstGeom>
           <a:gradFill flip="none" rotWithShape="1">
@@ -5937,151 +6061,15 @@
           </a:p>
         </p:txBody>
       </p:sp>
-      <p:cxnSp>
-        <p:nvCxnSpPr>
-          <p:cNvPr id="105" name="Connettore 1 104"/>
-          <p:cNvCxnSpPr>
-            <a:stCxn id="155" idx="3"/>
-            <a:endCxn id="104" idx="1"/>
-          </p:cNvCxnSpPr>
-          <p:nvPr/>
-        </p:nvCxnSpPr>
-        <p:spPr>
-          <a:xfrm flipV="1">
-            <a:off x="2082294" y="4560203"/>
-            <a:ext cx="1667637" cy="18447"/>
-          </a:xfrm>
-          <a:prstGeom prst="line">
-            <a:avLst/>
-          </a:prstGeom>
-          <a:ln w="12700">
-            <a:solidFill>
-              <a:schemeClr val="tx1"/>
-            </a:solidFill>
-          </a:ln>
-        </p:spPr>
-        <p:style>
-          <a:lnRef idx="2">
-            <a:schemeClr val="accent1"/>
-          </a:lnRef>
-          <a:fillRef idx="0">
-            <a:schemeClr val="accent1"/>
-          </a:fillRef>
-          <a:effectRef idx="1">
-            <a:schemeClr val="accent1"/>
-          </a:effectRef>
-          <a:fontRef idx="minor">
-            <a:schemeClr val="tx1"/>
-          </a:fontRef>
-        </p:style>
-      </p:cxnSp>
-      <p:cxnSp>
-        <p:nvCxnSpPr>
-          <p:cNvPr id="108" name="Connettore 1 107"/>
-          <p:cNvCxnSpPr>
-            <a:stCxn id="104" idx="3"/>
-            <a:endCxn id="162" idx="1"/>
-          </p:cNvCxnSpPr>
-          <p:nvPr/>
-        </p:nvCxnSpPr>
-        <p:spPr>
-          <a:xfrm>
-            <a:off x="4507773" y="4560203"/>
-            <a:ext cx="1662476" cy="7181"/>
-          </a:xfrm>
-          <a:prstGeom prst="line">
-            <a:avLst/>
-          </a:prstGeom>
-          <a:ln w="12700">
-            <a:solidFill>
-              <a:schemeClr val="tx1"/>
-            </a:solidFill>
-          </a:ln>
-        </p:spPr>
-        <p:style>
-          <a:lnRef idx="2">
-            <a:schemeClr val="accent1"/>
-          </a:lnRef>
-          <a:fillRef idx="0">
-            <a:schemeClr val="accent1"/>
-          </a:fillRef>
-          <a:effectRef idx="1">
-            <a:schemeClr val="accent1"/>
-          </a:effectRef>
-          <a:fontRef idx="minor">
-            <a:schemeClr val="tx1"/>
-          </a:fontRef>
-        </p:style>
-      </p:cxnSp>
-      <p:sp>
-        <p:nvSpPr>
-          <p:cNvPr id="109" name="CasellaDiTesto 108"/>
-          <p:cNvSpPr txBox="1"/>
-          <p:nvPr/>
-        </p:nvSpPr>
-        <p:spPr>
-          <a:xfrm>
-            <a:off x="5496026" y="4348180"/>
-            <a:ext cx="472381" cy="215444"/>
-          </a:xfrm>
-          <a:prstGeom prst="rect">
-            <a:avLst/>
-          </a:prstGeom>
-          <a:noFill/>
-        </p:spPr>
-        <p:txBody>
-          <a:bodyPr wrap="square" rtlCol="0">
-            <a:spAutoFit/>
-          </a:bodyPr>
-          <a:lstStyle/>
-          <a:p>
-            <a:r>
-              <a:rPr lang="it-IT" sz="800" dirty="0" smtClean="0"/>
-              <a:t>(1,1)</a:t>
-            </a:r>
-            <a:endParaRPr lang="it-IT" sz="800" dirty="0"/>
-          </a:p>
-        </p:txBody>
-      </p:sp>
-      <p:sp>
-        <p:nvSpPr>
-          <p:cNvPr id="110" name="CasellaDiTesto 109"/>
-          <p:cNvSpPr txBox="1"/>
-          <p:nvPr/>
-        </p:nvSpPr>
-        <p:spPr>
-          <a:xfrm>
-            <a:off x="2371665" y="4334253"/>
-            <a:ext cx="435680" cy="215444"/>
-          </a:xfrm>
-          <a:prstGeom prst="rect">
-            <a:avLst/>
-          </a:prstGeom>
-          <a:noFill/>
-        </p:spPr>
-        <p:txBody>
-          <a:bodyPr wrap="square" rtlCol="0">
-            <a:spAutoFit/>
-          </a:bodyPr>
-          <a:lstStyle/>
-          <a:p>
-            <a:r>
-              <a:rPr lang="it-IT" sz="800" dirty="0" smtClean="0"/>
-              <a:t>(0,n)</a:t>
-            </a:r>
-            <a:endParaRPr lang="it-IT" sz="800" dirty="0"/>
-          </a:p>
-        </p:txBody>
-      </p:sp>
-      <p:sp>
-        <p:nvSpPr>
-          <p:cNvPr id="112" name="Ovale 111"/>
+      <p:sp>
+        <p:nvSpPr>
+          <p:cNvPr id="114" name="Ovale 113"/>
           <p:cNvSpPr/>
           <p:nvPr/>
         </p:nvSpPr>
         <p:spPr>
           <a:xfrm>
-            <a:off x="1872989" y="4011923"/>
+            <a:off x="842717" y="4403959"/>
             <a:ext cx="142455" cy="125409"/>
           </a:xfrm>
           <a:prstGeom prst="ellipse">
@@ -6133,13 +6121,347 @@
       </p:sp>
       <p:sp>
         <p:nvSpPr>
-          <p:cNvPr id="114" name="Ovale 113"/>
+          <p:cNvPr id="115" name="Ovale 114"/>
           <p:cNvSpPr/>
           <p:nvPr/>
         </p:nvSpPr>
         <p:spPr>
           <a:xfrm>
-            <a:off x="842717" y="4403959"/>
+            <a:off x="842717" y="4653779"/>
+            <a:ext cx="142455" cy="125409"/>
+          </a:xfrm>
+          <a:prstGeom prst="ellipse">
+            <a:avLst/>
+          </a:prstGeom>
+          <a:solidFill>
+            <a:schemeClr val="accent1">
+              <a:lumMod val="75000"/>
+            </a:schemeClr>
+          </a:solidFill>
+          <a:ln>
+            <a:solidFill>
+              <a:schemeClr val="tx1"/>
+            </a:solidFill>
+          </a:ln>
+        </p:spPr>
+        <p:style>
+          <a:lnRef idx="1">
+            <a:schemeClr val="accent1"/>
+          </a:lnRef>
+          <a:fillRef idx="3">
+            <a:schemeClr val="accent1"/>
+          </a:fillRef>
+          <a:effectRef idx="2">
+            <a:schemeClr val="accent1"/>
+          </a:effectRef>
+          <a:fontRef idx="minor">
+            <a:schemeClr val="lt1"/>
+          </a:fontRef>
+        </p:style>
+        <p:txBody>
+          <a:bodyPr rtlCol="0" anchor="ctr"/>
+          <a:lstStyle/>
+          <a:p>
+            <a:pPr algn="ctr"/>
+            <a:endParaRPr lang="it-IT" sz="800"/>
+          </a:p>
+        </p:txBody>
+      </p:sp>
+      <p:cxnSp>
+        <p:nvCxnSpPr>
+          <p:cNvPr id="116" name="Connettore 1 115"/>
+          <p:cNvCxnSpPr>
+            <a:stCxn id="114" idx="6"/>
+          </p:cNvCxnSpPr>
+          <p:nvPr/>
+        </p:nvCxnSpPr>
+        <p:spPr>
+          <a:xfrm>
+            <a:off x="985172" y="4466664"/>
+            <a:ext cx="281785" cy="0"/>
+          </a:xfrm>
+          <a:prstGeom prst="line">
+            <a:avLst/>
+          </a:prstGeom>
+          <a:ln w="12700">
+            <a:solidFill>
+              <a:schemeClr val="tx1"/>
+            </a:solidFill>
+          </a:ln>
+        </p:spPr>
+        <p:style>
+          <a:lnRef idx="2">
+            <a:schemeClr val="accent1"/>
+          </a:lnRef>
+          <a:fillRef idx="0">
+            <a:schemeClr val="accent1"/>
+          </a:fillRef>
+          <a:effectRef idx="1">
+            <a:schemeClr val="accent1"/>
+          </a:effectRef>
+          <a:fontRef idx="minor">
+            <a:schemeClr val="tx1"/>
+          </a:fontRef>
+        </p:style>
+      </p:cxnSp>
+      <p:cxnSp>
+        <p:nvCxnSpPr>
+          <p:cNvPr id="130" name="Connettore 1 129"/>
+          <p:cNvCxnSpPr>
+            <a:stCxn id="115" idx="6"/>
+          </p:cNvCxnSpPr>
+          <p:nvPr/>
+        </p:nvCxnSpPr>
+        <p:spPr>
+          <a:xfrm>
+            <a:off x="985172" y="4716484"/>
+            <a:ext cx="252308" cy="0"/>
+          </a:xfrm>
+          <a:prstGeom prst="line">
+            <a:avLst/>
+          </a:prstGeom>
+          <a:ln w="12700">
+            <a:solidFill>
+              <a:schemeClr val="tx1"/>
+            </a:solidFill>
+          </a:ln>
+        </p:spPr>
+        <p:style>
+          <a:lnRef idx="2">
+            <a:schemeClr val="accent1"/>
+          </a:lnRef>
+          <a:fillRef idx="0">
+            <a:schemeClr val="accent1"/>
+          </a:fillRef>
+          <a:effectRef idx="1">
+            <a:schemeClr val="accent1"/>
+          </a:effectRef>
+          <a:fontRef idx="minor">
+            <a:schemeClr val="tx1"/>
+          </a:fontRef>
+        </p:style>
+      </p:cxnSp>
+      <p:cxnSp>
+        <p:nvCxnSpPr>
+          <p:cNvPr id="132" name="Connettore 1 131"/>
+          <p:cNvCxnSpPr>
+            <a:stCxn id="112" idx="4"/>
+          </p:cNvCxnSpPr>
+          <p:nvPr/>
+        </p:nvCxnSpPr>
+        <p:spPr>
+          <a:xfrm>
+            <a:off x="1944217" y="4137332"/>
+            <a:ext cx="0" cy="306101"/>
+          </a:xfrm>
+          <a:prstGeom prst="line">
+            <a:avLst/>
+          </a:prstGeom>
+          <a:ln w="12700">
+            <a:solidFill>
+              <a:schemeClr val="tx1"/>
+            </a:solidFill>
+          </a:ln>
+        </p:spPr>
+        <p:style>
+          <a:lnRef idx="2">
+            <a:schemeClr val="accent1"/>
+          </a:lnRef>
+          <a:fillRef idx="0">
+            <a:schemeClr val="accent1"/>
+          </a:fillRef>
+          <a:effectRef idx="1">
+            <a:schemeClr val="accent1"/>
+          </a:effectRef>
+          <a:fontRef idx="minor">
+            <a:schemeClr val="tx1"/>
+          </a:fontRef>
+        </p:style>
+      </p:cxnSp>
+      <p:sp>
+        <p:nvSpPr>
+          <p:cNvPr id="133" name="CasellaDiTesto 132"/>
+          <p:cNvSpPr txBox="1"/>
+          <p:nvPr/>
+        </p:nvSpPr>
+        <p:spPr>
+          <a:xfrm>
+            <a:off x="218231" y="4331436"/>
+            <a:ext cx="659155" cy="215444"/>
+          </a:xfrm>
+          <a:prstGeom prst="rect">
+            <a:avLst/>
+          </a:prstGeom>
+          <a:noFill/>
+        </p:spPr>
+        <p:txBody>
+          <a:bodyPr wrap="none" rtlCol="0">
+            <a:spAutoFit/>
+          </a:bodyPr>
+          <a:lstStyle/>
+          <a:p>
+            <a:r>
+              <a:rPr lang="it-IT" sz="800" dirty="0" smtClean="0"/>
+              <a:t>longitudine</a:t>
+            </a:r>
+            <a:endParaRPr lang="it-IT" sz="800" dirty="0"/>
+          </a:p>
+        </p:txBody>
+      </p:sp>
+      <p:sp>
+        <p:nvSpPr>
+          <p:cNvPr id="143" name="CasellaDiTesto 142"/>
+          <p:cNvSpPr txBox="1"/>
+          <p:nvPr/>
+        </p:nvSpPr>
+        <p:spPr>
+          <a:xfrm>
+            <a:off x="1659887" y="3824899"/>
+            <a:ext cx="585166" cy="215444"/>
+          </a:xfrm>
+          <a:prstGeom prst="rect">
+            <a:avLst/>
+          </a:prstGeom>
+          <a:noFill/>
+        </p:spPr>
+        <p:txBody>
+          <a:bodyPr wrap="none" rtlCol="0">
+            <a:spAutoFit/>
+          </a:bodyPr>
+          <a:lstStyle/>
+          <a:p>
+            <a:r>
+              <a:rPr lang="it-IT" sz="800" dirty="0" smtClean="0"/>
+              <a:t>latitudine</a:t>
+            </a:r>
+            <a:endParaRPr lang="it-IT" sz="800" dirty="0"/>
+          </a:p>
+        </p:txBody>
+      </p:sp>
+      <p:sp>
+        <p:nvSpPr>
+          <p:cNvPr id="144" name="CasellaDiTesto 143"/>
+          <p:cNvSpPr txBox="1"/>
+          <p:nvPr/>
+        </p:nvSpPr>
+        <p:spPr>
+          <a:xfrm>
+            <a:off x="266950" y="4589536"/>
+            <a:ext cx="595235" cy="215444"/>
+          </a:xfrm>
+          <a:prstGeom prst="rect">
+            <a:avLst/>
+          </a:prstGeom>
+          <a:noFill/>
+        </p:spPr>
+        <p:txBody>
+          <a:bodyPr wrap="none" rtlCol="0">
+            <a:spAutoFit/>
+          </a:bodyPr>
+          <a:lstStyle/>
+          <a:p>
+            <a:r>
+              <a:rPr lang="it-IT" sz="800" dirty="0" err="1" smtClean="0"/>
+              <a:t>idSensore</a:t>
+            </a:r>
+            <a:endParaRPr lang="it-IT" sz="800" dirty="0" smtClean="0"/>
+          </a:p>
+        </p:txBody>
+      </p:sp>
+      <p:sp>
+        <p:nvSpPr>
+          <p:cNvPr id="156" name="Ovale 155"/>
+          <p:cNvSpPr/>
+          <p:nvPr/>
+        </p:nvSpPr>
+        <p:spPr>
+          <a:xfrm>
+            <a:off x="6250106" y="4038914"/>
+            <a:ext cx="142455" cy="125409"/>
+          </a:xfrm>
+          <a:prstGeom prst="ellipse">
+            <a:avLst/>
+          </a:prstGeom>
+          <a:solidFill>
+            <a:schemeClr val="accent1">
+              <a:lumMod val="75000"/>
+            </a:schemeClr>
+          </a:solidFill>
+          <a:ln>
+            <a:solidFill>
+              <a:schemeClr val="tx1"/>
+            </a:solidFill>
+          </a:ln>
+        </p:spPr>
+        <p:style>
+          <a:lnRef idx="1">
+            <a:schemeClr val="accent1"/>
+          </a:lnRef>
+          <a:fillRef idx="3">
+            <a:schemeClr val="accent1"/>
+          </a:fillRef>
+          <a:effectRef idx="2">
+            <a:schemeClr val="accent1"/>
+          </a:effectRef>
+          <a:fontRef idx="minor">
+            <a:schemeClr val="lt1"/>
+          </a:fontRef>
+        </p:style>
+        <p:txBody>
+          <a:bodyPr rtlCol="0" anchor="ctr"/>
+          <a:lstStyle/>
+          <a:p>
+            <a:pPr algn="ctr"/>
+            <a:endParaRPr lang="it-IT" sz="800"/>
+          </a:p>
+        </p:txBody>
+      </p:sp>
+      <p:cxnSp>
+        <p:nvCxnSpPr>
+          <p:cNvPr id="157" name="Connettore 1 156"/>
+          <p:cNvCxnSpPr>
+            <a:stCxn id="156" idx="4"/>
+          </p:cNvCxnSpPr>
+          <p:nvPr/>
+        </p:nvCxnSpPr>
+        <p:spPr>
+          <a:xfrm>
+            <a:off x="6321334" y="4164323"/>
+            <a:ext cx="0" cy="306101"/>
+          </a:xfrm>
+          <a:prstGeom prst="line">
+            <a:avLst/>
+          </a:prstGeom>
+          <a:ln w="12700">
+            <a:solidFill>
+              <a:schemeClr val="tx1"/>
+            </a:solidFill>
+          </a:ln>
+        </p:spPr>
+        <p:style>
+          <a:lnRef idx="2">
+            <a:schemeClr val="accent1"/>
+          </a:lnRef>
+          <a:fillRef idx="0">
+            <a:schemeClr val="accent1"/>
+          </a:fillRef>
+          <a:effectRef idx="1">
+            <a:schemeClr val="accent1"/>
+          </a:effectRef>
+          <a:fontRef idx="minor">
+            <a:schemeClr val="tx1"/>
+          </a:fontRef>
+        </p:style>
+      </p:cxnSp>
+      <p:sp>
+        <p:nvSpPr>
+          <p:cNvPr id="160" name="Ovale 159"/>
+          <p:cNvSpPr/>
+          <p:nvPr/>
+        </p:nvSpPr>
+        <p:spPr>
+          <a:xfrm>
+            <a:off x="6754312" y="4137332"/>
             <a:ext cx="142455" cy="125409"/>
           </a:xfrm>
           <a:prstGeom prst="ellipse">
@@ -6189,66 +6511,18 @@
           </a:p>
         </p:txBody>
       </p:sp>
-      <p:sp>
-        <p:nvSpPr>
-          <p:cNvPr id="115" name="Ovale 114"/>
-          <p:cNvSpPr/>
-          <p:nvPr/>
-        </p:nvSpPr>
-        <p:spPr>
-          <a:xfrm>
-            <a:off x="842717" y="4653779"/>
-            <a:ext cx="142455" cy="125409"/>
-          </a:xfrm>
-          <a:prstGeom prst="ellipse">
-            <a:avLst/>
-          </a:prstGeom>
-          <a:solidFill>
-            <a:schemeClr val="accent1">
-              <a:lumMod val="75000"/>
-            </a:schemeClr>
-          </a:solidFill>
-          <a:ln>
-            <a:solidFill>
-              <a:schemeClr val="tx1"/>
-            </a:solidFill>
-          </a:ln>
-        </p:spPr>
-        <p:style>
-          <a:lnRef idx="1">
-            <a:schemeClr val="accent1"/>
-          </a:lnRef>
-          <a:fillRef idx="3">
-            <a:schemeClr val="accent1"/>
-          </a:fillRef>
-          <a:effectRef idx="2">
-            <a:schemeClr val="accent1"/>
-          </a:effectRef>
-          <a:fontRef idx="minor">
-            <a:schemeClr val="lt1"/>
-          </a:fontRef>
-        </p:style>
-        <p:txBody>
-          <a:bodyPr rtlCol="0" anchor="ctr"/>
-          <a:lstStyle/>
-          <a:p>
-            <a:pPr algn="ctr"/>
-            <a:endParaRPr lang="it-IT" sz="800"/>
-          </a:p>
-        </p:txBody>
-      </p:sp>
       <p:cxnSp>
         <p:nvCxnSpPr>
-          <p:cNvPr id="116" name="Connettore 1 115"/>
+          <p:cNvPr id="161" name="Connettore 1 160"/>
           <p:cNvCxnSpPr>
-            <a:stCxn id="114" idx="6"/>
+            <a:stCxn id="160" idx="4"/>
           </p:cNvCxnSpPr>
           <p:nvPr/>
         </p:nvCxnSpPr>
         <p:spPr>
           <a:xfrm>
-            <a:off x="985172" y="4466664"/>
-            <a:ext cx="281785" cy="0"/>
+            <a:off x="6825540" y="4262741"/>
+            <a:ext cx="0" cy="306101"/>
           </a:xfrm>
           <a:prstGeom prst="line">
             <a:avLst/>
@@ -6274,267 +6548,18 @@
           </a:fontRef>
         </p:style>
       </p:cxnSp>
-      <p:cxnSp>
-        <p:nvCxnSpPr>
-          <p:cNvPr id="130" name="Connettore 1 129"/>
-          <p:cNvCxnSpPr>
-            <a:stCxn id="115" idx="6"/>
-          </p:cNvCxnSpPr>
-          <p:nvPr/>
-        </p:nvCxnSpPr>
-        <p:spPr>
-          <a:xfrm>
-            <a:off x="985172" y="4716484"/>
-            <a:ext cx="252308" cy="0"/>
-          </a:xfrm>
-          <a:prstGeom prst="line">
-            <a:avLst/>
-          </a:prstGeom>
-          <a:ln w="12700">
-            <a:solidFill>
-              <a:schemeClr val="tx1"/>
-            </a:solidFill>
-          </a:ln>
-        </p:spPr>
-        <p:style>
-          <a:lnRef idx="2">
-            <a:schemeClr val="accent1"/>
-          </a:lnRef>
-          <a:fillRef idx="0">
-            <a:schemeClr val="accent1"/>
-          </a:fillRef>
-          <a:effectRef idx="1">
-            <a:schemeClr val="accent1"/>
-          </a:effectRef>
-          <a:fontRef idx="minor">
-            <a:schemeClr val="tx1"/>
-          </a:fontRef>
-        </p:style>
-      </p:cxnSp>
-      <p:cxnSp>
-        <p:nvCxnSpPr>
-          <p:cNvPr id="132" name="Connettore 1 131"/>
-          <p:cNvCxnSpPr>
-            <a:stCxn id="112" idx="4"/>
-          </p:cNvCxnSpPr>
-          <p:nvPr/>
-        </p:nvCxnSpPr>
-        <p:spPr>
-          <a:xfrm>
-            <a:off x="1944217" y="4137332"/>
-            <a:ext cx="0" cy="306101"/>
-          </a:xfrm>
-          <a:prstGeom prst="line">
-            <a:avLst/>
-          </a:prstGeom>
-          <a:ln w="12700">
-            <a:solidFill>
-              <a:schemeClr val="tx1"/>
-            </a:solidFill>
-          </a:ln>
-        </p:spPr>
-        <p:style>
-          <a:lnRef idx="2">
-            <a:schemeClr val="accent1"/>
-          </a:lnRef>
-          <a:fillRef idx="0">
-            <a:schemeClr val="accent1"/>
-          </a:fillRef>
-          <a:effectRef idx="1">
-            <a:schemeClr val="accent1"/>
-          </a:effectRef>
-          <a:fontRef idx="minor">
-            <a:schemeClr val="tx1"/>
-          </a:fontRef>
-        </p:style>
-      </p:cxnSp>
-      <p:sp>
-        <p:nvSpPr>
-          <p:cNvPr id="133" name="CasellaDiTesto 132"/>
-          <p:cNvSpPr txBox="1"/>
-          <p:nvPr/>
-        </p:nvSpPr>
-        <p:spPr>
-          <a:xfrm>
-            <a:off x="218231" y="4331436"/>
-            <a:ext cx="659155" cy="215444"/>
+      <p:sp>
+        <p:nvSpPr>
+          <p:cNvPr id="162" name="Rettangolo 161"/>
+          <p:cNvSpPr/>
+          <p:nvPr/>
+        </p:nvSpPr>
+        <p:spPr>
+          <a:xfrm>
+            <a:off x="6170249" y="4374527"/>
+            <a:ext cx="844814" cy="385713"/>
           </a:xfrm>
           <a:prstGeom prst="rect">
-            <a:avLst/>
-          </a:prstGeom>
-          <a:noFill/>
-        </p:spPr>
-        <p:txBody>
-          <a:bodyPr wrap="none" rtlCol="0">
-            <a:spAutoFit/>
-          </a:bodyPr>
-          <a:lstStyle/>
-          <a:p>
-            <a:r>
-              <a:rPr lang="it-IT" sz="800" dirty="0" smtClean="0"/>
-              <a:t>longitudine</a:t>
-            </a:r>
-            <a:endParaRPr lang="it-IT" sz="800" dirty="0"/>
-          </a:p>
-        </p:txBody>
-      </p:sp>
-      <p:sp>
-        <p:nvSpPr>
-          <p:cNvPr id="143" name="CasellaDiTesto 142"/>
-          <p:cNvSpPr txBox="1"/>
-          <p:nvPr/>
-        </p:nvSpPr>
-        <p:spPr>
-          <a:xfrm>
-            <a:off x="1659887" y="3824899"/>
-            <a:ext cx="585166" cy="215444"/>
-          </a:xfrm>
-          <a:prstGeom prst="rect">
-            <a:avLst/>
-          </a:prstGeom>
-          <a:noFill/>
-        </p:spPr>
-        <p:txBody>
-          <a:bodyPr wrap="none" rtlCol="0">
-            <a:spAutoFit/>
-          </a:bodyPr>
-          <a:lstStyle/>
-          <a:p>
-            <a:r>
-              <a:rPr lang="it-IT" sz="800" dirty="0" smtClean="0"/>
-              <a:t>latitudine</a:t>
-            </a:r>
-            <a:endParaRPr lang="it-IT" sz="800" dirty="0"/>
-          </a:p>
-        </p:txBody>
-      </p:sp>
-      <p:sp>
-        <p:nvSpPr>
-          <p:cNvPr id="144" name="CasellaDiTesto 143"/>
-          <p:cNvSpPr txBox="1"/>
-          <p:nvPr/>
-        </p:nvSpPr>
-        <p:spPr>
-          <a:xfrm>
-            <a:off x="266950" y="4589536"/>
-            <a:ext cx="595235" cy="215444"/>
-          </a:xfrm>
-          <a:prstGeom prst="rect">
-            <a:avLst/>
-          </a:prstGeom>
-          <a:noFill/>
-        </p:spPr>
-        <p:txBody>
-          <a:bodyPr wrap="none" rtlCol="0">
-            <a:spAutoFit/>
-          </a:bodyPr>
-          <a:lstStyle/>
-          <a:p>
-            <a:r>
-              <a:rPr lang="it-IT" sz="800" dirty="0" err="1" smtClean="0"/>
-              <a:t>idSensore</a:t>
-            </a:r>
-            <a:endParaRPr lang="it-IT" sz="800" dirty="0" smtClean="0"/>
-          </a:p>
-        </p:txBody>
-      </p:sp>
-      <p:sp>
-        <p:nvSpPr>
-          <p:cNvPr id="156" name="Ovale 155"/>
-          <p:cNvSpPr/>
-          <p:nvPr/>
-        </p:nvSpPr>
-        <p:spPr>
-          <a:xfrm>
-            <a:off x="6250106" y="4038914"/>
-            <a:ext cx="142455" cy="125409"/>
-          </a:xfrm>
-          <a:prstGeom prst="ellipse">
-            <a:avLst/>
-          </a:prstGeom>
-          <a:solidFill>
-            <a:schemeClr val="accent1">
-              <a:lumMod val="75000"/>
-            </a:schemeClr>
-          </a:solidFill>
-          <a:ln>
-            <a:solidFill>
-              <a:schemeClr val="tx1"/>
-            </a:solidFill>
-          </a:ln>
-        </p:spPr>
-        <p:style>
-          <a:lnRef idx="1">
-            <a:schemeClr val="accent1"/>
-          </a:lnRef>
-          <a:fillRef idx="3">
-            <a:schemeClr val="accent1"/>
-          </a:fillRef>
-          <a:effectRef idx="2">
-            <a:schemeClr val="accent1"/>
-          </a:effectRef>
-          <a:fontRef idx="minor">
-            <a:schemeClr val="lt1"/>
-          </a:fontRef>
-        </p:style>
-        <p:txBody>
-          <a:bodyPr rtlCol="0" anchor="ctr"/>
-          <a:lstStyle/>
-          <a:p>
-            <a:pPr algn="ctr"/>
-            <a:endParaRPr lang="it-IT" sz="800"/>
-          </a:p>
-        </p:txBody>
-      </p:sp>
-      <p:cxnSp>
-        <p:nvCxnSpPr>
-          <p:cNvPr id="157" name="Connettore 1 156"/>
-          <p:cNvCxnSpPr>
-            <a:stCxn id="156" idx="4"/>
-          </p:cNvCxnSpPr>
-          <p:nvPr/>
-        </p:nvCxnSpPr>
-        <p:spPr>
-          <a:xfrm>
-            <a:off x="6321334" y="4164323"/>
-            <a:ext cx="0" cy="306101"/>
-          </a:xfrm>
-          <a:prstGeom prst="line">
-            <a:avLst/>
-          </a:prstGeom>
-          <a:ln w="12700">
-            <a:solidFill>
-              <a:schemeClr val="tx1"/>
-            </a:solidFill>
-          </a:ln>
-        </p:spPr>
-        <p:style>
-          <a:lnRef idx="2">
-            <a:schemeClr val="accent1"/>
-          </a:lnRef>
-          <a:fillRef idx="0">
-            <a:schemeClr val="accent1"/>
-          </a:fillRef>
-          <a:effectRef idx="1">
-            <a:schemeClr val="accent1"/>
-          </a:effectRef>
-          <a:fontRef idx="minor">
-            <a:schemeClr val="tx1"/>
-          </a:fontRef>
-        </p:style>
-      </p:cxnSp>
-      <p:sp>
-        <p:nvSpPr>
-          <p:cNvPr id="160" name="Ovale 159"/>
-          <p:cNvSpPr/>
-          <p:nvPr/>
-        </p:nvSpPr>
-        <p:spPr>
-          <a:xfrm>
-            <a:off x="6754312" y="4137332"/>
-            <a:ext cx="142455" cy="125409"/>
-          </a:xfrm>
-          <a:prstGeom prst="ellipse">
             <a:avLst/>
           </a:prstGeom>
           <a:gradFill flip="none" rotWithShape="1">
@@ -6577,22 +6602,264 @@
           <a:lstStyle/>
           <a:p>
             <a:pPr algn="ctr"/>
+            <a:r>
+              <a:rPr lang="it-IT" sz="800" dirty="0" smtClean="0">
+                <a:solidFill>
+                  <a:srgbClr val="000000"/>
+                </a:solidFill>
+              </a:rPr>
+              <a:t>Rilevazione Idrometro</a:t>
+            </a:r>
+            <a:endParaRPr lang="it-IT" sz="800" dirty="0">
+              <a:solidFill>
+                <a:srgbClr val="000000"/>
+              </a:solidFill>
+            </a:endParaRPr>
+          </a:p>
+        </p:txBody>
+      </p:sp>
+      <p:sp>
+        <p:nvSpPr>
+          <p:cNvPr id="163" name="CasellaDiTesto 162"/>
+          <p:cNvSpPr txBox="1"/>
+          <p:nvPr/>
+        </p:nvSpPr>
+        <p:spPr>
+          <a:xfrm>
+            <a:off x="6132821" y="3836668"/>
+            <a:ext cx="377026" cy="215444"/>
+          </a:xfrm>
+          <a:prstGeom prst="rect">
+            <a:avLst/>
+          </a:prstGeom>
+          <a:noFill/>
+        </p:spPr>
+        <p:txBody>
+          <a:bodyPr wrap="none" rtlCol="0">
+            <a:spAutoFit/>
+          </a:bodyPr>
+          <a:lstStyle/>
+          <a:p>
+            <a:r>
+              <a:rPr lang="it-IT" sz="800" dirty="0" smtClean="0"/>
+              <a:t>data</a:t>
+            </a:r>
+          </a:p>
+        </p:txBody>
+      </p:sp>
+      <p:sp>
+        <p:nvSpPr>
+          <p:cNvPr id="179" name="CasellaDiTesto 178"/>
+          <p:cNvSpPr txBox="1"/>
+          <p:nvPr/>
+        </p:nvSpPr>
+        <p:spPr>
+          <a:xfrm>
+            <a:off x="6599149" y="3960648"/>
+            <a:ext cx="430326" cy="215444"/>
+          </a:xfrm>
+          <a:prstGeom prst="rect">
+            <a:avLst/>
+          </a:prstGeom>
+          <a:noFill/>
+        </p:spPr>
+        <p:txBody>
+          <a:bodyPr wrap="none" rtlCol="0">
+            <a:spAutoFit/>
+          </a:bodyPr>
+          <a:lstStyle/>
+          <a:p>
+            <a:r>
+              <a:rPr lang="it-IT" sz="800" dirty="0" smtClean="0"/>
+              <a:t>livello</a:t>
+            </a:r>
+          </a:p>
+        </p:txBody>
+      </p:sp>
+      <p:sp>
+        <p:nvSpPr>
+          <p:cNvPr id="184" name="Arco 183"/>
+          <p:cNvSpPr/>
+          <p:nvPr/>
+        </p:nvSpPr>
+        <p:spPr>
+          <a:xfrm rot="16200000">
+            <a:off x="6009003" y="4069249"/>
+            <a:ext cx="834736" cy="1206207"/>
+          </a:xfrm>
+          <a:prstGeom prst="arc">
+            <a:avLst>
+              <a:gd name="adj1" fmla="val 16054277"/>
+              <a:gd name="adj2" fmla="val 4"/>
+            </a:avLst>
+          </a:prstGeom>
+          <a:ln w="12700">
+            <a:solidFill>
+              <a:schemeClr val="tx1"/>
+            </a:solidFill>
+          </a:ln>
+        </p:spPr>
+        <p:style>
+          <a:lnRef idx="2">
+            <a:schemeClr val="accent1"/>
+          </a:lnRef>
+          <a:fillRef idx="0">
+            <a:schemeClr val="accent1"/>
+          </a:fillRef>
+          <a:effectRef idx="1">
+            <a:schemeClr val="accent1"/>
+          </a:effectRef>
+          <a:fontRef idx="minor">
+            <a:schemeClr val="tx1"/>
+          </a:fontRef>
+        </p:style>
+        <p:txBody>
+          <a:bodyPr rtlCol="0" anchor="ctr"/>
+          <a:lstStyle/>
+          <a:p>
+            <a:pPr algn="ctr"/>
+            <a:endParaRPr lang="it-IT"/>
+          </a:p>
+        </p:txBody>
+      </p:sp>
+      <p:sp>
+        <p:nvSpPr>
+          <p:cNvPr id="185" name="Ovale 184"/>
+          <p:cNvSpPr/>
+          <p:nvPr/>
+        </p:nvSpPr>
+        <p:spPr>
+          <a:xfrm>
+            <a:off x="5752039" y="4679571"/>
+            <a:ext cx="142455" cy="125409"/>
+          </a:xfrm>
+          <a:prstGeom prst="ellipse">
+            <a:avLst/>
+          </a:prstGeom>
+          <a:solidFill>
+            <a:schemeClr val="accent1">
+              <a:lumMod val="75000"/>
+            </a:schemeClr>
+          </a:solidFill>
+          <a:ln>
+            <a:solidFill>
+              <a:schemeClr val="tx1"/>
+            </a:solidFill>
+          </a:ln>
+        </p:spPr>
+        <p:style>
+          <a:lnRef idx="1">
+            <a:schemeClr val="accent1"/>
+          </a:lnRef>
+          <a:fillRef idx="3">
+            <a:schemeClr val="accent1"/>
+          </a:fillRef>
+          <a:effectRef idx="2">
+            <a:schemeClr val="accent1"/>
+          </a:effectRef>
+          <a:fontRef idx="minor">
+            <a:schemeClr val="lt1"/>
+          </a:fontRef>
+        </p:style>
+        <p:txBody>
+          <a:bodyPr rtlCol="0" anchor="ctr"/>
+          <a:lstStyle/>
+          <a:p>
+            <a:pPr algn="ctr"/>
+            <a:endParaRPr lang="it-IT" sz="800"/>
+          </a:p>
+        </p:txBody>
+      </p:sp>
+      <p:sp>
+        <p:nvSpPr>
+          <p:cNvPr id="187" name="CasellaDiTesto 186"/>
+          <p:cNvSpPr txBox="1"/>
+          <p:nvPr/>
+        </p:nvSpPr>
+        <p:spPr>
+          <a:xfrm>
+            <a:off x="3825207" y="4448498"/>
+            <a:ext cx="643487" cy="215444"/>
+          </a:xfrm>
+          <a:prstGeom prst="rect">
+            <a:avLst/>
+          </a:prstGeom>
+          <a:noFill/>
+        </p:spPr>
+        <p:txBody>
+          <a:bodyPr wrap="square" rtlCol="0">
+            <a:spAutoFit/>
+          </a:bodyPr>
+          <a:lstStyle/>
+          <a:p>
+            <a:r>
+              <a:rPr lang="it-IT" sz="800" dirty="0" smtClean="0"/>
+              <a:t>rilevazione</a:t>
+            </a:r>
+            <a:endParaRPr lang="it-IT" sz="800" dirty="0"/>
+          </a:p>
+        </p:txBody>
+      </p:sp>
+      <p:sp>
+        <p:nvSpPr>
+          <p:cNvPr id="189" name="Ovale 188"/>
+          <p:cNvSpPr/>
+          <p:nvPr/>
+        </p:nvSpPr>
+        <p:spPr>
+          <a:xfrm>
+            <a:off x="638722" y="751833"/>
+            <a:ext cx="142455" cy="125409"/>
+          </a:xfrm>
+          <a:prstGeom prst="ellipse">
+            <a:avLst/>
+          </a:prstGeom>
+          <a:solidFill>
+            <a:schemeClr val="accent1">
+              <a:lumMod val="75000"/>
+            </a:schemeClr>
+          </a:solidFill>
+          <a:ln>
+            <a:solidFill>
+              <a:schemeClr val="tx1"/>
+            </a:solidFill>
+          </a:ln>
+        </p:spPr>
+        <p:style>
+          <a:lnRef idx="1">
+            <a:schemeClr val="accent1"/>
+          </a:lnRef>
+          <a:fillRef idx="3">
+            <a:schemeClr val="accent1"/>
+          </a:fillRef>
+          <a:effectRef idx="2">
+            <a:schemeClr val="accent1"/>
+          </a:effectRef>
+          <a:fontRef idx="minor">
+            <a:schemeClr val="lt1"/>
+          </a:fontRef>
+        </p:style>
+        <p:txBody>
+          <a:bodyPr rtlCol="0" anchor="ctr"/>
+          <a:lstStyle/>
+          <a:p>
+            <a:pPr algn="ctr"/>
             <a:endParaRPr lang="it-IT" sz="800"/>
           </a:p>
         </p:txBody>
       </p:sp>
       <p:cxnSp>
         <p:nvCxnSpPr>
-          <p:cNvPr id="161" name="Connettore 1 160"/>
+          <p:cNvPr id="190" name="Connettore 1 189"/>
           <p:cNvCxnSpPr>
-            <a:stCxn id="160" idx="4"/>
+            <a:stCxn id="189" idx="6"/>
           </p:cNvCxnSpPr>
           <p:nvPr/>
         </p:nvCxnSpPr>
         <p:spPr>
           <a:xfrm>
-            <a:off x="6825540" y="4262741"/>
-            <a:ext cx="0" cy="306101"/>
+            <a:off x="781177" y="814538"/>
+            <a:ext cx="252308" cy="0"/>
           </a:xfrm>
           <a:prstGeom prst="line">
             <a:avLst/>
@@ -6620,16 +6887,121 @@
       </p:cxnSp>
       <p:sp>
         <p:nvSpPr>
-          <p:cNvPr id="162" name="Rettangolo 161"/>
+          <p:cNvPr id="191" name="CasellaDiTesto 190"/>
+          <p:cNvSpPr txBox="1"/>
+          <p:nvPr/>
+        </p:nvSpPr>
+        <p:spPr>
+          <a:xfrm>
+            <a:off x="423049" y="536389"/>
+            <a:ext cx="519694" cy="215444"/>
+          </a:xfrm>
+          <a:prstGeom prst="rect">
+            <a:avLst/>
+          </a:prstGeom>
+          <a:noFill/>
+        </p:spPr>
+        <p:txBody>
+          <a:bodyPr wrap="none" rtlCol="0">
+            <a:spAutoFit/>
+          </a:bodyPr>
+          <a:lstStyle/>
+          <a:p>
+            <a:r>
+              <a:rPr lang="it-IT" sz="800" dirty="0" err="1" smtClean="0"/>
+              <a:t>idFiume</a:t>
+            </a:r>
+            <a:endParaRPr lang="it-IT" sz="800" dirty="0" smtClean="0"/>
+          </a:p>
+        </p:txBody>
+      </p:sp>
+      <p:cxnSp>
+        <p:nvCxnSpPr>
+          <p:cNvPr id="16" name="Connettore 1 15"/>
+          <p:cNvCxnSpPr>
+            <a:stCxn id="14" idx="1"/>
+            <a:endCxn id="188" idx="3"/>
+          </p:cNvCxnSpPr>
+          <p:nvPr/>
+        </p:nvCxnSpPr>
+        <p:spPr>
+          <a:xfrm flipH="1">
+            <a:off x="1878299" y="774957"/>
+            <a:ext cx="551624" cy="0"/>
+          </a:xfrm>
+          <a:prstGeom prst="line">
+            <a:avLst/>
+          </a:prstGeom>
+          <a:ln w="12700">
+            <a:solidFill>
+              <a:schemeClr val="tx1"/>
+            </a:solidFill>
+          </a:ln>
+        </p:spPr>
+        <p:style>
+          <a:lnRef idx="2">
+            <a:schemeClr val="accent1"/>
+          </a:lnRef>
+          <a:fillRef idx="0">
+            <a:schemeClr val="accent1"/>
+          </a:fillRef>
+          <a:effectRef idx="1">
+            <a:schemeClr val="accent1"/>
+          </a:effectRef>
+          <a:fontRef idx="minor">
+            <a:schemeClr val="tx1"/>
+          </a:fontRef>
+        </p:style>
+      </p:cxnSp>
+      <p:cxnSp>
+        <p:nvCxnSpPr>
+          <p:cNvPr id="192" name="Connettore 1 191"/>
+          <p:cNvCxnSpPr>
+            <a:stCxn id="193" idx="0"/>
+          </p:cNvCxnSpPr>
+          <p:nvPr/>
+        </p:nvCxnSpPr>
+        <p:spPr>
+          <a:xfrm flipV="1">
+            <a:off x="1436489" y="4618618"/>
+            <a:ext cx="0" cy="341137"/>
+          </a:xfrm>
+          <a:prstGeom prst="line">
+            <a:avLst/>
+          </a:prstGeom>
+          <a:ln w="12700">
+            <a:solidFill>
+              <a:schemeClr val="tx1"/>
+            </a:solidFill>
+          </a:ln>
+        </p:spPr>
+        <p:style>
+          <a:lnRef idx="2">
+            <a:schemeClr val="accent1"/>
+          </a:lnRef>
+          <a:fillRef idx="0">
+            <a:schemeClr val="accent1"/>
+          </a:fillRef>
+          <a:effectRef idx="1">
+            <a:schemeClr val="accent1"/>
+          </a:effectRef>
+          <a:fontRef idx="minor">
+            <a:schemeClr val="tx1"/>
+          </a:fontRef>
+        </p:style>
+      </p:cxnSp>
+      <p:sp>
+        <p:nvSpPr>
+          <p:cNvPr id="193" name="Ovale 192"/>
           <p:cNvSpPr/>
           <p:nvPr/>
         </p:nvSpPr>
         <p:spPr>
           <a:xfrm>
-            <a:off x="6170249" y="4374527"/>
-            <a:ext cx="844814" cy="385713"/>
-          </a:xfrm>
-          <a:prstGeom prst="rect">
+            <a:off x="1365261" y="4959755"/>
+            <a:ext cx="142455" cy="125409"/>
+          </a:xfrm>
+          <a:prstGeom prst="ellipse">
             <a:avLst/>
           </a:prstGeom>
           <a:gradFill flip="none" rotWithShape="1">
@@ -6672,272 +7044,22 @@
           <a:lstStyle/>
           <a:p>
             <a:pPr algn="ctr"/>
-            <a:r>
-              <a:rPr lang="it-IT" sz="800" dirty="0" smtClean="0">
-                <a:solidFill>
-                  <a:srgbClr val="000000"/>
-                </a:solidFill>
-              </a:rPr>
-              <a:t>Rilevazione </a:t>
-            </a:r>
-            <a:r>
-              <a:rPr lang="it-IT" sz="800" dirty="0" smtClean="0">
-                <a:solidFill>
-                  <a:srgbClr val="000000"/>
-                </a:solidFill>
-              </a:rPr>
-              <a:t>Idrometro</a:t>
-            </a:r>
-            <a:endParaRPr lang="it-IT" sz="800" dirty="0">
-              <a:solidFill>
-                <a:srgbClr val="000000"/>
-              </a:solidFill>
-            </a:endParaRPr>
-          </a:p>
-        </p:txBody>
-      </p:sp>
-      <p:sp>
-        <p:nvSpPr>
-          <p:cNvPr id="163" name="CasellaDiTesto 162"/>
-          <p:cNvSpPr txBox="1"/>
-          <p:nvPr/>
-        </p:nvSpPr>
-        <p:spPr>
-          <a:xfrm>
-            <a:off x="6132821" y="3836668"/>
-            <a:ext cx="377026" cy="215444"/>
-          </a:xfrm>
-          <a:prstGeom prst="rect">
-            <a:avLst/>
-          </a:prstGeom>
-          <a:noFill/>
-        </p:spPr>
-        <p:txBody>
-          <a:bodyPr wrap="none" rtlCol="0">
-            <a:spAutoFit/>
-          </a:bodyPr>
-          <a:lstStyle/>
-          <a:p>
-            <a:r>
-              <a:rPr lang="it-IT" sz="800" dirty="0" smtClean="0"/>
-              <a:t>data</a:t>
-            </a:r>
-          </a:p>
-        </p:txBody>
-      </p:sp>
-      <p:sp>
-        <p:nvSpPr>
-          <p:cNvPr id="179" name="CasellaDiTesto 178"/>
-          <p:cNvSpPr txBox="1"/>
-          <p:nvPr/>
-        </p:nvSpPr>
-        <p:spPr>
-          <a:xfrm>
-            <a:off x="6599149" y="3960648"/>
-            <a:ext cx="430326" cy="215444"/>
-          </a:xfrm>
-          <a:prstGeom prst="rect">
-            <a:avLst/>
-          </a:prstGeom>
-          <a:noFill/>
-        </p:spPr>
-        <p:txBody>
-          <a:bodyPr wrap="none" rtlCol="0">
-            <a:spAutoFit/>
-          </a:bodyPr>
-          <a:lstStyle/>
-          <a:p>
-            <a:r>
-              <a:rPr lang="it-IT" sz="800" dirty="0" smtClean="0"/>
-              <a:t>livello</a:t>
-            </a:r>
-          </a:p>
-        </p:txBody>
-      </p:sp>
-      <p:sp>
-        <p:nvSpPr>
-          <p:cNvPr id="184" name="Arco 183"/>
-          <p:cNvSpPr/>
-          <p:nvPr/>
-        </p:nvSpPr>
-        <p:spPr>
-          <a:xfrm rot="16200000">
-            <a:off x="6009003" y="4069249"/>
-            <a:ext cx="834736" cy="1206207"/>
-          </a:xfrm>
-          <a:prstGeom prst="arc">
-            <a:avLst>
-              <a:gd name="adj1" fmla="val 16054277"/>
-              <a:gd name="adj2" fmla="val 4"/>
-            </a:avLst>
-          </a:prstGeom>
-          <a:ln w="12700">
-            <a:solidFill>
-              <a:schemeClr val="tx1"/>
-            </a:solidFill>
-          </a:ln>
-        </p:spPr>
-        <p:style>
-          <a:lnRef idx="2">
-            <a:schemeClr val="accent1"/>
-          </a:lnRef>
-          <a:fillRef idx="0">
-            <a:schemeClr val="accent1"/>
-          </a:fillRef>
-          <a:effectRef idx="1">
-            <a:schemeClr val="accent1"/>
-          </a:effectRef>
-          <a:fontRef idx="minor">
-            <a:schemeClr val="tx1"/>
-          </a:fontRef>
-        </p:style>
-        <p:txBody>
-          <a:bodyPr rtlCol="0" anchor="ctr"/>
-          <a:lstStyle/>
-          <a:p>
-            <a:pPr algn="ctr"/>
-            <a:endParaRPr lang="it-IT"/>
-          </a:p>
-        </p:txBody>
-      </p:sp>
-      <p:sp>
-        <p:nvSpPr>
-          <p:cNvPr id="185" name="Ovale 184"/>
-          <p:cNvSpPr/>
-          <p:nvPr/>
-        </p:nvSpPr>
-        <p:spPr>
-          <a:xfrm>
-            <a:off x="5752039" y="4679571"/>
-            <a:ext cx="142455" cy="125409"/>
-          </a:xfrm>
-          <a:prstGeom prst="ellipse">
-            <a:avLst/>
-          </a:prstGeom>
-          <a:solidFill>
-            <a:schemeClr val="accent1">
-              <a:lumMod val="75000"/>
-            </a:schemeClr>
-          </a:solidFill>
-          <a:ln>
-            <a:solidFill>
-              <a:schemeClr val="tx1"/>
-            </a:solidFill>
-          </a:ln>
-        </p:spPr>
-        <p:style>
-          <a:lnRef idx="1">
-            <a:schemeClr val="accent1"/>
-          </a:lnRef>
-          <a:fillRef idx="3">
-            <a:schemeClr val="accent1"/>
-          </a:fillRef>
-          <a:effectRef idx="2">
-            <a:schemeClr val="accent1"/>
-          </a:effectRef>
-          <a:fontRef idx="minor">
-            <a:schemeClr val="lt1"/>
-          </a:fontRef>
-        </p:style>
-        <p:txBody>
-          <a:bodyPr rtlCol="0" anchor="ctr"/>
-          <a:lstStyle/>
-          <a:p>
-            <a:pPr algn="ctr"/>
-            <a:endParaRPr lang="it-IT" sz="800"/>
-          </a:p>
-        </p:txBody>
-      </p:sp>
-      <p:sp>
-        <p:nvSpPr>
-          <p:cNvPr id="187" name="CasellaDiTesto 186"/>
-          <p:cNvSpPr txBox="1"/>
-          <p:nvPr/>
-        </p:nvSpPr>
-        <p:spPr>
-          <a:xfrm>
-            <a:off x="3825207" y="4448498"/>
-            <a:ext cx="643487" cy="215444"/>
-          </a:xfrm>
-          <a:prstGeom prst="rect">
-            <a:avLst/>
-          </a:prstGeom>
-          <a:noFill/>
-        </p:spPr>
-        <p:txBody>
-          <a:bodyPr wrap="square" rtlCol="0">
-            <a:spAutoFit/>
-          </a:bodyPr>
-          <a:lstStyle/>
-          <a:p>
-            <a:r>
-              <a:rPr lang="it-IT" sz="800" dirty="0" smtClean="0"/>
-              <a:t>rilevazione</a:t>
-            </a:r>
-            <a:endParaRPr lang="it-IT" sz="800" dirty="0"/>
-          </a:p>
-        </p:txBody>
-      </p:sp>
-      <p:sp>
-        <p:nvSpPr>
-          <p:cNvPr id="189" name="Ovale 188"/>
-          <p:cNvSpPr/>
-          <p:nvPr/>
-        </p:nvSpPr>
-        <p:spPr>
-          <a:xfrm>
-            <a:off x="638722" y="751833"/>
-            <a:ext cx="142455" cy="125409"/>
-          </a:xfrm>
-          <a:prstGeom prst="ellipse">
-            <a:avLst/>
-          </a:prstGeom>
-          <a:solidFill>
-            <a:schemeClr val="accent1">
-              <a:lumMod val="75000"/>
-            </a:schemeClr>
-          </a:solidFill>
-          <a:ln>
-            <a:solidFill>
-              <a:schemeClr val="tx1"/>
-            </a:solidFill>
-          </a:ln>
-        </p:spPr>
-        <p:style>
-          <a:lnRef idx="1">
-            <a:schemeClr val="accent1"/>
-          </a:lnRef>
-          <a:fillRef idx="3">
-            <a:schemeClr val="accent1"/>
-          </a:fillRef>
-          <a:effectRef idx="2">
-            <a:schemeClr val="accent1"/>
-          </a:effectRef>
-          <a:fontRef idx="minor">
-            <a:schemeClr val="lt1"/>
-          </a:fontRef>
-        </p:style>
-        <p:txBody>
-          <a:bodyPr rtlCol="0" anchor="ctr"/>
-          <a:lstStyle/>
-          <a:p>
-            <a:pPr algn="ctr"/>
             <a:endParaRPr lang="it-IT" sz="800"/>
           </a:p>
         </p:txBody>
       </p:sp>
       <p:cxnSp>
         <p:nvCxnSpPr>
-          <p:cNvPr id="190" name="Connettore 1 189"/>
+          <p:cNvPr id="194" name="Connettore 1 193"/>
           <p:cNvCxnSpPr>
-            <a:stCxn id="189" idx="6"/>
+            <a:stCxn id="195" idx="0"/>
           </p:cNvCxnSpPr>
           <p:nvPr/>
         </p:nvCxnSpPr>
         <p:spPr>
-          <a:xfrm>
-            <a:off x="781177" y="814538"/>
-            <a:ext cx="252308" cy="0"/>
+          <a:xfrm flipV="1">
+            <a:off x="1839719" y="4618618"/>
+            <a:ext cx="0" cy="341137"/>
           </a:xfrm>
           <a:prstGeom prst="line">
             <a:avLst/>
@@ -6965,118 +7087,13 @@
       </p:cxnSp>
       <p:sp>
         <p:nvSpPr>
-          <p:cNvPr id="191" name="CasellaDiTesto 190"/>
-          <p:cNvSpPr txBox="1"/>
-          <p:nvPr/>
-        </p:nvSpPr>
-        <p:spPr>
-          <a:xfrm>
-            <a:off x="423049" y="536389"/>
-            <a:ext cx="519694" cy="215444"/>
-          </a:xfrm>
-          <a:prstGeom prst="rect">
-            <a:avLst/>
-          </a:prstGeom>
-          <a:noFill/>
-        </p:spPr>
-        <p:txBody>
-          <a:bodyPr wrap="none" rtlCol="0">
-            <a:spAutoFit/>
-          </a:bodyPr>
-          <a:lstStyle/>
-          <a:p>
-            <a:r>
-              <a:rPr lang="it-IT" sz="800" dirty="0" err="1" smtClean="0"/>
-              <a:t>idFiume</a:t>
-            </a:r>
-            <a:endParaRPr lang="it-IT" sz="800" dirty="0" smtClean="0"/>
-          </a:p>
-        </p:txBody>
-      </p:sp>
-      <p:cxnSp>
-        <p:nvCxnSpPr>
-          <p:cNvPr id="16" name="Connettore 1 15"/>
-          <p:cNvCxnSpPr>
-            <a:stCxn id="14" idx="1"/>
-            <a:endCxn id="188" idx="3"/>
-          </p:cNvCxnSpPr>
-          <p:nvPr/>
-        </p:nvCxnSpPr>
-        <p:spPr>
-          <a:xfrm flipH="1">
-            <a:off x="1878299" y="774957"/>
-            <a:ext cx="551624" cy="0"/>
-          </a:xfrm>
-          <a:prstGeom prst="line">
-            <a:avLst/>
-          </a:prstGeom>
-          <a:ln w="12700">
-            <a:solidFill>
-              <a:schemeClr val="tx1"/>
-            </a:solidFill>
-          </a:ln>
-        </p:spPr>
-        <p:style>
-          <a:lnRef idx="2">
-            <a:schemeClr val="accent1"/>
-          </a:lnRef>
-          <a:fillRef idx="0">
-            <a:schemeClr val="accent1"/>
-          </a:fillRef>
-          <a:effectRef idx="1">
-            <a:schemeClr val="accent1"/>
-          </a:effectRef>
-          <a:fontRef idx="minor">
-            <a:schemeClr val="tx1"/>
-          </a:fontRef>
-        </p:style>
-      </p:cxnSp>
-      <p:cxnSp>
-        <p:nvCxnSpPr>
-          <p:cNvPr id="192" name="Connettore 1 191"/>
-          <p:cNvCxnSpPr>
-            <a:stCxn id="193" idx="0"/>
-          </p:cNvCxnSpPr>
-          <p:nvPr/>
-        </p:nvCxnSpPr>
-        <p:spPr>
-          <a:xfrm flipV="1">
-            <a:off x="1436489" y="4618618"/>
-            <a:ext cx="0" cy="341137"/>
-          </a:xfrm>
-          <a:prstGeom prst="line">
-            <a:avLst/>
-          </a:prstGeom>
-          <a:ln w="12700">
-            <a:solidFill>
-              <a:schemeClr val="tx1"/>
-            </a:solidFill>
-          </a:ln>
-        </p:spPr>
-        <p:style>
-          <a:lnRef idx="2">
-            <a:schemeClr val="accent1"/>
-          </a:lnRef>
-          <a:fillRef idx="0">
-            <a:schemeClr val="accent1"/>
-          </a:fillRef>
-          <a:effectRef idx="1">
-            <a:schemeClr val="accent1"/>
-          </a:effectRef>
-          <a:fontRef idx="minor">
-            <a:schemeClr val="tx1"/>
-          </a:fontRef>
-        </p:style>
-      </p:cxnSp>
-      <p:sp>
-        <p:nvSpPr>
-          <p:cNvPr id="193" name="Ovale 192"/>
+          <p:cNvPr id="195" name="Ovale 194"/>
           <p:cNvSpPr/>
           <p:nvPr/>
         </p:nvSpPr>
         <p:spPr>
           <a:xfrm>
-            <a:off x="1365261" y="4959755"/>
+            <a:off x="1768491" y="4959755"/>
             <a:ext cx="142455" cy="125409"/>
           </a:xfrm>
           <a:prstGeom prst="ellipse">
@@ -7126,55 +7143,78 @@
           </a:p>
         </p:txBody>
       </p:sp>
-      <p:cxnSp>
-        <p:nvCxnSpPr>
-          <p:cNvPr id="194" name="Connettore 1 193"/>
-          <p:cNvCxnSpPr>
-            <a:stCxn id="195" idx="0"/>
-          </p:cNvCxnSpPr>
-          <p:nvPr/>
-        </p:nvCxnSpPr>
-        <p:spPr>
-          <a:xfrm flipV="1">
-            <a:off x="1839719" y="4618618"/>
-            <a:ext cx="0" cy="341137"/>
-          </a:xfrm>
-          <a:prstGeom prst="line">
-            <a:avLst/>
-          </a:prstGeom>
-          <a:ln w="12700">
-            <a:solidFill>
-              <a:schemeClr val="tx1"/>
-            </a:solidFill>
-          </a:ln>
-        </p:spPr>
-        <p:style>
-          <a:lnRef idx="2">
-            <a:schemeClr val="accent1"/>
-          </a:lnRef>
-          <a:fillRef idx="0">
-            <a:schemeClr val="accent1"/>
-          </a:fillRef>
-          <a:effectRef idx="1">
-            <a:schemeClr val="accent1"/>
-          </a:effectRef>
-          <a:fontRef idx="minor">
-            <a:schemeClr val="tx1"/>
-          </a:fontRef>
-        </p:style>
-      </p:cxnSp>
-      <p:sp>
-        <p:nvSpPr>
-          <p:cNvPr id="195" name="Ovale 194"/>
+      <p:sp>
+        <p:nvSpPr>
+          <p:cNvPr id="196" name="CasellaDiTesto 195"/>
+          <p:cNvSpPr txBox="1"/>
+          <p:nvPr/>
+        </p:nvSpPr>
+        <p:spPr>
+          <a:xfrm>
+            <a:off x="1069148" y="5085164"/>
+            <a:ext cx="652292" cy="215444"/>
+          </a:xfrm>
+          <a:prstGeom prst="rect">
+            <a:avLst/>
+          </a:prstGeom>
+          <a:noFill/>
+        </p:spPr>
+        <p:txBody>
+          <a:bodyPr wrap="none" rtlCol="0">
+            <a:spAutoFit/>
+          </a:bodyPr>
+          <a:lstStyle/>
+          <a:p>
+            <a:r>
+              <a:rPr lang="it-IT" sz="800" dirty="0" smtClean="0"/>
+              <a:t>costruttore</a:t>
+            </a:r>
+            <a:endParaRPr lang="it-IT" sz="800" dirty="0"/>
+          </a:p>
+        </p:txBody>
+      </p:sp>
+      <p:sp>
+        <p:nvSpPr>
+          <p:cNvPr id="197" name="CasellaDiTesto 196"/>
+          <p:cNvSpPr txBox="1"/>
+          <p:nvPr/>
+        </p:nvSpPr>
+        <p:spPr>
+          <a:xfrm>
+            <a:off x="1624069" y="5085164"/>
+            <a:ext cx="526857" cy="215444"/>
+          </a:xfrm>
+          <a:prstGeom prst="rect">
+            <a:avLst/>
+          </a:prstGeom>
+          <a:noFill/>
+        </p:spPr>
+        <p:txBody>
+          <a:bodyPr wrap="none" rtlCol="0">
+            <a:spAutoFit/>
+          </a:bodyPr>
+          <a:lstStyle/>
+          <a:p>
+            <a:r>
+              <a:rPr lang="it-IT" sz="800" dirty="0" smtClean="0"/>
+              <a:t>modello</a:t>
+            </a:r>
+            <a:endParaRPr lang="it-IT" sz="800" dirty="0"/>
+          </a:p>
+        </p:txBody>
+      </p:sp>
+      <p:sp>
+        <p:nvSpPr>
+          <p:cNvPr id="155" name="Rettangolo 154"/>
           <p:cNvSpPr/>
           <p:nvPr/>
         </p:nvSpPr>
         <p:spPr>
           <a:xfrm>
-            <a:off x="1768491" y="4959755"/>
-            <a:ext cx="142455" cy="125409"/>
-          </a:xfrm>
-          <a:prstGeom prst="ellipse">
+            <a:off x="1237480" y="4385793"/>
+            <a:ext cx="844814" cy="385713"/>
+          </a:xfrm>
+          <a:prstGeom prst="rect">
             <a:avLst/>
           </a:prstGeom>
           <a:gradFill flip="none" rotWithShape="1">
@@ -7217,82 +7257,71 @@
           <a:lstStyle/>
           <a:p>
             <a:pPr algn="ctr"/>
-            <a:endParaRPr lang="it-IT" sz="800"/>
-          </a:p>
-        </p:txBody>
-      </p:sp>
-      <p:sp>
-        <p:nvSpPr>
-          <p:cNvPr id="196" name="CasellaDiTesto 195"/>
-          <p:cNvSpPr txBox="1"/>
-          <p:nvPr/>
-        </p:nvSpPr>
-        <p:spPr>
-          <a:xfrm>
-            <a:off x="1069148" y="5085164"/>
-            <a:ext cx="652292" cy="215444"/>
-          </a:xfrm>
-          <a:prstGeom prst="rect">
-            <a:avLst/>
-          </a:prstGeom>
-          <a:noFill/>
-        </p:spPr>
-        <p:txBody>
-          <a:bodyPr wrap="none" rtlCol="0">
-            <a:spAutoFit/>
-          </a:bodyPr>
-          <a:lstStyle/>
-          <a:p>
-            <a:r>
-              <a:rPr lang="it-IT" sz="800" dirty="0" smtClean="0"/>
-              <a:t>costruttore</a:t>
-            </a:r>
-            <a:endParaRPr lang="it-IT" sz="800" dirty="0"/>
-          </a:p>
-        </p:txBody>
-      </p:sp>
-      <p:sp>
-        <p:nvSpPr>
-          <p:cNvPr id="197" name="CasellaDiTesto 196"/>
-          <p:cNvSpPr txBox="1"/>
-          <p:nvPr/>
-        </p:nvSpPr>
-        <p:spPr>
-          <a:xfrm>
-            <a:off x="1624069" y="5085164"/>
-            <a:ext cx="526857" cy="215444"/>
-          </a:xfrm>
-          <a:prstGeom prst="rect">
-            <a:avLst/>
-          </a:prstGeom>
-          <a:noFill/>
-        </p:spPr>
-        <p:txBody>
-          <a:bodyPr wrap="none" rtlCol="0">
-            <a:spAutoFit/>
-          </a:bodyPr>
-          <a:lstStyle/>
-          <a:p>
-            <a:r>
-              <a:rPr lang="it-IT" sz="800" dirty="0" smtClean="0"/>
-              <a:t>modello</a:t>
-            </a:r>
-            <a:endParaRPr lang="it-IT" sz="800" dirty="0"/>
-          </a:p>
-        </p:txBody>
-      </p:sp>
-      <p:sp>
-        <p:nvSpPr>
-          <p:cNvPr id="155" name="Rettangolo 154"/>
+            <a:r>
+              <a:rPr lang="it-IT" sz="800" dirty="0" smtClean="0">
+                <a:solidFill>
+                  <a:srgbClr val="000000"/>
+                </a:solidFill>
+              </a:rPr>
+              <a:t>Idrometro</a:t>
+            </a:r>
+            <a:endParaRPr lang="it-IT" sz="800" dirty="0">
+              <a:solidFill>
+                <a:srgbClr val="000000"/>
+              </a:solidFill>
+            </a:endParaRPr>
+          </a:p>
+        </p:txBody>
+      </p:sp>
+      <p:cxnSp>
+        <p:nvCxnSpPr>
+          <p:cNvPr id="199" name="Connettore 1 198"/>
+          <p:cNvCxnSpPr>
+            <a:stCxn id="200" idx="0"/>
+          </p:cNvCxnSpPr>
+          <p:nvPr/>
+        </p:nvCxnSpPr>
+        <p:spPr>
+          <a:xfrm flipV="1">
+            <a:off x="1279255" y="767028"/>
+            <a:ext cx="0" cy="341137"/>
+          </a:xfrm>
+          <a:prstGeom prst="line">
+            <a:avLst/>
+          </a:prstGeom>
+          <a:ln w="12700">
+            <a:solidFill>
+              <a:schemeClr val="tx1"/>
+            </a:solidFill>
+          </a:ln>
+        </p:spPr>
+        <p:style>
+          <a:lnRef idx="2">
+            <a:schemeClr val="accent1"/>
+          </a:lnRef>
+          <a:fillRef idx="0">
+            <a:schemeClr val="accent1"/>
+          </a:fillRef>
+          <a:effectRef idx="1">
+            <a:schemeClr val="accent1"/>
+          </a:effectRef>
+          <a:fontRef idx="minor">
+            <a:schemeClr val="tx1"/>
+          </a:fontRef>
+        </p:style>
+      </p:cxnSp>
+      <p:sp>
+        <p:nvSpPr>
+          <p:cNvPr id="200" name="Ovale 199"/>
           <p:cNvSpPr/>
           <p:nvPr/>
         </p:nvSpPr>
         <p:spPr>
           <a:xfrm>
-            <a:off x="1237480" y="4385793"/>
-            <a:ext cx="844814" cy="385713"/>
-          </a:xfrm>
-          <a:prstGeom prst="rect">
+            <a:off x="1208027" y="1108165"/>
+            <a:ext cx="142455" cy="125409"/>
+          </a:xfrm>
+          <a:prstGeom prst="ellipse">
             <a:avLst/>
           </a:prstGeom>
           <a:gradFill flip="none" rotWithShape="1">
@@ -7335,71 +7364,51 @@
           <a:lstStyle/>
           <a:p>
             <a:pPr algn="ctr"/>
-            <a:r>
-              <a:rPr lang="it-IT" sz="800" dirty="0" smtClean="0">
-                <a:solidFill>
-                  <a:srgbClr val="000000"/>
-                </a:solidFill>
-              </a:rPr>
-              <a:t>Idrometro</a:t>
-            </a:r>
-            <a:endParaRPr lang="it-IT" sz="800" dirty="0">
-              <a:solidFill>
-                <a:srgbClr val="000000"/>
-              </a:solidFill>
-            </a:endParaRPr>
-          </a:p>
-        </p:txBody>
-      </p:sp>
-      <p:cxnSp>
-        <p:nvCxnSpPr>
-          <p:cNvPr id="199" name="Connettore 1 198"/>
-          <p:cNvCxnSpPr>
-            <a:stCxn id="200" idx="0"/>
-          </p:cNvCxnSpPr>
-          <p:nvPr/>
-        </p:nvCxnSpPr>
-        <p:spPr>
-          <a:xfrm flipV="1">
-            <a:off x="1279255" y="767028"/>
-            <a:ext cx="0" cy="341137"/>
-          </a:xfrm>
-          <a:prstGeom prst="line">
-            <a:avLst/>
-          </a:prstGeom>
-          <a:ln w="12700">
-            <a:solidFill>
-              <a:schemeClr val="tx1"/>
-            </a:solidFill>
-          </a:ln>
-        </p:spPr>
-        <p:style>
-          <a:lnRef idx="2">
-            <a:schemeClr val="accent1"/>
-          </a:lnRef>
-          <a:fillRef idx="0">
-            <a:schemeClr val="accent1"/>
-          </a:fillRef>
-          <a:effectRef idx="1">
-            <a:schemeClr val="accent1"/>
-          </a:effectRef>
-          <a:fontRef idx="minor">
-            <a:schemeClr val="tx1"/>
-          </a:fontRef>
-        </p:style>
-      </p:cxnSp>
-      <p:sp>
-        <p:nvSpPr>
-          <p:cNvPr id="200" name="Ovale 199"/>
+            <a:endParaRPr lang="it-IT" sz="800"/>
+          </a:p>
+        </p:txBody>
+      </p:sp>
+      <p:sp>
+        <p:nvSpPr>
+          <p:cNvPr id="201" name="CasellaDiTesto 200"/>
+          <p:cNvSpPr txBox="1"/>
+          <p:nvPr/>
+        </p:nvSpPr>
+        <p:spPr>
+          <a:xfrm>
+            <a:off x="1052796" y="1197512"/>
+            <a:ext cx="428322" cy="215444"/>
+          </a:xfrm>
+          <a:prstGeom prst="rect">
+            <a:avLst/>
+          </a:prstGeom>
+          <a:noFill/>
+        </p:spPr>
+        <p:txBody>
+          <a:bodyPr wrap="none" rtlCol="0">
+            <a:spAutoFit/>
+          </a:bodyPr>
+          <a:lstStyle/>
+          <a:p>
+            <a:r>
+              <a:rPr lang="it-IT" sz="800" dirty="0" smtClean="0"/>
+              <a:t>nome</a:t>
+            </a:r>
+          </a:p>
+        </p:txBody>
+      </p:sp>
+      <p:sp>
+        <p:nvSpPr>
+          <p:cNvPr id="188" name="Rettangolo 187"/>
           <p:cNvSpPr/>
           <p:nvPr/>
         </p:nvSpPr>
         <p:spPr>
           <a:xfrm>
-            <a:off x="1208027" y="1108165"/>
-            <a:ext cx="142455" cy="125409"/>
-          </a:xfrm>
-          <a:prstGeom prst="ellipse">
+            <a:off x="1033485" y="582100"/>
+            <a:ext cx="844814" cy="385713"/>
+          </a:xfrm>
+          <a:prstGeom prst="rect">
             <a:avLst/>
           </a:prstGeom>
           <a:gradFill flip="none" rotWithShape="1">
@@ -7442,20 +7451,32 @@
           <a:lstStyle/>
           <a:p>
             <a:pPr algn="ctr"/>
-            <a:endParaRPr lang="it-IT" sz="800"/>
-          </a:p>
-        </p:txBody>
-      </p:sp>
-      <p:sp>
-        <p:nvSpPr>
-          <p:cNvPr id="201" name="CasellaDiTesto 200"/>
+            <a:r>
+              <a:rPr lang="it-IT" sz="800" dirty="0" smtClean="0">
+                <a:solidFill>
+                  <a:srgbClr val="000000"/>
+                </a:solidFill>
+              </a:rPr>
+              <a:t>Fiume</a:t>
+            </a:r>
+            <a:endParaRPr lang="it-IT" sz="800" dirty="0">
+              <a:solidFill>
+                <a:srgbClr val="000000"/>
+              </a:solidFill>
+            </a:endParaRPr>
+          </a:p>
+        </p:txBody>
+      </p:sp>
+      <p:sp>
+        <p:nvSpPr>
+          <p:cNvPr id="113" name="CasellaDiTesto 112"/>
           <p:cNvSpPr txBox="1"/>
           <p:nvPr/>
         </p:nvSpPr>
         <p:spPr>
           <a:xfrm>
-            <a:off x="1052796" y="1197512"/>
-            <a:ext cx="428322" cy="215444"/>
+            <a:off x="6614378" y="1702560"/>
+            <a:ext cx="505267" cy="215444"/>
           </a:xfrm>
           <a:prstGeom prst="rect">
             <a:avLst/>
@@ -7470,23 +7491,61 @@
           <a:p>
             <a:r>
               <a:rPr lang="it-IT" sz="800" dirty="0" smtClean="0"/>
-              <a:t>nome</a:t>
-            </a:r>
-          </a:p>
-        </p:txBody>
-      </p:sp>
-      <p:sp>
-        <p:nvSpPr>
-          <p:cNvPr id="188" name="Rettangolo 187"/>
+              <a:t>regione</a:t>
+            </a:r>
+            <a:endParaRPr lang="it-IT" sz="800" dirty="0"/>
+          </a:p>
+        </p:txBody>
+      </p:sp>
+      <p:cxnSp>
+        <p:nvCxnSpPr>
+          <p:cNvPr id="117" name="Connettore 1 116"/>
+          <p:cNvCxnSpPr>
+            <a:stCxn id="118" idx="0"/>
+          </p:cNvCxnSpPr>
+          <p:nvPr/>
+        </p:nvCxnSpPr>
+        <p:spPr>
+          <a:xfrm flipV="1">
+            <a:off x="6889320" y="1228183"/>
+            <a:ext cx="0" cy="341137"/>
+          </a:xfrm>
+          <a:prstGeom prst="line">
+            <a:avLst/>
+          </a:prstGeom>
+          <a:ln w="12700">
+            <a:solidFill>
+              <a:schemeClr val="tx1"/>
+            </a:solidFill>
+          </a:ln>
+        </p:spPr>
+        <p:style>
+          <a:lnRef idx="2">
+            <a:schemeClr val="accent1"/>
+          </a:lnRef>
+          <a:fillRef idx="0">
+            <a:schemeClr val="accent1"/>
+          </a:fillRef>
+          <a:effectRef idx="1">
+            <a:schemeClr val="accent1"/>
+          </a:effectRef>
+          <a:fontRef idx="minor">
+            <a:schemeClr val="tx1"/>
+          </a:fontRef>
+        </p:style>
+      </p:cxnSp>
+      <p:sp>
+        <p:nvSpPr>
+          <p:cNvPr id="118" name="Ovale 117"/>
           <p:cNvSpPr/>
           <p:nvPr/>
         </p:nvSpPr>
         <p:spPr>
           <a:xfrm>
-            <a:off x="1033485" y="582100"/>
-            <a:ext cx="844814" cy="385713"/>
-          </a:xfrm>
-          <a:prstGeom prst="rect">
+            <a:off x="6818092" y="1569320"/>
+            <a:ext cx="142455" cy="125409"/>
+          </a:xfrm>
+          <a:prstGeom prst="ellipse">
             <a:avLst/>
           </a:prstGeom>
           <a:gradFill flip="none" rotWithShape="1">
@@ -7529,13 +7588,71 @@
           <a:lstStyle/>
           <a:p>
             <a:pPr algn="ctr"/>
+            <a:endParaRPr lang="it-IT" sz="800"/>
+          </a:p>
+        </p:txBody>
+      </p:sp>
+      <p:sp>
+        <p:nvSpPr>
+          <p:cNvPr id="7" name="Rettangolo 6"/>
+          <p:cNvSpPr/>
+          <p:nvPr/>
+        </p:nvSpPr>
+        <p:spPr>
+          <a:xfrm>
+            <a:off x="6747005" y="1112377"/>
+            <a:ext cx="844814" cy="385713"/>
+          </a:xfrm>
+          <a:prstGeom prst="rect">
+            <a:avLst/>
+          </a:prstGeom>
+          <a:gradFill flip="none" rotWithShape="1">
+            <a:gsLst>
+              <a:gs pos="0">
+                <a:schemeClr val="tx2">
+                  <a:lumMod val="40000"/>
+                  <a:lumOff val="60000"/>
+                </a:schemeClr>
+              </a:gs>
+              <a:gs pos="100000">
+                <a:schemeClr val="bg1"/>
+              </a:gs>
+            </a:gsLst>
+            <a:lin ang="16200000" scaled="0"/>
+            <a:tileRect/>
+          </a:gradFill>
+          <a:ln>
+            <a:solidFill>
+              <a:schemeClr val="tx1"/>
+            </a:solidFill>
+          </a:ln>
+        </p:spPr>
+        <p:style>
+          <a:lnRef idx="1">
+            <a:schemeClr val="accent1"/>
+          </a:lnRef>
+          <a:fillRef idx="3">
+            <a:schemeClr val="accent1"/>
+          </a:fillRef>
+          <a:effectRef idx="2">
+            <a:schemeClr val="accent1"/>
+          </a:effectRef>
+          <a:fontRef idx="minor">
+            <a:schemeClr val="lt1"/>
+          </a:fontRef>
+        </p:style>
+        <p:txBody>
+          <a:bodyPr rtlCol="0" anchor="ctr"/>
+          <a:lstStyle/>
+          <a:p>
+            <a:pPr algn="ctr"/>
             <a:r>
               <a:rPr lang="it-IT" sz="800" dirty="0" smtClean="0">
                 <a:solidFill>
                   <a:srgbClr val="000000"/>
                 </a:solidFill>
               </a:rPr>
-              <a:t>Fiume</a:t>
+              <a:t>Cella Geografica</a:t>
             </a:r>
             <a:endParaRPr lang="it-IT" sz="800" dirty="0">
               <a:solidFill>
